--- a/teaching/ITIS6200/2023fa/lectures/lec15.ARP.pptx
+++ b/teaching/ITIS6200/2023fa/lectures/lec15.ARP.pptx
@@ -18847,10 +18847,10 @@
               <a:buChar char="●"/>
             </a:pPr>
             <a:r>
-              <a:rPr lang="en" dirty="0"/>
+              <a:rPr lang="en" sz="2000" dirty="0"/>
               <a:t>Network Attackers</a:t>
             </a:r>
-            <a:endParaRPr dirty="0"/>
+            <a:endParaRPr sz="2000" dirty="0"/>
           </a:p>
           <a:p>
             <a:pPr marL="914400" lvl="1" indent="-317500" algn="l" rtl="0">
@@ -18864,10 +18864,10 @@
               <a:buChar char="○"/>
             </a:pPr>
             <a:r>
-              <a:rPr lang="en" dirty="0"/>
+              <a:rPr lang="en" sz="1600" dirty="0"/>
               <a:t>Man-in-the-middle attacker</a:t>
             </a:r>
-            <a:endParaRPr dirty="0"/>
+            <a:endParaRPr sz="1600" dirty="0"/>
           </a:p>
           <a:p>
             <a:pPr marL="914400" lvl="1" indent="-317500" algn="l" rtl="0">
@@ -18881,10 +18881,10 @@
               <a:buChar char="○"/>
             </a:pPr>
             <a:r>
-              <a:rPr lang="en" dirty="0"/>
+              <a:rPr lang="en" sz="1600" dirty="0"/>
               <a:t>On-path attacker</a:t>
             </a:r>
-            <a:endParaRPr dirty="0"/>
+            <a:endParaRPr sz="1600" dirty="0"/>
           </a:p>
           <a:p>
             <a:pPr marL="914400" lvl="1" indent="-317500" algn="l" rtl="0">
@@ -18898,10 +18898,10 @@
               <a:buChar char="○"/>
             </a:pPr>
             <a:r>
-              <a:rPr lang="en" dirty="0"/>
+              <a:rPr lang="en" sz="1600" dirty="0"/>
               <a:t>Off-path attacker</a:t>
             </a:r>
-            <a:endParaRPr dirty="0"/>
+            <a:endParaRPr sz="1600" dirty="0"/>
           </a:p>
           <a:p>
             <a:pPr marL="457200" lvl="0" indent="-342900" algn="l" rtl="0">
@@ -18915,25 +18915,58 @@
               <a:buChar char="●"/>
             </a:pPr>
             <a:r>
-              <a:rPr lang="en" dirty="0"/>
+              <a:rPr lang="en" sz="2000" dirty="0"/>
+              <a:t>Important Concepts</a:t>
+            </a:r>
+          </a:p>
+          <a:p>
+            <a:pPr lvl="1"/>
+            <a:r>
+              <a:rPr lang="en-US" sz="1600" b="1" dirty="0"/>
               <a:t>ARP: Translate IP addresses to MAC addresses</a:t>
             </a:r>
-            <a:endParaRPr dirty="0"/>
-          </a:p>
-          <a:p>
-            <a:pPr marL="457200" lvl="0" indent="-342900" algn="l" rtl="0">
-              <a:spcBef>
-                <a:spcPts val="0"/>
-              </a:spcBef>
-              <a:spcAft>
-                <a:spcPts val="0"/>
-              </a:spcAft>
-              <a:buSzPts val="1800"/>
-              <a:buChar char="●"/>
-            </a:pPr>
-            <a:r>
-              <a:rPr lang="en" dirty="0"/>
-              <a:t>Other Important Concepts (Not going to cover)</a:t>
+          </a:p>
+          <a:p>
+            <a:pPr lvl="1"/>
+            <a:r>
+              <a:rPr lang="en" sz="1600" dirty="0"/>
+              <a:t>DHCP: Get configurations when first connecting to a network</a:t>
+            </a:r>
+            <a:endParaRPr sz="1600" dirty="0"/>
+          </a:p>
+          <a:p>
+            <a:pPr lvl="1"/>
+            <a:r>
+              <a:rPr lang="en" sz="1600" dirty="0"/>
+              <a:t>WPA: Communicate securely in a wireless local network</a:t>
+            </a:r>
+          </a:p>
+          <a:p>
+            <a:pPr lvl="1"/>
+            <a:r>
+              <a:rPr lang="en" sz="1600" dirty="0"/>
+              <a:t>TCP: Reliably send packets </a:t>
+            </a:r>
+          </a:p>
+          <a:p>
+            <a:pPr lvl="1"/>
+            <a:r>
+              <a:rPr lang="en" sz="1600" dirty="0"/>
+              <a:t>UDP: Not-reliably send packets</a:t>
+            </a:r>
+          </a:p>
+          <a:p>
+            <a:pPr lvl="1"/>
+            <a:r>
+              <a:rPr lang="en" sz="1600" dirty="0"/>
+              <a:t>TLS: Secure TCP, securely send packets</a:t>
+            </a:r>
+          </a:p>
+          <a:p>
+            <a:pPr lvl="1"/>
+            <a:r>
+              <a:rPr lang="en" sz="1600" dirty="0"/>
+              <a:t>DNS: Lookup IP address from domain names</a:t>
             </a:r>
           </a:p>
           <a:p>
@@ -18941,68 +18974,7 @@
               <a:buSzPts val="1800"/>
               <a:buChar char="●"/>
             </a:pPr>
-            <a:r>
-              <a:rPr lang="en" dirty="0"/>
-              <a:t>DHCP: Get configurations when first connecting to a network</a:t>
-            </a:r>
-            <a:endParaRPr dirty="0"/>
-          </a:p>
-          <a:p>
-            <a:pPr lvl="1" indent="-342900">
-              <a:buSzPts val="1800"/>
-              <a:buChar char="●"/>
-            </a:pPr>
-            <a:r>
-              <a:rPr lang="en" dirty="0"/>
-              <a:t>WPA: Communicate securely in a wireless local network</a:t>
-            </a:r>
-          </a:p>
-          <a:p>
-            <a:pPr lvl="1" indent="-342900">
-              <a:buSzPts val="1800"/>
-              <a:buChar char="●"/>
-            </a:pPr>
-            <a:r>
-              <a:rPr lang="en" dirty="0"/>
-              <a:t>TCP</a:t>
-            </a:r>
-          </a:p>
-          <a:p>
-            <a:pPr lvl="1" indent="-342900">
-              <a:buSzPts val="1800"/>
-              <a:buChar char="●"/>
-            </a:pPr>
-            <a:r>
-              <a:rPr lang="en" dirty="0"/>
-              <a:t>UDP</a:t>
-            </a:r>
-          </a:p>
-          <a:p>
-            <a:pPr lvl="1" indent="-342900">
-              <a:buSzPts val="1800"/>
-              <a:buChar char="●"/>
-            </a:pPr>
-            <a:r>
-              <a:rPr lang="en" dirty="0"/>
-              <a:t>TLS</a:t>
-            </a:r>
-          </a:p>
-          <a:p>
-            <a:pPr lvl="1" indent="-342900">
-              <a:buSzPts val="1800"/>
-              <a:buChar char="●"/>
-            </a:pPr>
-            <a:r>
-              <a:rPr lang="en" dirty="0"/>
-              <a:t>DNS</a:t>
-            </a:r>
-          </a:p>
-          <a:p>
-            <a:pPr lvl="1" indent="-342900">
-              <a:buSzPts val="1800"/>
-              <a:buChar char="●"/>
-            </a:pPr>
-            <a:endParaRPr dirty="0"/>
+            <a:endParaRPr sz="1600" dirty="0"/>
           </a:p>
         </p:txBody>
       </p:sp>
@@ -24056,7 +24028,7 @@
             </a:pPr>
             <a:r>
               <a:rPr lang="en" dirty="0"/>
-              <a:t>More Important Concepts</a:t>
+              <a:t>Other Important Concepts</a:t>
             </a:r>
             <a:endParaRPr dirty="0"/>
           </a:p>
@@ -25317,10 +25289,10 @@
               <a:buChar char="●"/>
             </a:pPr>
             <a:r>
-              <a:rPr lang="en"/>
+              <a:rPr lang="en" dirty="0"/>
               <a:t>Transmission Control Protocol (TCP): Reliably sending packets</a:t>
             </a:r>
-            <a:endParaRPr/>
+            <a:endParaRPr dirty="0"/>
           </a:p>
           <a:p>
             <a:pPr marL="914400" lvl="1" indent="-317500" algn="l" rtl="0">
@@ -25334,10 +25306,10 @@
               <a:buChar char="○"/>
             </a:pPr>
             <a:r>
-              <a:rPr lang="en"/>
+              <a:rPr lang="en" dirty="0"/>
               <a:t>3-way handshake: Client sends SYN, server sends SYN-ACK, client sends ACK</a:t>
             </a:r>
-            <a:endParaRPr/>
+            <a:endParaRPr dirty="0"/>
           </a:p>
           <a:p>
             <a:pPr marL="914400" lvl="1" indent="-317500" algn="l" rtl="0">
@@ -25351,10 +25323,10 @@
               <a:buChar char="○"/>
             </a:pPr>
             <a:r>
-              <a:rPr lang="en"/>
+              <a:rPr lang="en" dirty="0"/>
               <a:t>Provides reliability, ordering, and ports</a:t>
             </a:r>
-            <a:endParaRPr/>
+            <a:endParaRPr dirty="0"/>
           </a:p>
           <a:p>
             <a:pPr marL="914400" lvl="1" indent="-317500" algn="l" rtl="0">
@@ -25368,10 +25340,10 @@
               <a:buChar char="○"/>
             </a:pPr>
             <a:r>
-              <a:rPr lang="en"/>
+              <a:rPr lang="en" dirty="0"/>
               <a:t>Attack: TCP hijacking through data injection or RST injection</a:t>
             </a:r>
-            <a:endParaRPr/>
+            <a:endParaRPr dirty="0"/>
           </a:p>
           <a:p>
             <a:pPr marL="1371600" lvl="2" indent="-317500" algn="l" rtl="0">
@@ -25385,10 +25357,10 @@
               <a:buChar char="■"/>
             </a:pPr>
             <a:r>
-              <a:rPr lang="en"/>
+              <a:rPr lang="en" dirty="0"/>
               <a:t>Blind attacks must guess the client’s or server’s sequence numbers</a:t>
             </a:r>
-            <a:endParaRPr/>
+            <a:endParaRPr dirty="0"/>
           </a:p>
           <a:p>
             <a:pPr marL="914400" lvl="1" indent="-317500" algn="l" rtl="0">
@@ -25402,10 +25374,10 @@
               <a:buChar char="○"/>
             </a:pPr>
             <a:r>
-              <a:rPr lang="en"/>
+              <a:rPr lang="en" dirty="0"/>
               <a:t>Attack: TCP spoofing by sending a spoofed SYN packet</a:t>
             </a:r>
-            <a:endParaRPr/>
+            <a:endParaRPr dirty="0"/>
           </a:p>
           <a:p>
             <a:pPr marL="1371600" lvl="2" indent="-317500" algn="l" rtl="0">
@@ -25419,10 +25391,10 @@
               <a:buChar char="■"/>
             </a:pPr>
             <a:r>
-              <a:rPr lang="en"/>
+              <a:rPr lang="en" dirty="0"/>
               <a:t>Blind attacks must guess the server’s sequence number</a:t>
             </a:r>
-            <a:endParaRPr/>
+            <a:endParaRPr dirty="0"/>
           </a:p>
           <a:p>
             <a:pPr marL="457200" lvl="0" indent="-342900" algn="l" rtl="0">
@@ -25436,10 +25408,10 @@
               <a:buChar char="●"/>
             </a:pPr>
             <a:r>
-              <a:rPr lang="en"/>
+              <a:rPr lang="en" dirty="0"/>
               <a:t>User Datagram Protocol (UDP): Non-reliably sending packets</a:t>
             </a:r>
-            <a:endParaRPr/>
+            <a:endParaRPr dirty="0"/>
           </a:p>
           <a:p>
             <a:pPr marL="914400" lvl="1" indent="-317500" algn="l" rtl="0">
@@ -25453,10 +25425,10 @@
               <a:buChar char="○"/>
             </a:pPr>
             <a:r>
-              <a:rPr lang="en"/>
+              <a:rPr lang="en" dirty="0"/>
               <a:t>No reliability or ordering, only ports</a:t>
             </a:r>
-            <a:endParaRPr/>
+            <a:endParaRPr dirty="0"/>
           </a:p>
           <a:p>
             <a:pPr marL="914400" lvl="1" indent="-317500" algn="l" rtl="0">
@@ -25470,10 +25442,10 @@
               <a:buChar char="○"/>
             </a:pPr>
             <a:r>
-              <a:rPr lang="en"/>
+              <a:rPr lang="en" dirty="0"/>
               <a:t>Same injection and spoofing attacks as TCP, but easier</a:t>
             </a:r>
-            <a:endParaRPr/>
+            <a:endParaRPr dirty="0"/>
           </a:p>
         </p:txBody>
       </p:sp>

--- a/teaching/ITIS6200/2023fa/lectures/lec15.ARP.pptx
+++ b/teaching/ITIS6200/2023fa/lectures/lec15.ARP.pptx
@@ -10512,8 +10512,13 @@
             </a:pPr>
             <a:r>
               <a:rPr lang="en-US" sz="2400" dirty="0"/>
-              <a:t>Option 3: A combination of both</a:t>
-            </a:r>
+              <a:t>Option 3: A combination </a:t>
+            </a:r>
+            <a:r>
+              <a:rPr lang="en-US" sz="2400"/>
+              <a:t>of both 1 and 2</a:t>
+            </a:r>
+            <a:endParaRPr lang="en-US" sz="2400" dirty="0"/>
           </a:p>
           <a:p>
             <a:endParaRPr lang="en-US" sz="2800" dirty="0"/>

--- a/teaching/ITIS6200/2023fa/lectures/lec15.ARP.pptx
+++ b/teaching/ITIS6200/2023fa/lectures/lec15.ARP.pptx
@@ -5,7 +5,7 @@
     <p:sldMasterId id="2147483663" r:id="rId1"/>
   </p:sldMasterIdLst>
   <p:notesMasterIdLst>
-    <p:notesMasterId r:id="rId40"/>
+    <p:notesMasterId r:id="rId41"/>
   </p:notesMasterIdLst>
   <p:sldIdLst>
     <p:sldId id="330" r:id="rId2"/>
@@ -33,19 +33,20 @@
     <p:sldId id="329" r:id="rId24"/>
     <p:sldId id="345" r:id="rId25"/>
     <p:sldId id="331" r:id="rId26"/>
-    <p:sldId id="346" r:id="rId27"/>
-    <p:sldId id="332" r:id="rId28"/>
-    <p:sldId id="333" r:id="rId29"/>
-    <p:sldId id="334" r:id="rId30"/>
-    <p:sldId id="335" r:id="rId31"/>
-    <p:sldId id="336" r:id="rId32"/>
-    <p:sldId id="337" r:id="rId33"/>
-    <p:sldId id="338" r:id="rId34"/>
-    <p:sldId id="340" r:id="rId35"/>
-    <p:sldId id="341" r:id="rId36"/>
-    <p:sldId id="342" r:id="rId37"/>
-    <p:sldId id="343" r:id="rId38"/>
-    <p:sldId id="344" r:id="rId39"/>
+    <p:sldId id="347" r:id="rId27"/>
+    <p:sldId id="348" r:id="rId28"/>
+    <p:sldId id="346" r:id="rId29"/>
+    <p:sldId id="332" r:id="rId30"/>
+    <p:sldId id="334" r:id="rId31"/>
+    <p:sldId id="335" r:id="rId32"/>
+    <p:sldId id="336" r:id="rId33"/>
+    <p:sldId id="337" r:id="rId34"/>
+    <p:sldId id="338" r:id="rId35"/>
+    <p:sldId id="340" r:id="rId36"/>
+    <p:sldId id="341" r:id="rId37"/>
+    <p:sldId id="342" r:id="rId38"/>
+    <p:sldId id="343" r:id="rId39"/>
+    <p:sldId id="344" r:id="rId40"/>
   </p:sldIdLst>
   <p:sldSz cx="9144000" cy="5143500" type="screen16x9"/>
   <p:notesSz cx="6858000" cy="9144000"/>
@@ -2728,6 +2729,224 @@
     </p:spTree>
     <p:extLst>
       <p:ext uri="{BB962C8B-B14F-4D97-AF65-F5344CB8AC3E}">
+        <p14:creationId xmlns:p14="http://schemas.microsoft.com/office/powerpoint/2010/main" val="3062970159"/>
+      </p:ext>
+    </p:extLst>
+  </p:cSld>
+  <p:clrMapOvr>
+    <a:masterClrMapping/>
+  </p:clrMapOvr>
+</p:notes>
+</file>
+
+<file path=ppt/notesSlides/notesSlide27.xml><?xml version="1.0" encoding="utf-8"?>
+<p:notes xmlns:a="http://schemas.openxmlformats.org/drawingml/2006/main" xmlns:r="http://schemas.openxmlformats.org/officeDocument/2006/relationships" xmlns:p="http://schemas.openxmlformats.org/presentationml/2006/main" showMasterSp="0" showMasterPhAnim="0">
+  <p:cSld>
+    <p:spTree>
+      <p:nvGrpSpPr>
+        <p:cNvPr id="1" name="Shape 589"/>
+        <p:cNvGrpSpPr/>
+        <p:nvPr/>
+      </p:nvGrpSpPr>
+      <p:grpSpPr>
+        <a:xfrm>
+          <a:off x="0" y="0"/>
+          <a:ext cx="0" cy="0"/>
+          <a:chOff x="0" y="0"/>
+          <a:chExt cx="0" cy="0"/>
+        </a:xfrm>
+      </p:grpSpPr>
+      <p:sp>
+        <p:nvSpPr>
+          <p:cNvPr id="590" name="Google Shape;590;gdd7230b6bd_0_470:notes"/>
+          <p:cNvSpPr>
+            <a:spLocks noGrp="1" noRot="1" noChangeAspect="1"/>
+          </p:cNvSpPr>
+          <p:nvPr>
+            <p:ph type="sldImg" idx="2"/>
+          </p:nvPr>
+        </p:nvSpPr>
+        <p:spPr>
+          <a:xfrm>
+            <a:off x="381000" y="685800"/>
+            <a:ext cx="6096000" cy="3429000"/>
+          </a:xfrm>
+          <a:custGeom>
+            <a:avLst/>
+            <a:gdLst/>
+            <a:ahLst/>
+            <a:cxnLst/>
+            <a:rect l="l" t="t" r="r" b="b"/>
+            <a:pathLst>
+              <a:path w="120000" h="120000" extrusionOk="0">
+                <a:moveTo>
+                  <a:pt x="0" y="0"/>
+                </a:moveTo>
+                <a:lnTo>
+                  <a:pt x="120000" y="0"/>
+                </a:lnTo>
+                <a:lnTo>
+                  <a:pt x="120000" y="120000"/>
+                </a:lnTo>
+                <a:lnTo>
+                  <a:pt x="0" y="120000"/>
+                </a:lnTo>
+                <a:close/>
+              </a:path>
+            </a:pathLst>
+          </a:custGeom>
+        </p:spPr>
+      </p:sp>
+      <p:sp>
+        <p:nvSpPr>
+          <p:cNvPr id="591" name="Google Shape;591;gdd7230b6bd_0_470:notes"/>
+          <p:cNvSpPr txBox="1">
+            <a:spLocks noGrp="1"/>
+          </p:cNvSpPr>
+          <p:nvPr>
+            <p:ph type="body" idx="1"/>
+          </p:nvPr>
+        </p:nvSpPr>
+        <p:spPr>
+          <a:xfrm>
+            <a:off x="685800" y="4343400"/>
+            <a:ext cx="5486400" cy="4114800"/>
+          </a:xfrm>
+          <a:prstGeom prst="rect">
+            <a:avLst/>
+          </a:prstGeom>
+        </p:spPr>
+        <p:txBody>
+          <a:bodyPr spcFirstLastPara="1" wrap="square" lIns="91425" tIns="91425" rIns="91425" bIns="91425" anchor="t" anchorCtr="0">
+            <a:noAutofit/>
+          </a:bodyPr>
+          <a:lstStyle/>
+          <a:p>
+            <a:pPr marL="0" lvl="0" indent="0" algn="l" rtl="0">
+              <a:spcBef>
+                <a:spcPts val="0"/>
+              </a:spcBef>
+              <a:spcAft>
+                <a:spcPts val="0"/>
+              </a:spcAft>
+              <a:buNone/>
+            </a:pPr>
+            <a:endParaRPr/>
+          </a:p>
+        </p:txBody>
+      </p:sp>
+    </p:spTree>
+    <p:extLst>
+      <p:ext uri="{BB962C8B-B14F-4D97-AF65-F5344CB8AC3E}">
+        <p14:creationId xmlns:p14="http://schemas.microsoft.com/office/powerpoint/2010/main" val="2725834515"/>
+      </p:ext>
+    </p:extLst>
+  </p:cSld>
+  <p:clrMapOvr>
+    <a:masterClrMapping/>
+  </p:clrMapOvr>
+</p:notes>
+</file>
+
+<file path=ppt/notesSlides/notesSlide28.xml><?xml version="1.0" encoding="utf-8"?>
+<p:notes xmlns:a="http://schemas.openxmlformats.org/drawingml/2006/main" xmlns:r="http://schemas.openxmlformats.org/officeDocument/2006/relationships" xmlns:p="http://schemas.openxmlformats.org/presentationml/2006/main" showMasterSp="0" showMasterPhAnim="0">
+  <p:cSld>
+    <p:spTree>
+      <p:nvGrpSpPr>
+        <p:cNvPr id="1" name="Shape 589"/>
+        <p:cNvGrpSpPr/>
+        <p:nvPr/>
+      </p:nvGrpSpPr>
+      <p:grpSpPr>
+        <a:xfrm>
+          <a:off x="0" y="0"/>
+          <a:ext cx="0" cy="0"/>
+          <a:chOff x="0" y="0"/>
+          <a:chExt cx="0" cy="0"/>
+        </a:xfrm>
+      </p:grpSpPr>
+      <p:sp>
+        <p:nvSpPr>
+          <p:cNvPr id="590" name="Google Shape;590;gdd7230b6bd_0_470:notes"/>
+          <p:cNvSpPr>
+            <a:spLocks noGrp="1" noRot="1" noChangeAspect="1"/>
+          </p:cNvSpPr>
+          <p:nvPr>
+            <p:ph type="sldImg" idx="2"/>
+          </p:nvPr>
+        </p:nvSpPr>
+        <p:spPr>
+          <a:xfrm>
+            <a:off x="381000" y="685800"/>
+            <a:ext cx="6096000" cy="3429000"/>
+          </a:xfrm>
+          <a:custGeom>
+            <a:avLst/>
+            <a:gdLst/>
+            <a:ahLst/>
+            <a:cxnLst/>
+            <a:rect l="l" t="t" r="r" b="b"/>
+            <a:pathLst>
+              <a:path w="120000" h="120000" extrusionOk="0">
+                <a:moveTo>
+                  <a:pt x="0" y="0"/>
+                </a:moveTo>
+                <a:lnTo>
+                  <a:pt x="120000" y="0"/>
+                </a:lnTo>
+                <a:lnTo>
+                  <a:pt x="120000" y="120000"/>
+                </a:lnTo>
+                <a:lnTo>
+                  <a:pt x="0" y="120000"/>
+                </a:lnTo>
+                <a:close/>
+              </a:path>
+            </a:pathLst>
+          </a:custGeom>
+        </p:spPr>
+      </p:sp>
+      <p:sp>
+        <p:nvSpPr>
+          <p:cNvPr id="591" name="Google Shape;591;gdd7230b6bd_0_470:notes"/>
+          <p:cNvSpPr txBox="1">
+            <a:spLocks noGrp="1"/>
+          </p:cNvSpPr>
+          <p:nvPr>
+            <p:ph type="body" idx="1"/>
+          </p:nvPr>
+        </p:nvSpPr>
+        <p:spPr>
+          <a:xfrm>
+            <a:off x="685800" y="4343400"/>
+            <a:ext cx="5486400" cy="4114800"/>
+          </a:xfrm>
+          <a:prstGeom prst="rect">
+            <a:avLst/>
+          </a:prstGeom>
+        </p:spPr>
+        <p:txBody>
+          <a:bodyPr spcFirstLastPara="1" wrap="square" lIns="91425" tIns="91425" rIns="91425" bIns="91425" anchor="t" anchorCtr="0">
+            <a:noAutofit/>
+          </a:bodyPr>
+          <a:lstStyle/>
+          <a:p>
+            <a:pPr marL="0" lvl="0" indent="0" algn="l" rtl="0">
+              <a:spcBef>
+                <a:spcPts val="0"/>
+              </a:spcBef>
+              <a:spcAft>
+                <a:spcPts val="0"/>
+              </a:spcAft>
+              <a:buNone/>
+            </a:pPr>
+            <a:endParaRPr/>
+          </a:p>
+        </p:txBody>
+      </p:sp>
+    </p:spTree>
+    <p:extLst>
+      <p:ext uri="{BB962C8B-B14F-4D97-AF65-F5344CB8AC3E}">
         <p14:creationId xmlns:p14="http://schemas.microsoft.com/office/powerpoint/2010/main" val="3393161843"/>
       </p:ext>
     </p:extLst>
@@ -2738,7 +2957,7 @@
 </p:notes>
 </file>
 
-<file path=ppt/notesSlides/notesSlide27.xml><?xml version="1.0" encoding="utf-8"?>
+<file path=ppt/notesSlides/notesSlide29.xml><?xml version="1.0" encoding="utf-8"?>
 <p:notes xmlns:a="http://schemas.openxmlformats.org/drawingml/2006/main" xmlns:r="http://schemas.openxmlformats.org/officeDocument/2006/relationships" xmlns:p="http://schemas.openxmlformats.org/presentationml/2006/main" showMasterSp="0" showMasterPhAnim="0">
   <p:cSld>
     <p:spTree>
@@ -2799,214 +3018,6 @@
       <p:sp>
         <p:nvSpPr>
           <p:cNvPr id="598" name="Google Shape;598;ge60c7b3374_4_296:notes"/>
-          <p:cNvSpPr txBox="1">
-            <a:spLocks noGrp="1"/>
-          </p:cNvSpPr>
-          <p:nvPr>
-            <p:ph type="body" idx="1"/>
-          </p:nvPr>
-        </p:nvSpPr>
-        <p:spPr>
-          <a:xfrm>
-            <a:off x="685800" y="4343400"/>
-            <a:ext cx="5486400" cy="4114800"/>
-          </a:xfrm>
-          <a:prstGeom prst="rect">
-            <a:avLst/>
-          </a:prstGeom>
-        </p:spPr>
-        <p:txBody>
-          <a:bodyPr spcFirstLastPara="1" wrap="square" lIns="91425" tIns="91425" rIns="91425" bIns="91425" anchor="t" anchorCtr="0">
-            <a:noAutofit/>
-          </a:bodyPr>
-          <a:lstStyle/>
-          <a:p>
-            <a:pPr marL="0" lvl="0" indent="0" algn="l" rtl="0">
-              <a:spcBef>
-                <a:spcPts val="0"/>
-              </a:spcBef>
-              <a:spcAft>
-                <a:spcPts val="0"/>
-              </a:spcAft>
-              <a:buNone/>
-            </a:pPr>
-            <a:endParaRPr/>
-          </a:p>
-        </p:txBody>
-      </p:sp>
-    </p:spTree>
-  </p:cSld>
-  <p:clrMapOvr>
-    <a:masterClrMapping/>
-  </p:clrMapOvr>
-</p:notes>
-</file>
-
-<file path=ppt/notesSlides/notesSlide28.xml><?xml version="1.0" encoding="utf-8"?>
-<p:notes xmlns:a="http://schemas.openxmlformats.org/drawingml/2006/main" xmlns:r="http://schemas.openxmlformats.org/officeDocument/2006/relationships" xmlns:p="http://schemas.openxmlformats.org/presentationml/2006/main" showMasterSp="0" showMasterPhAnim="0">
-  <p:cSld>
-    <p:spTree>
-      <p:nvGrpSpPr>
-        <p:cNvPr id="1" name="Shape 603"/>
-        <p:cNvGrpSpPr/>
-        <p:nvPr/>
-      </p:nvGrpSpPr>
-      <p:grpSpPr>
-        <a:xfrm>
-          <a:off x="0" y="0"/>
-          <a:ext cx="0" cy="0"/>
-          <a:chOff x="0" y="0"/>
-          <a:chExt cx="0" cy="0"/>
-        </a:xfrm>
-      </p:grpSpPr>
-      <p:sp>
-        <p:nvSpPr>
-          <p:cNvPr id="604" name="Google Shape;604;g1737fae9c02_4_138:notes"/>
-          <p:cNvSpPr>
-            <a:spLocks noGrp="1" noRot="1" noChangeAspect="1"/>
-          </p:cNvSpPr>
-          <p:nvPr>
-            <p:ph type="sldImg" idx="2"/>
-          </p:nvPr>
-        </p:nvSpPr>
-        <p:spPr>
-          <a:xfrm>
-            <a:off x="381000" y="685800"/>
-            <a:ext cx="6096000" cy="3429000"/>
-          </a:xfrm>
-          <a:custGeom>
-            <a:avLst/>
-            <a:gdLst/>
-            <a:ahLst/>
-            <a:cxnLst/>
-            <a:rect l="l" t="t" r="r" b="b"/>
-            <a:pathLst>
-              <a:path w="120000" h="120000" extrusionOk="0">
-                <a:moveTo>
-                  <a:pt x="0" y="0"/>
-                </a:moveTo>
-                <a:lnTo>
-                  <a:pt x="120000" y="0"/>
-                </a:lnTo>
-                <a:lnTo>
-                  <a:pt x="120000" y="120000"/>
-                </a:lnTo>
-                <a:lnTo>
-                  <a:pt x="0" y="120000"/>
-                </a:lnTo>
-                <a:close/>
-              </a:path>
-            </a:pathLst>
-          </a:custGeom>
-        </p:spPr>
-      </p:sp>
-      <p:sp>
-        <p:nvSpPr>
-          <p:cNvPr id="605" name="Google Shape;605;g1737fae9c02_4_138:notes"/>
-          <p:cNvSpPr txBox="1">
-            <a:spLocks noGrp="1"/>
-          </p:cNvSpPr>
-          <p:nvPr>
-            <p:ph type="body" idx="1"/>
-          </p:nvPr>
-        </p:nvSpPr>
-        <p:spPr>
-          <a:xfrm>
-            <a:off x="685800" y="4343400"/>
-            <a:ext cx="5486400" cy="4114800"/>
-          </a:xfrm>
-          <a:prstGeom prst="rect">
-            <a:avLst/>
-          </a:prstGeom>
-        </p:spPr>
-        <p:txBody>
-          <a:bodyPr spcFirstLastPara="1" wrap="square" lIns="91425" tIns="91425" rIns="91425" bIns="91425" anchor="t" anchorCtr="0">
-            <a:noAutofit/>
-          </a:bodyPr>
-          <a:lstStyle/>
-          <a:p>
-            <a:pPr marL="0" lvl="0" indent="0" algn="l" rtl="0">
-              <a:spcBef>
-                <a:spcPts val="0"/>
-              </a:spcBef>
-              <a:spcAft>
-                <a:spcPts val="0"/>
-              </a:spcAft>
-              <a:buNone/>
-            </a:pPr>
-            <a:endParaRPr/>
-          </a:p>
-        </p:txBody>
-      </p:sp>
-    </p:spTree>
-  </p:cSld>
-  <p:clrMapOvr>
-    <a:masterClrMapping/>
-  </p:clrMapOvr>
-</p:notes>
-</file>
-
-<file path=ppt/notesSlides/notesSlide29.xml><?xml version="1.0" encoding="utf-8"?>
-<p:notes xmlns:a="http://schemas.openxmlformats.org/drawingml/2006/main" xmlns:r="http://schemas.openxmlformats.org/officeDocument/2006/relationships" xmlns:p="http://schemas.openxmlformats.org/presentationml/2006/main" showMasterSp="0" showMasterPhAnim="0">
-  <p:cSld>
-    <p:spTree>
-      <p:nvGrpSpPr>
-        <p:cNvPr id="1" name="Shape 339"/>
-        <p:cNvGrpSpPr/>
-        <p:nvPr/>
-      </p:nvGrpSpPr>
-      <p:grpSpPr>
-        <a:xfrm>
-          <a:off x="0" y="0"/>
-          <a:ext cx="0" cy="0"/>
-          <a:chOff x="0" y="0"/>
-          <a:chExt cx="0" cy="0"/>
-        </a:xfrm>
-      </p:grpSpPr>
-      <p:sp>
-        <p:nvSpPr>
-          <p:cNvPr id="340" name="Google Shape;340;gdb0b7df50a_0_424:notes"/>
-          <p:cNvSpPr>
-            <a:spLocks noGrp="1" noRot="1" noChangeAspect="1"/>
-          </p:cNvSpPr>
-          <p:nvPr>
-            <p:ph type="sldImg" idx="2"/>
-          </p:nvPr>
-        </p:nvSpPr>
-        <p:spPr>
-          <a:xfrm>
-            <a:off x="381000" y="685800"/>
-            <a:ext cx="6096000" cy="3429000"/>
-          </a:xfrm>
-          <a:custGeom>
-            <a:avLst/>
-            <a:gdLst/>
-            <a:ahLst/>
-            <a:cxnLst/>
-            <a:rect l="l" t="t" r="r" b="b"/>
-            <a:pathLst>
-              <a:path w="120000" h="120000" extrusionOk="0">
-                <a:moveTo>
-                  <a:pt x="0" y="0"/>
-                </a:moveTo>
-                <a:lnTo>
-                  <a:pt x="120000" y="0"/>
-                </a:lnTo>
-                <a:lnTo>
-                  <a:pt x="120000" y="120000"/>
-                </a:lnTo>
-                <a:lnTo>
-                  <a:pt x="0" y="120000"/>
-                </a:lnTo>
-                <a:close/>
-              </a:path>
-            </a:pathLst>
-          </a:custGeom>
-        </p:spPr>
-      </p:sp>
-      <p:sp>
-        <p:nvSpPr>
-          <p:cNvPr id="341" name="Google Shape;341;gdb0b7df50a_0_424:notes"/>
           <p:cNvSpPr txBox="1">
             <a:spLocks noGrp="1"/>
           </p:cNvSpPr>
@@ -3159,6 +3170,110 @@
   <p:cSld>
     <p:spTree>
       <p:nvGrpSpPr>
+        <p:cNvPr id="1" name="Shape 339"/>
+        <p:cNvGrpSpPr/>
+        <p:nvPr/>
+      </p:nvGrpSpPr>
+      <p:grpSpPr>
+        <a:xfrm>
+          <a:off x="0" y="0"/>
+          <a:ext cx="0" cy="0"/>
+          <a:chOff x="0" y="0"/>
+          <a:chExt cx="0" cy="0"/>
+        </a:xfrm>
+      </p:grpSpPr>
+      <p:sp>
+        <p:nvSpPr>
+          <p:cNvPr id="340" name="Google Shape;340;gdb0b7df50a_0_424:notes"/>
+          <p:cNvSpPr>
+            <a:spLocks noGrp="1" noRot="1" noChangeAspect="1"/>
+          </p:cNvSpPr>
+          <p:nvPr>
+            <p:ph type="sldImg" idx="2"/>
+          </p:nvPr>
+        </p:nvSpPr>
+        <p:spPr>
+          <a:xfrm>
+            <a:off x="381000" y="685800"/>
+            <a:ext cx="6096000" cy="3429000"/>
+          </a:xfrm>
+          <a:custGeom>
+            <a:avLst/>
+            <a:gdLst/>
+            <a:ahLst/>
+            <a:cxnLst/>
+            <a:rect l="l" t="t" r="r" b="b"/>
+            <a:pathLst>
+              <a:path w="120000" h="120000" extrusionOk="0">
+                <a:moveTo>
+                  <a:pt x="0" y="0"/>
+                </a:moveTo>
+                <a:lnTo>
+                  <a:pt x="120000" y="0"/>
+                </a:lnTo>
+                <a:lnTo>
+                  <a:pt x="120000" y="120000"/>
+                </a:lnTo>
+                <a:lnTo>
+                  <a:pt x="0" y="120000"/>
+                </a:lnTo>
+                <a:close/>
+              </a:path>
+            </a:pathLst>
+          </a:custGeom>
+        </p:spPr>
+      </p:sp>
+      <p:sp>
+        <p:nvSpPr>
+          <p:cNvPr id="341" name="Google Shape;341;gdb0b7df50a_0_424:notes"/>
+          <p:cNvSpPr txBox="1">
+            <a:spLocks noGrp="1"/>
+          </p:cNvSpPr>
+          <p:nvPr>
+            <p:ph type="body" idx="1"/>
+          </p:nvPr>
+        </p:nvSpPr>
+        <p:spPr>
+          <a:xfrm>
+            <a:off x="685800" y="4343400"/>
+            <a:ext cx="5486400" cy="4114800"/>
+          </a:xfrm>
+          <a:prstGeom prst="rect">
+            <a:avLst/>
+          </a:prstGeom>
+        </p:spPr>
+        <p:txBody>
+          <a:bodyPr spcFirstLastPara="1" wrap="square" lIns="91425" tIns="91425" rIns="91425" bIns="91425" anchor="t" anchorCtr="0">
+            <a:noAutofit/>
+          </a:bodyPr>
+          <a:lstStyle/>
+          <a:p>
+            <a:pPr marL="0" lvl="0" indent="0" algn="l" rtl="0">
+              <a:spcBef>
+                <a:spcPts val="0"/>
+              </a:spcBef>
+              <a:spcAft>
+                <a:spcPts val="0"/>
+              </a:spcAft>
+              <a:buNone/>
+            </a:pPr>
+            <a:endParaRPr/>
+          </a:p>
+        </p:txBody>
+      </p:sp>
+    </p:spTree>
+  </p:cSld>
+  <p:clrMapOvr>
+    <a:masterClrMapping/>
+  </p:clrMapOvr>
+</p:notes>
+</file>
+
+<file path=ppt/notesSlides/notesSlide31.xml><?xml version="1.0" encoding="utf-8"?>
+<p:notes xmlns:a="http://schemas.openxmlformats.org/drawingml/2006/main" xmlns:r="http://schemas.openxmlformats.org/officeDocument/2006/relationships" xmlns:p="http://schemas.openxmlformats.org/presentationml/2006/main" showMasterSp="0" showMasterPhAnim="0">
+  <p:cSld>
+    <p:spTree>
+      <p:nvGrpSpPr>
         <p:cNvPr id="1" name="Shape 115"/>
         <p:cNvGrpSpPr/>
         <p:nvPr/>
@@ -3258,7 +3373,7 @@
 </p:notes>
 </file>
 
-<file path=ppt/notesSlides/notesSlide31.xml><?xml version="1.0" encoding="utf-8"?>
+<file path=ppt/notesSlides/notesSlide32.xml><?xml version="1.0" encoding="utf-8"?>
 <p:notes xmlns:a="http://schemas.openxmlformats.org/drawingml/2006/main" xmlns:r="http://schemas.openxmlformats.org/officeDocument/2006/relationships" xmlns:p="http://schemas.openxmlformats.org/presentationml/2006/main" showMasterSp="0" showMasterPhAnim="0">
   <p:cSld>
     <p:spTree>
@@ -3362,7 +3477,7 @@
 </p:notes>
 </file>
 
-<file path=ppt/notesSlides/notesSlide32.xml><?xml version="1.0" encoding="utf-8"?>
+<file path=ppt/notesSlides/notesSlide33.xml><?xml version="1.0" encoding="utf-8"?>
 <p:notes xmlns:a="http://schemas.openxmlformats.org/drawingml/2006/main" xmlns:r="http://schemas.openxmlformats.org/officeDocument/2006/relationships" xmlns:p="http://schemas.openxmlformats.org/presentationml/2006/main" showMasterSp="0" showMasterPhAnim="0">
   <p:cSld>
     <p:spTree>
@@ -3466,7 +3581,7 @@
 </p:notes>
 </file>
 
-<file path=ppt/notesSlides/notesSlide33.xml><?xml version="1.0" encoding="utf-8"?>
+<file path=ppt/notesSlides/notesSlide34.xml><?xml version="1.0" encoding="utf-8"?>
 <p:notes xmlns:a="http://schemas.openxmlformats.org/drawingml/2006/main" xmlns:r="http://schemas.openxmlformats.org/officeDocument/2006/relationships" xmlns:p="http://schemas.openxmlformats.org/presentationml/2006/main" showMasterSp="0" showMasterPhAnim="0">
   <p:cSld>
     <p:spTree>
@@ -3570,7 +3685,7 @@
 </p:notes>
 </file>
 
-<file path=ppt/notesSlides/notesSlide34.xml><?xml version="1.0" encoding="utf-8"?>
+<file path=ppt/notesSlides/notesSlide35.xml><?xml version="1.0" encoding="utf-8"?>
 <p:notes xmlns:a="http://schemas.openxmlformats.org/drawingml/2006/main" xmlns:r="http://schemas.openxmlformats.org/officeDocument/2006/relationships" xmlns:p="http://schemas.openxmlformats.org/presentationml/2006/main" showMasterSp="0" showMasterPhAnim="0">
   <p:cSld>
     <p:spTree>
@@ -3674,7 +3789,7 @@
 </p:notes>
 </file>
 
-<file path=ppt/notesSlides/notesSlide35.xml><?xml version="1.0" encoding="utf-8"?>
+<file path=ppt/notesSlides/notesSlide36.xml><?xml version="1.0" encoding="utf-8"?>
 <p:notes xmlns:a="http://schemas.openxmlformats.org/drawingml/2006/main" xmlns:r="http://schemas.openxmlformats.org/officeDocument/2006/relationships" xmlns:p="http://schemas.openxmlformats.org/presentationml/2006/main" showMasterSp="0" showMasterPhAnim="0">
   <p:cSld>
     <p:spTree>
@@ -3778,7 +3893,7 @@
 </p:notes>
 </file>
 
-<file path=ppt/notesSlides/notesSlide36.xml><?xml version="1.0" encoding="utf-8"?>
+<file path=ppt/notesSlides/notesSlide37.xml><?xml version="1.0" encoding="utf-8"?>
 <p:notes xmlns:a="http://schemas.openxmlformats.org/drawingml/2006/main" xmlns:r="http://schemas.openxmlformats.org/officeDocument/2006/relationships" xmlns:p="http://schemas.openxmlformats.org/presentationml/2006/main" showMasterSp="0" showMasterPhAnim="0">
   <p:cSld>
     <p:spTree>
@@ -3882,7 +3997,7 @@
 </p:notes>
 </file>
 
-<file path=ppt/notesSlides/notesSlide37.xml><?xml version="1.0" encoding="utf-8"?>
+<file path=ppt/notesSlides/notesSlide38.xml><?xml version="1.0" encoding="utf-8"?>
 <p:notes xmlns:a="http://schemas.openxmlformats.org/drawingml/2006/main" xmlns:r="http://schemas.openxmlformats.org/officeDocument/2006/relationships" xmlns:p="http://schemas.openxmlformats.org/presentationml/2006/main" showMasterSp="0" showMasterPhAnim="0">
   <p:cSld>
     <p:spTree>
@@ -3986,7 +4101,7 @@
 </p:notes>
 </file>
 
-<file path=ppt/notesSlides/notesSlide38.xml><?xml version="1.0" encoding="utf-8"?>
+<file path=ppt/notesSlides/notesSlide39.xml><?xml version="1.0" encoding="utf-8"?>
 <p:notes xmlns:a="http://schemas.openxmlformats.org/drawingml/2006/main" xmlns:r="http://schemas.openxmlformats.org/officeDocument/2006/relationships" xmlns:p="http://schemas.openxmlformats.org/presentationml/2006/main" showMasterSp="0" showMasterPhAnim="0">
   <p:cSld>
     <p:spTree>
@@ -20864,7 +20979,7 @@
                                         <p:tgtEl>
                                           <p:spTgt spid="1234">
                                             <p:txEl>
-                                              <p:pRg st="0" end="0"/>
+                                              <p:pRg st="2" end="2"/>
                                             </p:txEl>
                                           </p:spTgt>
                                         </p:tgtEl>
@@ -20895,7 +21010,7 @@
                                         <p:tgtEl>
                                           <p:spTgt spid="1234">
                                             <p:txEl>
-                                              <p:pRg st="1" end="1"/>
+                                              <p:pRg st="3" end="3"/>
                                             </p:txEl>
                                           </p:spTgt>
                                         </p:tgtEl>
@@ -20944,86 +21059,6 @@
                                         <p:tgtEl>
                                           <p:spTgt spid="1234">
                                             <p:txEl>
-                                              <p:pRg st="2" end="2"/>
-                                            </p:txEl>
-                                          </p:spTgt>
-                                        </p:tgtEl>
-                                        <p:attrNameLst>
-                                          <p:attrName>style.visibility</p:attrName>
-                                        </p:attrNameLst>
-                                      </p:cBhvr>
-                                      <p:to>
-                                        <p:strVal val="visible"/>
-                                      </p:to>
-                                    </p:set>
-                                  </p:childTnLst>
-                                </p:cTn>
-                              </p:par>
-                              <p:par>
-                                <p:cTn id="13" presetID="1" presetClass="entr" presetSubtype="0" fill="hold" nodeType="withEffect">
-                                  <p:stCondLst>
-                                    <p:cond delay="0"/>
-                                  </p:stCondLst>
-                                  <p:childTnLst>
-                                    <p:set>
-                                      <p:cBhvr>
-                                        <p:cTn id="14" dur="1" fill="hold">
-                                          <p:stCondLst>
-                                            <p:cond delay="0"/>
-                                          </p:stCondLst>
-                                        </p:cTn>
-                                        <p:tgtEl>
-                                          <p:spTgt spid="1234">
-                                            <p:txEl>
-                                              <p:pRg st="3" end="3"/>
-                                            </p:txEl>
-                                          </p:spTgt>
-                                        </p:tgtEl>
-                                        <p:attrNameLst>
-                                          <p:attrName>style.visibility</p:attrName>
-                                        </p:attrNameLst>
-                                      </p:cBhvr>
-                                      <p:to>
-                                        <p:strVal val="visible"/>
-                                      </p:to>
-                                    </p:set>
-                                  </p:childTnLst>
-                                </p:cTn>
-                              </p:par>
-                            </p:childTnLst>
-                          </p:cTn>
-                        </p:par>
-                      </p:childTnLst>
-                    </p:cTn>
-                  </p:par>
-                  <p:par>
-                    <p:cTn id="15" fill="hold">
-                      <p:stCondLst>
-                        <p:cond delay="indefinite"/>
-                      </p:stCondLst>
-                      <p:childTnLst>
-                        <p:par>
-                          <p:cTn id="16" fill="hold">
-                            <p:stCondLst>
-                              <p:cond delay="0"/>
-                            </p:stCondLst>
-                            <p:childTnLst>
-                              <p:par>
-                                <p:cTn id="17" presetID="1" presetClass="entr" presetSubtype="0" fill="hold" nodeType="clickEffect">
-                                  <p:stCondLst>
-                                    <p:cond delay="0"/>
-                                  </p:stCondLst>
-                                  <p:childTnLst>
-                                    <p:set>
-                                      <p:cBhvr>
-                                        <p:cTn id="18" dur="1" fill="hold">
-                                          <p:stCondLst>
-                                            <p:cond delay="0"/>
-                                          </p:stCondLst>
-                                        </p:cTn>
-                                        <p:tgtEl>
-                                          <p:spTgt spid="1234">
-                                            <p:txEl>
                                               <p:pRg st="4" end="4"/>
                                             </p:txEl>
                                           </p:spTgt>
@@ -21046,26 +21081,26 @@
                     </p:cTn>
                   </p:par>
                   <p:par>
-                    <p:cTn id="19" fill="hold">
+                    <p:cTn id="13" fill="hold">
                       <p:stCondLst>
                         <p:cond delay="indefinite"/>
                       </p:stCondLst>
                       <p:childTnLst>
                         <p:par>
-                          <p:cTn id="20" fill="hold">
+                          <p:cTn id="14" fill="hold">
                             <p:stCondLst>
                               <p:cond delay="0"/>
                             </p:stCondLst>
                             <p:childTnLst>
                               <p:par>
-                                <p:cTn id="21" presetID="1" presetClass="entr" presetSubtype="0" fill="hold" nodeType="clickEffect">
+                                <p:cTn id="15" presetID="1" presetClass="entr" presetSubtype="0" fill="hold" nodeType="clickEffect">
                                   <p:stCondLst>
                                     <p:cond delay="0"/>
                                   </p:stCondLst>
                                   <p:childTnLst>
                                     <p:set>
                                       <p:cBhvr>
-                                        <p:cTn id="22" dur="1" fill="hold">
+                                        <p:cTn id="16" dur="1" fill="hold">
                                           <p:stCondLst>
                                             <p:cond delay="0"/>
                                           </p:stCondLst>
@@ -21089,14 +21124,14 @@
                                 </p:cTn>
                               </p:par>
                               <p:par>
-                                <p:cTn id="23" presetID="1" presetClass="entr" presetSubtype="0" fill="hold" nodeType="withEffect">
+                                <p:cTn id="17" presetID="1" presetClass="entr" presetSubtype="0" fill="hold" nodeType="withEffect">
                                   <p:stCondLst>
                                     <p:cond delay="0"/>
                                   </p:stCondLst>
                                   <p:childTnLst>
                                     <p:set>
                                       <p:cBhvr>
-                                        <p:cTn id="24" dur="1" fill="hold">
+                                        <p:cTn id="18" dur="1" fill="hold">
                                           <p:stCondLst>
                                             <p:cond delay="0"/>
                                           </p:stCondLst>
@@ -21120,14 +21155,14 @@
                                 </p:cTn>
                               </p:par>
                               <p:par>
-                                <p:cTn id="25" presetID="1" presetClass="entr" presetSubtype="0" fill="hold" nodeType="withEffect">
+                                <p:cTn id="19" presetID="1" presetClass="entr" presetSubtype="0" fill="hold" nodeType="withEffect">
                                   <p:stCondLst>
                                     <p:cond delay="0"/>
                                   </p:stCondLst>
                                   <p:childTnLst>
                                     <p:set>
                                       <p:cBhvr>
-                                        <p:cTn id="26" dur="1" fill="hold">
+                                        <p:cTn id="20" dur="1" fill="hold">
                                           <p:stCondLst>
                                             <p:cond delay="0"/>
                                           </p:stCondLst>
@@ -21151,14 +21186,14 @@
                                 </p:cTn>
                               </p:par>
                               <p:par>
-                                <p:cTn id="27" presetID="1" presetClass="entr" presetSubtype="0" fill="hold" nodeType="withEffect">
+                                <p:cTn id="21" presetID="1" presetClass="entr" presetSubtype="0" fill="hold" nodeType="withEffect">
                                   <p:stCondLst>
                                     <p:cond delay="0"/>
                                   </p:stCondLst>
                                   <p:childTnLst>
                                     <p:set>
                                       <p:cBhvr>
-                                        <p:cTn id="28" dur="1" fill="hold">
+                                        <p:cTn id="22" dur="1" fill="hold">
                                           <p:stCondLst>
                                             <p:cond delay="0"/>
                                           </p:stCondLst>
@@ -21977,7 +22012,7 @@
             </a:pPr>
             <a:r>
               <a:rPr lang="en" dirty="0"/>
-              <a:t>Other Important Concepts</a:t>
+              <a:t>Important Concepts</a:t>
             </a:r>
             <a:endParaRPr dirty="0"/>
           </a:p>
@@ -22091,118 +22126,7 @@
             </a:pPr>
             <a:r>
               <a:rPr lang="en" dirty="0"/>
-              <a:t>ARP (Address Resolution Protocol)</a:t>
-            </a:r>
-            <a:endParaRPr dirty="0"/>
-          </a:p>
-        </p:txBody>
-      </p:sp>
-      <p:sp>
-        <p:nvSpPr>
-          <p:cNvPr id="594" name="Google Shape;594;p48"/>
-          <p:cNvSpPr txBox="1">
-            <a:spLocks noGrp="1"/>
-          </p:cNvSpPr>
-          <p:nvPr>
-            <p:ph type="body" idx="1"/>
-          </p:nvPr>
-        </p:nvSpPr>
-        <p:spPr>
-          <a:xfrm>
-            <a:off x="198500" y="1246825"/>
-            <a:ext cx="8520600" cy="3765600"/>
-          </a:xfrm>
-          <a:prstGeom prst="rect">
-            <a:avLst/>
-          </a:prstGeom>
-        </p:spPr>
-        <p:txBody>
-          <a:bodyPr spcFirstLastPara="1" wrap="square" lIns="91425" tIns="91425" rIns="91425" bIns="91425" anchor="t" anchorCtr="0">
-            <a:normAutofit/>
-          </a:bodyPr>
-          <a:lstStyle/>
-          <a:p>
-            <a:pPr marL="457200" lvl="0" indent="-342900" algn="l" rtl="0">
-              <a:spcBef>
-                <a:spcPts val="0"/>
-              </a:spcBef>
-              <a:spcAft>
-                <a:spcPts val="0"/>
-              </a:spcAft>
-              <a:buSzPts val="1800"/>
-              <a:buChar char="●"/>
-            </a:pPr>
-            <a:r>
-              <a:rPr lang="en" dirty="0"/>
-              <a:t>ARP: A protocol to translate local IP addresses to MAC addresses</a:t>
-            </a:r>
-            <a:endParaRPr dirty="0"/>
-          </a:p>
-          <a:p>
-            <a:pPr marL="914400" lvl="1" indent="-317500" algn="l" rtl="0">
-              <a:spcBef>
-                <a:spcPts val="0"/>
-              </a:spcBef>
-              <a:spcAft>
-                <a:spcPts val="0"/>
-              </a:spcAft>
-              <a:buSzPts val="1400"/>
-              <a:buChar char="○"/>
-            </a:pPr>
-            <a:r>
-              <a:rPr lang="en" dirty="0"/>
-              <a:t>Ask everyone on the network, “Who has the IP 1.2.3.4?”</a:t>
-            </a:r>
-            <a:endParaRPr dirty="0"/>
-          </a:p>
-          <a:p>
-            <a:pPr marL="914400" lvl="1" indent="-317500" algn="l" rtl="0">
-              <a:spcBef>
-                <a:spcPts val="0"/>
-              </a:spcBef>
-              <a:spcAft>
-                <a:spcPts val="0"/>
-              </a:spcAft>
-              <a:buSzPts val="1400"/>
-              <a:buChar char="○"/>
-            </a:pPr>
-            <a:r>
-              <a:rPr lang="en" dirty="0"/>
-              <a:t>Attack: The attacker can respond instead of the true device with 1.2.3.4, and packets will get routed to the attacker!</a:t>
-            </a:r>
-            <a:endParaRPr dirty="0"/>
-          </a:p>
-          <a:p>
-            <a:pPr marL="914400" lvl="1" indent="-317500" algn="l" rtl="0">
-              <a:spcBef>
-                <a:spcPts val="0"/>
-              </a:spcBef>
-              <a:spcAft>
-                <a:spcPts val="0"/>
-              </a:spcAft>
-              <a:buSzPts val="1400"/>
-              <a:buChar char="○"/>
-            </a:pPr>
-            <a:r>
-              <a:rPr lang="en" dirty="0"/>
-              <a:t>Defense: Switches</a:t>
-            </a:r>
-            <a:endParaRPr dirty="0"/>
-          </a:p>
-          <a:p>
-            <a:pPr marL="914400" lvl="1" indent="-317500" algn="l" rtl="0">
-              <a:spcBef>
-                <a:spcPts val="0"/>
-              </a:spcBef>
-              <a:spcAft>
-                <a:spcPts val="0"/>
-              </a:spcAft>
-              <a:buSzPts val="1400"/>
-              <a:buChar char="○"/>
-            </a:pPr>
-            <a:r>
-              <a:rPr lang="en" dirty="0"/>
-              <a:t>Defense: Rely on higher layers</a:t>
+              <a:t>Network Roadmap</a:t>
             </a:r>
             <a:endParaRPr dirty="0"/>
           </a:p>
@@ -22250,6 +22174,433 @@
           </a:p>
         </p:txBody>
       </p:sp>
+      <p:graphicFrame>
+        <p:nvGraphicFramePr>
+          <p:cNvPr id="2" name="Table 1">
+            <a:extLst>
+              <a:ext uri="{FF2B5EF4-FFF2-40B4-BE49-F238E27FC236}">
+                <a16:creationId xmlns:a16="http://schemas.microsoft.com/office/drawing/2014/main" id="{4DB44289-9304-40DC-5E4E-9EB80BA2C5D0}"/>
+              </a:ext>
+            </a:extLst>
+          </p:cNvPr>
+          <p:cNvGraphicFramePr>
+            <a:graphicFrameLocks noGrp="1"/>
+          </p:cNvGraphicFramePr>
+          <p:nvPr>
+            <p:extLst>
+              <p:ext uri="{D42A27DB-BD31-4B8C-83A1-F6EECF244321}">
+                <p14:modId xmlns:p14="http://schemas.microsoft.com/office/powerpoint/2010/main" val="726689817"/>
+              </p:ext>
+            </p:extLst>
+          </p:nvPr>
+        </p:nvGraphicFramePr>
+        <p:xfrm>
+          <a:off x="468407" y="1346573"/>
+          <a:ext cx="3222811" cy="3634092"/>
+        </p:xfrm>
+        <a:graphic>
+          <a:graphicData uri="http://schemas.openxmlformats.org/drawingml/2006/table">
+            <a:tbl>
+              <a:tblPr firstRow="1" bandRow="1">
+                <a:tableStyleId>{BFE604CA-AD57-4AB2-B3D3-69E05442DE48}</a:tableStyleId>
+              </a:tblPr>
+              <a:tblGrid>
+                <a:gridCol w="1945340">
+                  <a:extLst>
+                    <a:ext uri="{9D8B030D-6E8A-4147-A177-3AD203B41FA5}">
+                      <a16:colId xmlns:a16="http://schemas.microsoft.com/office/drawing/2014/main" val="1704008497"/>
+                    </a:ext>
+                  </a:extLst>
+                </a:gridCol>
+                <a:gridCol w="1277471">
+                  <a:extLst>
+                    <a:ext uri="{9D8B030D-6E8A-4147-A177-3AD203B41FA5}">
+                      <a16:colId xmlns:a16="http://schemas.microsoft.com/office/drawing/2014/main" val="2217282367"/>
+                    </a:ext>
+                  </a:extLst>
+                </a:gridCol>
+              </a:tblGrid>
+              <a:tr h="519156">
+                <a:tc>
+                  <a:txBody>
+                    <a:bodyPr/>
+                    <a:lstStyle/>
+                    <a:p>
+                      <a:r>
+                        <a:rPr lang="en-US" b="1" dirty="0"/>
+                        <a:t>Layer</a:t>
+                      </a:r>
+                    </a:p>
+                  </a:txBody>
+                  <a:tcPr/>
+                </a:tc>
+                <a:tc>
+                  <a:txBody>
+                    <a:bodyPr/>
+                    <a:lstStyle/>
+                    <a:p>
+                      <a:r>
+                        <a:rPr lang="en-US" b="1" dirty="0"/>
+                        <a:t>Protocols</a:t>
+                      </a:r>
+                    </a:p>
+                  </a:txBody>
+                  <a:tcPr/>
+                </a:tc>
+                <a:extLst>
+                  <a:ext uri="{0D108BD9-81ED-4DB2-BD59-A6C34878D82A}">
+                    <a16:rowId xmlns:a16="http://schemas.microsoft.com/office/drawing/2014/main" val="3121196909"/>
+                  </a:ext>
+                </a:extLst>
+              </a:tr>
+              <a:tr h="519156">
+                <a:tc>
+                  <a:txBody>
+                    <a:bodyPr/>
+                    <a:lstStyle/>
+                    <a:p>
+                      <a:r>
+                        <a:rPr lang="en-US" dirty="0"/>
+                        <a:t>7. Application</a:t>
+                      </a:r>
+                    </a:p>
+                  </a:txBody>
+                  <a:tcPr/>
+                </a:tc>
+                <a:tc>
+                  <a:txBody>
+                    <a:bodyPr/>
+                    <a:lstStyle/>
+                    <a:p>
+                      <a:r>
+                        <a:rPr lang="en-US" dirty="0"/>
+                        <a:t>Web Security</a:t>
+                      </a:r>
+                    </a:p>
+                  </a:txBody>
+                  <a:tcPr/>
+                </a:tc>
+                <a:extLst>
+                  <a:ext uri="{0D108BD9-81ED-4DB2-BD59-A6C34878D82A}">
+                    <a16:rowId xmlns:a16="http://schemas.microsoft.com/office/drawing/2014/main" val="4118588081"/>
+                  </a:ext>
+                </a:extLst>
+              </a:tr>
+              <a:tr h="519156">
+                <a:tc>
+                  <a:txBody>
+                    <a:bodyPr/>
+                    <a:lstStyle/>
+                    <a:p>
+                      <a:r>
+                        <a:rPr lang="en-US" dirty="0"/>
+                        <a:t>4.5. Secure transport</a:t>
+                      </a:r>
+                    </a:p>
+                  </a:txBody>
+                  <a:tcPr/>
+                </a:tc>
+                <a:tc>
+                  <a:txBody>
+                    <a:bodyPr/>
+                    <a:lstStyle/>
+                    <a:p>
+                      <a:r>
+                        <a:rPr lang="en-US" dirty="0"/>
+                        <a:t>TLS</a:t>
+                      </a:r>
+                    </a:p>
+                  </a:txBody>
+                  <a:tcPr/>
+                </a:tc>
+                <a:extLst>
+                  <a:ext uri="{0D108BD9-81ED-4DB2-BD59-A6C34878D82A}">
+                    <a16:rowId xmlns:a16="http://schemas.microsoft.com/office/drawing/2014/main" val="4022215200"/>
+                  </a:ext>
+                </a:extLst>
+              </a:tr>
+              <a:tr h="519156">
+                <a:tc>
+                  <a:txBody>
+                    <a:bodyPr/>
+                    <a:lstStyle/>
+                    <a:p>
+                      <a:r>
+                        <a:rPr lang="en-US" dirty="0"/>
+                        <a:t>4. Transport</a:t>
+                      </a:r>
+                    </a:p>
+                  </a:txBody>
+                  <a:tcPr/>
+                </a:tc>
+                <a:tc>
+                  <a:txBody>
+                    <a:bodyPr/>
+                    <a:lstStyle/>
+                    <a:p>
+                      <a:r>
+                        <a:rPr lang="en-US" dirty="0"/>
+                        <a:t>TCP, UDP</a:t>
+                      </a:r>
+                    </a:p>
+                  </a:txBody>
+                  <a:tcPr/>
+                </a:tc>
+                <a:extLst>
+                  <a:ext uri="{0D108BD9-81ED-4DB2-BD59-A6C34878D82A}">
+                    <a16:rowId xmlns:a16="http://schemas.microsoft.com/office/drawing/2014/main" val="251318584"/>
+                  </a:ext>
+                </a:extLst>
+              </a:tr>
+              <a:tr h="519156">
+                <a:tc>
+                  <a:txBody>
+                    <a:bodyPr/>
+                    <a:lstStyle/>
+                    <a:p>
+                      <a:r>
+                        <a:rPr lang="en-US" dirty="0"/>
+                        <a:t>3. Internet</a:t>
+                      </a:r>
+                    </a:p>
+                  </a:txBody>
+                  <a:tcPr/>
+                </a:tc>
+                <a:tc>
+                  <a:txBody>
+                    <a:bodyPr/>
+                    <a:lstStyle/>
+                    <a:p>
+                      <a:r>
+                        <a:rPr lang="en-US" dirty="0"/>
+                        <a:t>IP</a:t>
+                      </a:r>
+                    </a:p>
+                  </a:txBody>
+                  <a:tcPr/>
+                </a:tc>
+                <a:extLst>
+                  <a:ext uri="{0D108BD9-81ED-4DB2-BD59-A6C34878D82A}">
+                    <a16:rowId xmlns:a16="http://schemas.microsoft.com/office/drawing/2014/main" val="283668573"/>
+                  </a:ext>
+                </a:extLst>
+              </a:tr>
+              <a:tr h="519156">
+                <a:tc>
+                  <a:txBody>
+                    <a:bodyPr/>
+                    <a:lstStyle/>
+                    <a:p>
+                      <a:r>
+                        <a:rPr lang="en-US" dirty="0"/>
+                        <a:t>2. Link</a:t>
+                      </a:r>
+                    </a:p>
+                  </a:txBody>
+                  <a:tcPr/>
+                </a:tc>
+                <a:tc>
+                  <a:txBody>
+                    <a:bodyPr/>
+                    <a:lstStyle/>
+                    <a:p>
+                      <a:r>
+                        <a:rPr lang="en-US" dirty="0"/>
+                        <a:t>ARP</a:t>
+                      </a:r>
+                    </a:p>
+                  </a:txBody>
+                  <a:tcPr/>
+                </a:tc>
+                <a:extLst>
+                  <a:ext uri="{0D108BD9-81ED-4DB2-BD59-A6C34878D82A}">
+                    <a16:rowId xmlns:a16="http://schemas.microsoft.com/office/drawing/2014/main" val="1642367206"/>
+                  </a:ext>
+                </a:extLst>
+              </a:tr>
+              <a:tr h="519156">
+                <a:tc>
+                  <a:txBody>
+                    <a:bodyPr/>
+                    <a:lstStyle/>
+                    <a:p>
+                      <a:r>
+                        <a:rPr lang="en-US" dirty="0"/>
+                        <a:t>1. Physical</a:t>
+                      </a:r>
+                    </a:p>
+                  </a:txBody>
+                  <a:tcPr/>
+                </a:tc>
+                <a:tc>
+                  <a:txBody>
+                    <a:bodyPr/>
+                    <a:lstStyle/>
+                    <a:p>
+                      <a:r>
+                        <a:rPr lang="en-US" dirty="0"/>
+                        <a:t>WPA</a:t>
+                      </a:r>
+                    </a:p>
+                  </a:txBody>
+                  <a:tcPr/>
+                </a:tc>
+                <a:extLst>
+                  <a:ext uri="{0D108BD9-81ED-4DB2-BD59-A6C34878D82A}">
+                    <a16:rowId xmlns:a16="http://schemas.microsoft.com/office/drawing/2014/main" val="481039944"/>
+                  </a:ext>
+                </a:extLst>
+              </a:tr>
+            </a:tbl>
+          </a:graphicData>
+        </a:graphic>
+      </p:graphicFrame>
+      <p:graphicFrame>
+        <p:nvGraphicFramePr>
+          <p:cNvPr id="3" name="Table 2">
+            <a:extLst>
+              <a:ext uri="{FF2B5EF4-FFF2-40B4-BE49-F238E27FC236}">
+                <a16:creationId xmlns:a16="http://schemas.microsoft.com/office/drawing/2014/main" id="{596DD28A-BC6A-77FD-4616-43347A987C29}"/>
+              </a:ext>
+            </a:extLst>
+          </p:cNvPr>
+          <p:cNvGraphicFramePr>
+            <a:graphicFrameLocks noGrp="1"/>
+          </p:cNvGraphicFramePr>
+          <p:nvPr>
+            <p:extLst>
+              <p:ext uri="{D42A27DB-BD31-4B8C-83A1-F6EECF244321}">
+                <p14:modId xmlns:p14="http://schemas.microsoft.com/office/powerpoint/2010/main" val="1843971720"/>
+              </p:ext>
+            </p:extLst>
+          </p:nvPr>
+        </p:nvGraphicFramePr>
+        <p:xfrm>
+          <a:off x="5148970" y="2082724"/>
+          <a:ext cx="3474330" cy="1463407"/>
+        </p:xfrm>
+        <a:graphic>
+          <a:graphicData uri="http://schemas.openxmlformats.org/drawingml/2006/table">
+            <a:tbl>
+              <a:tblPr firstRow="1" bandRow="1">
+                <a:tableStyleId>{BFE604CA-AD57-4AB2-B3D3-69E05442DE48}</a:tableStyleId>
+              </a:tblPr>
+              <a:tblGrid>
+                <a:gridCol w="2022047">
+                  <a:extLst>
+                    <a:ext uri="{9D8B030D-6E8A-4147-A177-3AD203B41FA5}">
+                      <a16:colId xmlns:a16="http://schemas.microsoft.com/office/drawing/2014/main" val="965927944"/>
+                    </a:ext>
+                  </a:extLst>
+                </a:gridCol>
+                <a:gridCol w="1452283">
+                  <a:extLst>
+                    <a:ext uri="{9D8B030D-6E8A-4147-A177-3AD203B41FA5}">
+                      <a16:colId xmlns:a16="http://schemas.microsoft.com/office/drawing/2014/main" val="1858491372"/>
+                    </a:ext>
+                  </a:extLst>
+                </a:gridCol>
+              </a:tblGrid>
+              <a:tr h="394303">
+                <a:tc>
+                  <a:txBody>
+                    <a:bodyPr/>
+                    <a:lstStyle/>
+                    <a:p>
+                      <a:r>
+                        <a:rPr lang="en-US" b="1" dirty="0"/>
+                        <a:t>Extra Protocols</a:t>
+                      </a:r>
+                    </a:p>
+                  </a:txBody>
+                  <a:tcPr/>
+                </a:tc>
+                <a:tc>
+                  <a:txBody>
+                    <a:bodyPr/>
+                    <a:lstStyle/>
+                    <a:p>
+                      <a:endParaRPr lang="en-US" dirty="0"/>
+                    </a:p>
+                  </a:txBody>
+                  <a:tcPr/>
+                </a:tc>
+                <a:extLst>
+                  <a:ext uri="{0D108BD9-81ED-4DB2-BD59-A6C34878D82A}">
+                    <a16:rowId xmlns:a16="http://schemas.microsoft.com/office/drawing/2014/main" val="186111488"/>
+                  </a:ext>
+                </a:extLst>
+              </a:tr>
+              <a:tr h="394303">
+                <a:tc>
+                  <a:txBody>
+                    <a:bodyPr/>
+                    <a:lstStyle/>
+                    <a:p>
+                      <a:r>
+                        <a:rPr lang="en-US" dirty="0"/>
+                        <a:t>Connect for the first time</a:t>
+                      </a:r>
+                    </a:p>
+                  </a:txBody>
+                  <a:tcPr/>
+                </a:tc>
+                <a:tc>
+                  <a:txBody>
+                    <a:bodyPr/>
+                    <a:lstStyle/>
+                    <a:p>
+                      <a:r>
+                        <a:rPr lang="en-US" dirty="0"/>
+                        <a:t>DHCP</a:t>
+                      </a:r>
+                    </a:p>
+                  </a:txBody>
+                  <a:tcPr/>
+                </a:tc>
+                <a:extLst>
+                  <a:ext uri="{0D108BD9-81ED-4DB2-BD59-A6C34878D82A}">
+                    <a16:rowId xmlns:a16="http://schemas.microsoft.com/office/drawing/2014/main" val="2294998440"/>
+                  </a:ext>
+                </a:extLst>
+              </a:tr>
+              <a:tr h="550944">
+                <a:tc>
+                  <a:txBody>
+                    <a:bodyPr/>
+                    <a:lstStyle/>
+                    <a:p>
+                      <a:r>
+                        <a:rPr lang="en-US" dirty="0"/>
+                        <a:t>Convert hostname to IP address</a:t>
+                      </a:r>
+                    </a:p>
+                  </a:txBody>
+                  <a:tcPr/>
+                </a:tc>
+                <a:tc>
+                  <a:txBody>
+                    <a:bodyPr/>
+                    <a:lstStyle/>
+                    <a:p>
+                      <a:r>
+                        <a:rPr lang="en-US" dirty="0"/>
+                        <a:t>DNS, DNSSEC</a:t>
+                      </a:r>
+                    </a:p>
+                  </a:txBody>
+                  <a:tcPr/>
+                </a:tc>
+                <a:extLst>
+                  <a:ext uri="{0D108BD9-81ED-4DB2-BD59-A6C34878D82A}">
+                    <a16:rowId xmlns:a16="http://schemas.microsoft.com/office/drawing/2014/main" val="336910319"/>
+                  </a:ext>
+                </a:extLst>
+              </a:tr>
+            </a:tbl>
+          </a:graphicData>
+        </a:graphic>
+      </p:graphicFrame>
     </p:spTree>
   </p:cSld>
   <p:clrMapOvr>
@@ -22311,7 +22662,7 @@
             </a:pPr>
             <a:r>
               <a:rPr lang="en" dirty="0"/>
-              <a:t>DHCP (Dynamic Host Configuration Protocol)</a:t>
+              <a:t>Important Protocols</a:t>
             </a:r>
             <a:endParaRPr dirty="0"/>
           </a:p>
@@ -22354,7 +22705,7 @@
             </a:pPr>
             <a:r>
               <a:rPr lang="en" dirty="0"/>
-              <a:t>DHCP: A protocol for a new client to receive a network configuration</a:t>
+              <a:t>ARP: A protocol to translate local IP addresses to MAC addresses</a:t>
             </a:r>
             <a:endParaRPr dirty="0"/>
           </a:p>
@@ -22371,7 +22722,23 @@
             </a:pPr>
             <a:r>
               <a:rPr lang="en" dirty="0"/>
-              <a:t>Ask everyone on the network, “What is the network configuration to use?”</a:t>
+              <a:t>Ask everyone on the network, “Who has the IP 1.2.3.4?”</a:t>
+            </a:r>
+          </a:p>
+          <a:p>
+            <a:pPr marL="457200" lvl="0" indent="-342900" algn="l" rtl="0">
+              <a:spcBef>
+                <a:spcPts val="0"/>
+              </a:spcBef>
+              <a:spcAft>
+                <a:spcPts val="0"/>
+              </a:spcAft>
+              <a:buSzPts val="1800"/>
+              <a:buChar char="●"/>
+            </a:pPr>
+            <a:r>
+              <a:rPr lang="en-US" dirty="0"/>
+              <a:t>DHCP: A protocol for a new client to receive a network configuration</a:t>
             </a:r>
           </a:p>
           <a:p>
@@ -22387,48 +22754,23 @@
             </a:pPr>
             <a:r>
               <a:rPr lang="en-US" dirty="0"/>
-              <a:t>To connect to a network, a user needs:</a:t>
-            </a:r>
-          </a:p>
-          <a:p>
-            <a:pPr lvl="2">
-              <a:buFont typeface="Wingdings" pitchFamily="2" charset="2"/>
-              <a:buChar char="§"/>
+              <a:t>Ask everyone on the network, “What is the network configuration to use?”</a:t>
+            </a:r>
+          </a:p>
+          <a:p>
+            <a:pPr marL="457200" lvl="0" indent="-342900" algn="l" rtl="0">
+              <a:spcBef>
+                <a:spcPts val="0"/>
+              </a:spcBef>
+              <a:spcAft>
+                <a:spcPts val="0"/>
+              </a:spcAft>
+              <a:buSzPts val="1800"/>
+              <a:buChar char="●"/>
             </a:pPr>
             <a:r>
               <a:rPr lang="en-US" dirty="0"/>
-              <a:t>An IP address so that other people can contact the user</a:t>
-            </a:r>
-          </a:p>
-          <a:p>
-            <a:pPr lvl="2">
-              <a:buFont typeface="Wingdings" pitchFamily="2" charset="2"/>
-              <a:buChar char="§"/>
-            </a:pPr>
-            <a:r>
-              <a:rPr lang="en-US" dirty="0"/>
-              <a:t>The IP address of the DNS server </a:t>
-            </a:r>
-          </a:p>
-          <a:p>
-            <a:pPr lvl="2">
-              <a:buFont typeface="Wingdings" pitchFamily="2" charset="2"/>
-              <a:buChar char="§"/>
-            </a:pPr>
-            <a:r>
-              <a:rPr lang="en-US" dirty="0"/>
-              <a:t>The IP address of the router (gateway) so that the user can contact machines outside of the LAN</a:t>
-            </a:r>
-          </a:p>
-          <a:p>
-            <a:pPr lvl="1"/>
-            <a:r>
-              <a:rPr lang="en-US" b="1" dirty="0"/>
-              <a:t>DHCP</a:t>
-            </a:r>
-            <a:r>
-              <a:rPr lang="en-US" dirty="0"/>
-              <a:t> gives the user a configuration when they first join the network</a:t>
+              <a:t>WPA: A protocol to encrypt Wi-Fi connections at layer 1</a:t>
             </a:r>
           </a:p>
           <a:p>
@@ -22444,32 +22786,15 @@
             </a:pPr>
             <a:r>
               <a:rPr lang="en-US" dirty="0"/>
-              <a:t>Attack: The attacker can respond with a malicious configuration</a:t>
-            </a:r>
-          </a:p>
-          <a:p>
-            <a:pPr marL="914400" lvl="1" indent="-317500" algn="l" rtl="0">
-              <a:spcBef>
-                <a:spcPts val="0"/>
-              </a:spcBef>
-              <a:spcAft>
-                <a:spcPts val="0"/>
-              </a:spcAft>
+              <a:t>A protocol for securing Wi-Fi network communications with cryptography </a:t>
+            </a:r>
+          </a:p>
+          <a:p>
+            <a:pPr indent="-317500">
               <a:buSzPts val="1400"/>
               <a:buChar char="○"/>
             </a:pPr>
-            <a:r>
-              <a:rPr lang="en-US" dirty="0"/>
-              <a:t>Defense: Rely on higher layers</a:t>
-            </a:r>
-          </a:p>
-          <a:p>
-            <a:pPr lvl="1"/>
-            <a:endParaRPr lang="en-US" dirty="0"/>
-          </a:p>
-          <a:p>
-            <a:pPr lvl="1"/>
-            <a:endParaRPr lang="en-US" dirty="0"/>
+            <a:endParaRPr dirty="0"/>
           </a:p>
         </p:txBody>
       </p:sp>
@@ -22510,6 +22835,498 @@
             <a:fld id="{00000000-1234-1234-1234-123412341234}" type="slidenum">
               <a:rPr lang="en"/>
               <a:t>26</a:t>
+            </a:fld>
+            <a:endParaRPr/>
+          </a:p>
+        </p:txBody>
+      </p:sp>
+    </p:spTree>
+    <p:extLst>
+      <p:ext uri="{BB962C8B-B14F-4D97-AF65-F5344CB8AC3E}">
+        <p14:creationId xmlns:p14="http://schemas.microsoft.com/office/powerpoint/2010/main" val="3264208671"/>
+      </p:ext>
+    </p:extLst>
+  </p:cSld>
+  <p:clrMapOvr>
+    <a:masterClrMapping/>
+  </p:clrMapOvr>
+</p:sld>
+</file>
+
+<file path=ppt/slides/slide27.xml><?xml version="1.0" encoding="utf-8"?>
+<p:sld xmlns:a="http://schemas.openxmlformats.org/drawingml/2006/main" xmlns:r="http://schemas.openxmlformats.org/officeDocument/2006/relationships" xmlns:p="http://schemas.openxmlformats.org/presentationml/2006/main">
+  <p:cSld>
+    <p:spTree>
+      <p:nvGrpSpPr>
+        <p:cNvPr id="1" name="Shape 592"/>
+        <p:cNvGrpSpPr/>
+        <p:nvPr/>
+      </p:nvGrpSpPr>
+      <p:grpSpPr>
+        <a:xfrm>
+          <a:off x="0" y="0"/>
+          <a:ext cx="0" cy="0"/>
+          <a:chOff x="0" y="0"/>
+          <a:chExt cx="0" cy="0"/>
+        </a:xfrm>
+      </p:grpSpPr>
+      <p:sp>
+        <p:nvSpPr>
+          <p:cNvPr id="593" name="Google Shape;593;p48"/>
+          <p:cNvSpPr txBox="1">
+            <a:spLocks noGrp="1"/>
+          </p:cNvSpPr>
+          <p:nvPr>
+            <p:ph type="title"/>
+          </p:nvPr>
+        </p:nvSpPr>
+        <p:spPr>
+          <a:xfrm>
+            <a:off x="102700" y="270875"/>
+            <a:ext cx="8520600" cy="572700"/>
+          </a:xfrm>
+          <a:prstGeom prst="rect">
+            <a:avLst/>
+          </a:prstGeom>
+        </p:spPr>
+        <p:txBody>
+          <a:bodyPr spcFirstLastPara="1" wrap="square" lIns="91425" tIns="91425" rIns="91425" bIns="91425" anchor="t" anchorCtr="0">
+            <a:normAutofit fontScale="90000"/>
+          </a:bodyPr>
+          <a:lstStyle/>
+          <a:p>
+            <a:pPr marL="0" lvl="0" indent="0" algn="l" rtl="0">
+              <a:spcBef>
+                <a:spcPts val="0"/>
+              </a:spcBef>
+              <a:spcAft>
+                <a:spcPts val="0"/>
+              </a:spcAft>
+              <a:buNone/>
+            </a:pPr>
+            <a:r>
+              <a:rPr lang="en" dirty="0"/>
+              <a:t>ARP (Address Resolution Protocol)</a:t>
+            </a:r>
+            <a:endParaRPr dirty="0"/>
+          </a:p>
+        </p:txBody>
+      </p:sp>
+      <p:sp>
+        <p:nvSpPr>
+          <p:cNvPr id="594" name="Google Shape;594;p48"/>
+          <p:cNvSpPr txBox="1">
+            <a:spLocks noGrp="1"/>
+          </p:cNvSpPr>
+          <p:nvPr>
+            <p:ph type="body" idx="1"/>
+          </p:nvPr>
+        </p:nvSpPr>
+        <p:spPr>
+          <a:xfrm>
+            <a:off x="198500" y="1246825"/>
+            <a:ext cx="8520600" cy="3765600"/>
+          </a:xfrm>
+          <a:prstGeom prst="rect">
+            <a:avLst/>
+          </a:prstGeom>
+        </p:spPr>
+        <p:txBody>
+          <a:bodyPr spcFirstLastPara="1" wrap="square" lIns="91425" tIns="91425" rIns="91425" bIns="91425" anchor="t" anchorCtr="0">
+            <a:normAutofit/>
+          </a:bodyPr>
+          <a:lstStyle/>
+          <a:p>
+            <a:pPr marL="457200" lvl="0" indent="-342900" algn="l" rtl="0">
+              <a:spcBef>
+                <a:spcPts val="0"/>
+              </a:spcBef>
+              <a:spcAft>
+                <a:spcPts val="0"/>
+              </a:spcAft>
+              <a:buSzPts val="1800"/>
+              <a:buChar char="●"/>
+            </a:pPr>
+            <a:r>
+              <a:rPr lang="en" dirty="0"/>
+              <a:t>ARP: A protocol to translate local IP addresses to MAC addresses</a:t>
+            </a:r>
+            <a:endParaRPr dirty="0"/>
+          </a:p>
+          <a:p>
+            <a:pPr marL="914400" lvl="1" indent="-317500" algn="l" rtl="0">
+              <a:spcBef>
+                <a:spcPts val="0"/>
+              </a:spcBef>
+              <a:spcAft>
+                <a:spcPts val="0"/>
+              </a:spcAft>
+              <a:buSzPts val="1400"/>
+              <a:buChar char="○"/>
+            </a:pPr>
+            <a:r>
+              <a:rPr lang="en" dirty="0"/>
+              <a:t>Ask everyone on the network, “Who has the IP 1.2.3.4?”</a:t>
+            </a:r>
+            <a:endParaRPr dirty="0"/>
+          </a:p>
+          <a:p>
+            <a:pPr marL="914400" lvl="1" indent="-317500" algn="l" rtl="0">
+              <a:spcBef>
+                <a:spcPts val="0"/>
+              </a:spcBef>
+              <a:spcAft>
+                <a:spcPts val="0"/>
+              </a:spcAft>
+              <a:buSzPts val="1400"/>
+              <a:buChar char="○"/>
+            </a:pPr>
+            <a:r>
+              <a:rPr lang="en-US" dirty="0"/>
+              <a:t>Attack: The attacker can respond instead of the true device with 1.2.3.4, and packets will get routed to the attacker!</a:t>
+            </a:r>
+          </a:p>
+          <a:p>
+            <a:pPr marL="914400" lvl="1" indent="-317500" algn="l" rtl="0">
+              <a:spcBef>
+                <a:spcPts val="0"/>
+              </a:spcBef>
+              <a:spcAft>
+                <a:spcPts val="0"/>
+              </a:spcAft>
+              <a:buSzPts val="1400"/>
+              <a:buChar char="○"/>
+            </a:pPr>
+            <a:r>
+              <a:rPr lang="en-US" dirty="0"/>
+              <a:t>Defense: Switches</a:t>
+            </a:r>
+          </a:p>
+          <a:p>
+            <a:pPr marL="914400" lvl="1" indent="-317500" algn="l" rtl="0">
+              <a:spcBef>
+                <a:spcPts val="0"/>
+              </a:spcBef>
+              <a:spcAft>
+                <a:spcPts val="0"/>
+              </a:spcAft>
+              <a:buSzPts val="1400"/>
+              <a:buChar char="○"/>
+            </a:pPr>
+            <a:r>
+              <a:rPr lang="en-US" dirty="0"/>
+              <a:t>Defense: Rely on higher layers</a:t>
+            </a:r>
+          </a:p>
+        </p:txBody>
+      </p:sp>
+      <p:sp>
+        <p:nvSpPr>
+          <p:cNvPr id="595" name="Google Shape;595;p48"/>
+          <p:cNvSpPr txBox="1">
+            <a:spLocks noGrp="1"/>
+          </p:cNvSpPr>
+          <p:nvPr>
+            <p:ph type="sldNum" idx="12"/>
+          </p:nvPr>
+        </p:nvSpPr>
+        <p:spPr>
+          <a:xfrm>
+            <a:off x="8472458" y="4663217"/>
+            <a:ext cx="548700" cy="393600"/>
+          </a:xfrm>
+          <a:prstGeom prst="rect">
+            <a:avLst/>
+          </a:prstGeom>
+        </p:spPr>
+        <p:txBody>
+          <a:bodyPr spcFirstLastPara="1" wrap="square" lIns="91425" tIns="91425" rIns="91425" bIns="91425" anchor="ctr" anchorCtr="0">
+            <a:normAutofit/>
+          </a:bodyPr>
+          <a:lstStyle/>
+          <a:p>
+            <a:pPr marL="0" lvl="0" indent="0" algn="r" rtl="0">
+              <a:spcBef>
+                <a:spcPts val="0"/>
+              </a:spcBef>
+              <a:spcAft>
+                <a:spcPts val="0"/>
+              </a:spcAft>
+              <a:buNone/>
+            </a:pPr>
+            <a:fld id="{00000000-1234-1234-1234-123412341234}" type="slidenum">
+              <a:rPr lang="en"/>
+              <a:t>27</a:t>
+            </a:fld>
+            <a:endParaRPr/>
+          </a:p>
+        </p:txBody>
+      </p:sp>
+    </p:spTree>
+    <p:extLst>
+      <p:ext uri="{BB962C8B-B14F-4D97-AF65-F5344CB8AC3E}">
+        <p14:creationId xmlns:p14="http://schemas.microsoft.com/office/powerpoint/2010/main" val="3436343395"/>
+      </p:ext>
+    </p:extLst>
+  </p:cSld>
+  <p:clrMapOvr>
+    <a:masterClrMapping/>
+  </p:clrMapOvr>
+</p:sld>
+</file>
+
+<file path=ppt/slides/slide28.xml><?xml version="1.0" encoding="utf-8"?>
+<p:sld xmlns:a="http://schemas.openxmlformats.org/drawingml/2006/main" xmlns:r="http://schemas.openxmlformats.org/officeDocument/2006/relationships" xmlns:p="http://schemas.openxmlformats.org/presentationml/2006/main">
+  <p:cSld>
+    <p:spTree>
+      <p:nvGrpSpPr>
+        <p:cNvPr id="1" name="Shape 592"/>
+        <p:cNvGrpSpPr/>
+        <p:nvPr/>
+      </p:nvGrpSpPr>
+      <p:grpSpPr>
+        <a:xfrm>
+          <a:off x="0" y="0"/>
+          <a:ext cx="0" cy="0"/>
+          <a:chOff x="0" y="0"/>
+          <a:chExt cx="0" cy="0"/>
+        </a:xfrm>
+      </p:grpSpPr>
+      <p:sp>
+        <p:nvSpPr>
+          <p:cNvPr id="593" name="Google Shape;593;p48"/>
+          <p:cNvSpPr txBox="1">
+            <a:spLocks noGrp="1"/>
+          </p:cNvSpPr>
+          <p:nvPr>
+            <p:ph type="title"/>
+          </p:nvPr>
+        </p:nvSpPr>
+        <p:spPr>
+          <a:xfrm>
+            <a:off x="102700" y="270875"/>
+            <a:ext cx="8520600" cy="572700"/>
+          </a:xfrm>
+          <a:prstGeom prst="rect">
+            <a:avLst/>
+          </a:prstGeom>
+        </p:spPr>
+        <p:txBody>
+          <a:bodyPr spcFirstLastPara="1" wrap="square" lIns="91425" tIns="91425" rIns="91425" bIns="91425" anchor="t" anchorCtr="0">
+            <a:normAutofit fontScale="90000"/>
+          </a:bodyPr>
+          <a:lstStyle/>
+          <a:p>
+            <a:pPr marL="0" lvl="0" indent="0" algn="l" rtl="0">
+              <a:spcBef>
+                <a:spcPts val="0"/>
+              </a:spcBef>
+              <a:spcAft>
+                <a:spcPts val="0"/>
+              </a:spcAft>
+              <a:buNone/>
+            </a:pPr>
+            <a:r>
+              <a:rPr lang="en" dirty="0"/>
+              <a:t>DHCP (Dynamic Host Configuration Protocol)</a:t>
+            </a:r>
+            <a:endParaRPr dirty="0"/>
+          </a:p>
+        </p:txBody>
+      </p:sp>
+      <p:sp>
+        <p:nvSpPr>
+          <p:cNvPr id="594" name="Google Shape;594;p48"/>
+          <p:cNvSpPr txBox="1">
+            <a:spLocks noGrp="1"/>
+          </p:cNvSpPr>
+          <p:nvPr>
+            <p:ph type="body" idx="1"/>
+          </p:nvPr>
+        </p:nvSpPr>
+        <p:spPr>
+          <a:xfrm>
+            <a:off x="198500" y="1246825"/>
+            <a:ext cx="8520600" cy="3765600"/>
+          </a:xfrm>
+          <a:prstGeom prst="rect">
+            <a:avLst/>
+          </a:prstGeom>
+        </p:spPr>
+        <p:txBody>
+          <a:bodyPr spcFirstLastPara="1" wrap="square" lIns="91425" tIns="91425" rIns="91425" bIns="91425" anchor="t" anchorCtr="0">
+            <a:normAutofit/>
+          </a:bodyPr>
+          <a:lstStyle/>
+          <a:p>
+            <a:pPr marL="457200" lvl="0" indent="-342900" algn="l" rtl="0">
+              <a:spcBef>
+                <a:spcPts val="0"/>
+              </a:spcBef>
+              <a:spcAft>
+                <a:spcPts val="0"/>
+              </a:spcAft>
+              <a:buSzPts val="1800"/>
+              <a:buChar char="●"/>
+            </a:pPr>
+            <a:r>
+              <a:rPr lang="en" dirty="0"/>
+              <a:t>DHCP: A protocol for a new client to receive a network configuration</a:t>
+            </a:r>
+            <a:endParaRPr dirty="0"/>
+          </a:p>
+          <a:p>
+            <a:pPr marL="914400" lvl="1" indent="-317500" algn="l" rtl="0">
+              <a:spcBef>
+                <a:spcPts val="0"/>
+              </a:spcBef>
+              <a:spcAft>
+                <a:spcPts val="0"/>
+              </a:spcAft>
+              <a:buSzPts val="1400"/>
+              <a:buChar char="○"/>
+            </a:pPr>
+            <a:r>
+              <a:rPr lang="en" dirty="0"/>
+              <a:t>Ask everyone on the network, “What is the network configuration to use?”</a:t>
+            </a:r>
+          </a:p>
+          <a:p>
+            <a:pPr marL="914400" lvl="1" indent="-317500" algn="l" rtl="0">
+              <a:spcBef>
+                <a:spcPts val="0"/>
+              </a:spcBef>
+              <a:spcAft>
+                <a:spcPts val="0"/>
+              </a:spcAft>
+              <a:buSzPts val="1400"/>
+              <a:buChar char="○"/>
+            </a:pPr>
+            <a:r>
+              <a:rPr lang="en-US" dirty="0"/>
+              <a:t>To connect to a network, a user needs:</a:t>
+            </a:r>
+          </a:p>
+          <a:p>
+            <a:pPr lvl="2">
+              <a:buFont typeface="Wingdings" pitchFamily="2" charset="2"/>
+              <a:buChar char="§"/>
+            </a:pPr>
+            <a:r>
+              <a:rPr lang="en-US" dirty="0"/>
+              <a:t>An IP address so that other people can contact the user</a:t>
+            </a:r>
+          </a:p>
+          <a:p>
+            <a:pPr lvl="2">
+              <a:buFont typeface="Wingdings" pitchFamily="2" charset="2"/>
+              <a:buChar char="§"/>
+            </a:pPr>
+            <a:r>
+              <a:rPr lang="en-US" dirty="0"/>
+              <a:t>The IP address of the DNS server </a:t>
+            </a:r>
+          </a:p>
+          <a:p>
+            <a:pPr lvl="2">
+              <a:buFont typeface="Wingdings" pitchFamily="2" charset="2"/>
+              <a:buChar char="§"/>
+            </a:pPr>
+            <a:r>
+              <a:rPr lang="en-US" dirty="0"/>
+              <a:t>The IP address of the router (gateway) so that the user can contact machines outside of the LAN</a:t>
+            </a:r>
+          </a:p>
+          <a:p>
+            <a:pPr lvl="1"/>
+            <a:r>
+              <a:rPr lang="en-US" b="1" dirty="0"/>
+              <a:t>DHCP</a:t>
+            </a:r>
+            <a:r>
+              <a:rPr lang="en-US" dirty="0"/>
+              <a:t> gives the user a configuration when they first join the network</a:t>
+            </a:r>
+          </a:p>
+          <a:p>
+            <a:pPr marL="914400" lvl="1" indent="-317500" algn="l" rtl="0">
+              <a:spcBef>
+                <a:spcPts val="0"/>
+              </a:spcBef>
+              <a:spcAft>
+                <a:spcPts val="0"/>
+              </a:spcAft>
+              <a:buSzPts val="1400"/>
+              <a:buChar char="○"/>
+            </a:pPr>
+            <a:r>
+              <a:rPr lang="en-US" dirty="0"/>
+              <a:t>Attack: The attacker can respond with a malicious configuration</a:t>
+            </a:r>
+          </a:p>
+          <a:p>
+            <a:pPr marL="914400" lvl="1" indent="-317500" algn="l" rtl="0">
+              <a:spcBef>
+                <a:spcPts val="0"/>
+              </a:spcBef>
+              <a:spcAft>
+                <a:spcPts val="0"/>
+              </a:spcAft>
+              <a:buSzPts val="1400"/>
+              <a:buChar char="○"/>
+            </a:pPr>
+            <a:r>
+              <a:rPr lang="en-US" dirty="0"/>
+              <a:t>Defense: Rely on higher layers</a:t>
+            </a:r>
+          </a:p>
+          <a:p>
+            <a:pPr lvl="1"/>
+            <a:endParaRPr lang="en-US" dirty="0"/>
+          </a:p>
+          <a:p>
+            <a:pPr lvl="1"/>
+            <a:endParaRPr lang="en-US" dirty="0"/>
+          </a:p>
+        </p:txBody>
+      </p:sp>
+      <p:sp>
+        <p:nvSpPr>
+          <p:cNvPr id="595" name="Google Shape;595;p48"/>
+          <p:cNvSpPr txBox="1">
+            <a:spLocks noGrp="1"/>
+          </p:cNvSpPr>
+          <p:nvPr>
+            <p:ph type="sldNum" idx="12"/>
+          </p:nvPr>
+        </p:nvSpPr>
+        <p:spPr>
+          <a:xfrm>
+            <a:off x="8472458" y="4663217"/>
+            <a:ext cx="548700" cy="393600"/>
+          </a:xfrm>
+          <a:prstGeom prst="rect">
+            <a:avLst/>
+          </a:prstGeom>
+        </p:spPr>
+        <p:txBody>
+          <a:bodyPr spcFirstLastPara="1" wrap="square" lIns="91425" tIns="91425" rIns="91425" bIns="91425" anchor="ctr" anchorCtr="0">
+            <a:normAutofit/>
+          </a:bodyPr>
+          <a:lstStyle/>
+          <a:p>
+            <a:pPr marL="0" lvl="0" indent="0" algn="r" rtl="0">
+              <a:spcBef>
+                <a:spcPts val="0"/>
+              </a:spcBef>
+              <a:spcAft>
+                <a:spcPts val="0"/>
+              </a:spcAft>
+              <a:buNone/>
+            </a:pPr>
+            <a:fld id="{00000000-1234-1234-1234-123412341234}" type="slidenum">
+              <a:rPr lang="en"/>
+              <a:t>28</a:t>
             </a:fld>
             <a:endParaRPr/>
           </a:p>
@@ -22528,7 +23345,7 @@
 </p:sld>
 </file>
 
-<file path=ppt/slides/slide27.xml><?xml version="1.0" encoding="utf-8"?>
+<file path=ppt/slides/slide29.xml><?xml version="1.0" encoding="utf-8"?>
 <p:sld xmlns:a="http://schemas.openxmlformats.org/drawingml/2006/main" xmlns:r="http://schemas.openxmlformats.org/officeDocument/2006/relationships" xmlns:p="http://schemas.openxmlformats.org/presentationml/2006/main">
   <p:cSld>
     <p:spTree>
@@ -22785,513 +23602,6 @@
       <p:sp>
         <p:nvSpPr>
           <p:cNvPr id="602" name="Google Shape;602;p49"/>
-          <p:cNvSpPr txBox="1">
-            <a:spLocks noGrp="1"/>
-          </p:cNvSpPr>
-          <p:nvPr>
-            <p:ph type="sldNum" idx="12"/>
-          </p:nvPr>
-        </p:nvSpPr>
-        <p:spPr>
-          <a:xfrm>
-            <a:off x="8472458" y="4663217"/>
-            <a:ext cx="548700" cy="393600"/>
-          </a:xfrm>
-          <a:prstGeom prst="rect">
-            <a:avLst/>
-          </a:prstGeom>
-        </p:spPr>
-        <p:txBody>
-          <a:bodyPr spcFirstLastPara="1" wrap="square" lIns="91425" tIns="91425" rIns="91425" bIns="91425" anchor="ctr" anchorCtr="0">
-            <a:normAutofit/>
-          </a:bodyPr>
-          <a:lstStyle/>
-          <a:p>
-            <a:pPr marL="0" lvl="0" indent="0" algn="r" rtl="0">
-              <a:spcBef>
-                <a:spcPts val="0"/>
-              </a:spcBef>
-              <a:spcAft>
-                <a:spcPts val="0"/>
-              </a:spcAft>
-              <a:buNone/>
-            </a:pPr>
-            <a:fld id="{00000000-1234-1234-1234-123412341234}" type="slidenum">
-              <a:rPr lang="en"/>
-              <a:t>27</a:t>
-            </a:fld>
-            <a:endParaRPr/>
-          </a:p>
-        </p:txBody>
-      </p:sp>
-    </p:spTree>
-  </p:cSld>
-  <p:clrMapOvr>
-    <a:masterClrMapping/>
-  </p:clrMapOvr>
-</p:sld>
-</file>
-
-<file path=ppt/slides/slide28.xml><?xml version="1.0" encoding="utf-8"?>
-<p:sld xmlns:a="http://schemas.openxmlformats.org/drawingml/2006/main" xmlns:r="http://schemas.openxmlformats.org/officeDocument/2006/relationships" xmlns:p="http://schemas.openxmlformats.org/presentationml/2006/main">
-  <p:cSld>
-    <p:spTree>
-      <p:nvGrpSpPr>
-        <p:cNvPr id="1" name="Shape 606"/>
-        <p:cNvGrpSpPr/>
-        <p:nvPr/>
-      </p:nvGrpSpPr>
-      <p:grpSpPr>
-        <a:xfrm>
-          <a:off x="0" y="0"/>
-          <a:ext cx="0" cy="0"/>
-          <a:chOff x="0" y="0"/>
-          <a:chExt cx="0" cy="0"/>
-        </a:xfrm>
-      </p:grpSpPr>
-      <p:sp>
-        <p:nvSpPr>
-          <p:cNvPr id="607" name="Google Shape;607;p50"/>
-          <p:cNvSpPr txBox="1">
-            <a:spLocks noGrp="1"/>
-          </p:cNvSpPr>
-          <p:nvPr>
-            <p:ph type="title"/>
-          </p:nvPr>
-        </p:nvSpPr>
-        <p:spPr>
-          <a:xfrm>
-            <a:off x="102700" y="270875"/>
-            <a:ext cx="8520600" cy="572700"/>
-          </a:xfrm>
-          <a:prstGeom prst="rect">
-            <a:avLst/>
-          </a:prstGeom>
-        </p:spPr>
-        <p:txBody>
-          <a:bodyPr spcFirstLastPara="1" wrap="square" lIns="91425" tIns="91425" rIns="91425" bIns="91425" anchor="t" anchorCtr="0">
-            <a:normAutofit fontScale="90000"/>
-          </a:bodyPr>
-          <a:lstStyle/>
-          <a:p>
-            <a:pPr marL="0" lvl="0" indent="0" algn="l" rtl="0">
-              <a:spcBef>
-                <a:spcPts val="0"/>
-              </a:spcBef>
-              <a:spcAft>
-                <a:spcPts val="0"/>
-              </a:spcAft>
-              <a:buNone/>
-            </a:pPr>
-            <a:r>
-              <a:rPr lang="en"/>
-              <a:t>Summary</a:t>
-            </a:r>
-            <a:endParaRPr/>
-          </a:p>
-        </p:txBody>
-      </p:sp>
-      <p:sp>
-        <p:nvSpPr>
-          <p:cNvPr id="608" name="Google Shape;608;p50"/>
-          <p:cNvSpPr txBox="1">
-            <a:spLocks noGrp="1"/>
-          </p:cNvSpPr>
-          <p:nvPr>
-            <p:ph type="body" idx="1"/>
-          </p:nvPr>
-        </p:nvSpPr>
-        <p:spPr>
-          <a:xfrm>
-            <a:off x="198500" y="1246825"/>
-            <a:ext cx="8520600" cy="3765600"/>
-          </a:xfrm>
-          <a:prstGeom prst="rect">
-            <a:avLst/>
-          </a:prstGeom>
-        </p:spPr>
-        <p:txBody>
-          <a:bodyPr spcFirstLastPara="1" wrap="square" lIns="91425" tIns="91425" rIns="91425" bIns="91425" anchor="t" anchorCtr="0">
-            <a:normAutofit/>
-          </a:bodyPr>
-          <a:lstStyle/>
-          <a:p>
-            <a:pPr marL="457200" lvl="0" indent="-342900" algn="l" rtl="0">
-              <a:spcBef>
-                <a:spcPts val="0"/>
-              </a:spcBef>
-              <a:spcAft>
-                <a:spcPts val="0"/>
-              </a:spcAft>
-              <a:buSzPts val="1800"/>
-              <a:buChar char="●"/>
-            </a:pPr>
-            <a:r>
-              <a:rPr lang="en"/>
-              <a:t>Border Gateway Protocol (BGP): Routing packets</a:t>
-            </a:r>
-            <a:endParaRPr/>
-          </a:p>
-          <a:p>
-            <a:pPr marL="914400" lvl="1" indent="-317500" algn="l" rtl="0">
-              <a:spcBef>
-                <a:spcPts val="0"/>
-              </a:spcBef>
-              <a:spcAft>
-                <a:spcPts val="0"/>
-              </a:spcAft>
-              <a:buSzPts val="1400"/>
-              <a:buChar char="○"/>
-            </a:pPr>
-            <a:r>
-              <a:rPr lang="en"/>
-              <a:t>The Internet is made of smaller </a:t>
-            </a:r>
-            <a:r>
-              <a:rPr lang="en" b="1"/>
-              <a:t>autonomous systems</a:t>
-            </a:r>
-            <a:r>
-              <a:rPr lang="en"/>
-              <a:t> (</a:t>
-            </a:r>
-            <a:r>
-              <a:rPr lang="en" b="1"/>
-              <a:t>AS</a:t>
-            </a:r>
-            <a:r>
-              <a:rPr lang="en"/>
-              <a:t>)</a:t>
-            </a:r>
-            <a:endParaRPr/>
-          </a:p>
-          <a:p>
-            <a:pPr marL="914400" lvl="1" indent="-317500" algn="l" rtl="0">
-              <a:spcBef>
-                <a:spcPts val="0"/>
-              </a:spcBef>
-              <a:spcAft>
-                <a:spcPts val="0"/>
-              </a:spcAft>
-              <a:buSzPts val="1400"/>
-              <a:buChar char="○"/>
-            </a:pPr>
-            <a:r>
-              <a:rPr lang="en"/>
-              <a:t>Each AS broadcasts the shortest routes it knows of (dependent on the shortest routes of its neighbors and distance to neighbors)</a:t>
-            </a:r>
-            <a:endParaRPr/>
-          </a:p>
-        </p:txBody>
-      </p:sp>
-      <p:sp>
-        <p:nvSpPr>
-          <p:cNvPr id="609" name="Google Shape;609;p50"/>
-          <p:cNvSpPr txBox="1">
-            <a:spLocks noGrp="1"/>
-          </p:cNvSpPr>
-          <p:nvPr>
-            <p:ph type="sldNum" idx="12"/>
-          </p:nvPr>
-        </p:nvSpPr>
-        <p:spPr>
-          <a:xfrm>
-            <a:off x="8472458" y="4663217"/>
-            <a:ext cx="548700" cy="393600"/>
-          </a:xfrm>
-          <a:prstGeom prst="rect">
-            <a:avLst/>
-          </a:prstGeom>
-        </p:spPr>
-        <p:txBody>
-          <a:bodyPr spcFirstLastPara="1" wrap="square" lIns="91425" tIns="91425" rIns="91425" bIns="91425" anchor="ctr" anchorCtr="0">
-            <a:normAutofit/>
-          </a:bodyPr>
-          <a:lstStyle/>
-          <a:p>
-            <a:pPr marL="0" lvl="0" indent="0" algn="r" rtl="0">
-              <a:spcBef>
-                <a:spcPts val="0"/>
-              </a:spcBef>
-              <a:spcAft>
-                <a:spcPts val="0"/>
-              </a:spcAft>
-              <a:buNone/>
-            </a:pPr>
-            <a:fld id="{00000000-1234-1234-1234-123412341234}" type="slidenum">
-              <a:rPr lang="en"/>
-              <a:t>28</a:t>
-            </a:fld>
-            <a:endParaRPr/>
-          </a:p>
-        </p:txBody>
-      </p:sp>
-    </p:spTree>
-  </p:cSld>
-  <p:clrMapOvr>
-    <a:masterClrMapping/>
-  </p:clrMapOvr>
-</p:sld>
-</file>
-
-<file path=ppt/slides/slide29.xml><?xml version="1.0" encoding="utf-8"?>
-<p:sld xmlns:a="http://schemas.openxmlformats.org/drawingml/2006/main" xmlns:r="http://schemas.openxmlformats.org/officeDocument/2006/relationships" xmlns:p="http://schemas.openxmlformats.org/presentationml/2006/main">
-  <p:cSld>
-    <p:spTree>
-      <p:nvGrpSpPr>
-        <p:cNvPr id="1" name="Shape 342"/>
-        <p:cNvGrpSpPr/>
-        <p:nvPr/>
-      </p:nvGrpSpPr>
-      <p:grpSpPr>
-        <a:xfrm>
-          <a:off x="0" y="0"/>
-          <a:ext cx="0" cy="0"/>
-          <a:chOff x="0" y="0"/>
-          <a:chExt cx="0" cy="0"/>
-        </a:xfrm>
-      </p:grpSpPr>
-      <p:sp>
-        <p:nvSpPr>
-          <p:cNvPr id="343" name="Google Shape;343;p44"/>
-          <p:cNvSpPr txBox="1">
-            <a:spLocks noGrp="1"/>
-          </p:cNvSpPr>
-          <p:nvPr>
-            <p:ph type="title"/>
-          </p:nvPr>
-        </p:nvSpPr>
-        <p:spPr>
-          <a:xfrm>
-            <a:off x="102700" y="270875"/>
-            <a:ext cx="8520600" cy="572700"/>
-          </a:xfrm>
-          <a:prstGeom prst="rect">
-            <a:avLst/>
-          </a:prstGeom>
-        </p:spPr>
-        <p:txBody>
-          <a:bodyPr spcFirstLastPara="1" wrap="square" lIns="91425" tIns="91425" rIns="91425" bIns="91425" anchor="t" anchorCtr="0">
-            <a:normAutofit fontScale="90000"/>
-          </a:bodyPr>
-          <a:lstStyle/>
-          <a:p>
-            <a:pPr marL="0" lvl="0" indent="0" algn="l" rtl="0">
-              <a:spcBef>
-                <a:spcPts val="0"/>
-              </a:spcBef>
-              <a:spcAft>
-                <a:spcPts val="0"/>
-              </a:spcAft>
-              <a:buNone/>
-            </a:pPr>
-            <a:r>
-              <a:rPr lang="en" dirty="0"/>
-              <a:t>TCP (Transmission Control Protocol )</a:t>
-            </a:r>
-            <a:endParaRPr dirty="0"/>
-          </a:p>
-        </p:txBody>
-      </p:sp>
-      <p:sp>
-        <p:nvSpPr>
-          <p:cNvPr id="344" name="Google Shape;344;p44"/>
-          <p:cNvSpPr txBox="1">
-            <a:spLocks noGrp="1"/>
-          </p:cNvSpPr>
-          <p:nvPr>
-            <p:ph type="body" idx="1"/>
-          </p:nvPr>
-        </p:nvSpPr>
-        <p:spPr>
-          <a:xfrm>
-            <a:off x="198500" y="1246825"/>
-            <a:ext cx="8520600" cy="3765600"/>
-          </a:xfrm>
-          <a:prstGeom prst="rect">
-            <a:avLst/>
-          </a:prstGeom>
-        </p:spPr>
-        <p:txBody>
-          <a:bodyPr spcFirstLastPara="1" wrap="square" lIns="91425" tIns="91425" rIns="91425" bIns="91425" anchor="t" anchorCtr="0">
-            <a:normAutofit/>
-          </a:bodyPr>
-          <a:lstStyle/>
-          <a:p>
-            <a:pPr marL="457200" lvl="0" indent="-342900" algn="l" rtl="0">
-              <a:spcBef>
-                <a:spcPts val="0"/>
-              </a:spcBef>
-              <a:spcAft>
-                <a:spcPts val="0"/>
-              </a:spcAft>
-              <a:buSzPts val="1800"/>
-              <a:buChar char="●"/>
-            </a:pPr>
-            <a:r>
-              <a:rPr lang="en" dirty="0"/>
-              <a:t>Transmission Control Protocol (TCP): Reliably sending packets</a:t>
-            </a:r>
-            <a:endParaRPr dirty="0"/>
-          </a:p>
-          <a:p>
-            <a:pPr marL="914400" lvl="1" indent="-317500" algn="l" rtl="0">
-              <a:spcBef>
-                <a:spcPts val="0"/>
-              </a:spcBef>
-              <a:spcAft>
-                <a:spcPts val="0"/>
-              </a:spcAft>
-              <a:buSzPts val="1400"/>
-              <a:buChar char="○"/>
-            </a:pPr>
-            <a:r>
-              <a:rPr lang="en" dirty="0"/>
-              <a:t>3-way handshake: Client sends SYN, server sends SYN-ACK, client sends ACK</a:t>
-            </a:r>
-            <a:endParaRPr dirty="0"/>
-          </a:p>
-          <a:p>
-            <a:pPr marL="914400" lvl="1" indent="-317500" algn="l" rtl="0">
-              <a:spcBef>
-                <a:spcPts val="0"/>
-              </a:spcBef>
-              <a:spcAft>
-                <a:spcPts val="0"/>
-              </a:spcAft>
-              <a:buSzPts val="1400"/>
-              <a:buChar char="○"/>
-            </a:pPr>
-            <a:r>
-              <a:rPr lang="en" dirty="0"/>
-              <a:t>Provides reliability, ordering, and ports</a:t>
-            </a:r>
-            <a:endParaRPr dirty="0"/>
-          </a:p>
-          <a:p>
-            <a:pPr marL="914400" lvl="1" indent="-317500" algn="l" rtl="0">
-              <a:spcBef>
-                <a:spcPts val="0"/>
-              </a:spcBef>
-              <a:spcAft>
-                <a:spcPts val="0"/>
-              </a:spcAft>
-              <a:buSzPts val="1400"/>
-              <a:buChar char="○"/>
-            </a:pPr>
-            <a:r>
-              <a:rPr lang="en" dirty="0"/>
-              <a:t>Attack: TCP hijacking through data injection or RST injection</a:t>
-            </a:r>
-            <a:endParaRPr dirty="0"/>
-          </a:p>
-          <a:p>
-            <a:pPr marL="1371600" lvl="2" indent="-317500" algn="l" rtl="0">
-              <a:spcBef>
-                <a:spcPts val="0"/>
-              </a:spcBef>
-              <a:spcAft>
-                <a:spcPts val="0"/>
-              </a:spcAft>
-              <a:buSzPts val="1400"/>
-              <a:buChar char="■"/>
-            </a:pPr>
-            <a:r>
-              <a:rPr lang="en" dirty="0"/>
-              <a:t>Blind attacks must guess the client’s or server’s sequence numbers</a:t>
-            </a:r>
-            <a:endParaRPr dirty="0"/>
-          </a:p>
-          <a:p>
-            <a:pPr marL="914400" lvl="1" indent="-317500" algn="l" rtl="0">
-              <a:spcBef>
-                <a:spcPts val="0"/>
-              </a:spcBef>
-              <a:spcAft>
-                <a:spcPts val="0"/>
-              </a:spcAft>
-              <a:buSzPts val="1400"/>
-              <a:buChar char="○"/>
-            </a:pPr>
-            <a:r>
-              <a:rPr lang="en" dirty="0"/>
-              <a:t>Attack: TCP spoofing by sending a spoofed SYN packet</a:t>
-            </a:r>
-            <a:endParaRPr dirty="0"/>
-          </a:p>
-          <a:p>
-            <a:pPr marL="1371600" lvl="2" indent="-317500" algn="l" rtl="0">
-              <a:spcBef>
-                <a:spcPts val="0"/>
-              </a:spcBef>
-              <a:spcAft>
-                <a:spcPts val="0"/>
-              </a:spcAft>
-              <a:buSzPts val="1400"/>
-              <a:buChar char="■"/>
-            </a:pPr>
-            <a:r>
-              <a:rPr lang="en" dirty="0"/>
-              <a:t>Blind attacks must guess the server’s sequence number</a:t>
-            </a:r>
-            <a:endParaRPr dirty="0"/>
-          </a:p>
-          <a:p>
-            <a:pPr marL="457200" lvl="0" indent="-342900" algn="l" rtl="0">
-              <a:spcBef>
-                <a:spcPts val="0"/>
-              </a:spcBef>
-              <a:spcAft>
-                <a:spcPts val="0"/>
-              </a:spcAft>
-              <a:buSzPts val="1800"/>
-              <a:buChar char="●"/>
-            </a:pPr>
-            <a:r>
-              <a:rPr lang="en" dirty="0"/>
-              <a:t>User Datagram Protocol (UDP): Non-reliably sending packets</a:t>
-            </a:r>
-            <a:endParaRPr dirty="0"/>
-          </a:p>
-          <a:p>
-            <a:pPr marL="914400" lvl="1" indent="-317500" algn="l" rtl="0">
-              <a:spcBef>
-                <a:spcPts val="0"/>
-              </a:spcBef>
-              <a:spcAft>
-                <a:spcPts val="0"/>
-              </a:spcAft>
-              <a:buSzPts val="1400"/>
-              <a:buChar char="○"/>
-            </a:pPr>
-            <a:r>
-              <a:rPr lang="en" dirty="0"/>
-              <a:t>No reliability or ordering, only ports</a:t>
-            </a:r>
-            <a:endParaRPr dirty="0"/>
-          </a:p>
-          <a:p>
-            <a:pPr marL="914400" lvl="1" indent="-317500" algn="l" rtl="0">
-              <a:spcBef>
-                <a:spcPts val="0"/>
-              </a:spcBef>
-              <a:spcAft>
-                <a:spcPts val="0"/>
-              </a:spcAft>
-              <a:buSzPts val="1400"/>
-              <a:buChar char="○"/>
-            </a:pPr>
-            <a:r>
-              <a:rPr lang="en" dirty="0"/>
-              <a:t>Same injection and spoofing attacks as TCP, but easier</a:t>
-            </a:r>
-            <a:endParaRPr dirty="0"/>
-          </a:p>
-        </p:txBody>
-      </p:sp>
-      <p:sp>
-        <p:nvSpPr>
-          <p:cNvPr id="345" name="Google Shape;345;p44"/>
           <p:cNvSpPr txBox="1">
             <a:spLocks noGrp="1"/>
           </p:cNvSpPr>
@@ -23453,6 +23763,311 @@
   <p:cSld>
     <p:spTree>
       <p:nvGrpSpPr>
+        <p:cNvPr id="1" name="Shape 342"/>
+        <p:cNvGrpSpPr/>
+        <p:nvPr/>
+      </p:nvGrpSpPr>
+      <p:grpSpPr>
+        <a:xfrm>
+          <a:off x="0" y="0"/>
+          <a:ext cx="0" cy="0"/>
+          <a:chOff x="0" y="0"/>
+          <a:chExt cx="0" cy="0"/>
+        </a:xfrm>
+      </p:grpSpPr>
+      <p:sp>
+        <p:nvSpPr>
+          <p:cNvPr id="343" name="Google Shape;343;p44"/>
+          <p:cNvSpPr txBox="1">
+            <a:spLocks noGrp="1"/>
+          </p:cNvSpPr>
+          <p:nvPr>
+            <p:ph type="title"/>
+          </p:nvPr>
+        </p:nvSpPr>
+        <p:spPr>
+          <a:xfrm>
+            <a:off x="102700" y="270875"/>
+            <a:ext cx="8520600" cy="572700"/>
+          </a:xfrm>
+          <a:prstGeom prst="rect">
+            <a:avLst/>
+          </a:prstGeom>
+        </p:spPr>
+        <p:txBody>
+          <a:bodyPr spcFirstLastPara="1" wrap="square" lIns="91425" tIns="91425" rIns="91425" bIns="91425" anchor="t" anchorCtr="0">
+            <a:normAutofit fontScale="90000"/>
+          </a:bodyPr>
+          <a:lstStyle/>
+          <a:p>
+            <a:pPr marL="0" lvl="0" indent="0" algn="l" rtl="0">
+              <a:spcBef>
+                <a:spcPts val="0"/>
+              </a:spcBef>
+              <a:spcAft>
+                <a:spcPts val="0"/>
+              </a:spcAft>
+              <a:buNone/>
+            </a:pPr>
+            <a:r>
+              <a:rPr lang="en" dirty="0"/>
+              <a:t>TCP (Transmission Control Protocol )</a:t>
+            </a:r>
+            <a:endParaRPr dirty="0"/>
+          </a:p>
+        </p:txBody>
+      </p:sp>
+      <p:sp>
+        <p:nvSpPr>
+          <p:cNvPr id="344" name="Google Shape;344;p44"/>
+          <p:cNvSpPr txBox="1">
+            <a:spLocks noGrp="1"/>
+          </p:cNvSpPr>
+          <p:nvPr>
+            <p:ph type="body" idx="1"/>
+          </p:nvPr>
+        </p:nvSpPr>
+        <p:spPr>
+          <a:xfrm>
+            <a:off x="198500" y="1246825"/>
+            <a:ext cx="8520600" cy="3765600"/>
+          </a:xfrm>
+          <a:prstGeom prst="rect">
+            <a:avLst/>
+          </a:prstGeom>
+        </p:spPr>
+        <p:txBody>
+          <a:bodyPr spcFirstLastPara="1" wrap="square" lIns="91425" tIns="91425" rIns="91425" bIns="91425" anchor="t" anchorCtr="0">
+            <a:normAutofit/>
+          </a:bodyPr>
+          <a:lstStyle/>
+          <a:p>
+            <a:pPr marL="457200" lvl="0" indent="-342900" algn="l" rtl="0">
+              <a:spcBef>
+                <a:spcPts val="0"/>
+              </a:spcBef>
+              <a:spcAft>
+                <a:spcPts val="0"/>
+              </a:spcAft>
+              <a:buSzPts val="1800"/>
+              <a:buChar char="●"/>
+            </a:pPr>
+            <a:r>
+              <a:rPr lang="en" dirty="0"/>
+              <a:t>Transmission Control Protocol (TCP): Reliably sending packets</a:t>
+            </a:r>
+            <a:endParaRPr dirty="0"/>
+          </a:p>
+          <a:p>
+            <a:pPr marL="914400" lvl="1" indent="-317500" algn="l" rtl="0">
+              <a:spcBef>
+                <a:spcPts val="0"/>
+              </a:spcBef>
+              <a:spcAft>
+                <a:spcPts val="0"/>
+              </a:spcAft>
+              <a:buSzPts val="1400"/>
+              <a:buChar char="○"/>
+            </a:pPr>
+            <a:r>
+              <a:rPr lang="en" dirty="0"/>
+              <a:t>3-way handshake: Client sends SYN, server sends SYN-ACK, client sends ACK</a:t>
+            </a:r>
+            <a:endParaRPr dirty="0"/>
+          </a:p>
+          <a:p>
+            <a:pPr marL="914400" lvl="1" indent="-317500" algn="l" rtl="0">
+              <a:spcBef>
+                <a:spcPts val="0"/>
+              </a:spcBef>
+              <a:spcAft>
+                <a:spcPts val="0"/>
+              </a:spcAft>
+              <a:buSzPts val="1400"/>
+              <a:buChar char="○"/>
+            </a:pPr>
+            <a:r>
+              <a:rPr lang="en" dirty="0"/>
+              <a:t>Provides reliability, ordering, and ports</a:t>
+            </a:r>
+            <a:endParaRPr dirty="0"/>
+          </a:p>
+          <a:p>
+            <a:pPr marL="914400" lvl="1" indent="-317500" algn="l" rtl="0">
+              <a:spcBef>
+                <a:spcPts val="0"/>
+              </a:spcBef>
+              <a:spcAft>
+                <a:spcPts val="0"/>
+              </a:spcAft>
+              <a:buSzPts val="1400"/>
+              <a:buChar char="○"/>
+            </a:pPr>
+            <a:r>
+              <a:rPr lang="en" dirty="0"/>
+              <a:t>Attack: TCP hijacking through data injection or RST injection</a:t>
+            </a:r>
+            <a:endParaRPr dirty="0"/>
+          </a:p>
+          <a:p>
+            <a:pPr marL="1371600" lvl="2" indent="-317500" algn="l" rtl="0">
+              <a:spcBef>
+                <a:spcPts val="0"/>
+              </a:spcBef>
+              <a:spcAft>
+                <a:spcPts val="0"/>
+              </a:spcAft>
+              <a:buSzPts val="1400"/>
+              <a:buChar char="■"/>
+            </a:pPr>
+            <a:r>
+              <a:rPr lang="en" dirty="0"/>
+              <a:t>Blind attacks must guess the client’s or server’s sequence numbers</a:t>
+            </a:r>
+            <a:endParaRPr dirty="0"/>
+          </a:p>
+          <a:p>
+            <a:pPr marL="914400" lvl="1" indent="-317500" algn="l" rtl="0">
+              <a:spcBef>
+                <a:spcPts val="0"/>
+              </a:spcBef>
+              <a:spcAft>
+                <a:spcPts val="0"/>
+              </a:spcAft>
+              <a:buSzPts val="1400"/>
+              <a:buChar char="○"/>
+            </a:pPr>
+            <a:r>
+              <a:rPr lang="en" dirty="0"/>
+              <a:t>Attack: TCP spoofing by sending a spoofed SYN packet</a:t>
+            </a:r>
+            <a:endParaRPr dirty="0"/>
+          </a:p>
+          <a:p>
+            <a:pPr marL="1371600" lvl="2" indent="-317500" algn="l" rtl="0">
+              <a:spcBef>
+                <a:spcPts val="0"/>
+              </a:spcBef>
+              <a:spcAft>
+                <a:spcPts val="0"/>
+              </a:spcAft>
+              <a:buSzPts val="1400"/>
+              <a:buChar char="■"/>
+            </a:pPr>
+            <a:r>
+              <a:rPr lang="en" dirty="0"/>
+              <a:t>Blind attacks must guess the server’s sequence number</a:t>
+            </a:r>
+            <a:endParaRPr dirty="0"/>
+          </a:p>
+          <a:p>
+            <a:pPr marL="457200" lvl="0" indent="-342900" algn="l" rtl="0">
+              <a:spcBef>
+                <a:spcPts val="0"/>
+              </a:spcBef>
+              <a:spcAft>
+                <a:spcPts val="0"/>
+              </a:spcAft>
+              <a:buSzPts val="1800"/>
+              <a:buChar char="●"/>
+            </a:pPr>
+            <a:r>
+              <a:rPr lang="en" dirty="0"/>
+              <a:t>User Datagram Protocol (UDP): Non-reliably sending packets</a:t>
+            </a:r>
+            <a:endParaRPr dirty="0"/>
+          </a:p>
+          <a:p>
+            <a:pPr marL="914400" lvl="1" indent="-317500" algn="l" rtl="0">
+              <a:spcBef>
+                <a:spcPts val="0"/>
+              </a:spcBef>
+              <a:spcAft>
+                <a:spcPts val="0"/>
+              </a:spcAft>
+              <a:buSzPts val="1400"/>
+              <a:buChar char="○"/>
+            </a:pPr>
+            <a:r>
+              <a:rPr lang="en" dirty="0"/>
+              <a:t>No reliability or ordering, only ports</a:t>
+            </a:r>
+            <a:endParaRPr dirty="0"/>
+          </a:p>
+          <a:p>
+            <a:pPr marL="914400" lvl="1" indent="-317500" algn="l" rtl="0">
+              <a:spcBef>
+                <a:spcPts val="0"/>
+              </a:spcBef>
+              <a:spcAft>
+                <a:spcPts val="0"/>
+              </a:spcAft>
+              <a:buSzPts val="1400"/>
+              <a:buChar char="○"/>
+            </a:pPr>
+            <a:r>
+              <a:rPr lang="en" dirty="0"/>
+              <a:t>Same injection and spoofing attacks as TCP, but easier</a:t>
+            </a:r>
+            <a:endParaRPr dirty="0"/>
+          </a:p>
+        </p:txBody>
+      </p:sp>
+      <p:sp>
+        <p:nvSpPr>
+          <p:cNvPr id="345" name="Google Shape;345;p44"/>
+          <p:cNvSpPr txBox="1">
+            <a:spLocks noGrp="1"/>
+          </p:cNvSpPr>
+          <p:nvPr>
+            <p:ph type="sldNum" idx="12"/>
+          </p:nvPr>
+        </p:nvSpPr>
+        <p:spPr>
+          <a:xfrm>
+            <a:off x="8472458" y="4663217"/>
+            <a:ext cx="548700" cy="393600"/>
+          </a:xfrm>
+          <a:prstGeom prst="rect">
+            <a:avLst/>
+          </a:prstGeom>
+        </p:spPr>
+        <p:txBody>
+          <a:bodyPr spcFirstLastPara="1" wrap="square" lIns="91425" tIns="91425" rIns="91425" bIns="91425" anchor="ctr" anchorCtr="0">
+            <a:normAutofit/>
+          </a:bodyPr>
+          <a:lstStyle/>
+          <a:p>
+            <a:pPr marL="0" lvl="0" indent="0" algn="r" rtl="0">
+              <a:spcBef>
+                <a:spcPts val="0"/>
+              </a:spcBef>
+              <a:spcAft>
+                <a:spcPts val="0"/>
+              </a:spcAft>
+              <a:buNone/>
+            </a:pPr>
+            <a:fld id="{00000000-1234-1234-1234-123412341234}" type="slidenum">
+              <a:rPr lang="en"/>
+              <a:t>30</a:t>
+            </a:fld>
+            <a:endParaRPr/>
+          </a:p>
+        </p:txBody>
+      </p:sp>
+    </p:spTree>
+  </p:cSld>
+  <p:clrMapOvr>
+    <a:masterClrMapping/>
+  </p:clrMapOvr>
+</p:sld>
+</file>
+
+<file path=ppt/slides/slide31.xml><?xml version="1.0" encoding="utf-8"?>
+<p:sld xmlns:a="http://schemas.openxmlformats.org/drawingml/2006/main" xmlns:r="http://schemas.openxmlformats.org/officeDocument/2006/relationships" xmlns:p="http://schemas.openxmlformats.org/presentationml/2006/main">
+  <p:cSld>
+    <p:spTree>
+      <p:nvGrpSpPr>
         <p:cNvPr id="1" name="Shape 118"/>
         <p:cNvGrpSpPr/>
         <p:nvPr/>
@@ -23755,7 +24370,7 @@
             </a:pPr>
             <a:fld id="{00000000-1234-1234-1234-123412341234}" type="slidenum">
               <a:rPr lang="en"/>
-              <a:t>30</a:t>
+              <a:t>31</a:t>
             </a:fld>
             <a:endParaRPr/>
           </a:p>
@@ -24289,7 +24904,7 @@
 </p:sld>
 </file>
 
-<file path=ppt/slides/slide31.xml><?xml version="1.0" encoding="utf-8"?>
+<file path=ppt/slides/slide32.xml><?xml version="1.0" encoding="utf-8"?>
 <p:sld xmlns:a="http://schemas.openxmlformats.org/drawingml/2006/main" xmlns:r="http://schemas.openxmlformats.org/officeDocument/2006/relationships" xmlns:p="http://schemas.openxmlformats.org/presentationml/2006/main">
   <p:cSld>
     <p:spTree>
@@ -24579,7 +25194,7 @@
             </a:pPr>
             <a:fld id="{00000000-1234-1234-1234-123412341234}" type="slidenum">
               <a:rPr lang="en"/>
-              <a:t>31</a:t>
+              <a:t>32</a:t>
             </a:fld>
             <a:endParaRPr/>
           </a:p>
@@ -25064,7 +25679,7 @@
 </p:sld>
 </file>
 
-<file path=ppt/slides/slide32.xml><?xml version="1.0" encoding="utf-8"?>
+<file path=ppt/slides/slide33.xml><?xml version="1.0" encoding="utf-8"?>
 <p:sld xmlns:a="http://schemas.openxmlformats.org/drawingml/2006/main" xmlns:r="http://schemas.openxmlformats.org/officeDocument/2006/relationships" xmlns:p="http://schemas.openxmlformats.org/presentationml/2006/main">
   <p:cSld>
     <p:spTree>
@@ -25323,7 +25938,7 @@
             </a:pPr>
             <a:fld id="{00000000-1234-1234-1234-123412341234}" type="slidenum">
               <a:rPr lang="en"/>
-              <a:t>32</a:t>
+              <a:t>33</a:t>
             </a:fld>
             <a:endParaRPr/>
           </a:p>
@@ -26261,7 +26876,7 @@
 </p:sld>
 </file>
 
-<file path=ppt/slides/slide33.xml><?xml version="1.0" encoding="utf-8"?>
+<file path=ppt/slides/slide34.xml><?xml version="1.0" encoding="utf-8"?>
 <p:sld xmlns:a="http://schemas.openxmlformats.org/drawingml/2006/main" xmlns:r="http://schemas.openxmlformats.org/officeDocument/2006/relationships" xmlns:p="http://schemas.openxmlformats.org/presentationml/2006/main">
   <p:cSld>
     <p:spTree>
@@ -26534,7 +27149,7 @@
             </a:pPr>
             <a:fld id="{00000000-1234-1234-1234-123412341234}" type="slidenum">
               <a:rPr lang="en"/>
-              <a:t>33</a:t>
+              <a:t>34</a:t>
             </a:fld>
             <a:endParaRPr/>
           </a:p>
@@ -26970,7 +27585,7 @@
 </p:sld>
 </file>
 
-<file path=ppt/slides/slide34.xml><?xml version="1.0" encoding="utf-8"?>
+<file path=ppt/slides/slide35.xml><?xml version="1.0" encoding="utf-8"?>
 <p:sld xmlns:a="http://schemas.openxmlformats.org/drawingml/2006/main" xmlns:r="http://schemas.openxmlformats.org/officeDocument/2006/relationships" xmlns:p="http://schemas.openxmlformats.org/presentationml/2006/main">
   <p:cSld>
     <p:spTree>
@@ -27227,7 +27842,7 @@
             </a:pPr>
             <a:fld id="{00000000-1234-1234-1234-123412341234}" type="slidenum">
               <a:rPr lang="en"/>
-              <a:t>34</a:t>
+              <a:t>35</a:t>
             </a:fld>
             <a:endParaRPr/>
           </a:p>
@@ -27241,7 +27856,7 @@
 </p:sld>
 </file>
 
-<file path=ppt/slides/slide35.xml><?xml version="1.0" encoding="utf-8"?>
+<file path=ppt/slides/slide36.xml><?xml version="1.0" encoding="utf-8"?>
 <p:sld xmlns:a="http://schemas.openxmlformats.org/drawingml/2006/main" xmlns:r="http://schemas.openxmlformats.org/officeDocument/2006/relationships" xmlns:p="http://schemas.openxmlformats.org/presentationml/2006/main">
   <p:cSld>
     <p:spTree>
@@ -27430,7 +28045,7 @@
             </a:pPr>
             <a:fld id="{00000000-1234-1234-1234-123412341234}" type="slidenum">
               <a:rPr lang="en"/>
-              <a:t>35</a:t>
+              <a:t>36</a:t>
             </a:fld>
             <a:endParaRPr/>
           </a:p>
@@ -28198,7 +28813,7 @@
 </p:sld>
 </file>
 
-<file path=ppt/slides/slide36.xml><?xml version="1.0" encoding="utf-8"?>
+<file path=ppt/slides/slide37.xml><?xml version="1.0" encoding="utf-8"?>
 <p:sld xmlns:a="http://schemas.openxmlformats.org/drawingml/2006/main" xmlns:r="http://schemas.openxmlformats.org/officeDocument/2006/relationships" xmlns:p="http://schemas.openxmlformats.org/presentationml/2006/main">
   <p:cSld>
     <p:spTree>
@@ -28446,7 +29061,7 @@
             </a:pPr>
             <a:fld id="{00000000-1234-1234-1234-123412341234}" type="slidenum">
               <a:rPr lang="en"/>
-              <a:t>36</a:t>
+              <a:t>37</a:t>
             </a:fld>
             <a:endParaRPr/>
           </a:p>
@@ -28460,7 +29075,7 @@
 </p:sld>
 </file>
 
-<file path=ppt/slides/slide37.xml><?xml version="1.0" encoding="utf-8"?>
+<file path=ppt/slides/slide38.xml><?xml version="1.0" encoding="utf-8"?>
 <p:sld xmlns:a="http://schemas.openxmlformats.org/drawingml/2006/main" xmlns:r="http://schemas.openxmlformats.org/officeDocument/2006/relationships" xmlns:p="http://schemas.openxmlformats.org/presentationml/2006/main">
   <p:cSld>
     <p:spTree>
@@ -28751,7 +29366,7 @@
             </a:pPr>
             <a:fld id="{00000000-1234-1234-1234-123412341234}" type="slidenum">
               <a:rPr lang="en"/>
-              <a:t>37</a:t>
+              <a:t>38</a:t>
             </a:fld>
             <a:endParaRPr/>
           </a:p>
@@ -28765,7 +29380,7 @@
 </p:sld>
 </file>
 
-<file path=ppt/slides/slide38.xml><?xml version="1.0" encoding="utf-8"?>
+<file path=ppt/slides/slide39.xml><?xml version="1.0" encoding="utf-8"?>
 <p:sld xmlns:a="http://schemas.openxmlformats.org/drawingml/2006/main" xmlns:r="http://schemas.openxmlformats.org/officeDocument/2006/relationships" xmlns:p="http://schemas.openxmlformats.org/presentationml/2006/main">
   <p:cSld>
     <p:spTree>
@@ -28967,7 +29582,7 @@
             </a:pPr>
             <a:fld id="{00000000-1234-1234-1234-123412341234}" type="slidenum">
               <a:rPr lang="en"/>
-              <a:t>38</a:t>
+              <a:t>39</a:t>
             </a:fld>
             <a:endParaRPr/>
           </a:p>
@@ -29086,11 +29701,17 @@
         <p:nvGraphicFramePr>
           <p:cNvPr id="948" name="Google Shape;948;p69"/>
           <p:cNvGraphicFramePr/>
-          <p:nvPr/>
+          <p:nvPr>
+            <p:extLst>
+              <p:ext uri="{D42A27DB-BD31-4B8C-83A1-F6EECF244321}">
+                <p14:modId xmlns:p14="http://schemas.microsoft.com/office/powerpoint/2010/main" val="3169664924"/>
+              </p:ext>
+            </p:extLst>
+          </p:nvPr>
         </p:nvGraphicFramePr>
         <p:xfrm>
           <a:off x="516875" y="2043313"/>
-          <a:ext cx="8110225" cy="2651640"/>
+          <a:ext cx="8110225" cy="2103000"/>
         </p:xfrm>
         <a:graphic>
           <a:graphicData uri="http://schemas.openxmlformats.org/drawingml/2006/table">
@@ -29230,10 +29851,10 @@
                         <a:buNone/>
                       </a:pPr>
                       <a:r>
-                        <a:rPr lang="en" sz="1800" b="1"/>
-                        <a:t>Man-in-the-middle/In-path attacker</a:t>
+                        <a:rPr lang="en" sz="1800" b="1" dirty="0"/>
+                        <a:t>Man-in-the-middle</a:t>
                       </a:r>
-                      <a:endParaRPr sz="1800" b="1"/>
+                      <a:endParaRPr sz="1800" b="1" dirty="0"/>
                     </a:p>
                   </a:txBody>
                   <a:tcPr marL="91425" marR="91425" marT="91425" marB="91425">
@@ -29408,10 +30029,10 @@
                         <a:buNone/>
                       </a:pPr>
                       <a:r>
-                        <a:rPr lang="en" sz="1800" b="1"/>
-                        <a:t>Man-on-the-side/On-path attacker</a:t>
+                        <a:rPr lang="en" sz="1800" b="1" dirty="0"/>
+                        <a:t>On-path attacker</a:t>
                       </a:r>
-                      <a:endParaRPr sz="1800" b="1"/>
+                      <a:endParaRPr sz="1800" b="1" dirty="0"/>
                     </a:p>
                   </a:txBody>
                   <a:tcPr marL="91425" marR="91425" marT="91425" marB="91425">
@@ -29661,7 +30282,7 @@
                         </a:spcAft>
                         <a:buNone/>
                       </a:pPr>
-                      <a:endParaRPr sz="1800"/>
+                      <a:endParaRPr sz="1800" dirty="0"/>
                     </a:p>
                   </a:txBody>
                   <a:tcPr marL="91425" marR="91425" marT="91425" marB="91425">

--- a/teaching/ITIS6200/2023fa/lectures/lec15.ARP.pptx
+++ b/teaching/ITIS6200/2023fa/lectures/lec15.ARP.pptx
@@ -10581,7 +10581,7 @@
         </p:spPr>
         <p:txBody>
           <a:bodyPr spcFirstLastPara="1" wrap="square" lIns="91425" tIns="91425" rIns="91425" bIns="91425" anchor="t" anchorCtr="0">
-            <a:normAutofit fontScale="85000" lnSpcReduction="10000"/>
+            <a:normAutofit fontScale="70000" lnSpcReduction="20000"/>
           </a:bodyPr>
           <a:lstStyle/>
           <a:p>
@@ -10627,13 +10627,8 @@
             </a:pPr>
             <a:r>
               <a:rPr lang="en-US" sz="2400" dirty="0"/>
-              <a:t>Option 3: A combination </a:t>
-            </a:r>
-            <a:r>
-              <a:rPr lang="en-US" sz="2400"/>
-              <a:t>of both 1 and 2</a:t>
-            </a:r>
-            <a:endParaRPr lang="en-US" sz="2400" dirty="0"/>
+              <a:t>Option 3: A combination of both 1 and 2</a:t>
+            </a:r>
           </a:p>
           <a:p>
             <a:endParaRPr lang="en-US" sz="2800" dirty="0"/>
@@ -10666,22 +10661,64 @@
           <a:p>
             <a:pPr lvl="1" indent="-342900">
               <a:buSzPts val="1800"/>
+              <a:buFont typeface="Arial"/>
               <a:buChar char="●"/>
             </a:pPr>
             <a:r>
-              <a:rPr lang="en-US" sz="1900" dirty="0"/>
+              <a:rPr lang="en-US" sz="2500" dirty="0"/>
               <a:t>To be released at Nov.2 11:59am</a:t>
             </a:r>
           </a:p>
           <a:p>
             <a:pPr lvl="1" indent="-342900">
               <a:buSzPts val="1800"/>
+              <a:buFont typeface="Arial"/>
               <a:buChar char="●"/>
             </a:pPr>
             <a:r>
-              <a:rPr lang="en-US" sz="1900" dirty="0"/>
+              <a:rPr lang="en-US" sz="2500" dirty="0"/>
               <a:t>Due Nov.16 11:59pm</a:t>
             </a:r>
+          </a:p>
+          <a:p>
+            <a:pPr lvl="1" indent="-342900">
+              <a:buSzPts val="1800"/>
+              <a:buFont typeface="Arial"/>
+              <a:buChar char="●"/>
+            </a:pPr>
+            <a:endParaRPr lang="en-US" sz="2500" dirty="0"/>
+          </a:p>
+          <a:p>
+            <a:r>
+              <a:rPr lang="en-US" sz="2900" b="0" i="0" dirty="0">
+                <a:solidFill>
+                  <a:srgbClr val="000000"/>
+                </a:solidFill>
+                <a:effectLst/>
+                <a:latin typeface="Arial" panose="020B0604020202020204" pitchFamily="34" charset="0"/>
+              </a:rPr>
+              <a:t>Computing Research Association survey</a:t>
+            </a:r>
+            <a:r>
+              <a:rPr lang="en-US" sz="2900" dirty="0"/>
+              <a:t> </a:t>
+            </a:r>
+          </a:p>
+          <a:p>
+            <a:pPr lvl="1" indent="-342900">
+              <a:buSzPts val="1800"/>
+              <a:buFont typeface="Arial"/>
+              <a:buChar char="●"/>
+            </a:pPr>
+            <a:r>
+              <a:rPr lang="en-US" sz="2600" dirty="0"/>
+              <a:t>Will open an assignment at Canvas (Extra 1%)</a:t>
+            </a:r>
+          </a:p>
+          <a:p>
+            <a:pPr marL="596900" lvl="1" indent="0">
+              <a:buNone/>
+            </a:pPr>
             <a:endParaRPr lang="en-US" sz="2800" dirty="0"/>
           </a:p>
           <a:p>

--- a/teaching/ITIS6200/2023fa/lectures/lec15.ARP.pptx
+++ b/teaching/ITIS6200/2023fa/lectures/lec15.ARP.pptx
@@ -5,7 +5,7 @@
     <p:sldMasterId id="2147483663" r:id="rId1"/>
   </p:sldMasterIdLst>
   <p:notesMasterIdLst>
-    <p:notesMasterId r:id="rId41"/>
+    <p:notesMasterId r:id="rId37"/>
   </p:notesMasterIdLst>
   <p:sldIdLst>
     <p:sldId id="330" r:id="rId2"/>
@@ -16,37 +16,33 @@
     <p:sldId id="310" r:id="rId7"/>
     <p:sldId id="312" r:id="rId8"/>
     <p:sldId id="313" r:id="rId9"/>
-    <p:sldId id="314" r:id="rId10"/>
-    <p:sldId id="316" r:id="rId11"/>
-    <p:sldId id="317" r:id="rId12"/>
-    <p:sldId id="318" r:id="rId13"/>
-    <p:sldId id="319" r:id="rId14"/>
-    <p:sldId id="320" r:id="rId15"/>
-    <p:sldId id="321" r:id="rId16"/>
-    <p:sldId id="322" r:id="rId17"/>
-    <p:sldId id="323" r:id="rId18"/>
-    <p:sldId id="324" r:id="rId19"/>
-    <p:sldId id="325" r:id="rId20"/>
-    <p:sldId id="326" r:id="rId21"/>
-    <p:sldId id="327" r:id="rId22"/>
-    <p:sldId id="328" r:id="rId23"/>
-    <p:sldId id="329" r:id="rId24"/>
-    <p:sldId id="345" r:id="rId25"/>
-    <p:sldId id="331" r:id="rId26"/>
-    <p:sldId id="347" r:id="rId27"/>
-    <p:sldId id="348" r:id="rId28"/>
-    <p:sldId id="346" r:id="rId29"/>
-    <p:sldId id="332" r:id="rId30"/>
-    <p:sldId id="334" r:id="rId31"/>
-    <p:sldId id="335" r:id="rId32"/>
-    <p:sldId id="336" r:id="rId33"/>
-    <p:sldId id="337" r:id="rId34"/>
-    <p:sldId id="338" r:id="rId35"/>
-    <p:sldId id="340" r:id="rId36"/>
-    <p:sldId id="341" r:id="rId37"/>
-    <p:sldId id="342" r:id="rId38"/>
-    <p:sldId id="343" r:id="rId39"/>
-    <p:sldId id="344" r:id="rId40"/>
+    <p:sldId id="316" r:id="rId10"/>
+    <p:sldId id="317" r:id="rId11"/>
+    <p:sldId id="318" r:id="rId12"/>
+    <p:sldId id="319" r:id="rId13"/>
+    <p:sldId id="320" r:id="rId14"/>
+    <p:sldId id="321" r:id="rId15"/>
+    <p:sldId id="322" r:id="rId16"/>
+    <p:sldId id="323" r:id="rId17"/>
+    <p:sldId id="324" r:id="rId18"/>
+    <p:sldId id="325" r:id="rId19"/>
+    <p:sldId id="326" r:id="rId20"/>
+    <p:sldId id="327" r:id="rId21"/>
+    <p:sldId id="328" r:id="rId22"/>
+    <p:sldId id="329" r:id="rId23"/>
+    <p:sldId id="345" r:id="rId24"/>
+    <p:sldId id="331" r:id="rId25"/>
+    <p:sldId id="347" r:id="rId26"/>
+    <p:sldId id="348" r:id="rId27"/>
+    <p:sldId id="346" r:id="rId28"/>
+    <p:sldId id="332" r:id="rId29"/>
+    <p:sldId id="334" r:id="rId30"/>
+    <p:sldId id="335" r:id="rId31"/>
+    <p:sldId id="336" r:id="rId32"/>
+    <p:sldId id="337" r:id="rId33"/>
+    <p:sldId id="338" r:id="rId34"/>
+    <p:sldId id="341" r:id="rId35"/>
+    <p:sldId id="343" r:id="rId36"/>
   </p:sldIdLst>
   <p:sldSz cx="9144000" cy="5143500" type="screen16x9"/>
   <p:notesSz cx="6858000" cy="9144000"/>
@@ -848,7 +844,7 @@
   <p:cSld>
     <p:spTree>
       <p:nvGrpSpPr>
-        <p:cNvPr id="1" name="Shape 1029"/>
+        <p:cNvPr id="1" name="Shape 1035"/>
         <p:cNvGrpSpPr/>
         <p:nvPr/>
       </p:nvGrpSpPr>
@@ -862,7 +858,7 @@
       </p:grpSpPr>
       <p:sp>
         <p:nvSpPr>
-          <p:cNvPr id="1030" name="Google Shape;1030;g16f207837e6_0_91:notes"/>
+          <p:cNvPr id="1036" name="Google Shape;1036;g16f207837e6_0_96:notes"/>
           <p:cNvSpPr>
             <a:spLocks noGrp="1" noRot="1" noChangeAspect="1"/>
           </p:cNvSpPr>
@@ -903,7 +899,7 @@
       </p:sp>
       <p:sp>
         <p:nvSpPr>
-          <p:cNvPr id="1031" name="Google Shape;1031;g16f207837e6_0_91:notes"/>
+          <p:cNvPr id="1037" name="Google Shape;1037;g16f207837e6_0_96:notes"/>
           <p:cNvSpPr txBox="1">
             <a:spLocks noGrp="1"/>
           </p:cNvSpPr>
@@ -948,110 +944,6 @@
 </file>
 
 <file path=ppt/notesSlides/notesSlide11.xml><?xml version="1.0" encoding="utf-8"?>
-<p:notes xmlns:a="http://schemas.openxmlformats.org/drawingml/2006/main" xmlns:r="http://schemas.openxmlformats.org/officeDocument/2006/relationships" xmlns:p="http://schemas.openxmlformats.org/presentationml/2006/main" showMasterSp="0" showMasterPhAnim="0">
-  <p:cSld>
-    <p:spTree>
-      <p:nvGrpSpPr>
-        <p:cNvPr id="1" name="Shape 1035"/>
-        <p:cNvGrpSpPr/>
-        <p:nvPr/>
-      </p:nvGrpSpPr>
-      <p:grpSpPr>
-        <a:xfrm>
-          <a:off x="0" y="0"/>
-          <a:ext cx="0" cy="0"/>
-          <a:chOff x="0" y="0"/>
-          <a:chExt cx="0" cy="0"/>
-        </a:xfrm>
-      </p:grpSpPr>
-      <p:sp>
-        <p:nvSpPr>
-          <p:cNvPr id="1036" name="Google Shape;1036;g16f207837e6_0_96:notes"/>
-          <p:cNvSpPr>
-            <a:spLocks noGrp="1" noRot="1" noChangeAspect="1"/>
-          </p:cNvSpPr>
-          <p:nvPr>
-            <p:ph type="sldImg" idx="2"/>
-          </p:nvPr>
-        </p:nvSpPr>
-        <p:spPr>
-          <a:xfrm>
-            <a:off x="381000" y="685800"/>
-            <a:ext cx="6096000" cy="3429000"/>
-          </a:xfrm>
-          <a:custGeom>
-            <a:avLst/>
-            <a:gdLst/>
-            <a:ahLst/>
-            <a:cxnLst/>
-            <a:rect l="l" t="t" r="r" b="b"/>
-            <a:pathLst>
-              <a:path w="120000" h="120000" extrusionOk="0">
-                <a:moveTo>
-                  <a:pt x="0" y="0"/>
-                </a:moveTo>
-                <a:lnTo>
-                  <a:pt x="120000" y="0"/>
-                </a:lnTo>
-                <a:lnTo>
-                  <a:pt x="120000" y="120000"/>
-                </a:lnTo>
-                <a:lnTo>
-                  <a:pt x="0" y="120000"/>
-                </a:lnTo>
-                <a:close/>
-              </a:path>
-            </a:pathLst>
-          </a:custGeom>
-        </p:spPr>
-      </p:sp>
-      <p:sp>
-        <p:nvSpPr>
-          <p:cNvPr id="1037" name="Google Shape;1037;g16f207837e6_0_96:notes"/>
-          <p:cNvSpPr txBox="1">
-            <a:spLocks noGrp="1"/>
-          </p:cNvSpPr>
-          <p:nvPr>
-            <p:ph type="body" idx="1"/>
-          </p:nvPr>
-        </p:nvSpPr>
-        <p:spPr>
-          <a:xfrm>
-            <a:off x="685800" y="4343400"/>
-            <a:ext cx="5486400" cy="4114800"/>
-          </a:xfrm>
-          <a:prstGeom prst="rect">
-            <a:avLst/>
-          </a:prstGeom>
-        </p:spPr>
-        <p:txBody>
-          <a:bodyPr spcFirstLastPara="1" wrap="square" lIns="91425" tIns="91425" rIns="91425" bIns="91425" anchor="t" anchorCtr="0">
-            <a:noAutofit/>
-          </a:bodyPr>
-          <a:lstStyle/>
-          <a:p>
-            <a:pPr marL="0" lvl="0" indent="0" algn="l" rtl="0">
-              <a:spcBef>
-                <a:spcPts val="0"/>
-              </a:spcBef>
-              <a:spcAft>
-                <a:spcPts val="0"/>
-              </a:spcAft>
-              <a:buNone/>
-            </a:pPr>
-            <a:endParaRPr/>
-          </a:p>
-        </p:txBody>
-      </p:sp>
-    </p:spTree>
-  </p:cSld>
-  <p:clrMapOvr>
-    <a:masterClrMapping/>
-  </p:clrMapOvr>
-</p:notes>
-</file>
-
-<file path=ppt/notesSlides/notesSlide12.xml><?xml version="1.0" encoding="utf-8"?>
 <p:notes xmlns:a="http://schemas.openxmlformats.org/drawingml/2006/main" xmlns:r="http://schemas.openxmlformats.org/officeDocument/2006/relationships" xmlns:p="http://schemas.openxmlformats.org/presentationml/2006/main" showMasterSp="0" showMasterPhAnim="0">
   <p:cSld>
     <p:spTree>
@@ -1155,7 +1047,7 @@
 </p:notes>
 </file>
 
-<file path=ppt/notesSlides/notesSlide13.xml><?xml version="1.0" encoding="utf-8"?>
+<file path=ppt/notesSlides/notesSlide12.xml><?xml version="1.0" encoding="utf-8"?>
 <p:notes xmlns:a="http://schemas.openxmlformats.org/drawingml/2006/main" xmlns:r="http://schemas.openxmlformats.org/officeDocument/2006/relationships" xmlns:p="http://schemas.openxmlformats.org/presentationml/2006/main" showMasterSp="0" showMasterPhAnim="0">
   <p:cSld>
     <p:spTree>
@@ -1259,7 +1151,7 @@
 </p:notes>
 </file>
 
-<file path=ppt/notesSlides/notesSlide14.xml><?xml version="1.0" encoding="utf-8"?>
+<file path=ppt/notesSlides/notesSlide13.xml><?xml version="1.0" encoding="utf-8"?>
 <p:notes xmlns:a="http://schemas.openxmlformats.org/drawingml/2006/main" xmlns:r="http://schemas.openxmlformats.org/officeDocument/2006/relationships" xmlns:p="http://schemas.openxmlformats.org/presentationml/2006/main" showMasterSp="0" showMasterPhAnim="0">
   <p:cSld>
     <p:spTree>
@@ -1363,7 +1255,7 @@
 </p:notes>
 </file>
 
-<file path=ppt/notesSlides/notesSlide15.xml><?xml version="1.0" encoding="utf-8"?>
+<file path=ppt/notesSlides/notesSlide14.xml><?xml version="1.0" encoding="utf-8"?>
 <p:notes xmlns:a="http://schemas.openxmlformats.org/drawingml/2006/main" xmlns:r="http://schemas.openxmlformats.org/officeDocument/2006/relationships" xmlns:p="http://schemas.openxmlformats.org/presentationml/2006/main" showMasterSp="0" showMasterPhAnim="0">
   <p:cSld>
     <p:spTree>
@@ -1467,7 +1359,7 @@
 </p:notes>
 </file>
 
-<file path=ppt/notesSlides/notesSlide16.xml><?xml version="1.0" encoding="utf-8"?>
+<file path=ppt/notesSlides/notesSlide15.xml><?xml version="1.0" encoding="utf-8"?>
 <p:notes xmlns:a="http://schemas.openxmlformats.org/drawingml/2006/main" xmlns:r="http://schemas.openxmlformats.org/officeDocument/2006/relationships" xmlns:p="http://schemas.openxmlformats.org/presentationml/2006/main" showMasterSp="0" showMasterPhAnim="0">
   <p:cSld>
     <p:spTree>
@@ -1571,7 +1463,7 @@
 </p:notes>
 </file>
 
-<file path=ppt/notesSlides/notesSlide17.xml><?xml version="1.0" encoding="utf-8"?>
+<file path=ppt/notesSlides/notesSlide16.xml><?xml version="1.0" encoding="utf-8"?>
 <p:notes xmlns:a="http://schemas.openxmlformats.org/drawingml/2006/main" xmlns:r="http://schemas.openxmlformats.org/officeDocument/2006/relationships" xmlns:p="http://schemas.openxmlformats.org/presentationml/2006/main" showMasterSp="0" showMasterPhAnim="0">
   <p:cSld>
     <p:spTree>
@@ -1685,7 +1577,7 @@
 </p:notes>
 </file>
 
-<file path=ppt/notesSlides/notesSlide18.xml><?xml version="1.0" encoding="utf-8"?>
+<file path=ppt/notesSlides/notesSlide17.xml><?xml version="1.0" encoding="utf-8"?>
 <p:notes xmlns:a="http://schemas.openxmlformats.org/drawingml/2006/main" xmlns:r="http://schemas.openxmlformats.org/officeDocument/2006/relationships" xmlns:p="http://schemas.openxmlformats.org/presentationml/2006/main" showMasterSp="0" showMasterPhAnim="0">
   <p:cSld>
     <p:spTree>
@@ -1789,7 +1681,7 @@
 </p:notes>
 </file>
 
-<file path=ppt/notesSlides/notesSlide19.xml><?xml version="1.0" encoding="utf-8"?>
+<file path=ppt/notesSlides/notesSlide18.xml><?xml version="1.0" encoding="utf-8"?>
 <p:notes xmlns:a="http://schemas.openxmlformats.org/drawingml/2006/main" xmlns:r="http://schemas.openxmlformats.org/officeDocument/2006/relationships" xmlns:p="http://schemas.openxmlformats.org/presentationml/2006/main" showMasterSp="0" showMasterPhAnim="0">
   <p:cSld>
     <p:spTree>
@@ -1850,6 +1742,110 @@
       <p:sp>
         <p:nvSpPr>
           <p:cNvPr id="1176" name="Google Shape;1176;g16f207837e6_0_227:notes"/>
+          <p:cNvSpPr txBox="1">
+            <a:spLocks noGrp="1"/>
+          </p:cNvSpPr>
+          <p:nvPr>
+            <p:ph type="body" idx="1"/>
+          </p:nvPr>
+        </p:nvSpPr>
+        <p:spPr>
+          <a:xfrm>
+            <a:off x="685800" y="4343400"/>
+            <a:ext cx="5486400" cy="4114800"/>
+          </a:xfrm>
+          <a:prstGeom prst="rect">
+            <a:avLst/>
+          </a:prstGeom>
+        </p:spPr>
+        <p:txBody>
+          <a:bodyPr spcFirstLastPara="1" wrap="square" lIns="91425" tIns="91425" rIns="91425" bIns="91425" anchor="t" anchorCtr="0">
+            <a:noAutofit/>
+          </a:bodyPr>
+          <a:lstStyle/>
+          <a:p>
+            <a:pPr marL="0" lvl="0" indent="0" algn="l" rtl="0">
+              <a:spcBef>
+                <a:spcPts val="0"/>
+              </a:spcBef>
+              <a:spcAft>
+                <a:spcPts val="0"/>
+              </a:spcAft>
+              <a:buNone/>
+            </a:pPr>
+            <a:endParaRPr/>
+          </a:p>
+        </p:txBody>
+      </p:sp>
+    </p:spTree>
+  </p:cSld>
+  <p:clrMapOvr>
+    <a:masterClrMapping/>
+  </p:clrMapOvr>
+</p:notes>
+</file>
+
+<file path=ppt/notesSlides/notesSlide19.xml><?xml version="1.0" encoding="utf-8"?>
+<p:notes xmlns:a="http://schemas.openxmlformats.org/drawingml/2006/main" xmlns:r="http://schemas.openxmlformats.org/officeDocument/2006/relationships" xmlns:p="http://schemas.openxmlformats.org/presentationml/2006/main" showMasterSp="0" showMasterPhAnim="0">
+  <p:cSld>
+    <p:spTree>
+      <p:nvGrpSpPr>
+        <p:cNvPr id="1" name="Shape 1195"/>
+        <p:cNvGrpSpPr/>
+        <p:nvPr/>
+      </p:nvGrpSpPr>
+      <p:grpSpPr>
+        <a:xfrm>
+          <a:off x="0" y="0"/>
+          <a:ext cx="0" cy="0"/>
+          <a:chOff x="0" y="0"/>
+          <a:chExt cx="0" cy="0"/>
+        </a:xfrm>
+      </p:grpSpPr>
+      <p:sp>
+        <p:nvSpPr>
+          <p:cNvPr id="1196" name="Google Shape;1196;g16f207837e6_0_247:notes"/>
+          <p:cNvSpPr>
+            <a:spLocks noGrp="1" noRot="1" noChangeAspect="1"/>
+          </p:cNvSpPr>
+          <p:nvPr>
+            <p:ph type="sldImg" idx="2"/>
+          </p:nvPr>
+        </p:nvSpPr>
+        <p:spPr>
+          <a:xfrm>
+            <a:off x="381000" y="685800"/>
+            <a:ext cx="6096000" cy="3429000"/>
+          </a:xfrm>
+          <a:custGeom>
+            <a:avLst/>
+            <a:gdLst/>
+            <a:ahLst/>
+            <a:cxnLst/>
+            <a:rect l="l" t="t" r="r" b="b"/>
+            <a:pathLst>
+              <a:path w="120000" h="120000" extrusionOk="0">
+                <a:moveTo>
+                  <a:pt x="0" y="0"/>
+                </a:moveTo>
+                <a:lnTo>
+                  <a:pt x="120000" y="0"/>
+                </a:lnTo>
+                <a:lnTo>
+                  <a:pt x="120000" y="120000"/>
+                </a:lnTo>
+                <a:lnTo>
+                  <a:pt x="0" y="120000"/>
+                </a:lnTo>
+                <a:close/>
+              </a:path>
+            </a:pathLst>
+          </a:custGeom>
+        </p:spPr>
+      </p:sp>
+      <p:sp>
+        <p:nvSpPr>
+          <p:cNvPr id="1197" name="Google Shape;1197;g16f207837e6_0_247:notes"/>
           <p:cNvSpPr txBox="1">
             <a:spLocks noGrp="1"/>
           </p:cNvSpPr>
@@ -2002,7 +1998,7 @@
   <p:cSld>
     <p:spTree>
       <p:nvGrpSpPr>
-        <p:cNvPr id="1" name="Shape 1195"/>
+        <p:cNvPr id="1" name="Shape 1213"/>
         <p:cNvGrpSpPr/>
         <p:nvPr/>
       </p:nvGrpSpPr>
@@ -2016,7 +2012,7 @@
       </p:grpSpPr>
       <p:sp>
         <p:nvSpPr>
-          <p:cNvPr id="1196" name="Google Shape;1196;g16f207837e6_0_247:notes"/>
+          <p:cNvPr id="1214" name="Google Shape;1214;g16f207837e6_0_264:notes"/>
           <p:cNvSpPr>
             <a:spLocks noGrp="1" noRot="1" noChangeAspect="1"/>
           </p:cNvSpPr>
@@ -2057,7 +2053,7 @@
       </p:sp>
       <p:sp>
         <p:nvSpPr>
-          <p:cNvPr id="1197" name="Google Shape;1197;g16f207837e6_0_247:notes"/>
+          <p:cNvPr id="1215" name="Google Shape;1215;g16f207837e6_0_264:notes"/>
           <p:cNvSpPr txBox="1">
             <a:spLocks noGrp="1"/>
           </p:cNvSpPr>
@@ -2102,110 +2098,6 @@
 </file>
 
 <file path=ppt/notesSlides/notesSlide21.xml><?xml version="1.0" encoding="utf-8"?>
-<p:notes xmlns:a="http://schemas.openxmlformats.org/drawingml/2006/main" xmlns:r="http://schemas.openxmlformats.org/officeDocument/2006/relationships" xmlns:p="http://schemas.openxmlformats.org/presentationml/2006/main" showMasterSp="0" showMasterPhAnim="0">
-  <p:cSld>
-    <p:spTree>
-      <p:nvGrpSpPr>
-        <p:cNvPr id="1" name="Shape 1213"/>
-        <p:cNvGrpSpPr/>
-        <p:nvPr/>
-      </p:nvGrpSpPr>
-      <p:grpSpPr>
-        <a:xfrm>
-          <a:off x="0" y="0"/>
-          <a:ext cx="0" cy="0"/>
-          <a:chOff x="0" y="0"/>
-          <a:chExt cx="0" cy="0"/>
-        </a:xfrm>
-      </p:grpSpPr>
-      <p:sp>
-        <p:nvSpPr>
-          <p:cNvPr id="1214" name="Google Shape;1214;g16f207837e6_0_264:notes"/>
-          <p:cNvSpPr>
-            <a:spLocks noGrp="1" noRot="1" noChangeAspect="1"/>
-          </p:cNvSpPr>
-          <p:nvPr>
-            <p:ph type="sldImg" idx="2"/>
-          </p:nvPr>
-        </p:nvSpPr>
-        <p:spPr>
-          <a:xfrm>
-            <a:off x="381000" y="685800"/>
-            <a:ext cx="6096000" cy="3429000"/>
-          </a:xfrm>
-          <a:custGeom>
-            <a:avLst/>
-            <a:gdLst/>
-            <a:ahLst/>
-            <a:cxnLst/>
-            <a:rect l="l" t="t" r="r" b="b"/>
-            <a:pathLst>
-              <a:path w="120000" h="120000" extrusionOk="0">
-                <a:moveTo>
-                  <a:pt x="0" y="0"/>
-                </a:moveTo>
-                <a:lnTo>
-                  <a:pt x="120000" y="0"/>
-                </a:lnTo>
-                <a:lnTo>
-                  <a:pt x="120000" y="120000"/>
-                </a:lnTo>
-                <a:lnTo>
-                  <a:pt x="0" y="120000"/>
-                </a:lnTo>
-                <a:close/>
-              </a:path>
-            </a:pathLst>
-          </a:custGeom>
-        </p:spPr>
-      </p:sp>
-      <p:sp>
-        <p:nvSpPr>
-          <p:cNvPr id="1215" name="Google Shape;1215;g16f207837e6_0_264:notes"/>
-          <p:cNvSpPr txBox="1">
-            <a:spLocks noGrp="1"/>
-          </p:cNvSpPr>
-          <p:nvPr>
-            <p:ph type="body" idx="1"/>
-          </p:nvPr>
-        </p:nvSpPr>
-        <p:spPr>
-          <a:xfrm>
-            <a:off x="685800" y="4343400"/>
-            <a:ext cx="5486400" cy="4114800"/>
-          </a:xfrm>
-          <a:prstGeom prst="rect">
-            <a:avLst/>
-          </a:prstGeom>
-        </p:spPr>
-        <p:txBody>
-          <a:bodyPr spcFirstLastPara="1" wrap="square" lIns="91425" tIns="91425" rIns="91425" bIns="91425" anchor="t" anchorCtr="0">
-            <a:noAutofit/>
-          </a:bodyPr>
-          <a:lstStyle/>
-          <a:p>
-            <a:pPr marL="0" lvl="0" indent="0" algn="l" rtl="0">
-              <a:spcBef>
-                <a:spcPts val="0"/>
-              </a:spcBef>
-              <a:spcAft>
-                <a:spcPts val="0"/>
-              </a:spcAft>
-              <a:buNone/>
-            </a:pPr>
-            <a:endParaRPr/>
-          </a:p>
-        </p:txBody>
-      </p:sp>
-    </p:spTree>
-  </p:cSld>
-  <p:clrMapOvr>
-    <a:masterClrMapping/>
-  </p:clrMapOvr>
-</p:notes>
-</file>
-
-<file path=ppt/notesSlides/notesSlide22.xml><?xml version="1.0" encoding="utf-8"?>
 <p:notes xmlns:a="http://schemas.openxmlformats.org/drawingml/2006/main" xmlns:r="http://schemas.openxmlformats.org/officeDocument/2006/relationships" xmlns:p="http://schemas.openxmlformats.org/presentationml/2006/main" showMasterSp="0" showMasterPhAnim="0">
   <p:cSld>
     <p:spTree>
@@ -2309,7 +2201,7 @@
 </p:notes>
 </file>
 
-<file path=ppt/notesSlides/notesSlide23.xml><?xml version="1.0" encoding="utf-8"?>
+<file path=ppt/notesSlides/notesSlide22.xml><?xml version="1.0" encoding="utf-8"?>
 <p:notes xmlns:a="http://schemas.openxmlformats.org/drawingml/2006/main" xmlns:r="http://schemas.openxmlformats.org/officeDocument/2006/relationships" xmlns:p="http://schemas.openxmlformats.org/presentationml/2006/main" showMasterSp="0" showMasterPhAnim="0">
   <p:cSld>
     <p:spTree>
@@ -2417,7 +2309,7 @@
 </p:notes>
 </file>
 
-<file path=ppt/notesSlides/notesSlide24.xml><?xml version="1.0" encoding="utf-8"?>
+<file path=ppt/notesSlides/notesSlide23.xml><?xml version="1.0" encoding="utf-8"?>
 <p:notes xmlns:a="http://schemas.openxmlformats.org/drawingml/2006/main" xmlns:r="http://schemas.openxmlformats.org/officeDocument/2006/relationships" xmlns:p="http://schemas.openxmlformats.org/presentationml/2006/main" showMasterSp="0" showMasterPhAnim="0">
   <p:cSld>
     <p:spTree>
@@ -2519,6 +2411,110 @@
         <p14:creationId xmlns:p14="http://schemas.microsoft.com/office/powerpoint/2010/main" val="3019230067"/>
       </p:ext>
     </p:extLst>
+  </p:cSld>
+  <p:clrMapOvr>
+    <a:masterClrMapping/>
+  </p:clrMapOvr>
+</p:notes>
+</file>
+
+<file path=ppt/notesSlides/notesSlide24.xml><?xml version="1.0" encoding="utf-8"?>
+<p:notes xmlns:a="http://schemas.openxmlformats.org/drawingml/2006/main" xmlns:r="http://schemas.openxmlformats.org/officeDocument/2006/relationships" xmlns:p="http://schemas.openxmlformats.org/presentationml/2006/main" showMasterSp="0" showMasterPhAnim="0">
+  <p:cSld>
+    <p:spTree>
+      <p:nvGrpSpPr>
+        <p:cNvPr id="1" name="Shape 589"/>
+        <p:cNvGrpSpPr/>
+        <p:nvPr/>
+      </p:nvGrpSpPr>
+      <p:grpSpPr>
+        <a:xfrm>
+          <a:off x="0" y="0"/>
+          <a:ext cx="0" cy="0"/>
+          <a:chOff x="0" y="0"/>
+          <a:chExt cx="0" cy="0"/>
+        </a:xfrm>
+      </p:grpSpPr>
+      <p:sp>
+        <p:nvSpPr>
+          <p:cNvPr id="590" name="Google Shape;590;gdd7230b6bd_0_470:notes"/>
+          <p:cNvSpPr>
+            <a:spLocks noGrp="1" noRot="1" noChangeAspect="1"/>
+          </p:cNvSpPr>
+          <p:nvPr>
+            <p:ph type="sldImg" idx="2"/>
+          </p:nvPr>
+        </p:nvSpPr>
+        <p:spPr>
+          <a:xfrm>
+            <a:off x="381000" y="685800"/>
+            <a:ext cx="6096000" cy="3429000"/>
+          </a:xfrm>
+          <a:custGeom>
+            <a:avLst/>
+            <a:gdLst/>
+            <a:ahLst/>
+            <a:cxnLst/>
+            <a:rect l="l" t="t" r="r" b="b"/>
+            <a:pathLst>
+              <a:path w="120000" h="120000" extrusionOk="0">
+                <a:moveTo>
+                  <a:pt x="0" y="0"/>
+                </a:moveTo>
+                <a:lnTo>
+                  <a:pt x="120000" y="0"/>
+                </a:lnTo>
+                <a:lnTo>
+                  <a:pt x="120000" y="120000"/>
+                </a:lnTo>
+                <a:lnTo>
+                  <a:pt x="0" y="120000"/>
+                </a:lnTo>
+                <a:close/>
+              </a:path>
+            </a:pathLst>
+          </a:custGeom>
+        </p:spPr>
+      </p:sp>
+      <p:sp>
+        <p:nvSpPr>
+          <p:cNvPr id="591" name="Google Shape;591;gdd7230b6bd_0_470:notes"/>
+          <p:cNvSpPr txBox="1">
+            <a:spLocks noGrp="1"/>
+          </p:cNvSpPr>
+          <p:nvPr>
+            <p:ph type="body" idx="1"/>
+          </p:nvPr>
+        </p:nvSpPr>
+        <p:spPr>
+          <a:xfrm>
+            <a:off x="685800" y="4343400"/>
+            <a:ext cx="5486400" cy="4114800"/>
+          </a:xfrm>
+          <a:prstGeom prst="rect">
+            <a:avLst/>
+          </a:prstGeom>
+        </p:spPr>
+        <p:txBody>
+          <a:bodyPr spcFirstLastPara="1" wrap="square" lIns="91425" tIns="91425" rIns="91425" bIns="91425" anchor="t" anchorCtr="0">
+            <a:noAutofit/>
+          </a:bodyPr>
+          <a:lstStyle/>
+          <a:p>
+            <a:pPr marL="0" lvl="0" indent="0" algn="l" rtl="0">
+              <a:spcBef>
+                <a:spcPts val="0"/>
+              </a:spcBef>
+              <a:spcAft>
+                <a:spcPts val="0"/>
+              </a:spcAft>
+              <a:buNone/>
+            </a:pPr>
+            <a:endParaRPr/>
+          </a:p>
+        </p:txBody>
+      </p:sp>
+    </p:spTree>
   </p:cSld>
   <p:clrMapOvr>
     <a:masterClrMapping/>
@@ -2623,6 +2619,11 @@
         </p:txBody>
       </p:sp>
     </p:spTree>
+    <p:extLst>
+      <p:ext uri="{BB962C8B-B14F-4D97-AF65-F5344CB8AC3E}">
+        <p14:creationId xmlns:p14="http://schemas.microsoft.com/office/powerpoint/2010/main" val="3062970159"/>
+      </p:ext>
+    </p:extLst>
   </p:cSld>
   <p:clrMapOvr>
     <a:masterClrMapping/>
@@ -2729,7 +2730,7 @@
     </p:spTree>
     <p:extLst>
       <p:ext uri="{BB962C8B-B14F-4D97-AF65-F5344CB8AC3E}">
-        <p14:creationId xmlns:p14="http://schemas.microsoft.com/office/powerpoint/2010/main" val="3062970159"/>
+        <p14:creationId xmlns:p14="http://schemas.microsoft.com/office/powerpoint/2010/main" val="2725834515"/>
       </p:ext>
     </p:extLst>
   </p:cSld>
@@ -2838,7 +2839,7 @@
     </p:spTree>
     <p:extLst>
       <p:ext uri="{BB962C8B-B14F-4D97-AF65-F5344CB8AC3E}">
-        <p14:creationId xmlns:p14="http://schemas.microsoft.com/office/powerpoint/2010/main" val="2725834515"/>
+        <p14:creationId xmlns:p14="http://schemas.microsoft.com/office/powerpoint/2010/main" val="3393161843"/>
       </p:ext>
     </p:extLst>
   </p:cSld>
@@ -2849,115 +2850,6 @@
 </file>
 
 <file path=ppt/notesSlides/notesSlide28.xml><?xml version="1.0" encoding="utf-8"?>
-<p:notes xmlns:a="http://schemas.openxmlformats.org/drawingml/2006/main" xmlns:r="http://schemas.openxmlformats.org/officeDocument/2006/relationships" xmlns:p="http://schemas.openxmlformats.org/presentationml/2006/main" showMasterSp="0" showMasterPhAnim="0">
-  <p:cSld>
-    <p:spTree>
-      <p:nvGrpSpPr>
-        <p:cNvPr id="1" name="Shape 589"/>
-        <p:cNvGrpSpPr/>
-        <p:nvPr/>
-      </p:nvGrpSpPr>
-      <p:grpSpPr>
-        <a:xfrm>
-          <a:off x="0" y="0"/>
-          <a:ext cx="0" cy="0"/>
-          <a:chOff x="0" y="0"/>
-          <a:chExt cx="0" cy="0"/>
-        </a:xfrm>
-      </p:grpSpPr>
-      <p:sp>
-        <p:nvSpPr>
-          <p:cNvPr id="590" name="Google Shape;590;gdd7230b6bd_0_470:notes"/>
-          <p:cNvSpPr>
-            <a:spLocks noGrp="1" noRot="1" noChangeAspect="1"/>
-          </p:cNvSpPr>
-          <p:nvPr>
-            <p:ph type="sldImg" idx="2"/>
-          </p:nvPr>
-        </p:nvSpPr>
-        <p:spPr>
-          <a:xfrm>
-            <a:off x="381000" y="685800"/>
-            <a:ext cx="6096000" cy="3429000"/>
-          </a:xfrm>
-          <a:custGeom>
-            <a:avLst/>
-            <a:gdLst/>
-            <a:ahLst/>
-            <a:cxnLst/>
-            <a:rect l="l" t="t" r="r" b="b"/>
-            <a:pathLst>
-              <a:path w="120000" h="120000" extrusionOk="0">
-                <a:moveTo>
-                  <a:pt x="0" y="0"/>
-                </a:moveTo>
-                <a:lnTo>
-                  <a:pt x="120000" y="0"/>
-                </a:lnTo>
-                <a:lnTo>
-                  <a:pt x="120000" y="120000"/>
-                </a:lnTo>
-                <a:lnTo>
-                  <a:pt x="0" y="120000"/>
-                </a:lnTo>
-                <a:close/>
-              </a:path>
-            </a:pathLst>
-          </a:custGeom>
-        </p:spPr>
-      </p:sp>
-      <p:sp>
-        <p:nvSpPr>
-          <p:cNvPr id="591" name="Google Shape;591;gdd7230b6bd_0_470:notes"/>
-          <p:cNvSpPr txBox="1">
-            <a:spLocks noGrp="1"/>
-          </p:cNvSpPr>
-          <p:nvPr>
-            <p:ph type="body" idx="1"/>
-          </p:nvPr>
-        </p:nvSpPr>
-        <p:spPr>
-          <a:xfrm>
-            <a:off x="685800" y="4343400"/>
-            <a:ext cx="5486400" cy="4114800"/>
-          </a:xfrm>
-          <a:prstGeom prst="rect">
-            <a:avLst/>
-          </a:prstGeom>
-        </p:spPr>
-        <p:txBody>
-          <a:bodyPr spcFirstLastPara="1" wrap="square" lIns="91425" tIns="91425" rIns="91425" bIns="91425" anchor="t" anchorCtr="0">
-            <a:noAutofit/>
-          </a:bodyPr>
-          <a:lstStyle/>
-          <a:p>
-            <a:pPr marL="0" lvl="0" indent="0" algn="l" rtl="0">
-              <a:spcBef>
-                <a:spcPts val="0"/>
-              </a:spcBef>
-              <a:spcAft>
-                <a:spcPts val="0"/>
-              </a:spcAft>
-              <a:buNone/>
-            </a:pPr>
-            <a:endParaRPr/>
-          </a:p>
-        </p:txBody>
-      </p:sp>
-    </p:spTree>
-    <p:extLst>
-      <p:ext uri="{BB962C8B-B14F-4D97-AF65-F5344CB8AC3E}">
-        <p14:creationId xmlns:p14="http://schemas.microsoft.com/office/powerpoint/2010/main" val="3393161843"/>
-      </p:ext>
-    </p:extLst>
-  </p:cSld>
-  <p:clrMapOvr>
-    <a:masterClrMapping/>
-  </p:clrMapOvr>
-</p:notes>
-</file>
-
-<file path=ppt/notesSlides/notesSlide29.xml><?xml version="1.0" encoding="utf-8"?>
 <p:notes xmlns:a="http://schemas.openxmlformats.org/drawingml/2006/main" xmlns:r="http://schemas.openxmlformats.org/officeDocument/2006/relationships" xmlns:p="http://schemas.openxmlformats.org/presentationml/2006/main" showMasterSp="0" showMasterPhAnim="0">
   <p:cSld>
     <p:spTree>
@@ -3018,6 +2910,110 @@
       <p:sp>
         <p:nvSpPr>
           <p:cNvPr id="598" name="Google Shape;598;ge60c7b3374_4_296:notes"/>
+          <p:cNvSpPr txBox="1">
+            <a:spLocks noGrp="1"/>
+          </p:cNvSpPr>
+          <p:nvPr>
+            <p:ph type="body" idx="1"/>
+          </p:nvPr>
+        </p:nvSpPr>
+        <p:spPr>
+          <a:xfrm>
+            <a:off x="685800" y="4343400"/>
+            <a:ext cx="5486400" cy="4114800"/>
+          </a:xfrm>
+          <a:prstGeom prst="rect">
+            <a:avLst/>
+          </a:prstGeom>
+        </p:spPr>
+        <p:txBody>
+          <a:bodyPr spcFirstLastPara="1" wrap="square" lIns="91425" tIns="91425" rIns="91425" bIns="91425" anchor="t" anchorCtr="0">
+            <a:noAutofit/>
+          </a:bodyPr>
+          <a:lstStyle/>
+          <a:p>
+            <a:pPr marL="0" lvl="0" indent="0" algn="l" rtl="0">
+              <a:spcBef>
+                <a:spcPts val="0"/>
+              </a:spcBef>
+              <a:spcAft>
+                <a:spcPts val="0"/>
+              </a:spcAft>
+              <a:buNone/>
+            </a:pPr>
+            <a:endParaRPr/>
+          </a:p>
+        </p:txBody>
+      </p:sp>
+    </p:spTree>
+  </p:cSld>
+  <p:clrMapOvr>
+    <a:masterClrMapping/>
+  </p:clrMapOvr>
+</p:notes>
+</file>
+
+<file path=ppt/notesSlides/notesSlide29.xml><?xml version="1.0" encoding="utf-8"?>
+<p:notes xmlns:a="http://schemas.openxmlformats.org/drawingml/2006/main" xmlns:r="http://schemas.openxmlformats.org/officeDocument/2006/relationships" xmlns:p="http://schemas.openxmlformats.org/presentationml/2006/main" showMasterSp="0" showMasterPhAnim="0">
+  <p:cSld>
+    <p:spTree>
+      <p:nvGrpSpPr>
+        <p:cNvPr id="1" name="Shape 339"/>
+        <p:cNvGrpSpPr/>
+        <p:nvPr/>
+      </p:nvGrpSpPr>
+      <p:grpSpPr>
+        <a:xfrm>
+          <a:off x="0" y="0"/>
+          <a:ext cx="0" cy="0"/>
+          <a:chOff x="0" y="0"/>
+          <a:chExt cx="0" cy="0"/>
+        </a:xfrm>
+      </p:grpSpPr>
+      <p:sp>
+        <p:nvSpPr>
+          <p:cNvPr id="340" name="Google Shape;340;gdb0b7df50a_0_424:notes"/>
+          <p:cNvSpPr>
+            <a:spLocks noGrp="1" noRot="1" noChangeAspect="1"/>
+          </p:cNvSpPr>
+          <p:nvPr>
+            <p:ph type="sldImg" idx="2"/>
+          </p:nvPr>
+        </p:nvSpPr>
+        <p:spPr>
+          <a:xfrm>
+            <a:off x="381000" y="685800"/>
+            <a:ext cx="6096000" cy="3429000"/>
+          </a:xfrm>
+          <a:custGeom>
+            <a:avLst/>
+            <a:gdLst/>
+            <a:ahLst/>
+            <a:cxnLst/>
+            <a:rect l="l" t="t" r="r" b="b"/>
+            <a:pathLst>
+              <a:path w="120000" h="120000" extrusionOk="0">
+                <a:moveTo>
+                  <a:pt x="0" y="0"/>
+                </a:moveTo>
+                <a:lnTo>
+                  <a:pt x="120000" y="0"/>
+                </a:lnTo>
+                <a:lnTo>
+                  <a:pt x="120000" y="120000"/>
+                </a:lnTo>
+                <a:lnTo>
+                  <a:pt x="0" y="120000"/>
+                </a:lnTo>
+                <a:close/>
+              </a:path>
+            </a:pathLst>
+          </a:custGeom>
+        </p:spPr>
+      </p:sp>
+      <p:sp>
+        <p:nvSpPr>
+          <p:cNvPr id="341" name="Google Shape;341;gdb0b7df50a_0_424:notes"/>
           <p:cNvSpPr txBox="1">
             <a:spLocks noGrp="1"/>
           </p:cNvSpPr>
@@ -3170,7 +3166,7 @@
   <p:cSld>
     <p:spTree>
       <p:nvGrpSpPr>
-        <p:cNvPr id="1" name="Shape 339"/>
+        <p:cNvPr id="1" name="Shape 115"/>
         <p:cNvGrpSpPr/>
         <p:nvPr/>
       </p:nvGrpSpPr>
@@ -3184,7 +3180,7 @@
       </p:grpSpPr>
       <p:sp>
         <p:nvSpPr>
-          <p:cNvPr id="340" name="Google Shape;340;gdb0b7df50a_0_424:notes"/>
+          <p:cNvPr id="116" name="Google Shape;116;ge0b73e9ba0_0_446:notes"/>
           <p:cNvSpPr>
             <a:spLocks noGrp="1" noRot="1" noChangeAspect="1"/>
           </p:cNvSpPr>
@@ -3225,7 +3221,7 @@
       </p:sp>
       <p:sp>
         <p:nvSpPr>
-          <p:cNvPr id="341" name="Google Shape;341;gdb0b7df50a_0_424:notes"/>
+          <p:cNvPr id="117" name="Google Shape;117;ge0b73e9ba0_0_446:notes"/>
           <p:cNvSpPr txBox="1">
             <a:spLocks noGrp="1"/>
           </p:cNvSpPr>
@@ -3270,110 +3266,6 @@
 </file>
 
 <file path=ppt/notesSlides/notesSlide31.xml><?xml version="1.0" encoding="utf-8"?>
-<p:notes xmlns:a="http://schemas.openxmlformats.org/drawingml/2006/main" xmlns:r="http://schemas.openxmlformats.org/officeDocument/2006/relationships" xmlns:p="http://schemas.openxmlformats.org/presentationml/2006/main" showMasterSp="0" showMasterPhAnim="0">
-  <p:cSld>
-    <p:spTree>
-      <p:nvGrpSpPr>
-        <p:cNvPr id="1" name="Shape 115"/>
-        <p:cNvGrpSpPr/>
-        <p:nvPr/>
-      </p:nvGrpSpPr>
-      <p:grpSpPr>
-        <a:xfrm>
-          <a:off x="0" y="0"/>
-          <a:ext cx="0" cy="0"/>
-          <a:chOff x="0" y="0"/>
-          <a:chExt cx="0" cy="0"/>
-        </a:xfrm>
-      </p:grpSpPr>
-      <p:sp>
-        <p:nvSpPr>
-          <p:cNvPr id="116" name="Google Shape;116;ge0b73e9ba0_0_446:notes"/>
-          <p:cNvSpPr>
-            <a:spLocks noGrp="1" noRot="1" noChangeAspect="1"/>
-          </p:cNvSpPr>
-          <p:nvPr>
-            <p:ph type="sldImg" idx="2"/>
-          </p:nvPr>
-        </p:nvSpPr>
-        <p:spPr>
-          <a:xfrm>
-            <a:off x="381000" y="685800"/>
-            <a:ext cx="6096000" cy="3429000"/>
-          </a:xfrm>
-          <a:custGeom>
-            <a:avLst/>
-            <a:gdLst/>
-            <a:ahLst/>
-            <a:cxnLst/>
-            <a:rect l="l" t="t" r="r" b="b"/>
-            <a:pathLst>
-              <a:path w="120000" h="120000" extrusionOk="0">
-                <a:moveTo>
-                  <a:pt x="0" y="0"/>
-                </a:moveTo>
-                <a:lnTo>
-                  <a:pt x="120000" y="0"/>
-                </a:lnTo>
-                <a:lnTo>
-                  <a:pt x="120000" y="120000"/>
-                </a:lnTo>
-                <a:lnTo>
-                  <a:pt x="0" y="120000"/>
-                </a:lnTo>
-                <a:close/>
-              </a:path>
-            </a:pathLst>
-          </a:custGeom>
-        </p:spPr>
-      </p:sp>
-      <p:sp>
-        <p:nvSpPr>
-          <p:cNvPr id="117" name="Google Shape;117;ge0b73e9ba0_0_446:notes"/>
-          <p:cNvSpPr txBox="1">
-            <a:spLocks noGrp="1"/>
-          </p:cNvSpPr>
-          <p:nvPr>
-            <p:ph type="body" idx="1"/>
-          </p:nvPr>
-        </p:nvSpPr>
-        <p:spPr>
-          <a:xfrm>
-            <a:off x="685800" y="4343400"/>
-            <a:ext cx="5486400" cy="4114800"/>
-          </a:xfrm>
-          <a:prstGeom prst="rect">
-            <a:avLst/>
-          </a:prstGeom>
-        </p:spPr>
-        <p:txBody>
-          <a:bodyPr spcFirstLastPara="1" wrap="square" lIns="91425" tIns="91425" rIns="91425" bIns="91425" anchor="t" anchorCtr="0">
-            <a:noAutofit/>
-          </a:bodyPr>
-          <a:lstStyle/>
-          <a:p>
-            <a:pPr marL="0" lvl="0" indent="0" algn="l" rtl="0">
-              <a:spcBef>
-                <a:spcPts val="0"/>
-              </a:spcBef>
-              <a:spcAft>
-                <a:spcPts val="0"/>
-              </a:spcAft>
-              <a:buNone/>
-            </a:pPr>
-            <a:endParaRPr/>
-          </a:p>
-        </p:txBody>
-      </p:sp>
-    </p:spTree>
-  </p:cSld>
-  <p:clrMapOvr>
-    <a:masterClrMapping/>
-  </p:clrMapOvr>
-</p:notes>
-</file>
-
-<file path=ppt/notesSlides/notesSlide32.xml><?xml version="1.0" encoding="utf-8"?>
 <p:notes xmlns:a="http://schemas.openxmlformats.org/drawingml/2006/main" xmlns:r="http://schemas.openxmlformats.org/officeDocument/2006/relationships" xmlns:p="http://schemas.openxmlformats.org/presentationml/2006/main" showMasterSp="0" showMasterPhAnim="0">
   <p:cSld>
     <p:spTree>
@@ -3477,7 +3369,7 @@
 </p:notes>
 </file>
 
-<file path=ppt/notesSlides/notesSlide33.xml><?xml version="1.0" encoding="utf-8"?>
+<file path=ppt/notesSlides/notesSlide32.xml><?xml version="1.0" encoding="utf-8"?>
 <p:notes xmlns:a="http://schemas.openxmlformats.org/drawingml/2006/main" xmlns:r="http://schemas.openxmlformats.org/officeDocument/2006/relationships" xmlns:p="http://schemas.openxmlformats.org/presentationml/2006/main" showMasterSp="0" showMasterPhAnim="0">
   <p:cSld>
     <p:spTree>
@@ -3581,7 +3473,7 @@
 </p:notes>
 </file>
 
-<file path=ppt/notesSlides/notesSlide34.xml><?xml version="1.0" encoding="utf-8"?>
+<file path=ppt/notesSlides/notesSlide33.xml><?xml version="1.0" encoding="utf-8"?>
 <p:notes xmlns:a="http://schemas.openxmlformats.org/drawingml/2006/main" xmlns:r="http://schemas.openxmlformats.org/officeDocument/2006/relationships" xmlns:p="http://schemas.openxmlformats.org/presentationml/2006/main" showMasterSp="0" showMasterPhAnim="0">
   <p:cSld>
     <p:spTree>
@@ -3685,111 +3577,7 @@
 </p:notes>
 </file>
 
-<file path=ppt/notesSlides/notesSlide35.xml><?xml version="1.0" encoding="utf-8"?>
-<p:notes xmlns:a="http://schemas.openxmlformats.org/drawingml/2006/main" xmlns:r="http://schemas.openxmlformats.org/officeDocument/2006/relationships" xmlns:p="http://schemas.openxmlformats.org/presentationml/2006/main" showMasterSp="0" showMasterPhAnim="0">
-  <p:cSld>
-    <p:spTree>
-      <p:nvGrpSpPr>
-        <p:cNvPr id="1" name="Shape 627"/>
-        <p:cNvGrpSpPr/>
-        <p:nvPr/>
-      </p:nvGrpSpPr>
-      <p:grpSpPr>
-        <a:xfrm>
-          <a:off x="0" y="0"/>
-          <a:ext cx="0" cy="0"/>
-          <a:chOff x="0" y="0"/>
-          <a:chExt cx="0" cy="0"/>
-        </a:xfrm>
-      </p:grpSpPr>
-      <p:sp>
-        <p:nvSpPr>
-          <p:cNvPr id="628" name="Google Shape;628;ge66c5bfa8f_2_39:notes"/>
-          <p:cNvSpPr>
-            <a:spLocks noGrp="1" noRot="1" noChangeAspect="1"/>
-          </p:cNvSpPr>
-          <p:nvPr>
-            <p:ph type="sldImg" idx="2"/>
-          </p:nvPr>
-        </p:nvSpPr>
-        <p:spPr>
-          <a:xfrm>
-            <a:off x="381000" y="685800"/>
-            <a:ext cx="6096000" cy="3429000"/>
-          </a:xfrm>
-          <a:custGeom>
-            <a:avLst/>
-            <a:gdLst/>
-            <a:ahLst/>
-            <a:cxnLst/>
-            <a:rect l="l" t="t" r="r" b="b"/>
-            <a:pathLst>
-              <a:path w="120000" h="120000" extrusionOk="0">
-                <a:moveTo>
-                  <a:pt x="0" y="0"/>
-                </a:moveTo>
-                <a:lnTo>
-                  <a:pt x="120000" y="0"/>
-                </a:lnTo>
-                <a:lnTo>
-                  <a:pt x="120000" y="120000"/>
-                </a:lnTo>
-                <a:lnTo>
-                  <a:pt x="0" y="120000"/>
-                </a:lnTo>
-                <a:close/>
-              </a:path>
-            </a:pathLst>
-          </a:custGeom>
-        </p:spPr>
-      </p:sp>
-      <p:sp>
-        <p:nvSpPr>
-          <p:cNvPr id="629" name="Google Shape;629;ge66c5bfa8f_2_39:notes"/>
-          <p:cNvSpPr txBox="1">
-            <a:spLocks noGrp="1"/>
-          </p:cNvSpPr>
-          <p:nvPr>
-            <p:ph type="body" idx="1"/>
-          </p:nvPr>
-        </p:nvSpPr>
-        <p:spPr>
-          <a:xfrm>
-            <a:off x="685800" y="4343400"/>
-            <a:ext cx="5486400" cy="4114800"/>
-          </a:xfrm>
-          <a:prstGeom prst="rect">
-            <a:avLst/>
-          </a:prstGeom>
-        </p:spPr>
-        <p:txBody>
-          <a:bodyPr spcFirstLastPara="1" wrap="square" lIns="91425" tIns="91425" rIns="91425" bIns="91425" anchor="t" anchorCtr="0">
-            <a:noAutofit/>
-          </a:bodyPr>
-          <a:lstStyle/>
-          <a:p>
-            <a:pPr marL="0" lvl="0" indent="0" algn="l" rtl="0">
-              <a:spcBef>
-                <a:spcPts val="0"/>
-              </a:spcBef>
-              <a:spcAft>
-                <a:spcPts val="0"/>
-              </a:spcAft>
-              <a:buNone/>
-            </a:pPr>
-            <a:endParaRPr/>
-          </a:p>
-        </p:txBody>
-      </p:sp>
-    </p:spTree>
-  </p:cSld>
-  <p:clrMapOvr>
-    <a:masterClrMapping/>
-  </p:clrMapOvr>
-</p:notes>
-</file>
-
-<file path=ppt/notesSlides/notesSlide36.xml><?xml version="1.0" encoding="utf-8"?>
+<file path=ppt/notesSlides/notesSlide34.xml><?xml version="1.0" encoding="utf-8"?>
 <p:notes xmlns:a="http://schemas.openxmlformats.org/drawingml/2006/main" xmlns:r="http://schemas.openxmlformats.org/officeDocument/2006/relationships" xmlns:p="http://schemas.openxmlformats.org/presentationml/2006/main" showMasterSp="0" showMasterPhAnim="0">
   <p:cSld>
     <p:spTree>
@@ -3893,111 +3681,7 @@
 </p:notes>
 </file>
 
-<file path=ppt/notesSlides/notesSlide37.xml><?xml version="1.0" encoding="utf-8"?>
-<p:notes xmlns:a="http://schemas.openxmlformats.org/drawingml/2006/main" xmlns:r="http://schemas.openxmlformats.org/officeDocument/2006/relationships" xmlns:p="http://schemas.openxmlformats.org/presentationml/2006/main" showMasterSp="0" showMasterPhAnim="0">
-  <p:cSld>
-    <p:spTree>
-      <p:nvGrpSpPr>
-        <p:cNvPr id="1" name="Shape 927"/>
-        <p:cNvGrpSpPr/>
-        <p:nvPr/>
-      </p:nvGrpSpPr>
-      <p:grpSpPr>
-        <a:xfrm>
-          <a:off x="0" y="0"/>
-          <a:ext cx="0" cy="0"/>
-          <a:chOff x="0" y="0"/>
-          <a:chExt cx="0" cy="0"/>
-        </a:xfrm>
-      </p:grpSpPr>
-      <p:sp>
-        <p:nvSpPr>
-          <p:cNvPr id="928" name="Google Shape;928;ge6894ee9fb_0_162:notes"/>
-          <p:cNvSpPr>
-            <a:spLocks noGrp="1" noRot="1" noChangeAspect="1"/>
-          </p:cNvSpPr>
-          <p:nvPr>
-            <p:ph type="sldImg" idx="2"/>
-          </p:nvPr>
-        </p:nvSpPr>
-        <p:spPr>
-          <a:xfrm>
-            <a:off x="381000" y="685800"/>
-            <a:ext cx="6096000" cy="3429000"/>
-          </a:xfrm>
-          <a:custGeom>
-            <a:avLst/>
-            <a:gdLst/>
-            <a:ahLst/>
-            <a:cxnLst/>
-            <a:rect l="l" t="t" r="r" b="b"/>
-            <a:pathLst>
-              <a:path w="120000" h="120000" extrusionOk="0">
-                <a:moveTo>
-                  <a:pt x="0" y="0"/>
-                </a:moveTo>
-                <a:lnTo>
-                  <a:pt x="120000" y="0"/>
-                </a:lnTo>
-                <a:lnTo>
-                  <a:pt x="120000" y="120000"/>
-                </a:lnTo>
-                <a:lnTo>
-                  <a:pt x="0" y="120000"/>
-                </a:lnTo>
-                <a:close/>
-              </a:path>
-            </a:pathLst>
-          </a:custGeom>
-        </p:spPr>
-      </p:sp>
-      <p:sp>
-        <p:nvSpPr>
-          <p:cNvPr id="929" name="Google Shape;929;ge6894ee9fb_0_162:notes"/>
-          <p:cNvSpPr txBox="1">
-            <a:spLocks noGrp="1"/>
-          </p:cNvSpPr>
-          <p:nvPr>
-            <p:ph type="body" idx="1"/>
-          </p:nvPr>
-        </p:nvSpPr>
-        <p:spPr>
-          <a:xfrm>
-            <a:off x="685800" y="4343400"/>
-            <a:ext cx="5486400" cy="4114800"/>
-          </a:xfrm>
-          <a:prstGeom prst="rect">
-            <a:avLst/>
-          </a:prstGeom>
-        </p:spPr>
-        <p:txBody>
-          <a:bodyPr spcFirstLastPara="1" wrap="square" lIns="91425" tIns="91425" rIns="91425" bIns="91425" anchor="t" anchorCtr="0">
-            <a:noAutofit/>
-          </a:bodyPr>
-          <a:lstStyle/>
-          <a:p>
-            <a:pPr marL="0" lvl="0" indent="0" algn="l" rtl="0">
-              <a:spcBef>
-                <a:spcPts val="0"/>
-              </a:spcBef>
-              <a:spcAft>
-                <a:spcPts val="0"/>
-              </a:spcAft>
-              <a:buNone/>
-            </a:pPr>
-            <a:endParaRPr/>
-          </a:p>
-        </p:txBody>
-      </p:sp>
-    </p:spTree>
-  </p:cSld>
-  <p:clrMapOvr>
-    <a:masterClrMapping/>
-  </p:clrMapOvr>
-</p:notes>
-</file>
-
-<file path=ppt/notesSlides/notesSlide38.xml><?xml version="1.0" encoding="utf-8"?>
+<file path=ppt/notesSlides/notesSlide35.xml><?xml version="1.0" encoding="utf-8"?>
 <p:notes xmlns:a="http://schemas.openxmlformats.org/drawingml/2006/main" xmlns:r="http://schemas.openxmlformats.org/officeDocument/2006/relationships" xmlns:p="http://schemas.openxmlformats.org/presentationml/2006/main" showMasterSp="0" showMasterPhAnim="0">
   <p:cSld>
     <p:spTree>
@@ -4058,110 +3742,6 @@
       <p:sp>
         <p:nvSpPr>
           <p:cNvPr id="936" name="Google Shape;936;gdbb6a86e44_0_1181:notes"/>
-          <p:cNvSpPr txBox="1">
-            <a:spLocks noGrp="1"/>
-          </p:cNvSpPr>
-          <p:nvPr>
-            <p:ph type="body" idx="1"/>
-          </p:nvPr>
-        </p:nvSpPr>
-        <p:spPr>
-          <a:xfrm>
-            <a:off x="685800" y="4343400"/>
-            <a:ext cx="5486400" cy="4114800"/>
-          </a:xfrm>
-          <a:prstGeom prst="rect">
-            <a:avLst/>
-          </a:prstGeom>
-        </p:spPr>
-        <p:txBody>
-          <a:bodyPr spcFirstLastPara="1" wrap="square" lIns="91425" tIns="91425" rIns="91425" bIns="91425" anchor="t" anchorCtr="0">
-            <a:noAutofit/>
-          </a:bodyPr>
-          <a:lstStyle/>
-          <a:p>
-            <a:pPr marL="0" lvl="0" indent="0" algn="l" rtl="0">
-              <a:spcBef>
-                <a:spcPts val="0"/>
-              </a:spcBef>
-              <a:spcAft>
-                <a:spcPts val="0"/>
-              </a:spcAft>
-              <a:buNone/>
-            </a:pPr>
-            <a:endParaRPr/>
-          </a:p>
-        </p:txBody>
-      </p:sp>
-    </p:spTree>
-  </p:cSld>
-  <p:clrMapOvr>
-    <a:masterClrMapping/>
-  </p:clrMapOvr>
-</p:notes>
-</file>
-
-<file path=ppt/notesSlides/notesSlide39.xml><?xml version="1.0" encoding="utf-8"?>
-<p:notes xmlns:a="http://schemas.openxmlformats.org/drawingml/2006/main" xmlns:r="http://schemas.openxmlformats.org/officeDocument/2006/relationships" xmlns:p="http://schemas.openxmlformats.org/presentationml/2006/main" showMasterSp="0" showMasterPhAnim="0">
-  <p:cSld>
-    <p:spTree>
-      <p:nvGrpSpPr>
-        <p:cNvPr id="1" name="Shape 893"/>
-        <p:cNvGrpSpPr/>
-        <p:nvPr/>
-      </p:nvGrpSpPr>
-      <p:grpSpPr>
-        <a:xfrm>
-          <a:off x="0" y="0"/>
-          <a:ext cx="0" cy="0"/>
-          <a:chOff x="0" y="0"/>
-          <a:chExt cx="0" cy="0"/>
-        </a:xfrm>
-      </p:grpSpPr>
-      <p:sp>
-        <p:nvSpPr>
-          <p:cNvPr id="894" name="Google Shape;894;ge71e9de96f_2_0:notes"/>
-          <p:cNvSpPr>
-            <a:spLocks noGrp="1" noRot="1" noChangeAspect="1"/>
-          </p:cNvSpPr>
-          <p:nvPr>
-            <p:ph type="sldImg" idx="2"/>
-          </p:nvPr>
-        </p:nvSpPr>
-        <p:spPr>
-          <a:xfrm>
-            <a:off x="381000" y="685800"/>
-            <a:ext cx="6096000" cy="3429000"/>
-          </a:xfrm>
-          <a:custGeom>
-            <a:avLst/>
-            <a:gdLst/>
-            <a:ahLst/>
-            <a:cxnLst/>
-            <a:rect l="l" t="t" r="r" b="b"/>
-            <a:pathLst>
-              <a:path w="120000" h="120000" extrusionOk="0">
-                <a:moveTo>
-                  <a:pt x="0" y="0"/>
-                </a:moveTo>
-                <a:lnTo>
-                  <a:pt x="120000" y="0"/>
-                </a:lnTo>
-                <a:lnTo>
-                  <a:pt x="120000" y="120000"/>
-                </a:lnTo>
-                <a:lnTo>
-                  <a:pt x="0" y="120000"/>
-                </a:lnTo>
-                <a:close/>
-              </a:path>
-            </a:pathLst>
-          </a:custGeom>
-        </p:spPr>
-      </p:sp>
-      <p:sp>
-        <p:nvSpPr>
-          <p:cNvPr id="895" name="Google Shape;895;ge71e9de96f_2_0:notes"/>
           <p:cNvSpPr txBox="1">
             <a:spLocks noGrp="1"/>
           </p:cNvSpPr>
@@ -4730,7 +4310,7 @@
   <p:cSld>
     <p:spTree>
       <p:nvGrpSpPr>
-        <p:cNvPr id="1" name="Shape 1004"/>
+        <p:cNvPr id="1" name="Shape 1029"/>
         <p:cNvGrpSpPr/>
         <p:nvPr/>
       </p:nvGrpSpPr>
@@ -4744,7 +4324,7 @@
       </p:grpSpPr>
       <p:sp>
         <p:nvSpPr>
-          <p:cNvPr id="1005" name="Google Shape;1005;g16f207837e6_0_68:notes"/>
+          <p:cNvPr id="1030" name="Google Shape;1030;g16f207837e6_0_91:notes"/>
           <p:cNvSpPr>
             <a:spLocks noGrp="1" noRot="1" noChangeAspect="1"/>
           </p:cNvSpPr>
@@ -4785,7 +4365,7 @@
       </p:sp>
       <p:sp>
         <p:nvSpPr>
-          <p:cNvPr id="1006" name="Google Shape;1006;g16f207837e6_0_68:notes"/>
+          <p:cNvPr id="1031" name="Google Shape;1031;g16f207837e6_0_91:notes"/>
           <p:cNvSpPr txBox="1">
             <a:spLocks noGrp="1"/>
           </p:cNvSpPr>
@@ -5063,376 +4643,6 @@
 </file>
 
 <file path=ppt/slideLayouts/slideLayout10.xml><?xml version="1.0" encoding="utf-8"?>
-<p:sldLayout xmlns:a="http://schemas.openxmlformats.org/drawingml/2006/main" xmlns:r="http://schemas.openxmlformats.org/officeDocument/2006/relationships" xmlns:p="http://schemas.openxmlformats.org/presentationml/2006/main" matchingName="One column text - Optional">
-  <p:cSld name="ONE_COLUMN_TEXT_1">
-    <p:bg>
-      <p:bgPr>
-        <a:solidFill>
-          <a:srgbClr val="A4C2F4"/>
-        </a:solidFill>
-        <a:effectLst/>
-      </p:bgPr>
-    </p:bg>
-    <p:spTree>
-      <p:nvGrpSpPr>
-        <p:cNvPr id="1" name="Shape 53"/>
-        <p:cNvGrpSpPr/>
-        <p:nvPr/>
-      </p:nvGrpSpPr>
-      <p:grpSpPr>
-        <a:xfrm>
-          <a:off x="0" y="0"/>
-          <a:ext cx="0" cy="0"/>
-          <a:chOff x="0" y="0"/>
-          <a:chExt cx="0" cy="0"/>
-        </a:xfrm>
-      </p:grpSpPr>
-      <p:sp>
-        <p:nvSpPr>
-          <p:cNvPr id="54" name="Google Shape;54;p13"/>
-          <p:cNvSpPr txBox="1">
-            <a:spLocks noGrp="1"/>
-          </p:cNvSpPr>
-          <p:nvPr>
-            <p:ph type="sldNum" idx="12"/>
-          </p:nvPr>
-        </p:nvSpPr>
-        <p:spPr>
-          <a:xfrm>
-            <a:off x="8472458" y="4663217"/>
-            <a:ext cx="548700" cy="393600"/>
-          </a:xfrm>
-          <a:prstGeom prst="rect">
-            <a:avLst/>
-          </a:prstGeom>
-        </p:spPr>
-        <p:txBody>
-          <a:bodyPr spcFirstLastPara="1" wrap="square" lIns="91425" tIns="91425" rIns="91425" bIns="91425" anchor="ctr" anchorCtr="0">
-            <a:normAutofit/>
-          </a:bodyPr>
-          <a:lstStyle>
-            <a:lvl1pPr lvl="0" rtl="0">
-              <a:buNone/>
-              <a:defRPr/>
-            </a:lvl1pPr>
-            <a:lvl2pPr lvl="1" rtl="0">
-              <a:buNone/>
-              <a:defRPr/>
-            </a:lvl2pPr>
-            <a:lvl3pPr lvl="2" rtl="0">
-              <a:buNone/>
-              <a:defRPr/>
-            </a:lvl3pPr>
-            <a:lvl4pPr lvl="3" rtl="0">
-              <a:buNone/>
-              <a:defRPr/>
-            </a:lvl4pPr>
-            <a:lvl5pPr lvl="4" rtl="0">
-              <a:buNone/>
-              <a:defRPr/>
-            </a:lvl5pPr>
-            <a:lvl6pPr lvl="5" rtl="0">
-              <a:buNone/>
-              <a:defRPr/>
-            </a:lvl6pPr>
-            <a:lvl7pPr lvl="6" rtl="0">
-              <a:buNone/>
-              <a:defRPr/>
-            </a:lvl7pPr>
-            <a:lvl8pPr lvl="7" rtl="0">
-              <a:buNone/>
-              <a:defRPr/>
-            </a:lvl8pPr>
-            <a:lvl9pPr lvl="8" rtl="0">
-              <a:buNone/>
-              <a:defRPr/>
-            </a:lvl9pPr>
-          </a:lstStyle>
-          <a:p>
-            <a:pPr marL="0" lvl="0" indent="0" algn="r" rtl="0">
-              <a:spcBef>
-                <a:spcPts val="0"/>
-              </a:spcBef>
-              <a:spcAft>
-                <a:spcPts val="0"/>
-              </a:spcAft>
-              <a:buNone/>
-            </a:pPr>
-            <a:fld id="{00000000-1234-1234-1234-123412341234}" type="slidenum">
-              <a:rPr lang="en"/>
-              <a:t>‹#›</a:t>
-            </a:fld>
-            <a:endParaRPr/>
-          </a:p>
-        </p:txBody>
-      </p:sp>
-      <p:sp>
-        <p:nvSpPr>
-          <p:cNvPr id="55" name="Google Shape;55;p13"/>
-          <p:cNvSpPr txBox="1">
-            <a:spLocks noGrp="1"/>
-          </p:cNvSpPr>
-          <p:nvPr>
-            <p:ph type="title"/>
-          </p:nvPr>
-        </p:nvSpPr>
-        <p:spPr>
-          <a:xfrm>
-            <a:off x="102700" y="270875"/>
-            <a:ext cx="8520600" cy="572700"/>
-          </a:xfrm>
-          <a:prstGeom prst="rect">
-            <a:avLst/>
-          </a:prstGeom>
-        </p:spPr>
-        <p:txBody>
-          <a:bodyPr spcFirstLastPara="1" wrap="square" lIns="91425" tIns="91425" rIns="91425" bIns="91425" anchor="t" anchorCtr="0">
-            <a:normAutofit/>
-          </a:bodyPr>
-          <a:lstStyle>
-            <a:lvl1pPr lvl="0" rtl="0">
-              <a:spcBef>
-                <a:spcPts val="0"/>
-              </a:spcBef>
-              <a:spcAft>
-                <a:spcPts val="0"/>
-              </a:spcAft>
-              <a:buSzPts val="2800"/>
-              <a:buNone/>
-              <a:defRPr/>
-            </a:lvl1pPr>
-            <a:lvl2pPr lvl="1" rtl="0">
-              <a:spcBef>
-                <a:spcPts val="0"/>
-              </a:spcBef>
-              <a:spcAft>
-                <a:spcPts val="0"/>
-              </a:spcAft>
-              <a:buSzPts val="2800"/>
-              <a:buNone/>
-              <a:defRPr/>
-            </a:lvl2pPr>
-            <a:lvl3pPr lvl="2" rtl="0">
-              <a:spcBef>
-                <a:spcPts val="0"/>
-              </a:spcBef>
-              <a:spcAft>
-                <a:spcPts val="0"/>
-              </a:spcAft>
-              <a:buSzPts val="2800"/>
-              <a:buNone/>
-              <a:defRPr/>
-            </a:lvl3pPr>
-            <a:lvl4pPr lvl="3" rtl="0">
-              <a:spcBef>
-                <a:spcPts val="0"/>
-              </a:spcBef>
-              <a:spcAft>
-                <a:spcPts val="0"/>
-              </a:spcAft>
-              <a:buSzPts val="2800"/>
-              <a:buNone/>
-              <a:defRPr/>
-            </a:lvl4pPr>
-            <a:lvl5pPr lvl="4" rtl="0">
-              <a:spcBef>
-                <a:spcPts val="0"/>
-              </a:spcBef>
-              <a:spcAft>
-                <a:spcPts val="0"/>
-              </a:spcAft>
-              <a:buSzPts val="2800"/>
-              <a:buNone/>
-              <a:defRPr/>
-            </a:lvl5pPr>
-            <a:lvl6pPr lvl="5" rtl="0">
-              <a:spcBef>
-                <a:spcPts val="0"/>
-              </a:spcBef>
-              <a:spcAft>
-                <a:spcPts val="0"/>
-              </a:spcAft>
-              <a:buSzPts val="2800"/>
-              <a:buNone/>
-              <a:defRPr/>
-            </a:lvl6pPr>
-            <a:lvl7pPr lvl="6" rtl="0">
-              <a:spcBef>
-                <a:spcPts val="0"/>
-              </a:spcBef>
-              <a:spcAft>
-                <a:spcPts val="0"/>
-              </a:spcAft>
-              <a:buSzPts val="2800"/>
-              <a:buNone/>
-              <a:defRPr/>
-            </a:lvl7pPr>
-            <a:lvl8pPr lvl="7" rtl="0">
-              <a:spcBef>
-                <a:spcPts val="0"/>
-              </a:spcBef>
-              <a:spcAft>
-                <a:spcPts val="0"/>
-              </a:spcAft>
-              <a:buSzPts val="2800"/>
-              <a:buNone/>
-              <a:defRPr/>
-            </a:lvl8pPr>
-            <a:lvl9pPr lvl="8" rtl="0">
-              <a:spcBef>
-                <a:spcPts val="0"/>
-              </a:spcBef>
-              <a:spcAft>
-                <a:spcPts val="0"/>
-              </a:spcAft>
-              <a:buSzPts val="2800"/>
-              <a:buNone/>
-              <a:defRPr/>
-            </a:lvl9pPr>
-          </a:lstStyle>
-          <a:p>
-            <a:endParaRPr/>
-          </a:p>
-        </p:txBody>
-      </p:sp>
-      <p:sp>
-        <p:nvSpPr>
-          <p:cNvPr id="56" name="Google Shape;56;p13"/>
-          <p:cNvSpPr txBox="1">
-            <a:spLocks noGrp="1"/>
-          </p:cNvSpPr>
-          <p:nvPr>
-            <p:ph type="body" idx="1"/>
-          </p:nvPr>
-        </p:nvSpPr>
-        <p:spPr>
-          <a:xfrm>
-            <a:off x="198500" y="1246825"/>
-            <a:ext cx="5142600" cy="3765600"/>
-          </a:xfrm>
-          <a:prstGeom prst="rect">
-            <a:avLst/>
-          </a:prstGeom>
-        </p:spPr>
-        <p:txBody>
-          <a:bodyPr spcFirstLastPara="1" wrap="square" lIns="91425" tIns="91425" rIns="91425" bIns="91425" anchor="t" anchorCtr="0">
-            <a:normAutofit/>
-          </a:bodyPr>
-          <a:lstStyle>
-            <a:lvl1pPr marL="457200" lvl="0" indent="-342900" rtl="0">
-              <a:spcBef>
-                <a:spcPts val="0"/>
-              </a:spcBef>
-              <a:spcAft>
-                <a:spcPts val="0"/>
-              </a:spcAft>
-              <a:buSzPts val="1800"/>
-              <a:buChar char="●"/>
-              <a:defRPr/>
-            </a:lvl1pPr>
-            <a:lvl2pPr marL="914400" lvl="1" indent="-317500" rtl="0">
-              <a:spcBef>
-                <a:spcPts val="0"/>
-              </a:spcBef>
-              <a:spcAft>
-                <a:spcPts val="0"/>
-              </a:spcAft>
-              <a:buSzPts val="1400"/>
-              <a:buChar char="○"/>
-              <a:defRPr/>
-            </a:lvl2pPr>
-            <a:lvl3pPr marL="1371600" lvl="2" indent="-317500" rtl="0">
-              <a:spcBef>
-                <a:spcPts val="0"/>
-              </a:spcBef>
-              <a:spcAft>
-                <a:spcPts val="0"/>
-              </a:spcAft>
-              <a:buSzPts val="1400"/>
-              <a:buChar char="■"/>
-              <a:defRPr/>
-            </a:lvl3pPr>
-            <a:lvl4pPr marL="1828800" lvl="3" indent="-317500" rtl="0">
-              <a:spcBef>
-                <a:spcPts val="0"/>
-              </a:spcBef>
-              <a:spcAft>
-                <a:spcPts val="0"/>
-              </a:spcAft>
-              <a:buSzPts val="1400"/>
-              <a:buChar char="●"/>
-              <a:defRPr/>
-            </a:lvl4pPr>
-            <a:lvl5pPr marL="2286000" lvl="4" indent="-317500" rtl="0">
-              <a:spcBef>
-                <a:spcPts val="0"/>
-              </a:spcBef>
-              <a:spcAft>
-                <a:spcPts val="0"/>
-              </a:spcAft>
-              <a:buSzPts val="1400"/>
-              <a:buChar char="○"/>
-              <a:defRPr/>
-            </a:lvl5pPr>
-            <a:lvl6pPr marL="2743200" lvl="5" indent="-317500" rtl="0">
-              <a:spcBef>
-                <a:spcPts val="0"/>
-              </a:spcBef>
-              <a:spcAft>
-                <a:spcPts val="0"/>
-              </a:spcAft>
-              <a:buSzPts val="1400"/>
-              <a:buChar char="■"/>
-              <a:defRPr/>
-            </a:lvl6pPr>
-            <a:lvl7pPr marL="3200400" lvl="6" indent="-317500" rtl="0">
-              <a:spcBef>
-                <a:spcPts val="0"/>
-              </a:spcBef>
-              <a:spcAft>
-                <a:spcPts val="0"/>
-              </a:spcAft>
-              <a:buSzPts val="1400"/>
-              <a:buChar char="●"/>
-              <a:defRPr/>
-            </a:lvl7pPr>
-            <a:lvl8pPr marL="3657600" lvl="7" indent="-317500" rtl="0">
-              <a:spcBef>
-                <a:spcPts val="0"/>
-              </a:spcBef>
-              <a:spcAft>
-                <a:spcPts val="0"/>
-              </a:spcAft>
-              <a:buSzPts val="1400"/>
-              <a:buChar char="○"/>
-              <a:defRPr/>
-            </a:lvl8pPr>
-            <a:lvl9pPr marL="4114800" lvl="8" indent="-317500" rtl="0">
-              <a:spcBef>
-                <a:spcPts val="0"/>
-              </a:spcBef>
-              <a:spcAft>
-                <a:spcPts val="0"/>
-              </a:spcAft>
-              <a:buSzPts val="1400"/>
-              <a:buChar char="■"/>
-              <a:defRPr/>
-            </a:lvl9pPr>
-          </a:lstStyle>
-          <a:p>
-            <a:endParaRPr/>
-          </a:p>
-        </p:txBody>
-      </p:sp>
-    </p:spTree>
-  </p:cSld>
-  <p:clrMapOvr>
-    <a:masterClrMapping/>
-  </p:clrMapOvr>
-</p:sldLayout>
-</file>
-
-<file path=ppt/slideLayouts/slideLayout11.xml><?xml version="1.0" encoding="utf-8"?>
 <p:sldLayout xmlns:a="http://schemas.openxmlformats.org/drawingml/2006/main" xmlns:r="http://schemas.openxmlformats.org/officeDocument/2006/relationships" xmlns:p="http://schemas.openxmlformats.org/presentationml/2006/main" matchingName="Title and half body">
   <p:cSld name="TITLE_AND_BODY_2">
     <p:spTree>
@@ -5794,7 +5004,7 @@
 </p:sldLayout>
 </file>
 
-<file path=ppt/slideLayouts/slideLayout12.xml><?xml version="1.0" encoding="utf-8"?>
+<file path=ppt/slideLayouts/slideLayout11.xml><?xml version="1.0" encoding="utf-8"?>
 <p:sldLayout xmlns:a="http://schemas.openxmlformats.org/drawingml/2006/main" xmlns:r="http://schemas.openxmlformats.org/officeDocument/2006/relationships" xmlns:p="http://schemas.openxmlformats.org/presentationml/2006/main" matchingName="Title and half body - Optional">
   <p:cSld name="ONE_COLUMN_TEXT_1_1">
     <p:bg>
@@ -9804,9 +9014,8 @@
     <p:sldLayoutId id="2147483655" r:id="rId7"/>
     <p:sldLayoutId id="2147483656" r:id="rId8"/>
     <p:sldLayoutId id="2147483657" r:id="rId9"/>
-    <p:sldLayoutId id="2147483659" r:id="rId10"/>
-    <p:sldLayoutId id="2147483661" r:id="rId11"/>
-    <p:sldLayoutId id="2147483662" r:id="rId12"/>
+    <p:sldLayoutId id="2147483661" r:id="rId10"/>
+    <p:sldLayoutId id="2147483662" r:id="rId11"/>
   </p:sldLayoutIdLst>
   <p:hf hdr="0" ftr="0" dt="0"/>
   <p:txStyles>
@@ -10581,7 +9790,7 @@
         </p:spPr>
         <p:txBody>
           <a:bodyPr spcFirstLastPara="1" wrap="square" lIns="91425" tIns="91425" rIns="91425" bIns="91425" anchor="t" anchorCtr="0">
-            <a:normAutofit fontScale="70000" lnSpcReduction="20000"/>
+            <a:normAutofit fontScale="62500" lnSpcReduction="20000"/>
           </a:bodyPr>
           <a:lstStyle/>
           <a:p>
@@ -10607,7 +9816,7 @@
             </a:pPr>
             <a:r>
               <a:rPr lang="en-US" sz="2400" dirty="0"/>
-              <a:t>Option 1: Week 12 - 15</a:t>
+              <a:t>Option 1: Week 12 – 15, one each week</a:t>
             </a:r>
           </a:p>
           <a:p>
@@ -10712,7 +9921,18 @@
             </a:pPr>
             <a:r>
               <a:rPr lang="en-US" sz="2600" dirty="0"/>
-              <a:t>Will open an assignment at Canvas (Extra 1%)</a:t>
+              <a:t>Will open an assignment at Canvas </a:t>
+            </a:r>
+          </a:p>
+          <a:p>
+            <a:pPr lvl="1" indent="-342900">
+              <a:buSzPts val="1800"/>
+              <a:buFont typeface="Arial"/>
+              <a:buChar char="●"/>
+            </a:pPr>
+            <a:r>
+              <a:rPr lang="en-US" sz="2600" dirty="0"/>
+              <a:t>Submit a screenshot that you have finished the survey (Extra 1%)</a:t>
             </a:r>
           </a:p>
           <a:p>
@@ -10826,115 +10046,6 @@
 </file>
 
 <file path=ppt/slides/slide10.xml><?xml version="1.0" encoding="utf-8"?>
-<p:sld xmlns:a="http://schemas.openxmlformats.org/drawingml/2006/main" xmlns:r="http://schemas.openxmlformats.org/officeDocument/2006/relationships" xmlns:p="http://schemas.openxmlformats.org/presentationml/2006/main">
-  <p:cSld>
-    <p:spTree>
-      <p:nvGrpSpPr>
-        <p:cNvPr id="1" name="Shape 1032"/>
-        <p:cNvGrpSpPr/>
-        <p:nvPr/>
-      </p:nvGrpSpPr>
-      <p:grpSpPr>
-        <a:xfrm>
-          <a:off x="0" y="0"/>
-          <a:ext cx="0" cy="0"/>
-          <a:chOff x="0" y="0"/>
-          <a:chExt cx="0" cy="0"/>
-        </a:xfrm>
-      </p:grpSpPr>
-      <p:sp>
-        <p:nvSpPr>
-          <p:cNvPr id="1033" name="Google Shape;1033;p77"/>
-          <p:cNvSpPr txBox="1">
-            <a:spLocks noGrp="1"/>
-          </p:cNvSpPr>
-          <p:nvPr>
-            <p:ph type="title"/>
-          </p:nvPr>
-        </p:nvSpPr>
-        <p:spPr>
-          <a:xfrm>
-            <a:off x="311700" y="2150850"/>
-            <a:ext cx="8520600" cy="841800"/>
-          </a:xfrm>
-          <a:prstGeom prst="rect">
-            <a:avLst/>
-          </a:prstGeom>
-        </p:spPr>
-        <p:txBody>
-          <a:bodyPr spcFirstLastPara="1" wrap="square" lIns="91425" tIns="91425" rIns="91425" bIns="91425" anchor="ctr" anchorCtr="0">
-            <a:normAutofit/>
-          </a:bodyPr>
-          <a:lstStyle/>
-          <a:p>
-            <a:pPr marL="0" lvl="0" indent="0" algn="ctr" rtl="0">
-              <a:spcBef>
-                <a:spcPts val="0"/>
-              </a:spcBef>
-              <a:spcAft>
-                <a:spcPts val="0"/>
-              </a:spcAft>
-              <a:buNone/>
-            </a:pPr>
-            <a:r>
-              <a:rPr lang="en"/>
-              <a:t>Address Resolution Protocol (ARP)</a:t>
-            </a:r>
-            <a:endParaRPr/>
-          </a:p>
-        </p:txBody>
-      </p:sp>
-      <p:sp>
-        <p:nvSpPr>
-          <p:cNvPr id="1034" name="Google Shape;1034;p77"/>
-          <p:cNvSpPr txBox="1">
-            <a:spLocks noGrp="1"/>
-          </p:cNvSpPr>
-          <p:nvPr>
-            <p:ph type="sldNum" idx="12"/>
-          </p:nvPr>
-        </p:nvSpPr>
-        <p:spPr>
-          <a:xfrm>
-            <a:off x="8472458" y="4663217"/>
-            <a:ext cx="548700" cy="393600"/>
-          </a:xfrm>
-          <a:prstGeom prst="rect">
-            <a:avLst/>
-          </a:prstGeom>
-        </p:spPr>
-        <p:txBody>
-          <a:bodyPr spcFirstLastPara="1" wrap="square" lIns="91425" tIns="91425" rIns="91425" bIns="91425" anchor="ctr" anchorCtr="0">
-            <a:normAutofit/>
-          </a:bodyPr>
-          <a:lstStyle/>
-          <a:p>
-            <a:pPr marL="0" lvl="0" indent="0" algn="r" rtl="0">
-              <a:spcBef>
-                <a:spcPts val="0"/>
-              </a:spcBef>
-              <a:spcAft>
-                <a:spcPts val="0"/>
-              </a:spcAft>
-              <a:buNone/>
-            </a:pPr>
-            <a:fld id="{00000000-1234-1234-1234-123412341234}" type="slidenum">
-              <a:rPr lang="en"/>
-              <a:t>10</a:t>
-            </a:fld>
-            <a:endParaRPr/>
-          </a:p>
-        </p:txBody>
-      </p:sp>
-    </p:spTree>
-  </p:cSld>
-  <p:clrMapOvr>
-    <a:masterClrMapping/>
-  </p:clrMapOvr>
-</p:sld>
-</file>
-
-<file path=ppt/slides/slide11.xml><?xml version="1.0" encoding="utf-8"?>
 <p:sld xmlns:a="http://schemas.openxmlformats.org/drawingml/2006/main" xmlns:r="http://schemas.openxmlformats.org/officeDocument/2006/relationships" xmlns:p="http://schemas.openxmlformats.org/presentationml/2006/main">
   <p:cSld>
     <p:spTree>
@@ -11123,7 +10234,7 @@
             </a:pPr>
             <a:fld id="{00000000-1234-1234-1234-123412341234}" type="slidenum">
               <a:rPr lang="en"/>
-              <a:t>11</a:t>
+              <a:t>10</a:t>
             </a:fld>
             <a:endParaRPr/>
           </a:p>
@@ -12071,7 +11182,7 @@
 </p:sld>
 </file>
 
-<file path=ppt/slides/slide12.xml><?xml version="1.0" encoding="utf-8"?>
+<file path=ppt/slides/slide11.xml><?xml version="1.0" encoding="utf-8"?>
 <p:sld xmlns:a="http://schemas.openxmlformats.org/drawingml/2006/main" xmlns:r="http://schemas.openxmlformats.org/officeDocument/2006/relationships" xmlns:p="http://schemas.openxmlformats.org/presentationml/2006/main">
   <p:cSld>
     <p:spTree>
@@ -12362,7 +11473,7 @@
             </a:pPr>
             <a:fld id="{00000000-1234-1234-1234-123412341234}" type="slidenum">
               <a:rPr lang="en"/>
-              <a:t>12</a:t>
+              <a:t>11</a:t>
             </a:fld>
             <a:endParaRPr/>
           </a:p>
@@ -12579,7 +11690,7 @@
 </p:sld>
 </file>
 
-<file path=ppt/slides/slide13.xml><?xml version="1.0" encoding="utf-8"?>
+<file path=ppt/slides/slide12.xml><?xml version="1.0" encoding="utf-8"?>
 <p:sld xmlns:a="http://schemas.openxmlformats.org/drawingml/2006/main" xmlns:r="http://schemas.openxmlformats.org/officeDocument/2006/relationships" xmlns:p="http://schemas.openxmlformats.org/presentationml/2006/main">
   <p:cSld>
     <p:spTree>
@@ -12674,7 +11785,7 @@
             </a:pPr>
             <a:fld id="{00000000-1234-1234-1234-123412341234}" type="slidenum">
               <a:rPr lang="en"/>
-              <a:t>13</a:t>
+              <a:t>12</a:t>
             </a:fld>
             <a:endParaRPr/>
           </a:p>
@@ -13506,7 +12617,7 @@
 </p:sld>
 </file>
 
-<file path=ppt/slides/slide14.xml><?xml version="1.0" encoding="utf-8"?>
+<file path=ppt/slides/slide13.xml><?xml version="1.0" encoding="utf-8"?>
 <p:sld xmlns:a="http://schemas.openxmlformats.org/drawingml/2006/main" xmlns:r="http://schemas.openxmlformats.org/officeDocument/2006/relationships" xmlns:p="http://schemas.openxmlformats.org/presentationml/2006/main">
   <p:cSld>
     <p:spTree>
@@ -13601,7 +12712,7 @@
             </a:pPr>
             <a:fld id="{00000000-1234-1234-1234-123412341234}" type="slidenum">
               <a:rPr lang="en"/>
-              <a:t>14</a:t>
+              <a:t>13</a:t>
             </a:fld>
             <a:endParaRPr/>
           </a:p>
@@ -14473,7 +13584,7 @@
 </p:sld>
 </file>
 
-<file path=ppt/slides/slide15.xml><?xml version="1.0" encoding="utf-8"?>
+<file path=ppt/slides/slide14.xml><?xml version="1.0" encoding="utf-8"?>
 <p:sld xmlns:a="http://schemas.openxmlformats.org/drawingml/2006/main" xmlns:r="http://schemas.openxmlformats.org/officeDocument/2006/relationships" xmlns:p="http://schemas.openxmlformats.org/presentationml/2006/main">
   <p:cSld>
     <p:spTree>
@@ -14568,7 +13679,7 @@
             </a:pPr>
             <a:fld id="{00000000-1234-1234-1234-123412341234}" type="slidenum">
               <a:rPr lang="en"/>
-              <a:t>15</a:t>
+              <a:t>14</a:t>
             </a:fld>
             <a:endParaRPr/>
           </a:p>
@@ -15453,7 +14564,7 @@
 </p:sld>
 </file>
 
-<file path=ppt/slides/slide16.xml><?xml version="1.0" encoding="utf-8"?>
+<file path=ppt/slides/slide15.xml><?xml version="1.0" encoding="utf-8"?>
 <p:sld xmlns:a="http://schemas.openxmlformats.org/drawingml/2006/main" xmlns:r="http://schemas.openxmlformats.org/officeDocument/2006/relationships" xmlns:p="http://schemas.openxmlformats.org/presentationml/2006/main">
   <p:cSld>
     <p:spTree>
@@ -15548,7 +14659,7 @@
             </a:pPr>
             <a:fld id="{00000000-1234-1234-1234-123412341234}" type="slidenum">
               <a:rPr lang="en"/>
-              <a:t>16</a:t>
+              <a:t>15</a:t>
             </a:fld>
             <a:endParaRPr/>
           </a:p>
@@ -16250,7 +15361,7 @@
 </p:sld>
 </file>
 
-<file path=ppt/slides/slide17.xml><?xml version="1.0" encoding="utf-8"?>
+<file path=ppt/slides/slide16.xml><?xml version="1.0" encoding="utf-8"?>
 <p:sld xmlns:a="http://schemas.openxmlformats.org/drawingml/2006/main" xmlns:r="http://schemas.openxmlformats.org/officeDocument/2006/relationships" xmlns:p="http://schemas.openxmlformats.org/presentationml/2006/main">
   <p:cSld>
     <p:spTree>
@@ -16303,7 +15414,7 @@
             </a:pPr>
             <a:fld id="{00000000-1234-1234-1234-123412341234}" type="slidenum">
               <a:rPr lang="en"/>
-              <a:t>17</a:t>
+              <a:t>16</a:t>
             </a:fld>
             <a:endParaRPr/>
           </a:p>
@@ -16853,7 +15964,7 @@
 </p:sld>
 </file>
 
-<file path=ppt/slides/slide18.xml><?xml version="1.0" encoding="utf-8"?>
+<file path=ppt/slides/slide17.xml><?xml version="1.0" encoding="utf-8"?>
 <p:sld xmlns:a="http://schemas.openxmlformats.org/drawingml/2006/main" xmlns:r="http://schemas.openxmlformats.org/officeDocument/2006/relationships" xmlns:p="http://schemas.openxmlformats.org/presentationml/2006/main">
   <p:cSld>
     <p:spTree>
@@ -16948,7 +16059,7 @@
             </a:pPr>
             <a:fld id="{00000000-1234-1234-1234-123412341234}" type="slidenum">
               <a:rPr lang="en"/>
-              <a:t>18</a:t>
+              <a:t>17</a:t>
             </a:fld>
             <a:endParaRPr/>
           </a:p>
@@ -17722,7 +16833,7 @@
 </p:sld>
 </file>
 
-<file path=ppt/slides/slide19.xml><?xml version="1.0" encoding="utf-8"?>
+<file path=ppt/slides/slide18.xml><?xml version="1.0" encoding="utf-8"?>
 <p:sld xmlns:a="http://schemas.openxmlformats.org/drawingml/2006/main" xmlns:r="http://schemas.openxmlformats.org/officeDocument/2006/relationships" xmlns:p="http://schemas.openxmlformats.org/presentationml/2006/main">
   <p:cSld>
     <p:spTree>
@@ -17817,7 +16928,7 @@
             </a:pPr>
             <a:fld id="{00000000-1234-1234-1234-123412341234}" type="slidenum">
               <a:rPr lang="en"/>
-              <a:t>19</a:t>
+              <a:t>18</a:t>
             </a:fld>
             <a:endParaRPr/>
           </a:p>
@@ -18676,283 +17787,7 @@
 </p:sld>
 </file>
 
-<file path=ppt/slides/slide2.xml><?xml version="1.0" encoding="utf-8"?>
-<p:sld xmlns:a="http://schemas.openxmlformats.org/drawingml/2006/main" xmlns:r="http://schemas.openxmlformats.org/officeDocument/2006/relationships" xmlns:p="http://schemas.openxmlformats.org/presentationml/2006/main">
-  <p:cSld>
-    <p:spTree>
-      <p:nvGrpSpPr>
-        <p:cNvPr id="1" name="Shape 931"/>
-        <p:cNvGrpSpPr/>
-        <p:nvPr/>
-      </p:nvGrpSpPr>
-      <p:grpSpPr>
-        <a:xfrm>
-          <a:off x="0" y="0"/>
-          <a:ext cx="0" cy="0"/>
-          <a:chOff x="0" y="0"/>
-          <a:chExt cx="0" cy="0"/>
-        </a:xfrm>
-      </p:grpSpPr>
-      <p:sp>
-        <p:nvSpPr>
-          <p:cNvPr id="932" name="Google Shape;932;p67"/>
-          <p:cNvSpPr txBox="1">
-            <a:spLocks noGrp="1"/>
-          </p:cNvSpPr>
-          <p:nvPr>
-            <p:ph type="title"/>
-          </p:nvPr>
-        </p:nvSpPr>
-        <p:spPr>
-          <a:xfrm>
-            <a:off x="102700" y="270875"/>
-            <a:ext cx="8520600" cy="572700"/>
-          </a:xfrm>
-          <a:prstGeom prst="rect">
-            <a:avLst/>
-          </a:prstGeom>
-        </p:spPr>
-        <p:txBody>
-          <a:bodyPr spcFirstLastPara="1" wrap="square" lIns="91425" tIns="91425" rIns="91425" bIns="91425" anchor="t" anchorCtr="0">
-            <a:normAutofit fontScale="90000"/>
-          </a:bodyPr>
-          <a:lstStyle/>
-          <a:p>
-            <a:pPr marL="0" lvl="0" indent="0" algn="l" rtl="0">
-              <a:spcBef>
-                <a:spcPts val="0"/>
-              </a:spcBef>
-              <a:spcAft>
-                <a:spcPts val="0"/>
-              </a:spcAft>
-              <a:buNone/>
-            </a:pPr>
-            <a:r>
-              <a:rPr lang="en" dirty="0"/>
-              <a:t>Today’s Plan</a:t>
-            </a:r>
-            <a:endParaRPr dirty="0"/>
-          </a:p>
-        </p:txBody>
-      </p:sp>
-      <p:sp>
-        <p:nvSpPr>
-          <p:cNvPr id="933" name="Google Shape;933;p67"/>
-          <p:cNvSpPr txBox="1">
-            <a:spLocks noGrp="1"/>
-          </p:cNvSpPr>
-          <p:nvPr>
-            <p:ph type="body" idx="1"/>
-          </p:nvPr>
-        </p:nvSpPr>
-        <p:spPr>
-          <a:xfrm>
-            <a:off x="198500" y="1246825"/>
-            <a:ext cx="8520600" cy="3765600"/>
-          </a:xfrm>
-          <a:prstGeom prst="rect">
-            <a:avLst/>
-          </a:prstGeom>
-        </p:spPr>
-        <p:txBody>
-          <a:bodyPr spcFirstLastPara="1" wrap="square" lIns="91425" tIns="91425" rIns="91425" bIns="91425" anchor="t" anchorCtr="0">
-            <a:normAutofit/>
-          </a:bodyPr>
-          <a:lstStyle/>
-          <a:p>
-            <a:pPr marL="457200" lvl="0" indent="-342900" algn="l" rtl="0">
-              <a:spcBef>
-                <a:spcPts val="0"/>
-              </a:spcBef>
-              <a:spcAft>
-                <a:spcPts val="0"/>
-              </a:spcAft>
-              <a:buSzPts val="1800"/>
-              <a:buChar char="●"/>
-            </a:pPr>
-            <a:r>
-              <a:rPr lang="en" sz="2000" dirty="0"/>
-              <a:t>Network Attackers</a:t>
-            </a:r>
-            <a:endParaRPr sz="2000" dirty="0"/>
-          </a:p>
-          <a:p>
-            <a:pPr marL="914400" lvl="1" indent="-317500" algn="l" rtl="0">
-              <a:spcBef>
-                <a:spcPts val="0"/>
-              </a:spcBef>
-              <a:spcAft>
-                <a:spcPts val="0"/>
-              </a:spcAft>
-              <a:buSzPts val="1400"/>
-              <a:buChar char="○"/>
-            </a:pPr>
-            <a:r>
-              <a:rPr lang="en" sz="1600" dirty="0"/>
-              <a:t>Man-in-the-middle attacker</a:t>
-            </a:r>
-            <a:endParaRPr sz="1600" dirty="0"/>
-          </a:p>
-          <a:p>
-            <a:pPr marL="914400" lvl="1" indent="-317500" algn="l" rtl="0">
-              <a:spcBef>
-                <a:spcPts val="0"/>
-              </a:spcBef>
-              <a:spcAft>
-                <a:spcPts val="0"/>
-              </a:spcAft>
-              <a:buSzPts val="1400"/>
-              <a:buChar char="○"/>
-            </a:pPr>
-            <a:r>
-              <a:rPr lang="en" sz="1600" dirty="0"/>
-              <a:t>On-path attacker</a:t>
-            </a:r>
-            <a:endParaRPr sz="1600" dirty="0"/>
-          </a:p>
-          <a:p>
-            <a:pPr marL="914400" lvl="1" indent="-317500" algn="l" rtl="0">
-              <a:spcBef>
-                <a:spcPts val="0"/>
-              </a:spcBef>
-              <a:spcAft>
-                <a:spcPts val="0"/>
-              </a:spcAft>
-              <a:buSzPts val="1400"/>
-              <a:buChar char="○"/>
-            </a:pPr>
-            <a:r>
-              <a:rPr lang="en" sz="1600" dirty="0"/>
-              <a:t>Off-path attacker</a:t>
-            </a:r>
-            <a:endParaRPr sz="1600" dirty="0"/>
-          </a:p>
-          <a:p>
-            <a:pPr marL="457200" lvl="0" indent="-342900" algn="l" rtl="0">
-              <a:spcBef>
-                <a:spcPts val="0"/>
-              </a:spcBef>
-              <a:spcAft>
-                <a:spcPts val="0"/>
-              </a:spcAft>
-              <a:buSzPts val="1800"/>
-              <a:buChar char="●"/>
-            </a:pPr>
-            <a:r>
-              <a:rPr lang="en" sz="2000" dirty="0"/>
-              <a:t>Important Concepts</a:t>
-            </a:r>
-          </a:p>
-          <a:p>
-            <a:pPr lvl="1"/>
-            <a:r>
-              <a:rPr lang="en-US" sz="1600" b="1" dirty="0"/>
-              <a:t>ARP: Translate IP addresses to MAC addresses</a:t>
-            </a:r>
-          </a:p>
-          <a:p>
-            <a:pPr lvl="1"/>
-            <a:r>
-              <a:rPr lang="en" sz="1600" dirty="0"/>
-              <a:t>DHCP: Get configurations when first connecting to a network</a:t>
-            </a:r>
-            <a:endParaRPr sz="1600" dirty="0"/>
-          </a:p>
-          <a:p>
-            <a:pPr lvl="1"/>
-            <a:r>
-              <a:rPr lang="en" sz="1600" dirty="0"/>
-              <a:t>WPA: Communicate securely in a wireless local network</a:t>
-            </a:r>
-          </a:p>
-          <a:p>
-            <a:pPr lvl="1"/>
-            <a:r>
-              <a:rPr lang="en" sz="1600" dirty="0"/>
-              <a:t>TCP: Reliably send packets </a:t>
-            </a:r>
-          </a:p>
-          <a:p>
-            <a:pPr lvl="1"/>
-            <a:r>
-              <a:rPr lang="en" sz="1600" dirty="0"/>
-              <a:t>UDP: Not-reliably send packets</a:t>
-            </a:r>
-          </a:p>
-          <a:p>
-            <a:pPr lvl="1"/>
-            <a:r>
-              <a:rPr lang="en" sz="1600" dirty="0"/>
-              <a:t>TLS: Secure TCP, securely send packets</a:t>
-            </a:r>
-          </a:p>
-          <a:p>
-            <a:pPr lvl="1"/>
-            <a:r>
-              <a:rPr lang="en" sz="1600" dirty="0"/>
-              <a:t>DNS: Lookup IP address from domain names</a:t>
-            </a:r>
-          </a:p>
-          <a:p>
-            <a:pPr lvl="1" indent="-342900">
-              <a:buSzPts val="1800"/>
-              <a:buChar char="●"/>
-            </a:pPr>
-            <a:endParaRPr sz="1600" dirty="0"/>
-          </a:p>
-        </p:txBody>
-      </p:sp>
-      <p:sp>
-        <p:nvSpPr>
-          <p:cNvPr id="934" name="Google Shape;934;p67"/>
-          <p:cNvSpPr txBox="1">
-            <a:spLocks noGrp="1"/>
-          </p:cNvSpPr>
-          <p:nvPr>
-            <p:ph type="sldNum" idx="12"/>
-          </p:nvPr>
-        </p:nvSpPr>
-        <p:spPr>
-          <a:xfrm>
-            <a:off x="8472458" y="4663217"/>
-            <a:ext cx="548700" cy="393600"/>
-          </a:xfrm>
-          <a:prstGeom prst="rect">
-            <a:avLst/>
-          </a:prstGeom>
-        </p:spPr>
-        <p:txBody>
-          <a:bodyPr spcFirstLastPara="1" wrap="square" lIns="91425" tIns="91425" rIns="91425" bIns="91425" anchor="ctr" anchorCtr="0">
-            <a:normAutofit/>
-          </a:bodyPr>
-          <a:lstStyle/>
-          <a:p>
-            <a:pPr marL="0" lvl="0" indent="0" algn="r" rtl="0">
-              <a:spcBef>
-                <a:spcPts val="0"/>
-              </a:spcBef>
-              <a:spcAft>
-                <a:spcPts val="0"/>
-              </a:spcAft>
-              <a:buNone/>
-            </a:pPr>
-            <a:fld id="{00000000-1234-1234-1234-123412341234}" type="slidenum">
-              <a:rPr lang="en"/>
-              <a:t>2</a:t>
-            </a:fld>
-            <a:endParaRPr/>
-          </a:p>
-        </p:txBody>
-      </p:sp>
-    </p:spTree>
-  </p:cSld>
-  <p:clrMapOvr>
-    <a:masterClrMapping/>
-  </p:clrMapOvr>
-</p:sld>
-</file>
-
-<file path=ppt/slides/slide20.xml><?xml version="1.0" encoding="utf-8"?>
+<file path=ppt/slides/slide19.xml><?xml version="1.0" encoding="utf-8"?>
 <p:sld xmlns:a="http://schemas.openxmlformats.org/drawingml/2006/main" xmlns:r="http://schemas.openxmlformats.org/officeDocument/2006/relationships" xmlns:p="http://schemas.openxmlformats.org/presentationml/2006/main">
   <p:cSld>
     <p:spTree>
@@ -19047,7 +17882,7 @@
             </a:pPr>
             <a:fld id="{00000000-1234-1234-1234-123412341234}" type="slidenum">
               <a:rPr lang="en"/>
-              <a:t>20</a:t>
+              <a:t>19</a:t>
             </a:fld>
             <a:endParaRPr/>
           </a:p>
@@ -19894,7 +18729,283 @@
 </p:sld>
 </file>
 
-<file path=ppt/slides/slide21.xml><?xml version="1.0" encoding="utf-8"?>
+<file path=ppt/slides/slide2.xml><?xml version="1.0" encoding="utf-8"?>
+<p:sld xmlns:a="http://schemas.openxmlformats.org/drawingml/2006/main" xmlns:r="http://schemas.openxmlformats.org/officeDocument/2006/relationships" xmlns:p="http://schemas.openxmlformats.org/presentationml/2006/main">
+  <p:cSld>
+    <p:spTree>
+      <p:nvGrpSpPr>
+        <p:cNvPr id="1" name="Shape 931"/>
+        <p:cNvGrpSpPr/>
+        <p:nvPr/>
+      </p:nvGrpSpPr>
+      <p:grpSpPr>
+        <a:xfrm>
+          <a:off x="0" y="0"/>
+          <a:ext cx="0" cy="0"/>
+          <a:chOff x="0" y="0"/>
+          <a:chExt cx="0" cy="0"/>
+        </a:xfrm>
+      </p:grpSpPr>
+      <p:sp>
+        <p:nvSpPr>
+          <p:cNvPr id="932" name="Google Shape;932;p67"/>
+          <p:cNvSpPr txBox="1">
+            <a:spLocks noGrp="1"/>
+          </p:cNvSpPr>
+          <p:nvPr>
+            <p:ph type="title"/>
+          </p:nvPr>
+        </p:nvSpPr>
+        <p:spPr>
+          <a:xfrm>
+            <a:off x="102700" y="270875"/>
+            <a:ext cx="8520600" cy="572700"/>
+          </a:xfrm>
+          <a:prstGeom prst="rect">
+            <a:avLst/>
+          </a:prstGeom>
+        </p:spPr>
+        <p:txBody>
+          <a:bodyPr spcFirstLastPara="1" wrap="square" lIns="91425" tIns="91425" rIns="91425" bIns="91425" anchor="t" anchorCtr="0">
+            <a:normAutofit fontScale="90000"/>
+          </a:bodyPr>
+          <a:lstStyle/>
+          <a:p>
+            <a:pPr marL="0" lvl="0" indent="0" algn="l" rtl="0">
+              <a:spcBef>
+                <a:spcPts val="0"/>
+              </a:spcBef>
+              <a:spcAft>
+                <a:spcPts val="0"/>
+              </a:spcAft>
+              <a:buNone/>
+            </a:pPr>
+            <a:r>
+              <a:rPr lang="en" dirty="0"/>
+              <a:t>Today’s Plan</a:t>
+            </a:r>
+            <a:endParaRPr dirty="0"/>
+          </a:p>
+        </p:txBody>
+      </p:sp>
+      <p:sp>
+        <p:nvSpPr>
+          <p:cNvPr id="933" name="Google Shape;933;p67"/>
+          <p:cNvSpPr txBox="1">
+            <a:spLocks noGrp="1"/>
+          </p:cNvSpPr>
+          <p:nvPr>
+            <p:ph type="body" idx="1"/>
+          </p:nvPr>
+        </p:nvSpPr>
+        <p:spPr>
+          <a:xfrm>
+            <a:off x="198500" y="1246825"/>
+            <a:ext cx="8520600" cy="3765600"/>
+          </a:xfrm>
+          <a:prstGeom prst="rect">
+            <a:avLst/>
+          </a:prstGeom>
+        </p:spPr>
+        <p:txBody>
+          <a:bodyPr spcFirstLastPara="1" wrap="square" lIns="91425" tIns="91425" rIns="91425" bIns="91425" anchor="t" anchorCtr="0">
+            <a:normAutofit/>
+          </a:bodyPr>
+          <a:lstStyle/>
+          <a:p>
+            <a:pPr marL="457200" lvl="0" indent="-342900" algn="l" rtl="0">
+              <a:spcBef>
+                <a:spcPts val="0"/>
+              </a:spcBef>
+              <a:spcAft>
+                <a:spcPts val="0"/>
+              </a:spcAft>
+              <a:buSzPts val="1800"/>
+              <a:buChar char="●"/>
+            </a:pPr>
+            <a:r>
+              <a:rPr lang="en" sz="2000" dirty="0"/>
+              <a:t>Network Attackers</a:t>
+            </a:r>
+            <a:endParaRPr sz="2000" dirty="0"/>
+          </a:p>
+          <a:p>
+            <a:pPr marL="914400" lvl="1" indent="-317500" algn="l" rtl="0">
+              <a:spcBef>
+                <a:spcPts val="0"/>
+              </a:spcBef>
+              <a:spcAft>
+                <a:spcPts val="0"/>
+              </a:spcAft>
+              <a:buSzPts val="1400"/>
+              <a:buChar char="○"/>
+            </a:pPr>
+            <a:r>
+              <a:rPr lang="en" sz="1600" dirty="0"/>
+              <a:t>Man-in-the-middle attacker</a:t>
+            </a:r>
+            <a:endParaRPr sz="1600" dirty="0"/>
+          </a:p>
+          <a:p>
+            <a:pPr marL="914400" lvl="1" indent="-317500" algn="l" rtl="0">
+              <a:spcBef>
+                <a:spcPts val="0"/>
+              </a:spcBef>
+              <a:spcAft>
+                <a:spcPts val="0"/>
+              </a:spcAft>
+              <a:buSzPts val="1400"/>
+              <a:buChar char="○"/>
+            </a:pPr>
+            <a:r>
+              <a:rPr lang="en" sz="1600" dirty="0"/>
+              <a:t>On-path attacker</a:t>
+            </a:r>
+            <a:endParaRPr sz="1600" dirty="0"/>
+          </a:p>
+          <a:p>
+            <a:pPr marL="914400" lvl="1" indent="-317500" algn="l" rtl="0">
+              <a:spcBef>
+                <a:spcPts val="0"/>
+              </a:spcBef>
+              <a:spcAft>
+                <a:spcPts val="0"/>
+              </a:spcAft>
+              <a:buSzPts val="1400"/>
+              <a:buChar char="○"/>
+            </a:pPr>
+            <a:r>
+              <a:rPr lang="en" sz="1600" dirty="0"/>
+              <a:t>Off-path attacker</a:t>
+            </a:r>
+            <a:endParaRPr sz="1600" dirty="0"/>
+          </a:p>
+          <a:p>
+            <a:pPr marL="457200" lvl="0" indent="-342900" algn="l" rtl="0">
+              <a:spcBef>
+                <a:spcPts val="0"/>
+              </a:spcBef>
+              <a:spcAft>
+                <a:spcPts val="0"/>
+              </a:spcAft>
+              <a:buSzPts val="1800"/>
+              <a:buChar char="●"/>
+            </a:pPr>
+            <a:r>
+              <a:rPr lang="en" sz="2000" dirty="0"/>
+              <a:t>Important Concepts</a:t>
+            </a:r>
+          </a:p>
+          <a:p>
+            <a:pPr lvl="1"/>
+            <a:r>
+              <a:rPr lang="en-US" sz="1600" b="1" dirty="0"/>
+              <a:t>ARP: Translate IP addresses to MAC addresses</a:t>
+            </a:r>
+          </a:p>
+          <a:p>
+            <a:pPr lvl="1"/>
+            <a:r>
+              <a:rPr lang="en" sz="1600" dirty="0"/>
+              <a:t>DHCP: Get configurations when first connecting to a network</a:t>
+            </a:r>
+            <a:endParaRPr sz="1600" dirty="0"/>
+          </a:p>
+          <a:p>
+            <a:pPr lvl="1"/>
+            <a:r>
+              <a:rPr lang="en" sz="1600" dirty="0"/>
+              <a:t>WPA: Communicate securely in a wireless local network</a:t>
+            </a:r>
+          </a:p>
+          <a:p>
+            <a:pPr lvl="1"/>
+            <a:r>
+              <a:rPr lang="en" sz="1600" dirty="0"/>
+              <a:t>TCP: Reliably send packets </a:t>
+            </a:r>
+          </a:p>
+          <a:p>
+            <a:pPr lvl="1"/>
+            <a:r>
+              <a:rPr lang="en" sz="1600" dirty="0"/>
+              <a:t>UDP: Not-reliably send packets</a:t>
+            </a:r>
+          </a:p>
+          <a:p>
+            <a:pPr lvl="1"/>
+            <a:r>
+              <a:rPr lang="en" sz="1600" dirty="0"/>
+              <a:t>TLS: Secure TCP, securely send packets</a:t>
+            </a:r>
+          </a:p>
+          <a:p>
+            <a:pPr lvl="1"/>
+            <a:r>
+              <a:rPr lang="en" sz="1600" dirty="0"/>
+              <a:t>DNS: Lookup IP address from domain names</a:t>
+            </a:r>
+          </a:p>
+          <a:p>
+            <a:pPr lvl="1" indent="-342900">
+              <a:buSzPts val="1800"/>
+              <a:buChar char="●"/>
+            </a:pPr>
+            <a:endParaRPr sz="1600" dirty="0"/>
+          </a:p>
+        </p:txBody>
+      </p:sp>
+      <p:sp>
+        <p:nvSpPr>
+          <p:cNvPr id="934" name="Google Shape;934;p67"/>
+          <p:cNvSpPr txBox="1">
+            <a:spLocks noGrp="1"/>
+          </p:cNvSpPr>
+          <p:nvPr>
+            <p:ph type="sldNum" idx="12"/>
+          </p:nvPr>
+        </p:nvSpPr>
+        <p:spPr>
+          <a:xfrm>
+            <a:off x="8472458" y="4663217"/>
+            <a:ext cx="548700" cy="393600"/>
+          </a:xfrm>
+          <a:prstGeom prst="rect">
+            <a:avLst/>
+          </a:prstGeom>
+        </p:spPr>
+        <p:txBody>
+          <a:bodyPr spcFirstLastPara="1" wrap="square" lIns="91425" tIns="91425" rIns="91425" bIns="91425" anchor="ctr" anchorCtr="0">
+            <a:normAutofit/>
+          </a:bodyPr>
+          <a:lstStyle/>
+          <a:p>
+            <a:pPr marL="0" lvl="0" indent="0" algn="r" rtl="0">
+              <a:spcBef>
+                <a:spcPts val="0"/>
+              </a:spcBef>
+              <a:spcAft>
+                <a:spcPts val="0"/>
+              </a:spcAft>
+              <a:buNone/>
+            </a:pPr>
+            <a:fld id="{00000000-1234-1234-1234-123412341234}" type="slidenum">
+              <a:rPr lang="en"/>
+              <a:t>2</a:t>
+            </a:fld>
+            <a:endParaRPr/>
+          </a:p>
+        </p:txBody>
+      </p:sp>
+    </p:spTree>
+  </p:cSld>
+  <p:clrMapOvr>
+    <a:masterClrMapping/>
+  </p:clrMapOvr>
+</p:sld>
+</file>
+
+<file path=ppt/slides/slide20.xml><?xml version="1.0" encoding="utf-8"?>
 <p:sld xmlns:a="http://schemas.openxmlformats.org/drawingml/2006/main" xmlns:r="http://schemas.openxmlformats.org/officeDocument/2006/relationships" xmlns:p="http://schemas.openxmlformats.org/presentationml/2006/main">
   <p:cSld>
     <p:spTree>
@@ -19989,7 +19100,7 @@
             </a:pPr>
             <a:fld id="{00000000-1234-1234-1234-123412341234}" type="slidenum">
               <a:rPr lang="en"/>
-              <a:t>21</a:t>
+              <a:t>20</a:t>
             </a:fld>
             <a:endParaRPr/>
           </a:p>
@@ -20683,7 +19794,7 @@
 </p:sld>
 </file>
 
-<file path=ppt/slides/slide22.xml><?xml version="1.0" encoding="utf-8"?>
+<file path=ppt/slides/slide21.xml><?xml version="1.0" encoding="utf-8"?>
 <p:sld xmlns:a="http://schemas.openxmlformats.org/drawingml/2006/main" xmlns:r="http://schemas.openxmlformats.org/officeDocument/2006/relationships" xmlns:p="http://schemas.openxmlformats.org/presentationml/2006/main">
   <p:cSld>
     <p:spTree>
@@ -20969,7 +20080,7 @@
             </a:pPr>
             <a:fld id="{00000000-1234-1234-1234-123412341234}" type="slidenum">
               <a:rPr lang="en"/>
-              <a:t>22</a:t>
+              <a:t>21</a:t>
             </a:fld>
             <a:endParaRPr/>
           </a:p>
@@ -21284,7 +20395,7 @@
 </p:sld>
 </file>
 
-<file path=ppt/slides/slide23.xml><?xml version="1.0" encoding="utf-8"?>
+<file path=ppt/slides/slide22.xml><?xml version="1.0" encoding="utf-8"?>
 <p:sld xmlns:a="http://schemas.openxmlformats.org/drawingml/2006/main" xmlns:r="http://schemas.openxmlformats.org/officeDocument/2006/relationships" xmlns:p="http://schemas.openxmlformats.org/presentationml/2006/main">
   <p:cSld>
     <p:spTree>
@@ -21588,7 +20699,7 @@
             </a:pPr>
             <a:fld id="{00000000-1234-1234-1234-123412341234}" type="slidenum">
               <a:rPr lang="en"/>
-              <a:t>23</a:t>
+              <a:t>22</a:t>
             </a:fld>
             <a:endParaRPr/>
           </a:p>
@@ -21996,7 +21107,7 @@
 </p:sld>
 </file>
 
-<file path=ppt/slides/slide24.xml><?xml version="1.0" encoding="utf-8"?>
+<file path=ppt/slides/slide23.xml><?xml version="1.0" encoding="utf-8"?>
 <p:sld xmlns:a="http://schemas.openxmlformats.org/drawingml/2006/main" xmlns:r="http://schemas.openxmlformats.org/officeDocument/2006/relationships" xmlns:p="http://schemas.openxmlformats.org/presentationml/2006/main">
   <p:cSld>
     <p:spTree>
@@ -22091,7 +21202,7 @@
             </a:pPr>
             <a:fld id="{00000000-1234-1234-1234-123412341234}" type="slidenum">
               <a:rPr lang="en"/>
-              <a:t>24</a:t>
+              <a:t>23</a:t>
             </a:fld>
             <a:endParaRPr/>
           </a:p>
@@ -22110,7 +21221,7 @@
 </p:sld>
 </file>
 
-<file path=ppt/slides/slide25.xml><?xml version="1.0" encoding="utf-8"?>
+<file path=ppt/slides/slide24.xml><?xml version="1.0" encoding="utf-8"?>
 <p:sld xmlns:a="http://schemas.openxmlformats.org/drawingml/2006/main" xmlns:r="http://schemas.openxmlformats.org/officeDocument/2006/relationships" xmlns:p="http://schemas.openxmlformats.org/presentationml/2006/main">
   <p:cSld>
     <p:spTree>
@@ -22163,7 +21274,7 @@
             </a:pPr>
             <a:r>
               <a:rPr lang="en" dirty="0"/>
-              <a:t>Network Roadmap</a:t>
+              <a:t>Network Protocols</a:t>
             </a:r>
             <a:endParaRPr dirty="0"/>
           </a:p>
@@ -22205,7 +21316,7 @@
             </a:pPr>
             <a:fld id="{00000000-1234-1234-1234-123412341234}" type="slidenum">
               <a:rPr lang="en"/>
-              <a:t>25</a:t>
+              <a:t>24</a:t>
             </a:fld>
             <a:endParaRPr/>
           </a:p>
@@ -22646,7 +21757,7 @@
 </p:sld>
 </file>
 
-<file path=ppt/slides/slide26.xml><?xml version="1.0" encoding="utf-8"?>
+<file path=ppt/slides/slide25.xml><?xml version="1.0" encoding="utf-8"?>
 <p:sld xmlns:a="http://schemas.openxmlformats.org/drawingml/2006/main" xmlns:r="http://schemas.openxmlformats.org/officeDocument/2006/relationships" xmlns:p="http://schemas.openxmlformats.org/presentationml/2006/main">
   <p:cSld>
     <p:spTree>
@@ -22827,6 +21938,42 @@
             </a:r>
           </a:p>
           <a:p>
+            <a:r>
+              <a:rPr lang="en-US" dirty="0"/>
+              <a:t>Transmission Control Protocol (TCP)</a:t>
+            </a:r>
+          </a:p>
+          <a:p>
+            <a:pPr lvl="1"/>
+            <a:r>
+              <a:rPr lang="en-US" dirty="0"/>
+              <a:t>Reliably sending packets</a:t>
+            </a:r>
+          </a:p>
+          <a:p>
+            <a:r>
+              <a:rPr lang="en-US" dirty="0"/>
+              <a:t>User Datagram Protocol (UDP)</a:t>
+            </a:r>
+          </a:p>
+          <a:p>
+            <a:pPr lvl="1"/>
+            <a:r>
+              <a:rPr lang="en-US" dirty="0"/>
+              <a:t>Non-reliably sending packets</a:t>
+            </a:r>
+          </a:p>
+          <a:p>
+            <a:endParaRPr lang="en-US" dirty="0"/>
+          </a:p>
+          <a:p>
+            <a:pPr indent="-317500">
+              <a:buSzPts val="1400"/>
+              <a:buChar char="○"/>
+            </a:pPr>
+            <a:endParaRPr lang="en-US" dirty="0"/>
+          </a:p>
+          <a:p>
             <a:pPr indent="-317500">
               <a:buSzPts val="1400"/>
               <a:buChar char="○"/>
@@ -22871,7 +22018,7 @@
             </a:pPr>
             <a:fld id="{00000000-1234-1234-1234-123412341234}" type="slidenum">
               <a:rPr lang="en"/>
-              <a:t>26</a:t>
+              <a:t>25</a:t>
             </a:fld>
             <a:endParaRPr/>
           </a:p>
@@ -22890,8 +22037,8 @@
 </p:sld>
 </file>
 
-<file path=ppt/slides/slide27.xml><?xml version="1.0" encoding="utf-8"?>
-<p:sld xmlns:a="http://schemas.openxmlformats.org/drawingml/2006/main" xmlns:r="http://schemas.openxmlformats.org/officeDocument/2006/relationships" xmlns:p="http://schemas.openxmlformats.org/presentationml/2006/main">
+<file path=ppt/slides/slide26.xml><?xml version="1.0" encoding="utf-8"?>
+<p:sld xmlns:a="http://schemas.openxmlformats.org/drawingml/2006/main" xmlns:r="http://schemas.openxmlformats.org/officeDocument/2006/relationships" xmlns:p="http://schemas.openxmlformats.org/presentationml/2006/main" show="0">
   <p:cSld>
     <p:spTree>
       <p:nvGrpSpPr>
@@ -23093,7 +22240,7 @@
             </a:pPr>
             <a:fld id="{00000000-1234-1234-1234-123412341234}" type="slidenum">
               <a:rPr lang="en"/>
-              <a:t>27</a:t>
+              <a:t>26</a:t>
             </a:fld>
             <a:endParaRPr/>
           </a:p>
@@ -23112,8 +22259,8 @@
 </p:sld>
 </file>
 
-<file path=ppt/slides/slide28.xml><?xml version="1.0" encoding="utf-8"?>
-<p:sld xmlns:a="http://schemas.openxmlformats.org/drawingml/2006/main" xmlns:r="http://schemas.openxmlformats.org/officeDocument/2006/relationships" xmlns:p="http://schemas.openxmlformats.org/presentationml/2006/main">
+<file path=ppt/slides/slide27.xml><?xml version="1.0" encoding="utf-8"?>
+<p:sld xmlns:a="http://schemas.openxmlformats.org/drawingml/2006/main" xmlns:r="http://schemas.openxmlformats.org/officeDocument/2006/relationships" xmlns:p="http://schemas.openxmlformats.org/presentationml/2006/main" show="0">
   <p:cSld>
     <p:spTree>
       <p:nvGrpSpPr>
@@ -23363,7 +22510,7 @@
             </a:pPr>
             <a:fld id="{00000000-1234-1234-1234-123412341234}" type="slidenum">
               <a:rPr lang="en"/>
-              <a:t>28</a:t>
+              <a:t>27</a:t>
             </a:fld>
             <a:endParaRPr/>
           </a:p>
@@ -23382,8 +22529,8 @@
 </p:sld>
 </file>
 
-<file path=ppt/slides/slide29.xml><?xml version="1.0" encoding="utf-8"?>
-<p:sld xmlns:a="http://schemas.openxmlformats.org/drawingml/2006/main" xmlns:r="http://schemas.openxmlformats.org/officeDocument/2006/relationships" xmlns:p="http://schemas.openxmlformats.org/presentationml/2006/main">
+<file path=ppt/slides/slide28.xml><?xml version="1.0" encoding="utf-8"?>
+<p:sld xmlns:a="http://schemas.openxmlformats.org/drawingml/2006/main" xmlns:r="http://schemas.openxmlformats.org/officeDocument/2006/relationships" xmlns:p="http://schemas.openxmlformats.org/presentationml/2006/main" show="0">
   <p:cSld>
     <p:spTree>
       <p:nvGrpSpPr>
@@ -23639,6 +22786,311 @@
       <p:sp>
         <p:nvSpPr>
           <p:cNvPr id="602" name="Google Shape;602;p49"/>
+          <p:cNvSpPr txBox="1">
+            <a:spLocks noGrp="1"/>
+          </p:cNvSpPr>
+          <p:nvPr>
+            <p:ph type="sldNum" idx="12"/>
+          </p:nvPr>
+        </p:nvSpPr>
+        <p:spPr>
+          <a:xfrm>
+            <a:off x="8472458" y="4663217"/>
+            <a:ext cx="548700" cy="393600"/>
+          </a:xfrm>
+          <a:prstGeom prst="rect">
+            <a:avLst/>
+          </a:prstGeom>
+        </p:spPr>
+        <p:txBody>
+          <a:bodyPr spcFirstLastPara="1" wrap="square" lIns="91425" tIns="91425" rIns="91425" bIns="91425" anchor="ctr" anchorCtr="0">
+            <a:normAutofit/>
+          </a:bodyPr>
+          <a:lstStyle/>
+          <a:p>
+            <a:pPr marL="0" lvl="0" indent="0" algn="r" rtl="0">
+              <a:spcBef>
+                <a:spcPts val="0"/>
+              </a:spcBef>
+              <a:spcAft>
+                <a:spcPts val="0"/>
+              </a:spcAft>
+              <a:buNone/>
+            </a:pPr>
+            <a:fld id="{00000000-1234-1234-1234-123412341234}" type="slidenum">
+              <a:rPr lang="en"/>
+              <a:t>28</a:t>
+            </a:fld>
+            <a:endParaRPr/>
+          </a:p>
+        </p:txBody>
+      </p:sp>
+    </p:spTree>
+  </p:cSld>
+  <p:clrMapOvr>
+    <a:masterClrMapping/>
+  </p:clrMapOvr>
+</p:sld>
+</file>
+
+<file path=ppt/slides/slide29.xml><?xml version="1.0" encoding="utf-8"?>
+<p:sld xmlns:a="http://schemas.openxmlformats.org/drawingml/2006/main" xmlns:r="http://schemas.openxmlformats.org/officeDocument/2006/relationships" xmlns:p="http://schemas.openxmlformats.org/presentationml/2006/main" show="0">
+  <p:cSld>
+    <p:spTree>
+      <p:nvGrpSpPr>
+        <p:cNvPr id="1" name="Shape 342"/>
+        <p:cNvGrpSpPr/>
+        <p:nvPr/>
+      </p:nvGrpSpPr>
+      <p:grpSpPr>
+        <a:xfrm>
+          <a:off x="0" y="0"/>
+          <a:ext cx="0" cy="0"/>
+          <a:chOff x="0" y="0"/>
+          <a:chExt cx="0" cy="0"/>
+        </a:xfrm>
+      </p:grpSpPr>
+      <p:sp>
+        <p:nvSpPr>
+          <p:cNvPr id="343" name="Google Shape;343;p44"/>
+          <p:cNvSpPr txBox="1">
+            <a:spLocks noGrp="1"/>
+          </p:cNvSpPr>
+          <p:nvPr>
+            <p:ph type="title"/>
+          </p:nvPr>
+        </p:nvSpPr>
+        <p:spPr>
+          <a:xfrm>
+            <a:off x="102700" y="270875"/>
+            <a:ext cx="8520600" cy="572700"/>
+          </a:xfrm>
+          <a:prstGeom prst="rect">
+            <a:avLst/>
+          </a:prstGeom>
+        </p:spPr>
+        <p:txBody>
+          <a:bodyPr spcFirstLastPara="1" wrap="square" lIns="91425" tIns="91425" rIns="91425" bIns="91425" anchor="t" anchorCtr="0">
+            <a:normAutofit fontScale="90000"/>
+          </a:bodyPr>
+          <a:lstStyle/>
+          <a:p>
+            <a:pPr marL="0" lvl="0" indent="0" algn="l" rtl="0">
+              <a:spcBef>
+                <a:spcPts val="0"/>
+              </a:spcBef>
+              <a:spcAft>
+                <a:spcPts val="0"/>
+              </a:spcAft>
+              <a:buNone/>
+            </a:pPr>
+            <a:r>
+              <a:rPr lang="en" dirty="0"/>
+              <a:t>TCP (Transmission Control Protocol )</a:t>
+            </a:r>
+            <a:endParaRPr dirty="0"/>
+          </a:p>
+        </p:txBody>
+      </p:sp>
+      <p:sp>
+        <p:nvSpPr>
+          <p:cNvPr id="344" name="Google Shape;344;p44"/>
+          <p:cNvSpPr txBox="1">
+            <a:spLocks noGrp="1"/>
+          </p:cNvSpPr>
+          <p:nvPr>
+            <p:ph type="body" idx="1"/>
+          </p:nvPr>
+        </p:nvSpPr>
+        <p:spPr>
+          <a:xfrm>
+            <a:off x="198500" y="1246825"/>
+            <a:ext cx="8520600" cy="3765600"/>
+          </a:xfrm>
+          <a:prstGeom prst="rect">
+            <a:avLst/>
+          </a:prstGeom>
+        </p:spPr>
+        <p:txBody>
+          <a:bodyPr spcFirstLastPara="1" wrap="square" lIns="91425" tIns="91425" rIns="91425" bIns="91425" anchor="t" anchorCtr="0">
+            <a:normAutofit/>
+          </a:bodyPr>
+          <a:lstStyle/>
+          <a:p>
+            <a:pPr marL="457200" lvl="0" indent="-342900" algn="l" rtl="0">
+              <a:spcBef>
+                <a:spcPts val="0"/>
+              </a:spcBef>
+              <a:spcAft>
+                <a:spcPts val="0"/>
+              </a:spcAft>
+              <a:buSzPts val="1800"/>
+              <a:buChar char="●"/>
+            </a:pPr>
+            <a:r>
+              <a:rPr lang="en" dirty="0"/>
+              <a:t>Transmission Control Protocol (TCP): Reliably sending packets</a:t>
+            </a:r>
+            <a:endParaRPr dirty="0"/>
+          </a:p>
+          <a:p>
+            <a:pPr marL="914400" lvl="1" indent="-317500" algn="l" rtl="0">
+              <a:spcBef>
+                <a:spcPts val="0"/>
+              </a:spcBef>
+              <a:spcAft>
+                <a:spcPts val="0"/>
+              </a:spcAft>
+              <a:buSzPts val="1400"/>
+              <a:buChar char="○"/>
+            </a:pPr>
+            <a:r>
+              <a:rPr lang="en" dirty="0"/>
+              <a:t>3-way handshake: Client sends SYN, server sends SYN-ACK, client sends ACK</a:t>
+            </a:r>
+            <a:endParaRPr dirty="0"/>
+          </a:p>
+          <a:p>
+            <a:pPr marL="914400" lvl="1" indent="-317500" algn="l" rtl="0">
+              <a:spcBef>
+                <a:spcPts val="0"/>
+              </a:spcBef>
+              <a:spcAft>
+                <a:spcPts val="0"/>
+              </a:spcAft>
+              <a:buSzPts val="1400"/>
+              <a:buChar char="○"/>
+            </a:pPr>
+            <a:r>
+              <a:rPr lang="en" dirty="0"/>
+              <a:t>Provides reliability, ordering, and ports</a:t>
+            </a:r>
+            <a:endParaRPr dirty="0"/>
+          </a:p>
+          <a:p>
+            <a:pPr marL="914400" lvl="1" indent="-317500" algn="l" rtl="0">
+              <a:spcBef>
+                <a:spcPts val="0"/>
+              </a:spcBef>
+              <a:spcAft>
+                <a:spcPts val="0"/>
+              </a:spcAft>
+              <a:buSzPts val="1400"/>
+              <a:buChar char="○"/>
+            </a:pPr>
+            <a:r>
+              <a:rPr lang="en" dirty="0"/>
+              <a:t>Attack: TCP hijacking through data injection or RST injection</a:t>
+            </a:r>
+            <a:endParaRPr dirty="0"/>
+          </a:p>
+          <a:p>
+            <a:pPr marL="1371600" lvl="2" indent="-317500" algn="l" rtl="0">
+              <a:spcBef>
+                <a:spcPts val="0"/>
+              </a:spcBef>
+              <a:spcAft>
+                <a:spcPts val="0"/>
+              </a:spcAft>
+              <a:buSzPts val="1400"/>
+              <a:buChar char="■"/>
+            </a:pPr>
+            <a:r>
+              <a:rPr lang="en" dirty="0"/>
+              <a:t>Blind attacks must guess the client’s or server’s sequence numbers</a:t>
+            </a:r>
+            <a:endParaRPr dirty="0"/>
+          </a:p>
+          <a:p>
+            <a:pPr marL="914400" lvl="1" indent="-317500" algn="l" rtl="0">
+              <a:spcBef>
+                <a:spcPts val="0"/>
+              </a:spcBef>
+              <a:spcAft>
+                <a:spcPts val="0"/>
+              </a:spcAft>
+              <a:buSzPts val="1400"/>
+              <a:buChar char="○"/>
+            </a:pPr>
+            <a:r>
+              <a:rPr lang="en" dirty="0"/>
+              <a:t>Attack: TCP spoofing by sending a spoofed SYN packet</a:t>
+            </a:r>
+            <a:endParaRPr dirty="0"/>
+          </a:p>
+          <a:p>
+            <a:pPr marL="1371600" lvl="2" indent="-317500" algn="l" rtl="0">
+              <a:spcBef>
+                <a:spcPts val="0"/>
+              </a:spcBef>
+              <a:spcAft>
+                <a:spcPts val="0"/>
+              </a:spcAft>
+              <a:buSzPts val="1400"/>
+              <a:buChar char="■"/>
+            </a:pPr>
+            <a:r>
+              <a:rPr lang="en" dirty="0"/>
+              <a:t>Blind attacks must guess the server’s sequence number</a:t>
+            </a:r>
+            <a:endParaRPr dirty="0"/>
+          </a:p>
+          <a:p>
+            <a:pPr marL="457200" lvl="0" indent="-342900" algn="l" rtl="0">
+              <a:spcBef>
+                <a:spcPts val="0"/>
+              </a:spcBef>
+              <a:spcAft>
+                <a:spcPts val="0"/>
+              </a:spcAft>
+              <a:buSzPts val="1800"/>
+              <a:buChar char="●"/>
+            </a:pPr>
+            <a:r>
+              <a:rPr lang="en" dirty="0"/>
+              <a:t>User Datagram Protocol (UDP): Non-reliably sending packets</a:t>
+            </a:r>
+            <a:endParaRPr dirty="0"/>
+          </a:p>
+          <a:p>
+            <a:pPr marL="914400" lvl="1" indent="-317500" algn="l" rtl="0">
+              <a:spcBef>
+                <a:spcPts val="0"/>
+              </a:spcBef>
+              <a:spcAft>
+                <a:spcPts val="0"/>
+              </a:spcAft>
+              <a:buSzPts val="1400"/>
+              <a:buChar char="○"/>
+            </a:pPr>
+            <a:r>
+              <a:rPr lang="en" dirty="0"/>
+              <a:t>No reliability or ordering, only ports</a:t>
+            </a:r>
+            <a:endParaRPr dirty="0"/>
+          </a:p>
+          <a:p>
+            <a:pPr marL="914400" lvl="1" indent="-317500" algn="l" rtl="0">
+              <a:spcBef>
+                <a:spcPts val="0"/>
+              </a:spcBef>
+              <a:spcAft>
+                <a:spcPts val="0"/>
+              </a:spcAft>
+              <a:buSzPts val="1400"/>
+              <a:buChar char="○"/>
+            </a:pPr>
+            <a:r>
+              <a:rPr lang="en" dirty="0"/>
+              <a:t>Same injection and spoofing attacks as TCP, but easier</a:t>
+            </a:r>
+            <a:endParaRPr dirty="0"/>
+          </a:p>
+        </p:txBody>
+      </p:sp>
+      <p:sp>
+        <p:nvSpPr>
+          <p:cNvPr id="345" name="Google Shape;345;p44"/>
           <p:cNvSpPr txBox="1">
             <a:spLocks noGrp="1"/>
           </p:cNvSpPr>
@@ -23800,311 +23252,6 @@
   <p:cSld>
     <p:spTree>
       <p:nvGrpSpPr>
-        <p:cNvPr id="1" name="Shape 342"/>
-        <p:cNvGrpSpPr/>
-        <p:nvPr/>
-      </p:nvGrpSpPr>
-      <p:grpSpPr>
-        <a:xfrm>
-          <a:off x="0" y="0"/>
-          <a:ext cx="0" cy="0"/>
-          <a:chOff x="0" y="0"/>
-          <a:chExt cx="0" cy="0"/>
-        </a:xfrm>
-      </p:grpSpPr>
-      <p:sp>
-        <p:nvSpPr>
-          <p:cNvPr id="343" name="Google Shape;343;p44"/>
-          <p:cNvSpPr txBox="1">
-            <a:spLocks noGrp="1"/>
-          </p:cNvSpPr>
-          <p:nvPr>
-            <p:ph type="title"/>
-          </p:nvPr>
-        </p:nvSpPr>
-        <p:spPr>
-          <a:xfrm>
-            <a:off x="102700" y="270875"/>
-            <a:ext cx="8520600" cy="572700"/>
-          </a:xfrm>
-          <a:prstGeom prst="rect">
-            <a:avLst/>
-          </a:prstGeom>
-        </p:spPr>
-        <p:txBody>
-          <a:bodyPr spcFirstLastPara="1" wrap="square" lIns="91425" tIns="91425" rIns="91425" bIns="91425" anchor="t" anchorCtr="0">
-            <a:normAutofit fontScale="90000"/>
-          </a:bodyPr>
-          <a:lstStyle/>
-          <a:p>
-            <a:pPr marL="0" lvl="0" indent="0" algn="l" rtl="0">
-              <a:spcBef>
-                <a:spcPts val="0"/>
-              </a:spcBef>
-              <a:spcAft>
-                <a:spcPts val="0"/>
-              </a:spcAft>
-              <a:buNone/>
-            </a:pPr>
-            <a:r>
-              <a:rPr lang="en" dirty="0"/>
-              <a:t>TCP (Transmission Control Protocol )</a:t>
-            </a:r>
-            <a:endParaRPr dirty="0"/>
-          </a:p>
-        </p:txBody>
-      </p:sp>
-      <p:sp>
-        <p:nvSpPr>
-          <p:cNvPr id="344" name="Google Shape;344;p44"/>
-          <p:cNvSpPr txBox="1">
-            <a:spLocks noGrp="1"/>
-          </p:cNvSpPr>
-          <p:nvPr>
-            <p:ph type="body" idx="1"/>
-          </p:nvPr>
-        </p:nvSpPr>
-        <p:spPr>
-          <a:xfrm>
-            <a:off x="198500" y="1246825"/>
-            <a:ext cx="8520600" cy="3765600"/>
-          </a:xfrm>
-          <a:prstGeom prst="rect">
-            <a:avLst/>
-          </a:prstGeom>
-        </p:spPr>
-        <p:txBody>
-          <a:bodyPr spcFirstLastPara="1" wrap="square" lIns="91425" tIns="91425" rIns="91425" bIns="91425" anchor="t" anchorCtr="0">
-            <a:normAutofit/>
-          </a:bodyPr>
-          <a:lstStyle/>
-          <a:p>
-            <a:pPr marL="457200" lvl="0" indent="-342900" algn="l" rtl="0">
-              <a:spcBef>
-                <a:spcPts val="0"/>
-              </a:spcBef>
-              <a:spcAft>
-                <a:spcPts val="0"/>
-              </a:spcAft>
-              <a:buSzPts val="1800"/>
-              <a:buChar char="●"/>
-            </a:pPr>
-            <a:r>
-              <a:rPr lang="en" dirty="0"/>
-              <a:t>Transmission Control Protocol (TCP): Reliably sending packets</a:t>
-            </a:r>
-            <a:endParaRPr dirty="0"/>
-          </a:p>
-          <a:p>
-            <a:pPr marL="914400" lvl="1" indent="-317500" algn="l" rtl="0">
-              <a:spcBef>
-                <a:spcPts val="0"/>
-              </a:spcBef>
-              <a:spcAft>
-                <a:spcPts val="0"/>
-              </a:spcAft>
-              <a:buSzPts val="1400"/>
-              <a:buChar char="○"/>
-            </a:pPr>
-            <a:r>
-              <a:rPr lang="en" dirty="0"/>
-              <a:t>3-way handshake: Client sends SYN, server sends SYN-ACK, client sends ACK</a:t>
-            </a:r>
-            <a:endParaRPr dirty="0"/>
-          </a:p>
-          <a:p>
-            <a:pPr marL="914400" lvl="1" indent="-317500" algn="l" rtl="0">
-              <a:spcBef>
-                <a:spcPts val="0"/>
-              </a:spcBef>
-              <a:spcAft>
-                <a:spcPts val="0"/>
-              </a:spcAft>
-              <a:buSzPts val="1400"/>
-              <a:buChar char="○"/>
-            </a:pPr>
-            <a:r>
-              <a:rPr lang="en" dirty="0"/>
-              <a:t>Provides reliability, ordering, and ports</a:t>
-            </a:r>
-            <a:endParaRPr dirty="0"/>
-          </a:p>
-          <a:p>
-            <a:pPr marL="914400" lvl="1" indent="-317500" algn="l" rtl="0">
-              <a:spcBef>
-                <a:spcPts val="0"/>
-              </a:spcBef>
-              <a:spcAft>
-                <a:spcPts val="0"/>
-              </a:spcAft>
-              <a:buSzPts val="1400"/>
-              <a:buChar char="○"/>
-            </a:pPr>
-            <a:r>
-              <a:rPr lang="en" dirty="0"/>
-              <a:t>Attack: TCP hijacking through data injection or RST injection</a:t>
-            </a:r>
-            <a:endParaRPr dirty="0"/>
-          </a:p>
-          <a:p>
-            <a:pPr marL="1371600" lvl="2" indent="-317500" algn="l" rtl="0">
-              <a:spcBef>
-                <a:spcPts val="0"/>
-              </a:spcBef>
-              <a:spcAft>
-                <a:spcPts val="0"/>
-              </a:spcAft>
-              <a:buSzPts val="1400"/>
-              <a:buChar char="■"/>
-            </a:pPr>
-            <a:r>
-              <a:rPr lang="en" dirty="0"/>
-              <a:t>Blind attacks must guess the client’s or server’s sequence numbers</a:t>
-            </a:r>
-            <a:endParaRPr dirty="0"/>
-          </a:p>
-          <a:p>
-            <a:pPr marL="914400" lvl="1" indent="-317500" algn="l" rtl="0">
-              <a:spcBef>
-                <a:spcPts val="0"/>
-              </a:spcBef>
-              <a:spcAft>
-                <a:spcPts val="0"/>
-              </a:spcAft>
-              <a:buSzPts val="1400"/>
-              <a:buChar char="○"/>
-            </a:pPr>
-            <a:r>
-              <a:rPr lang="en" dirty="0"/>
-              <a:t>Attack: TCP spoofing by sending a spoofed SYN packet</a:t>
-            </a:r>
-            <a:endParaRPr dirty="0"/>
-          </a:p>
-          <a:p>
-            <a:pPr marL="1371600" lvl="2" indent="-317500" algn="l" rtl="0">
-              <a:spcBef>
-                <a:spcPts val="0"/>
-              </a:spcBef>
-              <a:spcAft>
-                <a:spcPts val="0"/>
-              </a:spcAft>
-              <a:buSzPts val="1400"/>
-              <a:buChar char="■"/>
-            </a:pPr>
-            <a:r>
-              <a:rPr lang="en" dirty="0"/>
-              <a:t>Blind attacks must guess the server’s sequence number</a:t>
-            </a:r>
-            <a:endParaRPr dirty="0"/>
-          </a:p>
-          <a:p>
-            <a:pPr marL="457200" lvl="0" indent="-342900" algn="l" rtl="0">
-              <a:spcBef>
-                <a:spcPts val="0"/>
-              </a:spcBef>
-              <a:spcAft>
-                <a:spcPts val="0"/>
-              </a:spcAft>
-              <a:buSzPts val="1800"/>
-              <a:buChar char="●"/>
-            </a:pPr>
-            <a:r>
-              <a:rPr lang="en" dirty="0"/>
-              <a:t>User Datagram Protocol (UDP): Non-reliably sending packets</a:t>
-            </a:r>
-            <a:endParaRPr dirty="0"/>
-          </a:p>
-          <a:p>
-            <a:pPr marL="914400" lvl="1" indent="-317500" algn="l" rtl="0">
-              <a:spcBef>
-                <a:spcPts val="0"/>
-              </a:spcBef>
-              <a:spcAft>
-                <a:spcPts val="0"/>
-              </a:spcAft>
-              <a:buSzPts val="1400"/>
-              <a:buChar char="○"/>
-            </a:pPr>
-            <a:r>
-              <a:rPr lang="en" dirty="0"/>
-              <a:t>No reliability or ordering, only ports</a:t>
-            </a:r>
-            <a:endParaRPr dirty="0"/>
-          </a:p>
-          <a:p>
-            <a:pPr marL="914400" lvl="1" indent="-317500" algn="l" rtl="0">
-              <a:spcBef>
-                <a:spcPts val="0"/>
-              </a:spcBef>
-              <a:spcAft>
-                <a:spcPts val="0"/>
-              </a:spcAft>
-              <a:buSzPts val="1400"/>
-              <a:buChar char="○"/>
-            </a:pPr>
-            <a:r>
-              <a:rPr lang="en" dirty="0"/>
-              <a:t>Same injection and spoofing attacks as TCP, but easier</a:t>
-            </a:r>
-            <a:endParaRPr dirty="0"/>
-          </a:p>
-        </p:txBody>
-      </p:sp>
-      <p:sp>
-        <p:nvSpPr>
-          <p:cNvPr id="345" name="Google Shape;345;p44"/>
-          <p:cNvSpPr txBox="1">
-            <a:spLocks noGrp="1"/>
-          </p:cNvSpPr>
-          <p:nvPr>
-            <p:ph type="sldNum" idx="12"/>
-          </p:nvPr>
-        </p:nvSpPr>
-        <p:spPr>
-          <a:xfrm>
-            <a:off x="8472458" y="4663217"/>
-            <a:ext cx="548700" cy="393600"/>
-          </a:xfrm>
-          <a:prstGeom prst="rect">
-            <a:avLst/>
-          </a:prstGeom>
-        </p:spPr>
-        <p:txBody>
-          <a:bodyPr spcFirstLastPara="1" wrap="square" lIns="91425" tIns="91425" rIns="91425" bIns="91425" anchor="ctr" anchorCtr="0">
-            <a:normAutofit/>
-          </a:bodyPr>
-          <a:lstStyle/>
-          <a:p>
-            <a:pPr marL="0" lvl="0" indent="0" algn="r" rtl="0">
-              <a:spcBef>
-                <a:spcPts val="0"/>
-              </a:spcBef>
-              <a:spcAft>
-                <a:spcPts val="0"/>
-              </a:spcAft>
-              <a:buNone/>
-            </a:pPr>
-            <a:fld id="{00000000-1234-1234-1234-123412341234}" type="slidenum">
-              <a:rPr lang="en"/>
-              <a:t>30</a:t>
-            </a:fld>
-            <a:endParaRPr/>
-          </a:p>
-        </p:txBody>
-      </p:sp>
-    </p:spTree>
-  </p:cSld>
-  <p:clrMapOvr>
-    <a:masterClrMapping/>
-  </p:clrMapOvr>
-</p:sld>
-</file>
-
-<file path=ppt/slides/slide31.xml><?xml version="1.0" encoding="utf-8"?>
-<p:sld xmlns:a="http://schemas.openxmlformats.org/drawingml/2006/main" xmlns:r="http://schemas.openxmlformats.org/officeDocument/2006/relationships" xmlns:p="http://schemas.openxmlformats.org/presentationml/2006/main">
-  <p:cSld>
-    <p:spTree>
-      <p:nvGrpSpPr>
         <p:cNvPr id="1" name="Shape 118"/>
         <p:cNvGrpSpPr/>
         <p:nvPr/>
@@ -24407,7 +23554,7 @@
             </a:pPr>
             <a:fld id="{00000000-1234-1234-1234-123412341234}" type="slidenum">
               <a:rPr lang="en"/>
-              <a:t>31</a:t>
+              <a:t>30</a:t>
             </a:fld>
             <a:endParaRPr/>
           </a:p>
@@ -24469,26 +23616,39 @@
                                   </p:childTnLst>
                                 </p:cTn>
                               </p:par>
-                            </p:childTnLst>
-                          </p:cTn>
-                        </p:par>
-                      </p:childTnLst>
-                    </p:cTn>
-                  </p:par>
-                  <p:par>
-                    <p:cTn id="7" fill="hold">
-                      <p:stCondLst>
-                        <p:cond delay="indefinite"/>
-                      </p:stCondLst>
-                      <p:childTnLst>
-                        <p:par>
-                          <p:cTn id="8" fill="hold">
-                            <p:stCondLst>
-                              <p:cond delay="0"/>
-                            </p:stCondLst>
-                            <p:childTnLst>
                               <p:par>
-                                <p:cTn id="9" presetID="1" presetClass="entr" presetSubtype="0" fill="hold" nodeType="clickEffect">
+                                <p:cTn id="7" presetID="1" presetClass="entr" presetSubtype="0" fill="hold" nodeType="withEffect">
+                                  <p:stCondLst>
+                                    <p:cond delay="0"/>
+                                  </p:stCondLst>
+                                  <p:childTnLst>
+                                    <p:set>
+                                      <p:cBhvr>
+                                        <p:cTn id="8" dur="1" fill="hold">
+                                          <p:stCondLst>
+                                            <p:cond delay="0"/>
+                                          </p:stCondLst>
+                                        </p:cTn>
+                                        <p:tgtEl>
+                                          <p:spTgt spid="120">
+                                            <p:txEl>
+                                              <p:pRg st="1" end="1"/>
+                                            </p:txEl>
+                                          </p:spTgt>
+                                        </p:tgtEl>
+                                        <p:attrNameLst>
+                                          <p:attrName>style.visibility</p:attrName>
+                                        </p:attrNameLst>
+                                      </p:cBhvr>
+                                      <p:to>
+                                        <p:strVal val="visible"/>
+                                      </p:to>
+                                    </p:set>
+                                  </p:childTnLst>
+                                </p:cTn>
+                              </p:par>
+                              <p:par>
+                                <p:cTn id="9" presetID="1" presetClass="entr" presetSubtype="0" fill="hold" nodeType="withEffect">
                                   <p:stCondLst>
                                     <p:cond delay="0"/>
                                   </p:stCondLst>
@@ -24503,7 +23663,7 @@
                                         <p:tgtEl>
                                           <p:spTgt spid="120">
                                             <p:txEl>
-                                              <p:pRg st="1" end="1"/>
+                                              <p:pRg st="2" end="2"/>
                                             </p:txEl>
                                           </p:spTgt>
                                         </p:tgtEl>
@@ -24552,55 +23712,6 @@
                                         <p:tgtEl>
                                           <p:spTgt spid="120">
                                             <p:txEl>
-                                              <p:pRg st="2" end="2"/>
-                                            </p:txEl>
-                                          </p:spTgt>
-                                        </p:tgtEl>
-                                        <p:attrNameLst>
-                                          <p:attrName>style.visibility</p:attrName>
-                                        </p:attrNameLst>
-                                      </p:cBhvr>
-                                      <p:to>
-                                        <p:strVal val="visible"/>
-                                      </p:to>
-                                    </p:set>
-                                  </p:childTnLst>
-                                </p:cTn>
-                              </p:par>
-                            </p:childTnLst>
-                          </p:cTn>
-                        </p:par>
-                      </p:childTnLst>
-                    </p:cTn>
-                  </p:par>
-                  <p:par>
-                    <p:cTn id="15" fill="hold">
-                      <p:stCondLst>
-                        <p:cond delay="indefinite"/>
-                      </p:stCondLst>
-                      <p:childTnLst>
-                        <p:par>
-                          <p:cTn id="16" fill="hold">
-                            <p:stCondLst>
-                              <p:cond delay="0"/>
-                            </p:stCondLst>
-                            <p:childTnLst>
-                              <p:par>
-                                <p:cTn id="17" presetID="1" presetClass="entr" presetSubtype="0" fill="hold" nodeType="clickEffect">
-                                  <p:stCondLst>
-                                    <p:cond delay="0"/>
-                                  </p:stCondLst>
-                                  <p:childTnLst>
-                                    <p:set>
-                                      <p:cBhvr>
-                                        <p:cTn id="18" dur="1" fill="hold">
-                                          <p:stCondLst>
-                                            <p:cond delay="0"/>
-                                          </p:stCondLst>
-                                        </p:cTn>
-                                        <p:tgtEl>
-                                          <p:spTgt spid="120">
-                                            <p:txEl>
                                               <p:pRg st="3" end="3"/>
                                             </p:txEl>
                                           </p:spTgt>
@@ -24616,33 +23727,15 @@
                                   </p:childTnLst>
                                 </p:cTn>
                               </p:par>
-                            </p:childTnLst>
-                          </p:cTn>
-                        </p:par>
-                      </p:childTnLst>
-                    </p:cTn>
-                  </p:par>
-                  <p:par>
-                    <p:cTn id="19" fill="hold">
-                      <p:stCondLst>
-                        <p:cond delay="indefinite"/>
-                      </p:stCondLst>
-                      <p:childTnLst>
-                        <p:par>
-                          <p:cTn id="20" fill="hold">
-                            <p:stCondLst>
-                              <p:cond delay="0"/>
-                            </p:stCondLst>
-                            <p:childTnLst>
                               <p:par>
-                                <p:cTn id="21" presetID="1" presetClass="entr" presetSubtype="0" fill="hold" nodeType="clickEffect">
+                                <p:cTn id="15" presetID="1" presetClass="entr" presetSubtype="0" fill="hold" nodeType="withEffect">
                                   <p:stCondLst>
                                     <p:cond delay="0"/>
                                   </p:stCondLst>
                                   <p:childTnLst>
                                     <p:set>
                                       <p:cBhvr>
-                                        <p:cTn id="22" dur="1" fill="hold">
+                                        <p:cTn id="16" dur="1" fill="hold">
                                           <p:stCondLst>
                                             <p:cond delay="0"/>
                                           </p:stCondLst>
@@ -24672,26 +23765,26 @@
                     </p:cTn>
                   </p:par>
                   <p:par>
-                    <p:cTn id="23" fill="hold">
+                    <p:cTn id="17" fill="hold">
                       <p:stCondLst>
                         <p:cond delay="indefinite"/>
                       </p:stCondLst>
                       <p:childTnLst>
                         <p:par>
-                          <p:cTn id="24" fill="hold">
+                          <p:cTn id="18" fill="hold">
                             <p:stCondLst>
                               <p:cond delay="0"/>
                             </p:stCondLst>
                             <p:childTnLst>
                               <p:par>
-                                <p:cTn id="25" presetID="1" presetClass="entr" presetSubtype="0" fill="hold" nodeType="clickEffect">
+                                <p:cTn id="19" presetID="1" presetClass="entr" presetSubtype="0" fill="hold" nodeType="clickEffect">
                                   <p:stCondLst>
                                     <p:cond delay="0"/>
                                   </p:stCondLst>
                                   <p:childTnLst>
                                     <p:set>
                                       <p:cBhvr>
-                                        <p:cTn id="26" dur="1" fill="hold">
+                                        <p:cTn id="20" dur="1" fill="hold">
                                           <p:stCondLst>
                                             <p:cond delay="0"/>
                                           </p:stCondLst>
@@ -24714,33 +23807,15 @@
                                   </p:childTnLst>
                                 </p:cTn>
                               </p:par>
-                            </p:childTnLst>
-                          </p:cTn>
-                        </p:par>
-                      </p:childTnLst>
-                    </p:cTn>
-                  </p:par>
-                  <p:par>
-                    <p:cTn id="27" fill="hold">
-                      <p:stCondLst>
-                        <p:cond delay="indefinite"/>
-                      </p:stCondLst>
-                      <p:childTnLst>
-                        <p:par>
-                          <p:cTn id="28" fill="hold">
-                            <p:stCondLst>
-                              <p:cond delay="0"/>
-                            </p:stCondLst>
-                            <p:childTnLst>
                               <p:par>
-                                <p:cTn id="29" presetID="1" presetClass="entr" presetSubtype="0" fill="hold" nodeType="clickEffect">
+                                <p:cTn id="21" presetID="1" presetClass="entr" presetSubtype="0" fill="hold" nodeType="withEffect">
                                   <p:stCondLst>
                                     <p:cond delay="0"/>
                                   </p:stCondLst>
                                   <p:childTnLst>
                                     <p:set>
                                       <p:cBhvr>
-                                        <p:cTn id="30" dur="1" fill="hold">
+                                        <p:cTn id="22" dur="1" fill="hold">
                                           <p:stCondLst>
                                             <p:cond delay="0"/>
                                           </p:stCondLst>
@@ -24763,33 +23838,15 @@
                                   </p:childTnLst>
                                 </p:cTn>
                               </p:par>
-                            </p:childTnLst>
-                          </p:cTn>
-                        </p:par>
-                      </p:childTnLst>
-                    </p:cTn>
-                  </p:par>
-                  <p:par>
-                    <p:cTn id="31" fill="hold">
-                      <p:stCondLst>
-                        <p:cond delay="indefinite"/>
-                      </p:stCondLst>
-                      <p:childTnLst>
-                        <p:par>
-                          <p:cTn id="32" fill="hold">
-                            <p:stCondLst>
-                              <p:cond delay="0"/>
-                            </p:stCondLst>
-                            <p:childTnLst>
                               <p:par>
-                                <p:cTn id="33" presetID="1" presetClass="entr" presetSubtype="0" fill="hold" nodeType="clickEffect">
+                                <p:cTn id="23" presetID="1" presetClass="entr" presetSubtype="0" fill="hold" nodeType="withEffect">
                                   <p:stCondLst>
                                     <p:cond delay="0"/>
                                   </p:stCondLst>
                                   <p:childTnLst>
                                     <p:set>
                                       <p:cBhvr>
-                                        <p:cTn id="34" dur="1" fill="hold">
+                                        <p:cTn id="24" dur="1" fill="hold">
                                           <p:stCondLst>
                                             <p:cond delay="0"/>
                                           </p:stCondLst>
@@ -24819,26 +23876,26 @@
                     </p:cTn>
                   </p:par>
                   <p:par>
-                    <p:cTn id="35" fill="hold">
+                    <p:cTn id="25" fill="hold">
                       <p:stCondLst>
                         <p:cond delay="indefinite"/>
                       </p:stCondLst>
                       <p:childTnLst>
                         <p:par>
-                          <p:cTn id="36" fill="hold">
+                          <p:cTn id="26" fill="hold">
                             <p:stCondLst>
                               <p:cond delay="0"/>
                             </p:stCondLst>
                             <p:childTnLst>
                               <p:par>
-                                <p:cTn id="37" presetID="1" presetClass="entr" presetSubtype="0" fill="hold" nodeType="clickEffect">
+                                <p:cTn id="27" presetID="1" presetClass="entr" presetSubtype="0" fill="hold" nodeType="clickEffect">
                                   <p:stCondLst>
                                     <p:cond delay="0"/>
                                   </p:stCondLst>
                                   <p:childTnLst>
                                     <p:set>
                                       <p:cBhvr>
-                                        <p:cTn id="38" dur="1" fill="hold">
+                                        <p:cTn id="28" dur="1" fill="hold">
                                           <p:stCondLst>
                                             <p:cond delay="0"/>
                                           </p:stCondLst>
@@ -24861,33 +23918,15 @@
                                   </p:childTnLst>
                                 </p:cTn>
                               </p:par>
-                            </p:childTnLst>
-                          </p:cTn>
-                        </p:par>
-                      </p:childTnLst>
-                    </p:cTn>
-                  </p:par>
-                  <p:par>
-                    <p:cTn id="39" fill="hold">
-                      <p:stCondLst>
-                        <p:cond delay="indefinite"/>
-                      </p:stCondLst>
-                      <p:childTnLst>
-                        <p:par>
-                          <p:cTn id="40" fill="hold">
-                            <p:stCondLst>
-                              <p:cond delay="0"/>
-                            </p:stCondLst>
-                            <p:childTnLst>
                               <p:par>
-                                <p:cTn id="41" presetID="1" presetClass="entr" presetSubtype="0" fill="hold" nodeType="clickEffect">
+                                <p:cTn id="29" presetID="1" presetClass="entr" presetSubtype="0" fill="hold" nodeType="withEffect">
                                   <p:stCondLst>
                                     <p:cond delay="0"/>
                                   </p:stCondLst>
                                   <p:childTnLst>
                                     <p:set>
                                       <p:cBhvr>
-                                        <p:cTn id="42" dur="1" fill="hold">
+                                        <p:cTn id="30" dur="1" fill="hold">
                                           <p:stCondLst>
                                             <p:cond delay="0"/>
                                           </p:stCondLst>
@@ -24941,7 +23980,7 @@
 </p:sld>
 </file>
 
-<file path=ppt/slides/slide32.xml><?xml version="1.0" encoding="utf-8"?>
+<file path=ppt/slides/slide31.xml><?xml version="1.0" encoding="utf-8"?>
 <p:sld xmlns:a="http://schemas.openxmlformats.org/drawingml/2006/main" xmlns:r="http://schemas.openxmlformats.org/officeDocument/2006/relationships" xmlns:p="http://schemas.openxmlformats.org/presentationml/2006/main">
   <p:cSld>
     <p:spTree>
@@ -25231,7 +24270,7 @@
             </a:pPr>
             <a:fld id="{00000000-1234-1234-1234-123412341234}" type="slidenum">
               <a:rPr lang="en"/>
-              <a:t>32</a:t>
+              <a:t>31</a:t>
             </a:fld>
             <a:endParaRPr/>
           </a:p>
@@ -25293,33 +24332,15 @@
                                   </p:childTnLst>
                                 </p:cTn>
                               </p:par>
-                            </p:childTnLst>
-                          </p:cTn>
-                        </p:par>
-                      </p:childTnLst>
-                    </p:cTn>
-                  </p:par>
-                  <p:par>
-                    <p:cTn id="7" fill="hold">
-                      <p:stCondLst>
-                        <p:cond delay="indefinite"/>
-                      </p:stCondLst>
-                      <p:childTnLst>
-                        <p:par>
-                          <p:cTn id="8" fill="hold">
-                            <p:stCondLst>
-                              <p:cond delay="0"/>
-                            </p:stCondLst>
-                            <p:childTnLst>
                               <p:par>
-                                <p:cTn id="9" presetID="1" presetClass="entr" presetSubtype="0" fill="hold" nodeType="clickEffect">
+                                <p:cTn id="7" presetID="1" presetClass="entr" presetSubtype="0" fill="hold" nodeType="withEffect">
                                   <p:stCondLst>
                                     <p:cond delay="0"/>
                                   </p:stCondLst>
                                   <p:childTnLst>
                                     <p:set>
                                       <p:cBhvr>
-                                        <p:cTn id="10" dur="1" fill="hold">
+                                        <p:cTn id="8" dur="1" fill="hold">
                                           <p:stCondLst>
                                             <p:cond delay="0"/>
                                           </p:stCondLst>
@@ -25342,26 +24363,70 @@
                                   </p:childTnLst>
                                 </p:cTn>
                               </p:par>
-                            </p:childTnLst>
-                          </p:cTn>
-                        </p:par>
-                      </p:childTnLst>
-                    </p:cTn>
-                  </p:par>
-                  <p:par>
-                    <p:cTn id="11" fill="hold">
-                      <p:stCondLst>
-                        <p:cond delay="indefinite"/>
-                      </p:stCondLst>
-                      <p:childTnLst>
-                        <p:par>
-                          <p:cTn id="12" fill="hold">
-                            <p:stCondLst>
-                              <p:cond delay="0"/>
-                            </p:stCondLst>
-                            <p:childTnLst>
                               <p:par>
-                                <p:cTn id="13" presetID="1" presetClass="entr" presetSubtype="0" fill="hold" nodeType="clickEffect">
+                                <p:cTn id="9" presetID="1" presetClass="entr" presetSubtype="0" fill="hold" nodeType="withEffect">
+                                  <p:stCondLst>
+                                    <p:cond delay="0"/>
+                                  </p:stCondLst>
+                                  <p:childTnLst>
+                                    <p:set>
+                                      <p:cBhvr>
+                                        <p:cTn id="10" dur="1" fill="hold">
+                                          <p:stCondLst>
+                                            <p:cond delay="0"/>
+                                          </p:stCondLst>
+                                        </p:cTn>
+                                        <p:tgtEl>
+                                          <p:spTgt spid="321">
+                                            <p:txEl>
+                                              <p:pRg st="2" end="2"/>
+                                            </p:txEl>
+                                          </p:spTgt>
+                                        </p:tgtEl>
+                                        <p:attrNameLst>
+                                          <p:attrName>style.visibility</p:attrName>
+                                        </p:attrNameLst>
+                                      </p:cBhvr>
+                                      <p:to>
+                                        <p:strVal val="visible"/>
+                                      </p:to>
+                                    </p:set>
+                                  </p:childTnLst>
+                                </p:cTn>
+                              </p:par>
+                              <p:par>
+                                <p:cTn id="11" presetID="1" presetClass="entr" presetSubtype="0" fill="hold" nodeType="withEffect">
+                                  <p:stCondLst>
+                                    <p:cond delay="0"/>
+                                  </p:stCondLst>
+                                  <p:childTnLst>
+                                    <p:set>
+                                      <p:cBhvr>
+                                        <p:cTn id="12" dur="1" fill="hold">
+                                          <p:stCondLst>
+                                            <p:cond delay="0"/>
+                                          </p:stCondLst>
+                                        </p:cTn>
+                                        <p:tgtEl>
+                                          <p:spTgt spid="321">
+                                            <p:txEl>
+                                              <p:pRg st="3" end="3"/>
+                                            </p:txEl>
+                                          </p:spTgt>
+                                        </p:tgtEl>
+                                        <p:attrNameLst>
+                                          <p:attrName>style.visibility</p:attrName>
+                                        </p:attrNameLst>
+                                      </p:cBhvr>
+                                      <p:to>
+                                        <p:strVal val="visible"/>
+                                      </p:to>
+                                    </p:set>
+                                  </p:childTnLst>
+                                </p:cTn>
+                              </p:par>
+                              <p:par>
+                                <p:cTn id="13" presetID="1" presetClass="entr" presetSubtype="0" fill="hold" nodeType="withEffect">
                                   <p:stCondLst>
                                     <p:cond delay="0"/>
                                   </p:stCondLst>
@@ -25376,7 +24441,7 @@
                                         <p:tgtEl>
                                           <p:spTgt spid="321">
                                             <p:txEl>
-                                              <p:pRg st="2" end="2"/>
+                                              <p:pRg st="4" end="4"/>
                                             </p:txEl>
                                           </p:spTgt>
                                         </p:tgtEl>
@@ -25425,104 +24490,6 @@
                                         <p:tgtEl>
                                           <p:spTgt spid="321">
                                             <p:txEl>
-                                              <p:pRg st="3" end="3"/>
-                                            </p:txEl>
-                                          </p:spTgt>
-                                        </p:tgtEl>
-                                        <p:attrNameLst>
-                                          <p:attrName>style.visibility</p:attrName>
-                                        </p:attrNameLst>
-                                      </p:cBhvr>
-                                      <p:to>
-                                        <p:strVal val="visible"/>
-                                      </p:to>
-                                    </p:set>
-                                  </p:childTnLst>
-                                </p:cTn>
-                              </p:par>
-                            </p:childTnLst>
-                          </p:cTn>
-                        </p:par>
-                      </p:childTnLst>
-                    </p:cTn>
-                  </p:par>
-                  <p:par>
-                    <p:cTn id="19" fill="hold">
-                      <p:stCondLst>
-                        <p:cond delay="indefinite"/>
-                      </p:stCondLst>
-                      <p:childTnLst>
-                        <p:par>
-                          <p:cTn id="20" fill="hold">
-                            <p:stCondLst>
-                              <p:cond delay="0"/>
-                            </p:stCondLst>
-                            <p:childTnLst>
-                              <p:par>
-                                <p:cTn id="21" presetID="1" presetClass="entr" presetSubtype="0" fill="hold" nodeType="clickEffect">
-                                  <p:stCondLst>
-                                    <p:cond delay="0"/>
-                                  </p:stCondLst>
-                                  <p:childTnLst>
-                                    <p:set>
-                                      <p:cBhvr>
-                                        <p:cTn id="22" dur="1" fill="hold">
-                                          <p:stCondLst>
-                                            <p:cond delay="0"/>
-                                          </p:stCondLst>
-                                        </p:cTn>
-                                        <p:tgtEl>
-                                          <p:spTgt spid="321">
-                                            <p:txEl>
-                                              <p:pRg st="4" end="4"/>
-                                            </p:txEl>
-                                          </p:spTgt>
-                                        </p:tgtEl>
-                                        <p:attrNameLst>
-                                          <p:attrName>style.visibility</p:attrName>
-                                        </p:attrNameLst>
-                                      </p:cBhvr>
-                                      <p:to>
-                                        <p:strVal val="visible"/>
-                                      </p:to>
-                                    </p:set>
-                                  </p:childTnLst>
-                                </p:cTn>
-                              </p:par>
-                            </p:childTnLst>
-                          </p:cTn>
-                        </p:par>
-                      </p:childTnLst>
-                    </p:cTn>
-                  </p:par>
-                  <p:par>
-                    <p:cTn id="23" fill="hold">
-                      <p:stCondLst>
-                        <p:cond delay="indefinite"/>
-                      </p:stCondLst>
-                      <p:childTnLst>
-                        <p:par>
-                          <p:cTn id="24" fill="hold">
-                            <p:stCondLst>
-                              <p:cond delay="0"/>
-                            </p:stCondLst>
-                            <p:childTnLst>
-                              <p:par>
-                                <p:cTn id="25" presetID="1" presetClass="entr" presetSubtype="0" fill="hold" nodeType="clickEffect">
-                                  <p:stCondLst>
-                                    <p:cond delay="0"/>
-                                  </p:stCondLst>
-                                  <p:childTnLst>
-                                    <p:set>
-                                      <p:cBhvr>
-                                        <p:cTn id="26" dur="1" fill="hold">
-                                          <p:stCondLst>
-                                            <p:cond delay="0"/>
-                                          </p:stCondLst>
-                                        </p:cTn>
-                                        <p:tgtEl>
-                                          <p:spTgt spid="321">
-                                            <p:txEl>
                                               <p:pRg st="5" end="5"/>
                                             </p:txEl>
                                           </p:spTgt>
@@ -25538,33 +24505,15 @@
                                   </p:childTnLst>
                                 </p:cTn>
                               </p:par>
-                            </p:childTnLst>
-                          </p:cTn>
-                        </p:par>
-                      </p:childTnLst>
-                    </p:cTn>
-                  </p:par>
-                  <p:par>
-                    <p:cTn id="27" fill="hold">
-                      <p:stCondLst>
-                        <p:cond delay="indefinite"/>
-                      </p:stCondLst>
-                      <p:childTnLst>
-                        <p:par>
-                          <p:cTn id="28" fill="hold">
-                            <p:stCondLst>
-                              <p:cond delay="0"/>
-                            </p:stCondLst>
-                            <p:childTnLst>
                               <p:par>
-                                <p:cTn id="29" presetID="1" presetClass="entr" presetSubtype="0" fill="hold" nodeType="clickEffect">
+                                <p:cTn id="19" presetID="1" presetClass="entr" presetSubtype="0" fill="hold" nodeType="withEffect">
                                   <p:stCondLst>
                                     <p:cond delay="0"/>
                                   </p:stCondLst>
                                   <p:childTnLst>
                                     <p:set>
                                       <p:cBhvr>
-                                        <p:cTn id="30" dur="1" fill="hold">
+                                        <p:cTn id="20" dur="1" fill="hold">
                                           <p:stCondLst>
                                             <p:cond delay="0"/>
                                           </p:stCondLst>
@@ -25594,26 +24543,26 @@
                     </p:cTn>
                   </p:par>
                   <p:par>
-                    <p:cTn id="31" fill="hold">
+                    <p:cTn id="21" fill="hold">
                       <p:stCondLst>
                         <p:cond delay="indefinite"/>
                       </p:stCondLst>
                       <p:childTnLst>
                         <p:par>
-                          <p:cTn id="32" fill="hold">
+                          <p:cTn id="22" fill="hold">
                             <p:stCondLst>
                               <p:cond delay="0"/>
                             </p:stCondLst>
                             <p:childTnLst>
                               <p:par>
-                                <p:cTn id="33" presetID="1" presetClass="entr" presetSubtype="0" fill="hold" nodeType="clickEffect">
+                                <p:cTn id="23" presetID="1" presetClass="entr" presetSubtype="0" fill="hold" nodeType="clickEffect">
                                   <p:stCondLst>
                                     <p:cond delay="0"/>
                                   </p:stCondLst>
                                   <p:childTnLst>
                                     <p:set>
                                       <p:cBhvr>
-                                        <p:cTn id="34" dur="1" fill="hold">
+                                        <p:cTn id="24" dur="1" fill="hold">
                                           <p:stCondLst>
                                             <p:cond delay="0"/>
                                           </p:stCondLst>
@@ -25636,33 +24585,15 @@
                                   </p:childTnLst>
                                 </p:cTn>
                               </p:par>
-                            </p:childTnLst>
-                          </p:cTn>
-                        </p:par>
-                      </p:childTnLst>
-                    </p:cTn>
-                  </p:par>
-                  <p:par>
-                    <p:cTn id="35" fill="hold">
-                      <p:stCondLst>
-                        <p:cond delay="indefinite"/>
-                      </p:stCondLst>
-                      <p:childTnLst>
-                        <p:par>
-                          <p:cTn id="36" fill="hold">
-                            <p:stCondLst>
-                              <p:cond delay="0"/>
-                            </p:stCondLst>
-                            <p:childTnLst>
                               <p:par>
-                                <p:cTn id="37" presetID="1" presetClass="entr" presetSubtype="0" fill="hold" nodeType="clickEffect">
+                                <p:cTn id="25" presetID="1" presetClass="entr" presetSubtype="0" fill="hold" nodeType="withEffect">
                                   <p:stCondLst>
                                     <p:cond delay="0"/>
                                   </p:stCondLst>
                                   <p:childTnLst>
                                     <p:set>
                                       <p:cBhvr>
-                                        <p:cTn id="38" dur="1" fill="hold">
+                                        <p:cTn id="26" dur="1" fill="hold">
                                           <p:stCondLst>
                                             <p:cond delay="0"/>
                                           </p:stCondLst>
@@ -25716,7 +24647,7 @@
 </p:sld>
 </file>
 
-<file path=ppt/slides/slide33.xml><?xml version="1.0" encoding="utf-8"?>
+<file path=ppt/slides/slide32.xml><?xml version="1.0" encoding="utf-8"?>
 <p:sld xmlns:a="http://schemas.openxmlformats.org/drawingml/2006/main" xmlns:r="http://schemas.openxmlformats.org/officeDocument/2006/relationships" xmlns:p="http://schemas.openxmlformats.org/presentationml/2006/main">
   <p:cSld>
     <p:spTree>
@@ -25788,7 +24719,7 @@
         <p:spPr>
           <a:xfrm>
             <a:off x="198500" y="1246825"/>
-            <a:ext cx="5142600" cy="3765600"/>
+            <a:ext cx="5546980" cy="3765600"/>
           </a:xfrm>
           <a:prstGeom prst="rect">
             <a:avLst/>
@@ -25796,7 +24727,7 @@
         </p:spPr>
         <p:txBody>
           <a:bodyPr spcFirstLastPara="1" wrap="square" lIns="91425" tIns="91425" rIns="91425" bIns="91425" anchor="t" anchorCtr="0">
-            <a:normAutofit/>
+            <a:normAutofit fontScale="92500"/>
           </a:bodyPr>
           <a:lstStyle/>
           <a:p>
@@ -25935,6 +24866,17 @@
               <a:rPr lang="en" dirty="0"/>
               <a:t>The abstraction appears the same to the end client, but TLS provides confidentiality and integrity!</a:t>
             </a:r>
+          </a:p>
+          <a:p>
+            <a:r>
+              <a:rPr lang="en-US" dirty="0"/>
+              <a:t>Can be used by the application layer (e.g. HTTPS)</a:t>
+            </a:r>
+          </a:p>
+          <a:p>
+            <a:pPr>
+              <a:buChar char="■"/>
+            </a:pPr>
             <a:endParaRPr dirty="0"/>
           </a:p>
         </p:txBody>
@@ -25975,7 +24917,7 @@
             </a:pPr>
             <a:fld id="{00000000-1234-1234-1234-123412341234}" type="slidenum">
               <a:rPr lang="en"/>
-              <a:t>33</a:t>
+              <a:t>32</a:t>
             </a:fld>
             <a:endParaRPr/>
           </a:p>
@@ -26637,33 +25579,15 @@
                                   </p:childTnLst>
                                 </p:cTn>
                               </p:par>
-                            </p:childTnLst>
-                          </p:cTn>
-                        </p:par>
-                      </p:childTnLst>
-                    </p:cTn>
-                  </p:par>
-                  <p:par>
-                    <p:cTn id="7" fill="hold">
-                      <p:stCondLst>
-                        <p:cond delay="indefinite"/>
-                      </p:stCondLst>
-                      <p:childTnLst>
-                        <p:par>
-                          <p:cTn id="8" fill="hold">
-                            <p:stCondLst>
-                              <p:cond delay="0"/>
-                            </p:stCondLst>
-                            <p:childTnLst>
                               <p:par>
-                                <p:cTn id="9" presetID="1" presetClass="entr" presetSubtype="0" fill="hold" nodeType="clickEffect">
+                                <p:cTn id="7" presetID="1" presetClass="entr" presetSubtype="0" fill="hold" nodeType="withEffect">
                                   <p:stCondLst>
                                     <p:cond delay="0"/>
                                   </p:stCondLst>
                                   <p:childTnLst>
                                     <p:set>
                                       <p:cBhvr>
-                                        <p:cTn id="10" dur="1" fill="hold">
+                                        <p:cTn id="8" dur="1" fill="hold">
                                           <p:stCondLst>
                                             <p:cond delay="0"/>
                                           </p:stCondLst>
@@ -26693,26 +25617,26 @@
                     </p:cTn>
                   </p:par>
                   <p:par>
-                    <p:cTn id="11" fill="hold">
+                    <p:cTn id="9" fill="hold">
                       <p:stCondLst>
                         <p:cond delay="indefinite"/>
                       </p:stCondLst>
                       <p:childTnLst>
                         <p:par>
-                          <p:cTn id="12" fill="hold">
+                          <p:cTn id="10" fill="hold">
                             <p:stCondLst>
                               <p:cond delay="0"/>
                             </p:stCondLst>
                             <p:childTnLst>
                               <p:par>
-                                <p:cTn id="13" presetID="1" presetClass="entr" presetSubtype="0" fill="hold" nodeType="clickEffect">
+                                <p:cTn id="11" presetID="1" presetClass="entr" presetSubtype="0" fill="hold" nodeType="clickEffect">
                                   <p:stCondLst>
                                     <p:cond delay="0"/>
                                   </p:stCondLst>
                                   <p:childTnLst>
                                     <p:set>
                                       <p:cBhvr>
-                                        <p:cTn id="14" dur="1" fill="hold">
+                                        <p:cTn id="12" dur="1" fill="hold">
                                           <p:stCondLst>
                                             <p:cond delay="0"/>
                                           </p:stCondLst>
@@ -26735,26 +25659,70 @@
                                   </p:childTnLst>
                                 </p:cTn>
                               </p:par>
-                            </p:childTnLst>
-                          </p:cTn>
-                        </p:par>
-                      </p:childTnLst>
-                    </p:cTn>
-                  </p:par>
-                  <p:par>
-                    <p:cTn id="15" fill="hold">
-                      <p:stCondLst>
-                        <p:cond delay="indefinite"/>
-                      </p:stCondLst>
-                      <p:childTnLst>
-                        <p:par>
-                          <p:cTn id="16" fill="hold">
-                            <p:stCondLst>
-                              <p:cond delay="0"/>
-                            </p:stCondLst>
-                            <p:childTnLst>
                               <p:par>
-                                <p:cTn id="17" presetID="1" presetClass="entr" presetSubtype="0" fill="hold" nodeType="clickEffect">
+                                <p:cTn id="13" presetID="1" presetClass="entr" presetSubtype="0" fill="hold" nodeType="withEffect">
+                                  <p:stCondLst>
+                                    <p:cond delay="0"/>
+                                  </p:stCondLst>
+                                  <p:childTnLst>
+                                    <p:set>
+                                      <p:cBhvr>
+                                        <p:cTn id="14" dur="1" fill="hold">
+                                          <p:stCondLst>
+                                            <p:cond delay="0"/>
+                                          </p:stCondLst>
+                                        </p:cTn>
+                                        <p:tgtEl>
+                                          <p:spTgt spid="84">
+                                            <p:txEl>
+                                              <p:pRg st="3" end="3"/>
+                                            </p:txEl>
+                                          </p:spTgt>
+                                        </p:tgtEl>
+                                        <p:attrNameLst>
+                                          <p:attrName>style.visibility</p:attrName>
+                                        </p:attrNameLst>
+                                      </p:cBhvr>
+                                      <p:to>
+                                        <p:strVal val="visible"/>
+                                      </p:to>
+                                    </p:set>
+                                  </p:childTnLst>
+                                </p:cTn>
+                              </p:par>
+                              <p:par>
+                                <p:cTn id="15" presetID="1" presetClass="entr" presetSubtype="0" fill="hold" nodeType="withEffect">
+                                  <p:stCondLst>
+                                    <p:cond delay="0"/>
+                                  </p:stCondLst>
+                                  <p:childTnLst>
+                                    <p:set>
+                                      <p:cBhvr>
+                                        <p:cTn id="16" dur="1" fill="hold">
+                                          <p:stCondLst>
+                                            <p:cond delay="0"/>
+                                          </p:stCondLst>
+                                        </p:cTn>
+                                        <p:tgtEl>
+                                          <p:spTgt spid="84">
+                                            <p:txEl>
+                                              <p:pRg st="4" end="4"/>
+                                            </p:txEl>
+                                          </p:spTgt>
+                                        </p:tgtEl>
+                                        <p:attrNameLst>
+                                          <p:attrName>style.visibility</p:attrName>
+                                        </p:attrNameLst>
+                                      </p:cBhvr>
+                                      <p:to>
+                                        <p:strVal val="visible"/>
+                                      </p:to>
+                                    </p:set>
+                                  </p:childTnLst>
+                                </p:cTn>
+                              </p:par>
+                              <p:par>
+                                <p:cTn id="17" presetID="1" presetClass="entr" presetSubtype="0" fill="hold" nodeType="withEffect">
                                   <p:stCondLst>
                                     <p:cond delay="0"/>
                                   </p:stCondLst>
@@ -26769,7 +25737,7 @@
                                         <p:tgtEl>
                                           <p:spTgt spid="84">
                                             <p:txEl>
-                                              <p:pRg st="3" end="3"/>
+                                              <p:pRg st="5" end="5"/>
                                             </p:txEl>
                                           </p:spTgt>
                                         </p:tgtEl>
@@ -26818,56 +25786,7 @@
                                         <p:tgtEl>
                                           <p:spTgt spid="84">
                                             <p:txEl>
-                                              <p:pRg st="4" end="4"/>
-                                            </p:txEl>
-                                          </p:spTgt>
-                                        </p:tgtEl>
-                                        <p:attrNameLst>
-                                          <p:attrName>style.visibility</p:attrName>
-                                        </p:attrNameLst>
-                                      </p:cBhvr>
-                                      <p:to>
-                                        <p:strVal val="visible"/>
-                                      </p:to>
-                                    </p:set>
-                                  </p:childTnLst>
-                                </p:cTn>
-                              </p:par>
-                            </p:childTnLst>
-                          </p:cTn>
-                        </p:par>
-                      </p:childTnLst>
-                    </p:cTn>
-                  </p:par>
-                  <p:par>
-                    <p:cTn id="23" fill="hold">
-                      <p:stCondLst>
-                        <p:cond delay="indefinite"/>
-                      </p:stCondLst>
-                      <p:childTnLst>
-                        <p:par>
-                          <p:cTn id="24" fill="hold">
-                            <p:stCondLst>
-                              <p:cond delay="0"/>
-                            </p:stCondLst>
-                            <p:childTnLst>
-                              <p:par>
-                                <p:cTn id="25" presetID="1" presetClass="entr" presetSubtype="0" fill="hold" nodeType="clickEffect">
-                                  <p:stCondLst>
-                                    <p:cond delay="0"/>
-                                  </p:stCondLst>
-                                  <p:childTnLst>
-                                    <p:set>
-                                      <p:cBhvr>
-                                        <p:cTn id="26" dur="1" fill="hold">
-                                          <p:stCondLst>
-                                            <p:cond delay="0"/>
-                                          </p:stCondLst>
-                                        </p:cTn>
-                                        <p:tgtEl>
-                                          <p:spTgt spid="84">
-                                            <p:txEl>
-                                              <p:pRg st="5" end="5"/>
+                                              <p:pRg st="6" end="6"/>
                                             </p:txEl>
                                           </p:spTgt>
                                         </p:tgtEl>
@@ -26913,7 +25832,7 @@
 </p:sld>
 </file>
 
-<file path=ppt/slides/slide34.xml><?xml version="1.0" encoding="utf-8"?>
+<file path=ppt/slides/slide33.xml><?xml version="1.0" encoding="utf-8"?>
 <p:sld xmlns:a="http://schemas.openxmlformats.org/drawingml/2006/main" xmlns:r="http://schemas.openxmlformats.org/officeDocument/2006/relationships" xmlns:p="http://schemas.openxmlformats.org/presentationml/2006/main">
   <p:cSld>
     <p:spTree>
@@ -27008,10 +25927,10 @@
               <a:buChar char="●"/>
             </a:pPr>
             <a:r>
-              <a:rPr lang="en"/>
+              <a:rPr lang="en" dirty="0"/>
               <a:t>Goals of TLS</a:t>
             </a:r>
-            <a:endParaRPr/>
+            <a:endParaRPr dirty="0"/>
           </a:p>
           <a:p>
             <a:pPr marL="914400" lvl="1" indent="-317500" algn="l" rtl="0">
@@ -27025,14 +25944,14 @@
               <a:buChar char="○"/>
             </a:pPr>
             <a:r>
-              <a:rPr lang="en" b="1"/>
+              <a:rPr lang="en" b="1" dirty="0"/>
               <a:t>Confidentiality</a:t>
             </a:r>
             <a:r>
-              <a:rPr lang="en"/>
+              <a:rPr lang="en" dirty="0"/>
               <a:t>: Ensure that attackers cannot read your traffic</a:t>
             </a:r>
-            <a:endParaRPr/>
+            <a:endParaRPr dirty="0"/>
           </a:p>
           <a:p>
             <a:pPr marL="914400" lvl="1" indent="-317500" algn="l" rtl="0">
@@ -27046,14 +25965,14 @@
               <a:buChar char="○"/>
             </a:pPr>
             <a:r>
-              <a:rPr lang="en" b="1"/>
+              <a:rPr lang="en" b="1" dirty="0"/>
               <a:t>Integrity</a:t>
             </a:r>
             <a:r>
-              <a:rPr lang="en"/>
+              <a:rPr lang="en" dirty="0"/>
               <a:t>: Ensure that attackers cannot tamper with your traffic</a:t>
             </a:r>
-            <a:endParaRPr/>
+            <a:endParaRPr dirty="0"/>
           </a:p>
           <a:p>
             <a:pPr marL="1371600" lvl="2" indent="-317500" algn="l" rtl="0">
@@ -27067,14 +25986,14 @@
               <a:buChar char="■"/>
             </a:pPr>
             <a:r>
-              <a:rPr lang="en"/>
+              <a:rPr lang="en" dirty="0"/>
               <a:t>Prevent </a:t>
             </a:r>
             <a:r>
-              <a:rPr lang="en" b="1"/>
+              <a:rPr lang="en" b="1" dirty="0"/>
               <a:t>replay attacks</a:t>
             </a:r>
-            <a:endParaRPr/>
+            <a:endParaRPr dirty="0"/>
           </a:p>
           <a:p>
             <a:pPr marL="1828800" lvl="3" indent="-317500" algn="l" rtl="0">
@@ -27088,10 +26007,10 @@
               <a:buChar char="●"/>
             </a:pPr>
             <a:r>
-              <a:rPr lang="en"/>
+              <a:rPr lang="en" dirty="0"/>
               <a:t>The attacker records encrypted traffic and then replays it to the server</a:t>
             </a:r>
-            <a:endParaRPr/>
+            <a:endParaRPr dirty="0"/>
           </a:p>
           <a:p>
             <a:pPr marL="1828800" lvl="3" indent="-317500" algn="l" rtl="0">
@@ -27105,10 +26024,10 @@
               <a:buChar char="●"/>
             </a:pPr>
             <a:r>
-              <a:rPr lang="en"/>
+              <a:rPr lang="en" dirty="0"/>
               <a:t>Example: Replaying a packet that sends “Pay $10 to Mallory”</a:t>
             </a:r>
-            <a:endParaRPr/>
+            <a:endParaRPr dirty="0"/>
           </a:p>
           <a:p>
             <a:pPr marL="914400" lvl="1" indent="-317500" algn="l" rtl="0">
@@ -27122,14 +26041,14 @@
               <a:buChar char="○"/>
             </a:pPr>
             <a:r>
-              <a:rPr lang="en" b="1"/>
+              <a:rPr lang="en" b="1" dirty="0"/>
               <a:t>Authenticity</a:t>
             </a:r>
             <a:r>
-              <a:rPr lang="en"/>
+              <a:rPr lang="en" dirty="0"/>
               <a:t>: Make sure you’re talking to the legitimate server</a:t>
             </a:r>
-            <a:endParaRPr/>
+            <a:endParaRPr dirty="0"/>
           </a:p>
           <a:p>
             <a:pPr marL="1371600" lvl="2" indent="-317500" algn="l" rtl="0">
@@ -27143,10 +26062,15 @@
               <a:buChar char="■"/>
             </a:pPr>
             <a:r>
-              <a:rPr lang="en"/>
+              <a:rPr lang="en" dirty="0"/>
               <a:t>Defend against an attacker impersonating the server</a:t>
             </a:r>
-            <a:endParaRPr/>
+          </a:p>
+          <a:p>
+            <a:pPr lvl="1">
+              <a:buChar char="■"/>
+            </a:pPr>
+            <a:endParaRPr dirty="0"/>
           </a:p>
         </p:txBody>
       </p:sp>
@@ -27186,7 +26110,7 @@
             </a:pPr>
             <a:fld id="{00000000-1234-1234-1234-123412341234}" type="slidenum">
               <a:rPr lang="en"/>
-              <a:t>34</a:t>
+              <a:t>33</a:t>
             </a:fld>
             <a:endParaRPr/>
           </a:p>
@@ -27346,33 +26270,15 @@
                                   </p:childTnLst>
                                 </p:cTn>
                               </p:par>
-                            </p:childTnLst>
-                          </p:cTn>
-                        </p:par>
-                      </p:childTnLst>
-                    </p:cTn>
-                  </p:par>
-                  <p:par>
-                    <p:cTn id="15" fill="hold">
-                      <p:stCondLst>
-                        <p:cond delay="indefinite"/>
-                      </p:stCondLst>
-                      <p:childTnLst>
-                        <p:par>
-                          <p:cTn id="16" fill="hold">
-                            <p:stCondLst>
-                              <p:cond delay="0"/>
-                            </p:stCondLst>
-                            <p:childTnLst>
                               <p:par>
-                                <p:cTn id="17" presetID="1" presetClass="entr" presetSubtype="0" fill="hold" nodeType="clickEffect">
+                                <p:cTn id="15" presetID="1" presetClass="entr" presetSubtype="0" fill="hold" nodeType="withEffect">
                                   <p:stCondLst>
                                     <p:cond delay="0"/>
                                   </p:stCondLst>
                                   <p:childTnLst>
                                     <p:set>
                                       <p:cBhvr>
-                                        <p:cTn id="18" dur="1" fill="hold">
+                                        <p:cTn id="16" dur="1" fill="hold">
                                           <p:stCondLst>
                                             <p:cond delay="0"/>
                                           </p:stCondLst>
@@ -27395,33 +26301,15 @@
                                   </p:childTnLst>
                                 </p:cTn>
                               </p:par>
-                            </p:childTnLst>
-                          </p:cTn>
-                        </p:par>
-                      </p:childTnLst>
-                    </p:cTn>
-                  </p:par>
-                  <p:par>
-                    <p:cTn id="19" fill="hold">
-                      <p:stCondLst>
-                        <p:cond delay="indefinite"/>
-                      </p:stCondLst>
-                      <p:childTnLst>
-                        <p:par>
-                          <p:cTn id="20" fill="hold">
-                            <p:stCondLst>
-                              <p:cond delay="0"/>
-                            </p:stCondLst>
-                            <p:childTnLst>
                               <p:par>
-                                <p:cTn id="21" presetID="1" presetClass="entr" presetSubtype="0" fill="hold" nodeType="clickEffect">
+                                <p:cTn id="17" presetID="1" presetClass="entr" presetSubtype="0" fill="hold" nodeType="withEffect">
                                   <p:stCondLst>
                                     <p:cond delay="0"/>
                                   </p:stCondLst>
                                   <p:childTnLst>
                                     <p:set>
                                       <p:cBhvr>
-                                        <p:cTn id="22" dur="1" fill="hold">
+                                        <p:cTn id="18" dur="1" fill="hold">
                                           <p:stCondLst>
                                             <p:cond delay="0"/>
                                           </p:stCondLst>
@@ -27444,33 +26332,15 @@
                                   </p:childTnLst>
                                 </p:cTn>
                               </p:par>
-                            </p:childTnLst>
-                          </p:cTn>
-                        </p:par>
-                      </p:childTnLst>
-                    </p:cTn>
-                  </p:par>
-                  <p:par>
-                    <p:cTn id="23" fill="hold">
-                      <p:stCondLst>
-                        <p:cond delay="indefinite"/>
-                      </p:stCondLst>
-                      <p:childTnLst>
-                        <p:par>
-                          <p:cTn id="24" fill="hold">
-                            <p:stCondLst>
-                              <p:cond delay="0"/>
-                            </p:stCondLst>
-                            <p:childTnLst>
                               <p:par>
-                                <p:cTn id="25" presetID="1" presetClass="entr" presetSubtype="0" fill="hold" nodeType="clickEffect">
+                                <p:cTn id="19" presetID="1" presetClass="entr" presetSubtype="0" fill="hold" nodeType="withEffect">
                                   <p:stCondLst>
                                     <p:cond delay="0"/>
                                   </p:stCondLst>
                                   <p:childTnLst>
                                     <p:set>
                                       <p:cBhvr>
-                                        <p:cTn id="26" dur="1" fill="hold">
+                                        <p:cTn id="20" dur="1" fill="hold">
                                           <p:stCondLst>
                                             <p:cond delay="0"/>
                                           </p:stCondLst>
@@ -27500,26 +26370,26 @@
                     </p:cTn>
                   </p:par>
                   <p:par>
-                    <p:cTn id="27" fill="hold">
+                    <p:cTn id="21" fill="hold">
                       <p:stCondLst>
                         <p:cond delay="indefinite"/>
                       </p:stCondLst>
                       <p:childTnLst>
                         <p:par>
-                          <p:cTn id="28" fill="hold">
+                          <p:cTn id="22" fill="hold">
                             <p:stCondLst>
                               <p:cond delay="0"/>
                             </p:stCondLst>
                             <p:childTnLst>
                               <p:par>
-                                <p:cTn id="29" presetID="1" presetClass="entr" presetSubtype="0" fill="hold" nodeType="clickEffect">
+                                <p:cTn id="23" presetID="1" presetClass="entr" presetSubtype="0" fill="hold" nodeType="clickEffect">
                                   <p:stCondLst>
                                     <p:cond delay="0"/>
                                   </p:stCondLst>
                                   <p:childTnLst>
                                     <p:set>
                                       <p:cBhvr>
-                                        <p:cTn id="30" dur="1" fill="hold">
+                                        <p:cTn id="24" dur="1" fill="hold">
                                           <p:stCondLst>
                                             <p:cond delay="0"/>
                                           </p:stCondLst>
@@ -27542,33 +26412,15 @@
                                   </p:childTnLst>
                                 </p:cTn>
                               </p:par>
-                            </p:childTnLst>
-                          </p:cTn>
-                        </p:par>
-                      </p:childTnLst>
-                    </p:cTn>
-                  </p:par>
-                  <p:par>
-                    <p:cTn id="31" fill="hold">
-                      <p:stCondLst>
-                        <p:cond delay="indefinite"/>
-                      </p:stCondLst>
-                      <p:childTnLst>
-                        <p:par>
-                          <p:cTn id="32" fill="hold">
-                            <p:stCondLst>
-                              <p:cond delay="0"/>
-                            </p:stCondLst>
-                            <p:childTnLst>
                               <p:par>
-                                <p:cTn id="33" presetID="1" presetClass="entr" presetSubtype="0" fill="hold" nodeType="clickEffect">
+                                <p:cTn id="25" presetID="1" presetClass="entr" presetSubtype="0" fill="hold" nodeType="withEffect">
                                   <p:stCondLst>
                                     <p:cond delay="0"/>
                                   </p:stCondLst>
                                   <p:childTnLst>
                                     <p:set>
                                       <p:cBhvr>
-                                        <p:cTn id="34" dur="1" fill="hold">
+                                        <p:cTn id="26" dur="1" fill="hold">
                                           <p:stCondLst>
                                             <p:cond delay="0"/>
                                           </p:stCondLst>
@@ -27622,278 +26474,7 @@
 </p:sld>
 </file>
 
-<file path=ppt/slides/slide35.xml><?xml version="1.0" encoding="utf-8"?>
-<p:sld xmlns:a="http://schemas.openxmlformats.org/drawingml/2006/main" xmlns:r="http://schemas.openxmlformats.org/officeDocument/2006/relationships" xmlns:p="http://schemas.openxmlformats.org/presentationml/2006/main">
-  <p:cSld>
-    <p:spTree>
-      <p:nvGrpSpPr>
-        <p:cNvPr id="1" name="Shape 630"/>
-        <p:cNvGrpSpPr/>
-        <p:nvPr/>
-      </p:nvGrpSpPr>
-      <p:grpSpPr>
-        <a:xfrm>
-          <a:off x="0" y="0"/>
-          <a:ext cx="0" cy="0"/>
-          <a:chOff x="0" y="0"/>
-          <a:chExt cx="0" cy="0"/>
-        </a:xfrm>
-      </p:grpSpPr>
-      <p:sp>
-        <p:nvSpPr>
-          <p:cNvPr id="631" name="Google Shape;631;p64"/>
-          <p:cNvSpPr txBox="1">
-            <a:spLocks noGrp="1"/>
-          </p:cNvSpPr>
-          <p:nvPr>
-            <p:ph type="title"/>
-          </p:nvPr>
-        </p:nvSpPr>
-        <p:spPr>
-          <a:xfrm>
-            <a:off x="102700" y="270875"/>
-            <a:ext cx="8520600" cy="572700"/>
-          </a:xfrm>
-          <a:prstGeom prst="rect">
-            <a:avLst/>
-          </a:prstGeom>
-        </p:spPr>
-        <p:txBody>
-          <a:bodyPr spcFirstLastPara="1" wrap="square" lIns="91425" tIns="91425" rIns="91425" bIns="91425" anchor="t" anchorCtr="0">
-            <a:normAutofit fontScale="90000"/>
-          </a:bodyPr>
-          <a:lstStyle/>
-          <a:p>
-            <a:pPr marL="0" lvl="0" indent="0" algn="l" rtl="0">
-              <a:spcBef>
-                <a:spcPts val="0"/>
-              </a:spcBef>
-              <a:spcAft>
-                <a:spcPts val="0"/>
-              </a:spcAft>
-              <a:buNone/>
-            </a:pPr>
-            <a:r>
-              <a:rPr lang="en" dirty="0"/>
-              <a:t>TLS</a:t>
-            </a:r>
-            <a:endParaRPr dirty="0"/>
-          </a:p>
-        </p:txBody>
-      </p:sp>
-      <p:sp>
-        <p:nvSpPr>
-          <p:cNvPr id="632" name="Google Shape;632;p64"/>
-          <p:cNvSpPr txBox="1">
-            <a:spLocks noGrp="1"/>
-          </p:cNvSpPr>
-          <p:nvPr>
-            <p:ph type="body" idx="1"/>
-          </p:nvPr>
-        </p:nvSpPr>
-        <p:spPr>
-          <a:xfrm>
-            <a:off x="198500" y="1246825"/>
-            <a:ext cx="8520600" cy="3765600"/>
-          </a:xfrm>
-          <a:prstGeom prst="rect">
-            <a:avLst/>
-          </a:prstGeom>
-        </p:spPr>
-        <p:txBody>
-          <a:bodyPr spcFirstLastPara="1" wrap="square" lIns="91425" tIns="91425" rIns="91425" bIns="91425" anchor="t" anchorCtr="0">
-            <a:normAutofit/>
-          </a:bodyPr>
-          <a:lstStyle/>
-          <a:p>
-            <a:pPr marL="457200" lvl="0" indent="-342900" algn="l" rtl="0">
-              <a:spcBef>
-                <a:spcPts val="0"/>
-              </a:spcBef>
-              <a:spcAft>
-                <a:spcPts val="0"/>
-              </a:spcAft>
-              <a:buSzPts val="1800"/>
-              <a:buChar char="●"/>
-            </a:pPr>
-            <a:r>
-              <a:rPr lang="en"/>
-              <a:t>Security properties</a:t>
-            </a:r>
-            <a:endParaRPr/>
-          </a:p>
-          <a:p>
-            <a:pPr marL="914400" lvl="1" indent="-317500" algn="l" rtl="0">
-              <a:spcBef>
-                <a:spcPts val="0"/>
-              </a:spcBef>
-              <a:spcAft>
-                <a:spcPts val="0"/>
-              </a:spcAft>
-              <a:buSzPts val="1400"/>
-              <a:buChar char="○"/>
-            </a:pPr>
-            <a:r>
-              <a:rPr lang="en"/>
-              <a:t>DHE TLS: Forward secrecy</a:t>
-            </a:r>
-            <a:endParaRPr/>
-          </a:p>
-          <a:p>
-            <a:pPr marL="914400" lvl="1" indent="-317500" algn="l" rtl="0">
-              <a:spcBef>
-                <a:spcPts val="0"/>
-              </a:spcBef>
-              <a:spcAft>
-                <a:spcPts val="0"/>
-              </a:spcAft>
-              <a:buSzPts val="1400"/>
-              <a:buChar char="○"/>
-            </a:pPr>
-            <a:r>
-              <a:rPr lang="en"/>
-              <a:t>RSA TLS: No forward secrecy</a:t>
-            </a:r>
-            <a:endParaRPr/>
-          </a:p>
-          <a:p>
-            <a:pPr marL="914400" lvl="1" indent="-317500" algn="l" rtl="0">
-              <a:spcBef>
-                <a:spcPts val="0"/>
-              </a:spcBef>
-              <a:spcAft>
-                <a:spcPts val="0"/>
-              </a:spcAft>
-              <a:buSzPts val="1400"/>
-              <a:buChar char="○"/>
-            </a:pPr>
-            <a:r>
-              <a:rPr lang="en"/>
-              <a:t>End-to-end security: Secure even if all intermediate parties are malicious</a:t>
-            </a:r>
-            <a:endParaRPr/>
-          </a:p>
-          <a:p>
-            <a:pPr marL="914400" lvl="1" indent="-317500" algn="l" rtl="0">
-              <a:spcBef>
-                <a:spcPts val="0"/>
-              </a:spcBef>
-              <a:spcAft>
-                <a:spcPts val="0"/>
-              </a:spcAft>
-              <a:buSzPts val="1400"/>
-              <a:buChar char="○"/>
-            </a:pPr>
-            <a:r>
-              <a:rPr lang="en"/>
-              <a:t>Not anonymous: Attackers can determine who you’re talking to</a:t>
-            </a:r>
-            <a:endParaRPr/>
-          </a:p>
-          <a:p>
-            <a:pPr marL="914400" lvl="1" indent="-317500" algn="l" rtl="0">
-              <a:spcBef>
-                <a:spcPts val="0"/>
-              </a:spcBef>
-              <a:spcAft>
-                <a:spcPts val="0"/>
-              </a:spcAft>
-              <a:buSzPts val="1400"/>
-              <a:buChar char="○"/>
-            </a:pPr>
-            <a:r>
-              <a:rPr lang="en"/>
-              <a:t>No availability: Connections can be dropped or censored</a:t>
-            </a:r>
-            <a:endParaRPr/>
-          </a:p>
-          <a:p>
-            <a:pPr marL="457200" lvl="0" indent="-342900" algn="l" rtl="0">
-              <a:spcBef>
-                <a:spcPts val="0"/>
-              </a:spcBef>
-              <a:spcAft>
-                <a:spcPts val="0"/>
-              </a:spcAft>
-              <a:buSzPts val="1800"/>
-              <a:buChar char="●"/>
-            </a:pPr>
-            <a:r>
-              <a:rPr lang="en"/>
-              <a:t>Can be used by the application layer (e.g. HTTPS)</a:t>
-            </a:r>
-            <a:endParaRPr/>
-          </a:p>
-          <a:p>
-            <a:pPr marL="457200" lvl="0" indent="-342900" algn="l" rtl="0">
-              <a:spcBef>
-                <a:spcPts val="0"/>
-              </a:spcBef>
-              <a:spcAft>
-                <a:spcPts val="0"/>
-              </a:spcAft>
-              <a:buSzPts val="1800"/>
-              <a:buChar char="●"/>
-            </a:pPr>
-            <a:r>
-              <a:rPr lang="en"/>
-              <a:t>Trusting certificate authorities can be hard</a:t>
-            </a:r>
-            <a:endParaRPr/>
-          </a:p>
-        </p:txBody>
-      </p:sp>
-      <p:sp>
-        <p:nvSpPr>
-          <p:cNvPr id="633" name="Google Shape;633;p64"/>
-          <p:cNvSpPr txBox="1">
-            <a:spLocks noGrp="1"/>
-          </p:cNvSpPr>
-          <p:nvPr>
-            <p:ph type="sldNum" idx="12"/>
-          </p:nvPr>
-        </p:nvSpPr>
-        <p:spPr>
-          <a:xfrm>
-            <a:off x="8472458" y="4663217"/>
-            <a:ext cx="548700" cy="393600"/>
-          </a:xfrm>
-          <a:prstGeom prst="rect">
-            <a:avLst/>
-          </a:prstGeom>
-        </p:spPr>
-        <p:txBody>
-          <a:bodyPr spcFirstLastPara="1" wrap="square" lIns="91425" tIns="91425" rIns="91425" bIns="91425" anchor="ctr" anchorCtr="0">
-            <a:normAutofit/>
-          </a:bodyPr>
-          <a:lstStyle/>
-          <a:p>
-            <a:pPr marL="0" lvl="0" indent="0" algn="r" rtl="0">
-              <a:spcBef>
-                <a:spcPts val="0"/>
-              </a:spcBef>
-              <a:spcAft>
-                <a:spcPts val="0"/>
-              </a:spcAft>
-              <a:buNone/>
-            </a:pPr>
-            <a:fld id="{00000000-1234-1234-1234-123412341234}" type="slidenum">
-              <a:rPr lang="en"/>
-              <a:t>35</a:t>
-            </a:fld>
-            <a:endParaRPr/>
-          </a:p>
-        </p:txBody>
-      </p:sp>
-    </p:spTree>
-  </p:cSld>
-  <p:clrMapOvr>
-    <a:masterClrMapping/>
-  </p:clrMapOvr>
-</p:sld>
-</file>
-
-<file path=ppt/slides/slide36.xml><?xml version="1.0" encoding="utf-8"?>
+<file path=ppt/slides/slide34.xml><?xml version="1.0" encoding="utf-8"?>
 <p:sld xmlns:a="http://schemas.openxmlformats.org/drawingml/2006/main" xmlns:r="http://schemas.openxmlformats.org/officeDocument/2006/relationships" xmlns:p="http://schemas.openxmlformats.org/presentationml/2006/main">
   <p:cSld>
     <p:spTree>
@@ -28082,7 +26663,7 @@
             </a:pPr>
             <a:fld id="{00000000-1234-1234-1234-123412341234}" type="slidenum">
               <a:rPr lang="en"/>
-              <a:t>36</a:t>
+              <a:t>34</a:t>
             </a:fld>
             <a:endParaRPr/>
           </a:p>
@@ -28850,269 +27431,7 @@
 </p:sld>
 </file>
 
-<file path=ppt/slides/slide37.xml><?xml version="1.0" encoding="utf-8"?>
-<p:sld xmlns:a="http://schemas.openxmlformats.org/drawingml/2006/main" xmlns:r="http://schemas.openxmlformats.org/officeDocument/2006/relationships" xmlns:p="http://schemas.openxmlformats.org/presentationml/2006/main">
-  <p:cSld>
-    <p:spTree>
-      <p:nvGrpSpPr>
-        <p:cNvPr id="1" name="Shape 930"/>
-        <p:cNvGrpSpPr/>
-        <p:nvPr/>
-      </p:nvGrpSpPr>
-      <p:grpSpPr>
-        <a:xfrm>
-          <a:off x="0" y="0"/>
-          <a:ext cx="0" cy="0"/>
-          <a:chOff x="0" y="0"/>
-          <a:chExt cx="0" cy="0"/>
-        </a:xfrm>
-      </p:grpSpPr>
-      <p:sp>
-        <p:nvSpPr>
-          <p:cNvPr id="931" name="Google Shape;931;p78"/>
-          <p:cNvSpPr txBox="1">
-            <a:spLocks noGrp="1"/>
-          </p:cNvSpPr>
-          <p:nvPr>
-            <p:ph type="title"/>
-          </p:nvPr>
-        </p:nvSpPr>
-        <p:spPr>
-          <a:xfrm>
-            <a:off x="102700" y="270875"/>
-            <a:ext cx="8520600" cy="572700"/>
-          </a:xfrm>
-          <a:prstGeom prst="rect">
-            <a:avLst/>
-          </a:prstGeom>
-        </p:spPr>
-        <p:txBody>
-          <a:bodyPr spcFirstLastPara="1" wrap="square" lIns="91425" tIns="91425" rIns="91425" bIns="91425" anchor="t" anchorCtr="0">
-            <a:normAutofit fontScale="90000"/>
-          </a:bodyPr>
-          <a:lstStyle/>
-          <a:p>
-            <a:pPr marL="0" lvl="0" indent="0" algn="l" rtl="0">
-              <a:spcBef>
-                <a:spcPts val="0"/>
-              </a:spcBef>
-              <a:spcAft>
-                <a:spcPts val="0"/>
-              </a:spcAft>
-              <a:buNone/>
-            </a:pPr>
-            <a:r>
-              <a:rPr lang="en" dirty="0"/>
-              <a:t>DNS: Summary</a:t>
-            </a:r>
-            <a:endParaRPr dirty="0"/>
-          </a:p>
-        </p:txBody>
-      </p:sp>
-      <p:sp>
-        <p:nvSpPr>
-          <p:cNvPr id="932" name="Google Shape;932;p78"/>
-          <p:cNvSpPr txBox="1">
-            <a:spLocks noGrp="1"/>
-          </p:cNvSpPr>
-          <p:nvPr>
-            <p:ph type="body" idx="1"/>
-          </p:nvPr>
-        </p:nvSpPr>
-        <p:spPr>
-          <a:xfrm>
-            <a:off x="198500" y="1246825"/>
-            <a:ext cx="8520600" cy="3528300"/>
-          </a:xfrm>
-          <a:prstGeom prst="rect">
-            <a:avLst/>
-          </a:prstGeom>
-        </p:spPr>
-        <p:txBody>
-          <a:bodyPr spcFirstLastPara="1" wrap="square" lIns="91425" tIns="91425" rIns="91425" bIns="91425" anchor="t" anchorCtr="0">
-            <a:normAutofit/>
-          </a:bodyPr>
-          <a:lstStyle/>
-          <a:p>
-            <a:pPr marL="457200" lvl="0" indent="-342900" algn="l" rtl="0">
-              <a:spcBef>
-                <a:spcPts val="0"/>
-              </a:spcBef>
-              <a:spcAft>
-                <a:spcPts val="0"/>
-              </a:spcAft>
-              <a:buSzPts val="1800"/>
-              <a:buChar char="●"/>
-            </a:pPr>
-            <a:r>
-              <a:rPr lang="en" dirty="0"/>
-              <a:t>DNS message structure</a:t>
-            </a:r>
-            <a:endParaRPr dirty="0"/>
-          </a:p>
-          <a:p>
-            <a:pPr marL="914400" lvl="1" indent="-317500" algn="l" rtl="0">
-              <a:spcBef>
-                <a:spcPts val="0"/>
-              </a:spcBef>
-              <a:spcAft>
-                <a:spcPts val="0"/>
-              </a:spcAft>
-              <a:buSzPts val="1400"/>
-              <a:buChar char="○"/>
-            </a:pPr>
-            <a:r>
-              <a:rPr lang="en" dirty="0"/>
-              <a:t>DNS uses UDP for efficiency</a:t>
-            </a:r>
-            <a:endParaRPr dirty="0"/>
-          </a:p>
-          <a:p>
-            <a:pPr marL="914400" lvl="1" indent="-317500" algn="l" rtl="0">
-              <a:spcBef>
-                <a:spcPts val="0"/>
-              </a:spcBef>
-              <a:spcAft>
-                <a:spcPts val="0"/>
-              </a:spcAft>
-              <a:buSzPts val="1400"/>
-              <a:buChar char="○"/>
-            </a:pPr>
-            <a:r>
-              <a:rPr lang="en" dirty="0"/>
-              <a:t>DNS packets include a random 16-bit ID field to match requests to responses</a:t>
-            </a:r>
-            <a:endParaRPr dirty="0"/>
-          </a:p>
-          <a:p>
-            <a:pPr marL="914400" lvl="1" indent="-317500" algn="l" rtl="0">
-              <a:spcBef>
-                <a:spcPts val="0"/>
-              </a:spcBef>
-              <a:spcAft>
-                <a:spcPts val="0"/>
-              </a:spcAft>
-              <a:buSzPts val="1400"/>
-              <a:buChar char="○"/>
-            </a:pPr>
-            <a:r>
-              <a:rPr lang="en" dirty="0"/>
-              <a:t>Data is encoded in records, which are name-value pairs with a type</a:t>
-            </a:r>
-            <a:endParaRPr dirty="0"/>
-          </a:p>
-          <a:p>
-            <a:pPr marL="1371600" lvl="2" indent="-317500" algn="l" rtl="0">
-              <a:spcBef>
-                <a:spcPts val="0"/>
-              </a:spcBef>
-              <a:spcAft>
-                <a:spcPts val="0"/>
-              </a:spcAft>
-              <a:buSzPts val="1400"/>
-              <a:buChar char="■"/>
-            </a:pPr>
-            <a:r>
-              <a:rPr lang="en" b="1" dirty="0"/>
-              <a:t>A (answer) type records</a:t>
-            </a:r>
-            <a:r>
-              <a:rPr lang="en" dirty="0"/>
-              <a:t>: Maps a domain name to an IPv4 address</a:t>
-            </a:r>
-            <a:endParaRPr dirty="0"/>
-          </a:p>
-          <a:p>
-            <a:pPr marL="1371600" lvl="2" indent="-317500" algn="l" rtl="0">
-              <a:spcBef>
-                <a:spcPts val="0"/>
-              </a:spcBef>
-              <a:spcAft>
-                <a:spcPts val="0"/>
-              </a:spcAft>
-              <a:buSzPts val="1400"/>
-              <a:buChar char="■"/>
-            </a:pPr>
-            <a:r>
-              <a:rPr lang="en" b="1" dirty="0"/>
-              <a:t>NS (name server) type records</a:t>
-            </a:r>
-            <a:r>
-              <a:rPr lang="en" dirty="0"/>
-              <a:t>: Designates another DNS server to handle a domain</a:t>
-            </a:r>
-            <a:endParaRPr dirty="0"/>
-          </a:p>
-          <a:p>
-            <a:pPr marL="914400" lvl="1" indent="-317500" algn="l" rtl="0">
-              <a:spcBef>
-                <a:spcPts val="0"/>
-              </a:spcBef>
-              <a:spcAft>
-                <a:spcPts val="0"/>
-              </a:spcAft>
-              <a:buSzPts val="1400"/>
-              <a:buChar char="○"/>
-            </a:pPr>
-            <a:r>
-              <a:rPr lang="en" dirty="0"/>
-              <a:t>Resolvers cache as many records as possible (until their time-to-live expires)</a:t>
-            </a:r>
-            <a:endParaRPr dirty="0"/>
-          </a:p>
-        </p:txBody>
-      </p:sp>
-      <p:sp>
-        <p:nvSpPr>
-          <p:cNvPr id="933" name="Google Shape;933;p78"/>
-          <p:cNvSpPr txBox="1">
-            <a:spLocks noGrp="1"/>
-          </p:cNvSpPr>
-          <p:nvPr>
-            <p:ph type="sldNum" idx="12"/>
-          </p:nvPr>
-        </p:nvSpPr>
-        <p:spPr>
-          <a:xfrm>
-            <a:off x="8472458" y="4663217"/>
-            <a:ext cx="548700" cy="393600"/>
-          </a:xfrm>
-          <a:prstGeom prst="rect">
-            <a:avLst/>
-          </a:prstGeom>
-        </p:spPr>
-        <p:txBody>
-          <a:bodyPr spcFirstLastPara="1" wrap="square" lIns="91425" tIns="91425" rIns="91425" bIns="91425" anchor="ctr" anchorCtr="0">
-            <a:normAutofit/>
-          </a:bodyPr>
-          <a:lstStyle/>
-          <a:p>
-            <a:pPr marL="0" lvl="0" indent="0" algn="r" rtl="0">
-              <a:spcBef>
-                <a:spcPts val="0"/>
-              </a:spcBef>
-              <a:spcAft>
-                <a:spcPts val="0"/>
-              </a:spcAft>
-              <a:buNone/>
-            </a:pPr>
-            <a:fld id="{00000000-1234-1234-1234-123412341234}" type="slidenum">
-              <a:rPr lang="en"/>
-              <a:t>37</a:t>
-            </a:fld>
-            <a:endParaRPr/>
-          </a:p>
-        </p:txBody>
-      </p:sp>
-    </p:spTree>
-  </p:cSld>
-  <p:clrMapOvr>
-    <a:masterClrMapping/>
-  </p:clrMapOvr>
-</p:sld>
-</file>
-
-<file path=ppt/slides/slide38.xml><?xml version="1.0" encoding="utf-8"?>
+<file path=ppt/slides/slide35.xml><?xml version="1.0" encoding="utf-8"?>
 <p:sld xmlns:a="http://schemas.openxmlformats.org/drawingml/2006/main" xmlns:r="http://schemas.openxmlformats.org/officeDocument/2006/relationships" xmlns:p="http://schemas.openxmlformats.org/presentationml/2006/main">
   <p:cSld>
     <p:spTree>
@@ -29164,10 +27483,10 @@
               <a:buNone/>
             </a:pPr>
             <a:r>
-              <a:rPr lang="en"/>
-              <a:t>DNS Security: Summary</a:t>
-            </a:r>
-            <a:endParaRPr/>
+              <a:rPr lang="en" dirty="0"/>
+              <a:t>DNS Security</a:t>
+            </a:r>
+            <a:endParaRPr dirty="0"/>
           </a:p>
         </p:txBody>
       </p:sp>
@@ -29207,10 +27526,10 @@
               <a:buChar char="●"/>
             </a:pPr>
             <a:r>
-              <a:rPr lang="en"/>
+              <a:rPr lang="en" dirty="0"/>
               <a:t>Cache poisoning attack: Send a malicious record to the resolver, which caches the record</a:t>
             </a:r>
-            <a:endParaRPr/>
+            <a:endParaRPr dirty="0"/>
           </a:p>
           <a:p>
             <a:pPr marL="914400" lvl="1" indent="-317500" algn="l" rtl="0">
@@ -29224,10 +27543,10 @@
               <a:buChar char="○"/>
             </a:pPr>
             <a:r>
-              <a:rPr lang="en"/>
+              <a:rPr lang="en" dirty="0"/>
               <a:t>Causes packets to be sent to the wrong place (e.g. to the attacker, who becomes a MITM)</a:t>
             </a:r>
-            <a:endParaRPr/>
+            <a:endParaRPr dirty="0"/>
           </a:p>
           <a:p>
             <a:pPr marL="457200" lvl="0" indent="-342900" algn="l" rtl="0">
@@ -29241,10 +27560,10 @@
               <a:buChar char="●"/>
             </a:pPr>
             <a:r>
-              <a:rPr lang="en"/>
+              <a:rPr lang="en" dirty="0"/>
               <a:t>Risk: Malicious name servers</a:t>
             </a:r>
-            <a:endParaRPr/>
+            <a:endParaRPr dirty="0"/>
           </a:p>
           <a:p>
             <a:pPr marL="914400" lvl="1" indent="-317500" algn="l" rtl="0">
@@ -29258,10 +27577,10 @@
               <a:buChar char="○"/>
             </a:pPr>
             <a:r>
-              <a:rPr lang="en"/>
+              <a:rPr lang="en" dirty="0"/>
               <a:t>Defense: Bailiwick checking: Resolver only accepts records in the name server’s zone</a:t>
             </a:r>
-            <a:endParaRPr/>
+            <a:endParaRPr dirty="0"/>
           </a:p>
           <a:p>
             <a:pPr marL="457200" lvl="0" indent="-342900" algn="l" rtl="0">
@@ -29275,10 +27594,10 @@
               <a:buChar char="●"/>
             </a:pPr>
             <a:r>
-              <a:rPr lang="en"/>
+              <a:rPr lang="en" dirty="0"/>
               <a:t>Risk: Network attackers</a:t>
             </a:r>
-            <a:endParaRPr/>
+            <a:endParaRPr dirty="0"/>
           </a:p>
           <a:p>
             <a:pPr marL="914400" lvl="1" indent="-317500" algn="l" rtl="0">
@@ -29292,10 +27611,15 @@
               <a:buChar char="○"/>
             </a:pPr>
             <a:r>
-              <a:rPr lang="en"/>
+              <a:rPr lang="en" dirty="0"/>
               <a:t>MITM attackers can poison the cache without detection</a:t>
             </a:r>
-            <a:endParaRPr/>
+          </a:p>
+          <a:p>
+            <a:r>
+              <a:rPr lang="en-US" dirty="0"/>
+              <a:t>DNSSEC: An extension of the DNS protocol that ensures integrity on the results</a:t>
+            </a:r>
           </a:p>
           <a:p>
             <a:pPr marL="914400" lvl="1" indent="-317500" algn="l" rtl="0">
@@ -29308,62 +27632,7 @@
               <a:buSzPts val="1400"/>
               <a:buChar char="○"/>
             </a:pPr>
-            <a:r>
-              <a:rPr lang="en"/>
-              <a:t>On-path attackers can race the legitimate response to poison the cache</a:t>
-            </a:r>
-            <a:endParaRPr/>
-          </a:p>
-          <a:p>
-            <a:pPr marL="914400" lvl="1" indent="-317500" algn="l" rtl="0">
-              <a:spcBef>
-                <a:spcPts val="0"/>
-              </a:spcBef>
-              <a:spcAft>
-                <a:spcPts val="0"/>
-              </a:spcAft>
-              <a:buSzPts val="1400"/>
-              <a:buChar char="○"/>
-            </a:pPr>
-            <a:r>
-              <a:rPr lang="en"/>
-              <a:t>Off-path attackers must guess the ID field (Defense: Make the ID field random)</a:t>
-            </a:r>
-            <a:endParaRPr/>
-          </a:p>
-          <a:p>
-            <a:pPr marL="1371600" lvl="2" indent="-317500" algn="l" rtl="0">
-              <a:spcBef>
-                <a:spcPts val="0"/>
-              </a:spcBef>
-              <a:spcAft>
-                <a:spcPts val="0"/>
-              </a:spcAft>
-              <a:buSzPts val="1400"/>
-              <a:buChar char="■"/>
-            </a:pPr>
-            <a:r>
-              <a:rPr lang="en"/>
-              <a:t>Kaminsky attack: Query non-existent domains and put the poisoned record in the additional section (which will still be cached). Lets the off-path attacker try repeatedly until succeeding</a:t>
-            </a:r>
-            <a:endParaRPr/>
-          </a:p>
-          <a:p>
-            <a:pPr marL="1371600" lvl="2" indent="-317500" algn="l" rtl="0">
-              <a:spcBef>
-                <a:spcPts val="0"/>
-              </a:spcBef>
-              <a:spcAft>
-                <a:spcPts val="0"/>
-              </a:spcAft>
-              <a:buSzPts val="1400"/>
-              <a:buChar char="■"/>
-            </a:pPr>
-            <a:r>
-              <a:rPr lang="en"/>
-              <a:t>Defense: Source port randomization (more bits for the off-path attacker to guess)</a:t>
-            </a:r>
-            <a:endParaRPr/>
+            <a:endParaRPr lang="en" dirty="0"/>
           </a:p>
         </p:txBody>
       </p:sp>
@@ -29403,223 +27672,7 @@
             </a:pPr>
             <a:fld id="{00000000-1234-1234-1234-123412341234}" type="slidenum">
               <a:rPr lang="en"/>
-              <a:t>38</a:t>
-            </a:fld>
-            <a:endParaRPr/>
-          </a:p>
-        </p:txBody>
-      </p:sp>
-    </p:spTree>
-  </p:cSld>
-  <p:clrMapOvr>
-    <a:masterClrMapping/>
-  </p:clrMapOvr>
-</p:sld>
-</file>
-
-<file path=ppt/slides/slide39.xml><?xml version="1.0" encoding="utf-8"?>
-<p:sld xmlns:a="http://schemas.openxmlformats.org/drawingml/2006/main" xmlns:r="http://schemas.openxmlformats.org/officeDocument/2006/relationships" xmlns:p="http://schemas.openxmlformats.org/presentationml/2006/main">
-  <p:cSld>
-    <p:spTree>
-      <p:nvGrpSpPr>
-        <p:cNvPr id="1" name="Shape 896"/>
-        <p:cNvGrpSpPr/>
-        <p:nvPr/>
-      </p:nvGrpSpPr>
-      <p:grpSpPr>
-        <a:xfrm>
-          <a:off x="0" y="0"/>
-          <a:ext cx="0" cy="0"/>
-          <a:chOff x="0" y="0"/>
-          <a:chExt cx="0" cy="0"/>
-        </a:xfrm>
-      </p:grpSpPr>
-      <p:sp>
-        <p:nvSpPr>
-          <p:cNvPr id="897" name="Google Shape;897;p91"/>
-          <p:cNvSpPr txBox="1">
-            <a:spLocks noGrp="1"/>
-          </p:cNvSpPr>
-          <p:nvPr>
-            <p:ph type="title"/>
-          </p:nvPr>
-        </p:nvSpPr>
-        <p:spPr>
-          <a:xfrm>
-            <a:off x="102700" y="270875"/>
-            <a:ext cx="8520600" cy="572700"/>
-          </a:xfrm>
-          <a:prstGeom prst="rect">
-            <a:avLst/>
-          </a:prstGeom>
-        </p:spPr>
-        <p:txBody>
-          <a:bodyPr spcFirstLastPara="1" wrap="square" lIns="91425" tIns="91425" rIns="91425" bIns="91425" anchor="t" anchorCtr="0">
-            <a:normAutofit fontScale="90000"/>
-          </a:bodyPr>
-          <a:lstStyle/>
-          <a:p>
-            <a:pPr marL="0" lvl="0" indent="0" algn="l" rtl="0">
-              <a:spcBef>
-                <a:spcPts val="0"/>
-              </a:spcBef>
-              <a:spcAft>
-                <a:spcPts val="0"/>
-              </a:spcAft>
-              <a:buNone/>
-            </a:pPr>
-            <a:r>
-              <a:rPr lang="en" dirty="0"/>
-              <a:t>DNSSEC</a:t>
-            </a:r>
-            <a:endParaRPr dirty="0"/>
-          </a:p>
-        </p:txBody>
-      </p:sp>
-      <p:sp>
-        <p:nvSpPr>
-          <p:cNvPr id="898" name="Google Shape;898;p91"/>
-          <p:cNvSpPr txBox="1">
-            <a:spLocks noGrp="1"/>
-          </p:cNvSpPr>
-          <p:nvPr>
-            <p:ph type="body" idx="1"/>
-          </p:nvPr>
-        </p:nvSpPr>
-        <p:spPr>
-          <a:xfrm>
-            <a:off x="198500" y="1246825"/>
-            <a:ext cx="8520600" cy="3765600"/>
-          </a:xfrm>
-          <a:prstGeom prst="rect">
-            <a:avLst/>
-          </a:prstGeom>
-        </p:spPr>
-        <p:txBody>
-          <a:bodyPr spcFirstLastPara="1" wrap="square" lIns="91425" tIns="91425" rIns="91425" bIns="91425" anchor="t" anchorCtr="0">
-            <a:normAutofit/>
-          </a:bodyPr>
-          <a:lstStyle/>
-          <a:p>
-            <a:pPr marL="457200" lvl="0" indent="-342900" algn="l" rtl="0">
-              <a:spcBef>
-                <a:spcPts val="0"/>
-              </a:spcBef>
-              <a:spcAft>
-                <a:spcPts val="0"/>
-              </a:spcAft>
-              <a:buSzPts val="1800"/>
-              <a:buChar char="●"/>
-            </a:pPr>
-            <a:r>
-              <a:rPr lang="en" dirty="0"/>
-              <a:t>DNSSEC: An extension of the DNS protocol that ensures integrity on the results</a:t>
-            </a:r>
-            <a:endParaRPr dirty="0"/>
-          </a:p>
-          <a:p>
-            <a:pPr marL="914400" lvl="1" indent="-317500" algn="l" rtl="0">
-              <a:spcBef>
-                <a:spcPts val="0"/>
-              </a:spcBef>
-              <a:spcAft>
-                <a:spcPts val="0"/>
-              </a:spcAft>
-              <a:buSzPts val="1400"/>
-              <a:buChar char="○"/>
-            </a:pPr>
-            <a:r>
-              <a:rPr lang="en" dirty="0"/>
-              <a:t>Provides object security (unlike DNS over TLS, which would provide channel security)</a:t>
-            </a:r>
-            <a:endParaRPr dirty="0"/>
-          </a:p>
-          <a:p>
-            <a:pPr marL="914400" lvl="1" indent="-317500" algn="l" rtl="0">
-              <a:spcBef>
-                <a:spcPts val="0"/>
-              </a:spcBef>
-              <a:spcAft>
-                <a:spcPts val="0"/>
-              </a:spcAft>
-              <a:buSzPts val="1400"/>
-              <a:buChar char="○"/>
-            </a:pPr>
-            <a:r>
-              <a:rPr lang="en" dirty="0"/>
-              <a:t>Uses signatures to cryptographically verify records</a:t>
-            </a:r>
-            <a:endParaRPr dirty="0"/>
-          </a:p>
-          <a:p>
-            <a:pPr marL="914400" lvl="1" indent="-317500" algn="l" rtl="0">
-              <a:spcBef>
-                <a:spcPts val="0"/>
-              </a:spcBef>
-              <a:spcAft>
-                <a:spcPts val="0"/>
-              </a:spcAft>
-              <a:buSzPts val="1400"/>
-              <a:buChar char="○"/>
-            </a:pPr>
-            <a:r>
-              <a:rPr lang="en" dirty="0"/>
-              <a:t>Uses a hierarchical public key infrastructure to delegate trust from the trust anchor (root)</a:t>
-            </a:r>
-            <a:endParaRPr dirty="0"/>
-          </a:p>
-          <a:p>
-            <a:pPr marL="457200" lvl="0" indent="-342900" algn="l" rtl="0">
-              <a:spcBef>
-                <a:spcPts val="0"/>
-              </a:spcBef>
-              <a:spcAft>
-                <a:spcPts val="0"/>
-              </a:spcAft>
-              <a:buSzPts val="1800"/>
-              <a:buChar char="●"/>
-            </a:pPr>
-            <a:endParaRPr dirty="0"/>
-          </a:p>
-        </p:txBody>
-      </p:sp>
-      <p:sp>
-        <p:nvSpPr>
-          <p:cNvPr id="899" name="Google Shape;899;p91"/>
-          <p:cNvSpPr txBox="1">
-            <a:spLocks noGrp="1"/>
-          </p:cNvSpPr>
-          <p:nvPr>
-            <p:ph type="sldNum" idx="12"/>
-          </p:nvPr>
-        </p:nvSpPr>
-        <p:spPr>
-          <a:xfrm>
-            <a:off x="8472458" y="4663217"/>
-            <a:ext cx="548700" cy="393600"/>
-          </a:xfrm>
-          <a:prstGeom prst="rect">
-            <a:avLst/>
-          </a:prstGeom>
-        </p:spPr>
-        <p:txBody>
-          <a:bodyPr spcFirstLastPara="1" wrap="square" lIns="91425" tIns="91425" rIns="91425" bIns="91425" anchor="ctr" anchorCtr="0">
-            <a:normAutofit/>
-          </a:bodyPr>
-          <a:lstStyle/>
-          <a:p>
-            <a:pPr marL="0" lvl="0" indent="0" algn="r" rtl="0">
-              <a:spcBef>
-                <a:spcPts val="0"/>
-              </a:spcBef>
-              <a:spcAft>
-                <a:spcPts val="0"/>
-              </a:spcAft>
-              <a:buNone/>
-            </a:pPr>
-            <a:fld id="{00000000-1234-1234-1234-123412341234}" type="slidenum">
-              <a:rPr lang="en"/>
-              <a:t>39</a:t>
+              <a:t>35</a:t>
             </a:fld>
             <a:endParaRPr/>
           </a:p>
@@ -32290,11 +30343,11 @@
 </file>
 
 <file path=ppt/slides/slide9.xml><?xml version="1.0" encoding="utf-8"?>
-<p:sld xmlns:a="http://schemas.openxmlformats.org/drawingml/2006/main" xmlns:r="http://schemas.openxmlformats.org/officeDocument/2006/relationships" xmlns:p="http://schemas.openxmlformats.org/presentationml/2006/main" show="0">
+<p:sld xmlns:a="http://schemas.openxmlformats.org/drawingml/2006/main" xmlns:r="http://schemas.openxmlformats.org/officeDocument/2006/relationships" xmlns:p="http://schemas.openxmlformats.org/presentationml/2006/main">
   <p:cSld>
     <p:spTree>
       <p:nvGrpSpPr>
-        <p:cNvPr id="1" name="Shape 1007"/>
+        <p:cNvPr id="1" name="Shape 1032"/>
         <p:cNvGrpSpPr/>
         <p:nvPr/>
       </p:nvGrpSpPr>
@@ -32308,7 +30361,7 @@
       </p:grpSpPr>
       <p:sp>
         <p:nvSpPr>
-          <p:cNvPr id="1008" name="Google Shape;1008;p75"/>
+          <p:cNvPr id="1033" name="Google Shape;1033;p77"/>
           <p:cNvSpPr txBox="1">
             <a:spLocks noGrp="1"/>
           </p:cNvSpPr>
@@ -32318,20 +30371,20 @@
         </p:nvSpPr>
         <p:spPr>
           <a:xfrm>
-            <a:off x="102700" y="270875"/>
-            <a:ext cx="8520600" cy="572700"/>
+            <a:off x="311700" y="2150850"/>
+            <a:ext cx="8520600" cy="841800"/>
           </a:xfrm>
           <a:prstGeom prst="rect">
             <a:avLst/>
           </a:prstGeom>
         </p:spPr>
         <p:txBody>
-          <a:bodyPr spcFirstLastPara="1" wrap="square" lIns="91425" tIns="91425" rIns="91425" bIns="91425" anchor="t" anchorCtr="0">
-            <a:normAutofit fontScale="90000"/>
+          <a:bodyPr spcFirstLastPara="1" wrap="square" lIns="91425" tIns="91425" rIns="91425" bIns="91425" anchor="ctr" anchorCtr="0">
+            <a:normAutofit/>
           </a:bodyPr>
           <a:lstStyle/>
           <a:p>
-            <a:pPr marL="0" lvl="0" indent="0" algn="l" rtl="0">
+            <a:pPr marL="0" lvl="0" indent="0" algn="ctr" rtl="0">
               <a:spcBef>
                 <a:spcPts val="0"/>
               </a:spcBef>
@@ -32342,7 +30395,7 @@
             </a:pPr>
             <a:r>
               <a:rPr lang="en"/>
-              <a:t>Real-World On-Path Attackers</a:t>
+              <a:t>Address Resolution Protocol (ARP)</a:t>
             </a:r>
             <a:endParaRPr/>
           </a:p>
@@ -32350,7 +30403,7 @@
       </p:sp>
       <p:sp>
         <p:nvSpPr>
-          <p:cNvPr id="1009" name="Google Shape;1009;p75"/>
+          <p:cNvPr id="1034" name="Google Shape;1034;p77"/>
           <p:cNvSpPr txBox="1">
             <a:spLocks noGrp="1"/>
           </p:cNvSpPr>
@@ -32390,640 +30443,6 @@
           </a:p>
         </p:txBody>
       </p:sp>
-      <p:sp>
-        <p:nvSpPr>
-          <p:cNvPr id="1010" name="Google Shape;1010;p75"/>
-          <p:cNvSpPr txBox="1">
-            <a:spLocks noGrp="1"/>
-          </p:cNvSpPr>
-          <p:nvPr>
-            <p:ph type="body" idx="1"/>
-          </p:nvPr>
-        </p:nvSpPr>
-        <p:spPr>
-          <a:xfrm>
-            <a:off x="198500" y="1246825"/>
-            <a:ext cx="5142600" cy="3765600"/>
-          </a:xfrm>
-          <a:prstGeom prst="rect">
-            <a:avLst/>
-          </a:prstGeom>
-        </p:spPr>
-        <p:txBody>
-          <a:bodyPr spcFirstLastPara="1" wrap="square" lIns="91425" tIns="91425" rIns="91425" bIns="91425" anchor="t" anchorCtr="0">
-            <a:normAutofit/>
-          </a:bodyPr>
-          <a:lstStyle/>
-          <a:p>
-            <a:pPr marL="457200" lvl="0" indent="-342900" algn="l" rtl="0">
-              <a:spcBef>
-                <a:spcPts val="0"/>
-              </a:spcBef>
-              <a:spcAft>
-                <a:spcPts val="0"/>
-              </a:spcAft>
-              <a:buSzPts val="1800"/>
-              <a:buChar char="●"/>
-            </a:pPr>
-            <a:r>
-              <a:rPr lang="en"/>
-              <a:t>Some layer 2 (Ethernet) devices can be configured to also send a copy of every packet to the attacker</a:t>
-            </a:r>
-            <a:endParaRPr/>
-          </a:p>
-          <a:p>
-            <a:pPr marL="914400" lvl="1" indent="-317500" algn="l" rtl="0">
-              <a:spcBef>
-                <a:spcPts val="0"/>
-              </a:spcBef>
-              <a:spcAft>
-                <a:spcPts val="0"/>
-              </a:spcAft>
-              <a:buSzPts val="1400"/>
-              <a:buChar char="○"/>
-            </a:pPr>
-            <a:r>
-              <a:rPr lang="en"/>
-              <a:t>Many switches support this through “port mirroring”</a:t>
-            </a:r>
-            <a:endParaRPr/>
-          </a:p>
-          <a:p>
-            <a:pPr marL="914400" lvl="1" indent="-317500" algn="l" rtl="0">
-              <a:spcBef>
-                <a:spcPts val="0"/>
-              </a:spcBef>
-              <a:spcAft>
-                <a:spcPts val="0"/>
-              </a:spcAft>
-              <a:buSzPts val="1400"/>
-              <a:buChar char="○"/>
-            </a:pPr>
-            <a:r>
-              <a:rPr lang="en"/>
-              <a:t>Or you can use dedicated Ethernet taps</a:t>
-            </a:r>
-            <a:endParaRPr/>
-          </a:p>
-          <a:p>
-            <a:pPr marL="457200" lvl="0" indent="-342900" algn="l" rtl="0">
-              <a:spcBef>
-                <a:spcPts val="0"/>
-              </a:spcBef>
-              <a:spcAft>
-                <a:spcPts val="0"/>
-              </a:spcAft>
-              <a:buSzPts val="1800"/>
-              <a:buChar char="●"/>
-            </a:pPr>
-            <a:r>
-              <a:rPr lang="en"/>
-              <a:t>Example: DualComm ETAP-2003</a:t>
-            </a:r>
-            <a:endParaRPr/>
-          </a:p>
-          <a:p>
-            <a:pPr marL="914400" lvl="1" indent="-317500" algn="l" rtl="0">
-              <a:spcBef>
-                <a:spcPts val="0"/>
-              </a:spcBef>
-              <a:spcAft>
-                <a:spcPts val="0"/>
-              </a:spcAft>
-              <a:buSzPts val="1400"/>
-              <a:buChar char="○"/>
-            </a:pPr>
-            <a:r>
-              <a:rPr lang="en"/>
-              <a:t>Cost: $200</a:t>
-            </a:r>
-            <a:endParaRPr/>
-          </a:p>
-          <a:p>
-            <a:pPr marL="914400" lvl="1" indent="-317500" algn="l" rtl="0">
-              <a:spcBef>
-                <a:spcPts val="0"/>
-              </a:spcBef>
-              <a:spcAft>
-                <a:spcPts val="0"/>
-              </a:spcAft>
-              <a:buSzPts val="1400"/>
-              <a:buChar char="○"/>
-            </a:pPr>
-            <a:r>
-              <a:rPr lang="en"/>
-              <a:t>Powered with USB (no extra power supply needed)</a:t>
-            </a:r>
-            <a:endParaRPr/>
-          </a:p>
-          <a:p>
-            <a:pPr marL="914400" lvl="1" indent="-317500" algn="l" rtl="0">
-              <a:spcBef>
-                <a:spcPts val="0"/>
-              </a:spcBef>
-              <a:spcAft>
-                <a:spcPts val="0"/>
-              </a:spcAft>
-              <a:buSzPts val="1400"/>
-              <a:buChar char="○"/>
-            </a:pPr>
-            <a:r>
-              <a:rPr lang="en"/>
-              <a:t>ETAP-2003R extra fun: Attacker can also send packets</a:t>
-            </a:r>
-            <a:endParaRPr/>
-          </a:p>
-        </p:txBody>
-      </p:sp>
-      <p:sp>
-        <p:nvSpPr>
-          <p:cNvPr id="1011" name="Google Shape;1011;p75"/>
-          <p:cNvSpPr/>
-          <p:nvPr/>
-        </p:nvSpPr>
-        <p:spPr>
-          <a:xfrm>
-            <a:off x="6840325" y="2702188"/>
-            <a:ext cx="1791000" cy="639000"/>
-          </a:xfrm>
-          <a:prstGeom prst="rect">
-            <a:avLst/>
-          </a:prstGeom>
-          <a:solidFill>
-            <a:schemeClr val="lt2"/>
-          </a:solidFill>
-          <a:ln w="9525" cap="flat" cmpd="sng">
-            <a:solidFill>
-              <a:schemeClr val="dk2"/>
-            </a:solidFill>
-            <a:prstDash val="solid"/>
-            <a:round/>
-            <a:headEnd type="none" w="sm" len="sm"/>
-            <a:tailEnd type="none" w="sm" len="sm"/>
-          </a:ln>
-        </p:spPr>
-        <p:txBody>
-          <a:bodyPr spcFirstLastPara="1" wrap="square" lIns="91425" tIns="91425" rIns="91425" bIns="91425" anchor="ctr" anchorCtr="0">
-            <a:noAutofit/>
-          </a:bodyPr>
-          <a:lstStyle/>
-          <a:p>
-            <a:pPr marL="0" lvl="0" indent="0" algn="ctr" rtl="0">
-              <a:spcBef>
-                <a:spcPts val="0"/>
-              </a:spcBef>
-              <a:spcAft>
-                <a:spcPts val="0"/>
-              </a:spcAft>
-              <a:buNone/>
-            </a:pPr>
-            <a:r>
-              <a:rPr lang="en" sz="1600"/>
-              <a:t>Ethernet Device</a:t>
-            </a:r>
-            <a:endParaRPr sz="1600"/>
-          </a:p>
-        </p:txBody>
-      </p:sp>
-      <p:sp>
-        <p:nvSpPr>
-          <p:cNvPr id="1012" name="Google Shape;1012;p75"/>
-          <p:cNvSpPr/>
-          <p:nvPr/>
-        </p:nvSpPr>
-        <p:spPr>
-          <a:xfrm>
-            <a:off x="5353975" y="4157550"/>
-            <a:ext cx="1340400" cy="639000"/>
-          </a:xfrm>
-          <a:prstGeom prst="rect">
-            <a:avLst/>
-          </a:prstGeom>
-          <a:solidFill>
-            <a:schemeClr val="lt2"/>
-          </a:solidFill>
-          <a:ln w="9525" cap="flat" cmpd="sng">
-            <a:solidFill>
-              <a:schemeClr val="dk2"/>
-            </a:solidFill>
-            <a:prstDash val="solid"/>
-            <a:round/>
-            <a:headEnd type="none" w="sm" len="sm"/>
-            <a:tailEnd type="none" w="sm" len="sm"/>
-          </a:ln>
-        </p:spPr>
-        <p:txBody>
-          <a:bodyPr spcFirstLastPara="1" wrap="square" lIns="91425" tIns="91425" rIns="91425" bIns="91425" anchor="ctr" anchorCtr="0">
-            <a:noAutofit/>
-          </a:bodyPr>
-          <a:lstStyle/>
-          <a:p>
-            <a:pPr marL="0" lvl="0" indent="0" algn="ctr" rtl="0">
-              <a:spcBef>
-                <a:spcPts val="0"/>
-              </a:spcBef>
-              <a:spcAft>
-                <a:spcPts val="0"/>
-              </a:spcAft>
-              <a:buNone/>
-            </a:pPr>
-            <a:r>
-              <a:rPr lang="en" sz="1600"/>
-              <a:t>Attacker</a:t>
-            </a:r>
-            <a:endParaRPr sz="1600"/>
-          </a:p>
-        </p:txBody>
-      </p:sp>
-      <p:sp>
-        <p:nvSpPr>
-          <p:cNvPr id="1013" name="Google Shape;1013;p75"/>
-          <p:cNvSpPr/>
-          <p:nvPr/>
-        </p:nvSpPr>
-        <p:spPr>
-          <a:xfrm>
-            <a:off x="7065613" y="4157550"/>
-            <a:ext cx="1340400" cy="639000"/>
-          </a:xfrm>
-          <a:prstGeom prst="rect">
-            <a:avLst/>
-          </a:prstGeom>
-          <a:solidFill>
-            <a:schemeClr val="lt2"/>
-          </a:solidFill>
-          <a:ln w="9525" cap="flat" cmpd="sng">
-            <a:solidFill>
-              <a:schemeClr val="dk2"/>
-            </a:solidFill>
-            <a:prstDash val="solid"/>
-            <a:round/>
-            <a:headEnd type="none" w="sm" len="sm"/>
-            <a:tailEnd type="none" w="sm" len="sm"/>
-          </a:ln>
-        </p:spPr>
-        <p:txBody>
-          <a:bodyPr spcFirstLastPara="1" wrap="square" lIns="91425" tIns="91425" rIns="91425" bIns="91425" anchor="ctr" anchorCtr="0">
-            <a:noAutofit/>
-          </a:bodyPr>
-          <a:lstStyle/>
-          <a:p>
-            <a:pPr marL="0" lvl="0" indent="0" algn="ctr" rtl="0">
-              <a:spcBef>
-                <a:spcPts val="0"/>
-              </a:spcBef>
-              <a:spcAft>
-                <a:spcPts val="0"/>
-              </a:spcAft>
-              <a:buNone/>
-            </a:pPr>
-            <a:r>
-              <a:rPr lang="en" sz="1600"/>
-              <a:t>Bob</a:t>
-            </a:r>
-            <a:endParaRPr sz="1600"/>
-          </a:p>
-        </p:txBody>
-      </p:sp>
-      <p:sp>
-        <p:nvSpPr>
-          <p:cNvPr id="1014" name="Google Shape;1014;p75"/>
-          <p:cNvSpPr/>
-          <p:nvPr/>
-        </p:nvSpPr>
-        <p:spPr>
-          <a:xfrm>
-            <a:off x="7065613" y="1246825"/>
-            <a:ext cx="1340400" cy="639000"/>
-          </a:xfrm>
-          <a:prstGeom prst="rect">
-            <a:avLst/>
-          </a:prstGeom>
-          <a:solidFill>
-            <a:schemeClr val="lt2"/>
-          </a:solidFill>
-          <a:ln w="9525" cap="flat" cmpd="sng">
-            <a:solidFill>
-              <a:schemeClr val="dk2"/>
-            </a:solidFill>
-            <a:prstDash val="solid"/>
-            <a:round/>
-            <a:headEnd type="none" w="sm" len="sm"/>
-            <a:tailEnd type="none" w="sm" len="sm"/>
-          </a:ln>
-        </p:spPr>
-        <p:txBody>
-          <a:bodyPr spcFirstLastPara="1" wrap="square" lIns="91425" tIns="91425" rIns="91425" bIns="91425" anchor="ctr" anchorCtr="0">
-            <a:noAutofit/>
-          </a:bodyPr>
-          <a:lstStyle/>
-          <a:p>
-            <a:pPr marL="0" lvl="0" indent="0" algn="ctr" rtl="0">
-              <a:spcBef>
-                <a:spcPts val="0"/>
-              </a:spcBef>
-              <a:spcAft>
-                <a:spcPts val="0"/>
-              </a:spcAft>
-              <a:buNone/>
-            </a:pPr>
-            <a:r>
-              <a:rPr lang="en" sz="1600"/>
-              <a:t>Alice</a:t>
-            </a:r>
-            <a:endParaRPr sz="1600"/>
-          </a:p>
-        </p:txBody>
-      </p:sp>
-      <p:cxnSp>
-        <p:nvCxnSpPr>
-          <p:cNvPr id="1015" name="Google Shape;1015;p75"/>
-          <p:cNvCxnSpPr>
-            <a:stCxn id="1014" idx="2"/>
-            <a:endCxn id="1011" idx="0"/>
-          </p:cNvCxnSpPr>
-          <p:nvPr/>
-        </p:nvCxnSpPr>
-        <p:spPr>
-          <a:xfrm>
-            <a:off x="7735813" y="1885825"/>
-            <a:ext cx="0" cy="816300"/>
-          </a:xfrm>
-          <a:prstGeom prst="straightConnector1">
-            <a:avLst/>
-          </a:prstGeom>
-          <a:noFill/>
-          <a:ln w="9525" cap="flat" cmpd="sng">
-            <a:solidFill>
-              <a:schemeClr val="dk2"/>
-            </a:solidFill>
-            <a:prstDash val="solid"/>
-            <a:round/>
-            <a:headEnd type="none" w="med" len="med"/>
-            <a:tailEnd type="triangle" w="med" len="med"/>
-          </a:ln>
-        </p:spPr>
-      </p:cxnSp>
-      <p:sp>
-        <p:nvSpPr>
-          <p:cNvPr id="1016" name="Google Shape;1016;p75"/>
-          <p:cNvSpPr txBox="1"/>
-          <p:nvPr/>
-        </p:nvSpPr>
-        <p:spPr>
-          <a:xfrm>
-            <a:off x="7735825" y="1986213"/>
-            <a:ext cx="867900" cy="615600"/>
-          </a:xfrm>
-          <a:prstGeom prst="rect">
-            <a:avLst/>
-          </a:prstGeom>
-          <a:noFill/>
-          <a:ln>
-            <a:noFill/>
-          </a:ln>
-        </p:spPr>
-        <p:txBody>
-          <a:bodyPr spcFirstLastPara="1" wrap="square" lIns="91425" tIns="91425" rIns="91425" bIns="91425" anchor="t" anchorCtr="0">
-            <a:spAutoFit/>
-          </a:bodyPr>
-          <a:lstStyle/>
-          <a:p>
-            <a:pPr marL="0" lvl="0" indent="0" algn="l" rtl="0">
-              <a:spcBef>
-                <a:spcPts val="0"/>
-              </a:spcBef>
-              <a:spcAft>
-                <a:spcPts val="0"/>
-              </a:spcAft>
-              <a:buNone/>
-            </a:pPr>
-            <a:r>
-              <a:rPr lang="en"/>
-              <a:t>To: Bob</a:t>
-            </a:r>
-            <a:endParaRPr/>
-          </a:p>
-          <a:p>
-            <a:pPr marL="0" lvl="0" indent="0" algn="l" rtl="0">
-              <a:spcBef>
-                <a:spcPts val="0"/>
-              </a:spcBef>
-              <a:spcAft>
-                <a:spcPts val="0"/>
-              </a:spcAft>
-              <a:buNone/>
-            </a:pPr>
-            <a:r>
-              <a:rPr lang="en"/>
-              <a:t>“Hi”</a:t>
-            </a:r>
-            <a:endParaRPr/>
-          </a:p>
-        </p:txBody>
-      </p:sp>
-      <p:cxnSp>
-        <p:nvCxnSpPr>
-          <p:cNvPr id="1017" name="Google Shape;1017;p75"/>
-          <p:cNvCxnSpPr>
-            <a:stCxn id="1011" idx="2"/>
-            <a:endCxn id="1013" idx="0"/>
-          </p:cNvCxnSpPr>
-          <p:nvPr/>
-        </p:nvCxnSpPr>
-        <p:spPr>
-          <a:xfrm>
-            <a:off x="7735825" y="3341188"/>
-            <a:ext cx="0" cy="816300"/>
-          </a:xfrm>
-          <a:prstGeom prst="straightConnector1">
-            <a:avLst/>
-          </a:prstGeom>
-          <a:noFill/>
-          <a:ln w="9525" cap="flat" cmpd="sng">
-            <a:solidFill>
-              <a:schemeClr val="dk2"/>
-            </a:solidFill>
-            <a:prstDash val="solid"/>
-            <a:round/>
-            <a:headEnd type="none" w="med" len="med"/>
-            <a:tailEnd type="triangle" w="med" len="med"/>
-          </a:ln>
-        </p:spPr>
-      </p:cxnSp>
-      <p:sp>
-        <p:nvSpPr>
-          <p:cNvPr id="1018" name="Google Shape;1018;p75"/>
-          <p:cNvSpPr txBox="1"/>
-          <p:nvPr/>
-        </p:nvSpPr>
-        <p:spPr>
-          <a:xfrm>
-            <a:off x="7735825" y="3441588"/>
-            <a:ext cx="867900" cy="615600"/>
-          </a:xfrm>
-          <a:prstGeom prst="rect">
-            <a:avLst/>
-          </a:prstGeom>
-          <a:noFill/>
-          <a:ln>
-            <a:noFill/>
-          </a:ln>
-        </p:spPr>
-        <p:txBody>
-          <a:bodyPr spcFirstLastPara="1" wrap="square" lIns="91425" tIns="91425" rIns="91425" bIns="91425" anchor="t" anchorCtr="0">
-            <a:spAutoFit/>
-          </a:bodyPr>
-          <a:lstStyle/>
-          <a:p>
-            <a:pPr marL="0" lvl="0" indent="0" algn="l" rtl="0">
-              <a:spcBef>
-                <a:spcPts val="0"/>
-              </a:spcBef>
-              <a:spcAft>
-                <a:spcPts val="0"/>
-              </a:spcAft>
-              <a:buNone/>
-            </a:pPr>
-            <a:r>
-              <a:rPr lang="en"/>
-              <a:t>To: Bob</a:t>
-            </a:r>
-            <a:endParaRPr/>
-          </a:p>
-          <a:p>
-            <a:pPr marL="0" lvl="0" indent="0" algn="l" rtl="0">
-              <a:spcBef>
-                <a:spcPts val="0"/>
-              </a:spcBef>
-              <a:spcAft>
-                <a:spcPts val="0"/>
-              </a:spcAft>
-              <a:buNone/>
-            </a:pPr>
-            <a:r>
-              <a:rPr lang="en"/>
-              <a:t>“Hi”</a:t>
-            </a:r>
-            <a:endParaRPr/>
-          </a:p>
-        </p:txBody>
-      </p:sp>
-      <p:sp>
-        <p:nvSpPr>
-          <p:cNvPr id="1019" name="Google Shape;1019;p75"/>
-          <p:cNvSpPr txBox="1"/>
-          <p:nvPr/>
-        </p:nvSpPr>
-        <p:spPr>
-          <a:xfrm>
-            <a:off x="6024325" y="3441563"/>
-            <a:ext cx="867900" cy="615600"/>
-          </a:xfrm>
-          <a:prstGeom prst="rect">
-            <a:avLst/>
-          </a:prstGeom>
-          <a:noFill/>
-          <a:ln>
-            <a:noFill/>
-          </a:ln>
-        </p:spPr>
-        <p:txBody>
-          <a:bodyPr spcFirstLastPara="1" wrap="square" lIns="91425" tIns="91425" rIns="91425" bIns="91425" anchor="t" anchorCtr="0">
-            <a:spAutoFit/>
-          </a:bodyPr>
-          <a:lstStyle/>
-          <a:p>
-            <a:pPr marL="0" lvl="0" indent="0" algn="l" rtl="0">
-              <a:spcBef>
-                <a:spcPts val="0"/>
-              </a:spcBef>
-              <a:spcAft>
-                <a:spcPts val="0"/>
-              </a:spcAft>
-              <a:buNone/>
-            </a:pPr>
-            <a:r>
-              <a:rPr lang="en"/>
-              <a:t>To: Bob</a:t>
-            </a:r>
-            <a:endParaRPr/>
-          </a:p>
-          <a:p>
-            <a:pPr marL="0" lvl="0" indent="0" algn="l" rtl="0">
-              <a:spcBef>
-                <a:spcPts val="0"/>
-              </a:spcBef>
-              <a:spcAft>
-                <a:spcPts val="0"/>
-              </a:spcAft>
-              <a:buNone/>
-            </a:pPr>
-            <a:r>
-              <a:rPr lang="en"/>
-              <a:t>“Hi”</a:t>
-            </a:r>
-            <a:endParaRPr/>
-          </a:p>
-        </p:txBody>
-      </p:sp>
-      <p:cxnSp>
-        <p:nvCxnSpPr>
-          <p:cNvPr id="1020" name="Google Shape;1020;p75"/>
-          <p:cNvCxnSpPr>
-            <a:stCxn id="1011" idx="2"/>
-            <a:endCxn id="1012" idx="0"/>
-          </p:cNvCxnSpPr>
-          <p:nvPr/>
-        </p:nvCxnSpPr>
-        <p:spPr>
-          <a:xfrm flipH="1">
-            <a:off x="6024325" y="3341188"/>
-            <a:ext cx="1711500" cy="816300"/>
-          </a:xfrm>
-          <a:prstGeom prst="straightConnector1">
-            <a:avLst/>
-          </a:prstGeom>
-          <a:noFill/>
-          <a:ln w="9525" cap="flat" cmpd="sng">
-            <a:solidFill>
-              <a:schemeClr val="dk2"/>
-            </a:solidFill>
-            <a:prstDash val="solid"/>
-            <a:round/>
-            <a:headEnd type="none" w="med" len="med"/>
-            <a:tailEnd type="triangle" w="med" len="med"/>
-          </a:ln>
-        </p:spPr>
-      </p:cxnSp>
-      <p:pic>
-        <p:nvPicPr>
-          <p:cNvPr id="1021" name="Google Shape;1021;p75"/>
-          <p:cNvPicPr preferRelativeResize="0"/>
-          <p:nvPr/>
-        </p:nvPicPr>
-        <p:blipFill>
-          <a:blip r:embed="rId3">
-            <a:alphaModFix/>
-          </a:blip>
-          <a:stretch>
-            <a:fillRect/>
-          </a:stretch>
-        </p:blipFill>
-        <p:spPr>
-          <a:xfrm>
-            <a:off x="6291624" y="2669483"/>
-            <a:ext cx="548700" cy="704424"/>
-          </a:xfrm>
-          <a:prstGeom prst="rect">
-            <a:avLst/>
-          </a:prstGeom>
-          <a:noFill/>
-          <a:ln>
-            <a:noFill/>
-          </a:ln>
-        </p:spPr>
-      </p:pic>
     </p:spTree>
   </p:cSld>
   <p:clrMapOvr>

--- a/teaching/ITIS6200/2023fa/lectures/lec15.ARP.pptx
+++ b/teaching/ITIS6200/2023fa/lectures/lec15.ARP.pptx
@@ -5,44 +5,46 @@
     <p:sldMasterId id="2147483663" r:id="rId1"/>
   </p:sldMasterIdLst>
   <p:notesMasterIdLst>
-    <p:notesMasterId r:id="rId37"/>
+    <p:notesMasterId r:id="rId39"/>
   </p:notesMasterIdLst>
   <p:sldIdLst>
     <p:sldId id="330" r:id="rId2"/>
     <p:sldId id="306" r:id="rId3"/>
-    <p:sldId id="307" r:id="rId4"/>
-    <p:sldId id="308" r:id="rId5"/>
-    <p:sldId id="309" r:id="rId6"/>
-    <p:sldId id="310" r:id="rId7"/>
-    <p:sldId id="312" r:id="rId8"/>
-    <p:sldId id="313" r:id="rId9"/>
-    <p:sldId id="316" r:id="rId10"/>
-    <p:sldId id="317" r:id="rId11"/>
-    <p:sldId id="318" r:id="rId12"/>
-    <p:sldId id="319" r:id="rId13"/>
-    <p:sldId id="320" r:id="rId14"/>
-    <p:sldId id="321" r:id="rId15"/>
-    <p:sldId id="322" r:id="rId16"/>
-    <p:sldId id="323" r:id="rId17"/>
-    <p:sldId id="324" r:id="rId18"/>
-    <p:sldId id="325" r:id="rId19"/>
-    <p:sldId id="326" r:id="rId20"/>
-    <p:sldId id="327" r:id="rId21"/>
-    <p:sldId id="328" r:id="rId22"/>
-    <p:sldId id="329" r:id="rId23"/>
-    <p:sldId id="345" r:id="rId24"/>
-    <p:sldId id="331" r:id="rId25"/>
-    <p:sldId id="347" r:id="rId26"/>
-    <p:sldId id="348" r:id="rId27"/>
-    <p:sldId id="346" r:id="rId28"/>
-    <p:sldId id="332" r:id="rId29"/>
-    <p:sldId id="334" r:id="rId30"/>
-    <p:sldId id="335" r:id="rId31"/>
-    <p:sldId id="336" r:id="rId32"/>
-    <p:sldId id="337" r:id="rId33"/>
-    <p:sldId id="338" r:id="rId34"/>
-    <p:sldId id="341" r:id="rId35"/>
-    <p:sldId id="343" r:id="rId36"/>
+    <p:sldId id="349" r:id="rId4"/>
+    <p:sldId id="350" r:id="rId5"/>
+    <p:sldId id="307" r:id="rId6"/>
+    <p:sldId id="308" r:id="rId7"/>
+    <p:sldId id="309" r:id="rId8"/>
+    <p:sldId id="310" r:id="rId9"/>
+    <p:sldId id="312" r:id="rId10"/>
+    <p:sldId id="313" r:id="rId11"/>
+    <p:sldId id="316" r:id="rId12"/>
+    <p:sldId id="317" r:id="rId13"/>
+    <p:sldId id="318" r:id="rId14"/>
+    <p:sldId id="319" r:id="rId15"/>
+    <p:sldId id="320" r:id="rId16"/>
+    <p:sldId id="321" r:id="rId17"/>
+    <p:sldId id="322" r:id="rId18"/>
+    <p:sldId id="323" r:id="rId19"/>
+    <p:sldId id="324" r:id="rId20"/>
+    <p:sldId id="325" r:id="rId21"/>
+    <p:sldId id="326" r:id="rId22"/>
+    <p:sldId id="327" r:id="rId23"/>
+    <p:sldId id="328" r:id="rId24"/>
+    <p:sldId id="329" r:id="rId25"/>
+    <p:sldId id="345" r:id="rId26"/>
+    <p:sldId id="331" r:id="rId27"/>
+    <p:sldId id="347" r:id="rId28"/>
+    <p:sldId id="348" r:id="rId29"/>
+    <p:sldId id="346" r:id="rId30"/>
+    <p:sldId id="332" r:id="rId31"/>
+    <p:sldId id="334" r:id="rId32"/>
+    <p:sldId id="335" r:id="rId33"/>
+    <p:sldId id="336" r:id="rId34"/>
+    <p:sldId id="337" r:id="rId35"/>
+    <p:sldId id="338" r:id="rId36"/>
+    <p:sldId id="341" r:id="rId37"/>
+    <p:sldId id="343" r:id="rId38"/>
   </p:sldIdLst>
   <p:sldSz cx="9144000" cy="5143500" type="screen16x9"/>
   <p:notesSz cx="6858000" cy="9144000"/>
@@ -844,6 +846,214 @@
   <p:cSld>
     <p:spTree>
       <p:nvGrpSpPr>
+        <p:cNvPr id="1" name="Shape 995"/>
+        <p:cNvGrpSpPr/>
+        <p:nvPr/>
+      </p:nvGrpSpPr>
+      <p:grpSpPr>
+        <a:xfrm>
+          <a:off x="0" y="0"/>
+          <a:ext cx="0" cy="0"/>
+          <a:chOff x="0" y="0"/>
+          <a:chExt cx="0" cy="0"/>
+        </a:xfrm>
+      </p:grpSpPr>
+      <p:sp>
+        <p:nvSpPr>
+          <p:cNvPr id="996" name="Google Shape;996;g16f207837e6_0_60:notes"/>
+          <p:cNvSpPr>
+            <a:spLocks noGrp="1" noRot="1" noChangeAspect="1"/>
+          </p:cNvSpPr>
+          <p:nvPr>
+            <p:ph type="sldImg" idx="2"/>
+          </p:nvPr>
+        </p:nvSpPr>
+        <p:spPr>
+          <a:xfrm>
+            <a:off x="381000" y="685800"/>
+            <a:ext cx="6096000" cy="3429000"/>
+          </a:xfrm>
+          <a:custGeom>
+            <a:avLst/>
+            <a:gdLst/>
+            <a:ahLst/>
+            <a:cxnLst/>
+            <a:rect l="l" t="t" r="r" b="b"/>
+            <a:pathLst>
+              <a:path w="120000" h="120000" extrusionOk="0">
+                <a:moveTo>
+                  <a:pt x="0" y="0"/>
+                </a:moveTo>
+                <a:lnTo>
+                  <a:pt x="120000" y="0"/>
+                </a:lnTo>
+                <a:lnTo>
+                  <a:pt x="120000" y="120000"/>
+                </a:lnTo>
+                <a:lnTo>
+                  <a:pt x="0" y="120000"/>
+                </a:lnTo>
+                <a:close/>
+              </a:path>
+            </a:pathLst>
+          </a:custGeom>
+        </p:spPr>
+      </p:sp>
+      <p:sp>
+        <p:nvSpPr>
+          <p:cNvPr id="997" name="Google Shape;997;g16f207837e6_0_60:notes"/>
+          <p:cNvSpPr txBox="1">
+            <a:spLocks noGrp="1"/>
+          </p:cNvSpPr>
+          <p:nvPr>
+            <p:ph type="body" idx="1"/>
+          </p:nvPr>
+        </p:nvSpPr>
+        <p:spPr>
+          <a:xfrm>
+            <a:off x="685800" y="4343400"/>
+            <a:ext cx="5486400" cy="4114800"/>
+          </a:xfrm>
+          <a:prstGeom prst="rect">
+            <a:avLst/>
+          </a:prstGeom>
+        </p:spPr>
+        <p:txBody>
+          <a:bodyPr spcFirstLastPara="1" wrap="square" lIns="91425" tIns="91425" rIns="91425" bIns="91425" anchor="t" anchorCtr="0">
+            <a:noAutofit/>
+          </a:bodyPr>
+          <a:lstStyle/>
+          <a:p>
+            <a:pPr marL="0" lvl="0" indent="0" algn="l" rtl="0">
+              <a:spcBef>
+                <a:spcPts val="0"/>
+              </a:spcBef>
+              <a:spcAft>
+                <a:spcPts val="0"/>
+              </a:spcAft>
+              <a:buNone/>
+            </a:pPr>
+            <a:endParaRPr/>
+          </a:p>
+        </p:txBody>
+      </p:sp>
+    </p:spTree>
+  </p:cSld>
+  <p:clrMapOvr>
+    <a:masterClrMapping/>
+  </p:clrMapOvr>
+</p:notes>
+</file>
+
+<file path=ppt/notesSlides/notesSlide11.xml><?xml version="1.0" encoding="utf-8"?>
+<p:notes xmlns:a="http://schemas.openxmlformats.org/drawingml/2006/main" xmlns:r="http://schemas.openxmlformats.org/officeDocument/2006/relationships" xmlns:p="http://schemas.openxmlformats.org/presentationml/2006/main" showMasterSp="0" showMasterPhAnim="0">
+  <p:cSld>
+    <p:spTree>
+      <p:nvGrpSpPr>
+        <p:cNvPr id="1" name="Shape 1029"/>
+        <p:cNvGrpSpPr/>
+        <p:nvPr/>
+      </p:nvGrpSpPr>
+      <p:grpSpPr>
+        <a:xfrm>
+          <a:off x="0" y="0"/>
+          <a:ext cx="0" cy="0"/>
+          <a:chOff x="0" y="0"/>
+          <a:chExt cx="0" cy="0"/>
+        </a:xfrm>
+      </p:grpSpPr>
+      <p:sp>
+        <p:nvSpPr>
+          <p:cNvPr id="1030" name="Google Shape;1030;g16f207837e6_0_91:notes"/>
+          <p:cNvSpPr>
+            <a:spLocks noGrp="1" noRot="1" noChangeAspect="1"/>
+          </p:cNvSpPr>
+          <p:nvPr>
+            <p:ph type="sldImg" idx="2"/>
+          </p:nvPr>
+        </p:nvSpPr>
+        <p:spPr>
+          <a:xfrm>
+            <a:off x="381000" y="685800"/>
+            <a:ext cx="6096000" cy="3429000"/>
+          </a:xfrm>
+          <a:custGeom>
+            <a:avLst/>
+            <a:gdLst/>
+            <a:ahLst/>
+            <a:cxnLst/>
+            <a:rect l="l" t="t" r="r" b="b"/>
+            <a:pathLst>
+              <a:path w="120000" h="120000" extrusionOk="0">
+                <a:moveTo>
+                  <a:pt x="0" y="0"/>
+                </a:moveTo>
+                <a:lnTo>
+                  <a:pt x="120000" y="0"/>
+                </a:lnTo>
+                <a:lnTo>
+                  <a:pt x="120000" y="120000"/>
+                </a:lnTo>
+                <a:lnTo>
+                  <a:pt x="0" y="120000"/>
+                </a:lnTo>
+                <a:close/>
+              </a:path>
+            </a:pathLst>
+          </a:custGeom>
+        </p:spPr>
+      </p:sp>
+      <p:sp>
+        <p:nvSpPr>
+          <p:cNvPr id="1031" name="Google Shape;1031;g16f207837e6_0_91:notes"/>
+          <p:cNvSpPr txBox="1">
+            <a:spLocks noGrp="1"/>
+          </p:cNvSpPr>
+          <p:nvPr>
+            <p:ph type="body" idx="1"/>
+          </p:nvPr>
+        </p:nvSpPr>
+        <p:spPr>
+          <a:xfrm>
+            <a:off x="685800" y="4343400"/>
+            <a:ext cx="5486400" cy="4114800"/>
+          </a:xfrm>
+          <a:prstGeom prst="rect">
+            <a:avLst/>
+          </a:prstGeom>
+        </p:spPr>
+        <p:txBody>
+          <a:bodyPr spcFirstLastPara="1" wrap="square" lIns="91425" tIns="91425" rIns="91425" bIns="91425" anchor="t" anchorCtr="0">
+            <a:noAutofit/>
+          </a:bodyPr>
+          <a:lstStyle/>
+          <a:p>
+            <a:pPr marL="0" lvl="0" indent="0" algn="l" rtl="0">
+              <a:spcBef>
+                <a:spcPts val="0"/>
+              </a:spcBef>
+              <a:spcAft>
+                <a:spcPts val="0"/>
+              </a:spcAft>
+              <a:buNone/>
+            </a:pPr>
+            <a:endParaRPr/>
+          </a:p>
+        </p:txBody>
+      </p:sp>
+    </p:spTree>
+  </p:cSld>
+  <p:clrMapOvr>
+    <a:masterClrMapping/>
+  </p:clrMapOvr>
+</p:notes>
+</file>
+
+<file path=ppt/notesSlides/notesSlide12.xml><?xml version="1.0" encoding="utf-8"?>
+<p:notes xmlns:a="http://schemas.openxmlformats.org/drawingml/2006/main" xmlns:r="http://schemas.openxmlformats.org/officeDocument/2006/relationships" xmlns:p="http://schemas.openxmlformats.org/presentationml/2006/main" showMasterSp="0" showMasterPhAnim="0">
+  <p:cSld>
+    <p:spTree>
+      <p:nvGrpSpPr>
         <p:cNvPr id="1" name="Shape 1035"/>
         <p:cNvGrpSpPr/>
         <p:nvPr/>
@@ -943,7 +1153,7 @@
 </p:notes>
 </file>
 
-<file path=ppt/notesSlides/notesSlide11.xml><?xml version="1.0" encoding="utf-8"?>
+<file path=ppt/notesSlides/notesSlide13.xml><?xml version="1.0" encoding="utf-8"?>
 <p:notes xmlns:a="http://schemas.openxmlformats.org/drawingml/2006/main" xmlns:r="http://schemas.openxmlformats.org/officeDocument/2006/relationships" xmlns:p="http://schemas.openxmlformats.org/presentationml/2006/main" showMasterSp="0" showMasterPhAnim="0">
   <p:cSld>
     <p:spTree>
@@ -1047,7 +1257,7 @@
 </p:notes>
 </file>
 
-<file path=ppt/notesSlides/notesSlide12.xml><?xml version="1.0" encoding="utf-8"?>
+<file path=ppt/notesSlides/notesSlide14.xml><?xml version="1.0" encoding="utf-8"?>
 <p:notes xmlns:a="http://schemas.openxmlformats.org/drawingml/2006/main" xmlns:r="http://schemas.openxmlformats.org/officeDocument/2006/relationships" xmlns:p="http://schemas.openxmlformats.org/presentationml/2006/main" showMasterSp="0" showMasterPhAnim="0">
   <p:cSld>
     <p:spTree>
@@ -1151,7 +1361,7 @@
 </p:notes>
 </file>
 
-<file path=ppt/notesSlides/notesSlide13.xml><?xml version="1.0" encoding="utf-8"?>
+<file path=ppt/notesSlides/notesSlide15.xml><?xml version="1.0" encoding="utf-8"?>
 <p:notes xmlns:a="http://schemas.openxmlformats.org/drawingml/2006/main" xmlns:r="http://schemas.openxmlformats.org/officeDocument/2006/relationships" xmlns:p="http://schemas.openxmlformats.org/presentationml/2006/main" showMasterSp="0" showMasterPhAnim="0">
   <p:cSld>
     <p:spTree>
@@ -1255,7 +1465,7 @@
 </p:notes>
 </file>
 
-<file path=ppt/notesSlides/notesSlide14.xml><?xml version="1.0" encoding="utf-8"?>
+<file path=ppt/notesSlides/notesSlide16.xml><?xml version="1.0" encoding="utf-8"?>
 <p:notes xmlns:a="http://schemas.openxmlformats.org/drawingml/2006/main" xmlns:r="http://schemas.openxmlformats.org/officeDocument/2006/relationships" xmlns:p="http://schemas.openxmlformats.org/presentationml/2006/main" showMasterSp="0" showMasterPhAnim="0">
   <p:cSld>
     <p:spTree>
@@ -1359,7 +1569,7 @@
 </p:notes>
 </file>
 
-<file path=ppt/notesSlides/notesSlide15.xml><?xml version="1.0" encoding="utf-8"?>
+<file path=ppt/notesSlides/notesSlide17.xml><?xml version="1.0" encoding="utf-8"?>
 <p:notes xmlns:a="http://schemas.openxmlformats.org/drawingml/2006/main" xmlns:r="http://schemas.openxmlformats.org/officeDocument/2006/relationships" xmlns:p="http://schemas.openxmlformats.org/presentationml/2006/main" showMasterSp="0" showMasterPhAnim="0">
   <p:cSld>
     <p:spTree>
@@ -1463,7 +1673,7 @@
 </p:notes>
 </file>
 
-<file path=ppt/notesSlides/notesSlide16.xml><?xml version="1.0" encoding="utf-8"?>
+<file path=ppt/notesSlides/notesSlide18.xml><?xml version="1.0" encoding="utf-8"?>
 <p:notes xmlns:a="http://schemas.openxmlformats.org/drawingml/2006/main" xmlns:r="http://schemas.openxmlformats.org/officeDocument/2006/relationships" xmlns:p="http://schemas.openxmlformats.org/presentationml/2006/main" showMasterSp="0" showMasterPhAnim="0">
   <p:cSld>
     <p:spTree>
@@ -1577,7 +1787,7 @@
 </p:notes>
 </file>
 
-<file path=ppt/notesSlides/notesSlide17.xml><?xml version="1.0" encoding="utf-8"?>
+<file path=ppt/notesSlides/notesSlide19.xml><?xml version="1.0" encoding="utf-8"?>
 <p:notes xmlns:a="http://schemas.openxmlformats.org/drawingml/2006/main" xmlns:r="http://schemas.openxmlformats.org/officeDocument/2006/relationships" xmlns:p="http://schemas.openxmlformats.org/presentationml/2006/main" showMasterSp="0" showMasterPhAnim="0">
   <p:cSld>
     <p:spTree>
@@ -1638,214 +1848,6 @@
       <p:sp>
         <p:nvSpPr>
           <p:cNvPr id="1159" name="Google Shape;1159;g16f207837e6_0_211:notes"/>
-          <p:cNvSpPr txBox="1">
-            <a:spLocks noGrp="1"/>
-          </p:cNvSpPr>
-          <p:nvPr>
-            <p:ph type="body" idx="1"/>
-          </p:nvPr>
-        </p:nvSpPr>
-        <p:spPr>
-          <a:xfrm>
-            <a:off x="685800" y="4343400"/>
-            <a:ext cx="5486400" cy="4114800"/>
-          </a:xfrm>
-          <a:prstGeom prst="rect">
-            <a:avLst/>
-          </a:prstGeom>
-        </p:spPr>
-        <p:txBody>
-          <a:bodyPr spcFirstLastPara="1" wrap="square" lIns="91425" tIns="91425" rIns="91425" bIns="91425" anchor="t" anchorCtr="0">
-            <a:noAutofit/>
-          </a:bodyPr>
-          <a:lstStyle/>
-          <a:p>
-            <a:pPr marL="0" lvl="0" indent="0" algn="l" rtl="0">
-              <a:spcBef>
-                <a:spcPts val="0"/>
-              </a:spcBef>
-              <a:spcAft>
-                <a:spcPts val="0"/>
-              </a:spcAft>
-              <a:buNone/>
-            </a:pPr>
-            <a:endParaRPr/>
-          </a:p>
-        </p:txBody>
-      </p:sp>
-    </p:spTree>
-  </p:cSld>
-  <p:clrMapOvr>
-    <a:masterClrMapping/>
-  </p:clrMapOvr>
-</p:notes>
-</file>
-
-<file path=ppt/notesSlides/notesSlide18.xml><?xml version="1.0" encoding="utf-8"?>
-<p:notes xmlns:a="http://schemas.openxmlformats.org/drawingml/2006/main" xmlns:r="http://schemas.openxmlformats.org/officeDocument/2006/relationships" xmlns:p="http://schemas.openxmlformats.org/presentationml/2006/main" showMasterSp="0" showMasterPhAnim="0">
-  <p:cSld>
-    <p:spTree>
-      <p:nvGrpSpPr>
-        <p:cNvPr id="1" name="Shape 1174"/>
-        <p:cNvGrpSpPr/>
-        <p:nvPr/>
-      </p:nvGrpSpPr>
-      <p:grpSpPr>
-        <a:xfrm>
-          <a:off x="0" y="0"/>
-          <a:ext cx="0" cy="0"/>
-          <a:chOff x="0" y="0"/>
-          <a:chExt cx="0" cy="0"/>
-        </a:xfrm>
-      </p:grpSpPr>
-      <p:sp>
-        <p:nvSpPr>
-          <p:cNvPr id="1175" name="Google Shape;1175;g16f207837e6_0_227:notes"/>
-          <p:cNvSpPr>
-            <a:spLocks noGrp="1" noRot="1" noChangeAspect="1"/>
-          </p:cNvSpPr>
-          <p:nvPr>
-            <p:ph type="sldImg" idx="2"/>
-          </p:nvPr>
-        </p:nvSpPr>
-        <p:spPr>
-          <a:xfrm>
-            <a:off x="381000" y="685800"/>
-            <a:ext cx="6096000" cy="3429000"/>
-          </a:xfrm>
-          <a:custGeom>
-            <a:avLst/>
-            <a:gdLst/>
-            <a:ahLst/>
-            <a:cxnLst/>
-            <a:rect l="l" t="t" r="r" b="b"/>
-            <a:pathLst>
-              <a:path w="120000" h="120000" extrusionOk="0">
-                <a:moveTo>
-                  <a:pt x="0" y="0"/>
-                </a:moveTo>
-                <a:lnTo>
-                  <a:pt x="120000" y="0"/>
-                </a:lnTo>
-                <a:lnTo>
-                  <a:pt x="120000" y="120000"/>
-                </a:lnTo>
-                <a:lnTo>
-                  <a:pt x="0" y="120000"/>
-                </a:lnTo>
-                <a:close/>
-              </a:path>
-            </a:pathLst>
-          </a:custGeom>
-        </p:spPr>
-      </p:sp>
-      <p:sp>
-        <p:nvSpPr>
-          <p:cNvPr id="1176" name="Google Shape;1176;g16f207837e6_0_227:notes"/>
-          <p:cNvSpPr txBox="1">
-            <a:spLocks noGrp="1"/>
-          </p:cNvSpPr>
-          <p:nvPr>
-            <p:ph type="body" idx="1"/>
-          </p:nvPr>
-        </p:nvSpPr>
-        <p:spPr>
-          <a:xfrm>
-            <a:off x="685800" y="4343400"/>
-            <a:ext cx="5486400" cy="4114800"/>
-          </a:xfrm>
-          <a:prstGeom prst="rect">
-            <a:avLst/>
-          </a:prstGeom>
-        </p:spPr>
-        <p:txBody>
-          <a:bodyPr spcFirstLastPara="1" wrap="square" lIns="91425" tIns="91425" rIns="91425" bIns="91425" anchor="t" anchorCtr="0">
-            <a:noAutofit/>
-          </a:bodyPr>
-          <a:lstStyle/>
-          <a:p>
-            <a:pPr marL="0" lvl="0" indent="0" algn="l" rtl="0">
-              <a:spcBef>
-                <a:spcPts val="0"/>
-              </a:spcBef>
-              <a:spcAft>
-                <a:spcPts val="0"/>
-              </a:spcAft>
-              <a:buNone/>
-            </a:pPr>
-            <a:endParaRPr/>
-          </a:p>
-        </p:txBody>
-      </p:sp>
-    </p:spTree>
-  </p:cSld>
-  <p:clrMapOvr>
-    <a:masterClrMapping/>
-  </p:clrMapOvr>
-</p:notes>
-</file>
-
-<file path=ppt/notesSlides/notesSlide19.xml><?xml version="1.0" encoding="utf-8"?>
-<p:notes xmlns:a="http://schemas.openxmlformats.org/drawingml/2006/main" xmlns:r="http://schemas.openxmlformats.org/officeDocument/2006/relationships" xmlns:p="http://schemas.openxmlformats.org/presentationml/2006/main" showMasterSp="0" showMasterPhAnim="0">
-  <p:cSld>
-    <p:spTree>
-      <p:nvGrpSpPr>
-        <p:cNvPr id="1" name="Shape 1195"/>
-        <p:cNvGrpSpPr/>
-        <p:nvPr/>
-      </p:nvGrpSpPr>
-      <p:grpSpPr>
-        <a:xfrm>
-          <a:off x="0" y="0"/>
-          <a:ext cx="0" cy="0"/>
-          <a:chOff x="0" y="0"/>
-          <a:chExt cx="0" cy="0"/>
-        </a:xfrm>
-      </p:grpSpPr>
-      <p:sp>
-        <p:nvSpPr>
-          <p:cNvPr id="1196" name="Google Shape;1196;g16f207837e6_0_247:notes"/>
-          <p:cNvSpPr>
-            <a:spLocks noGrp="1" noRot="1" noChangeAspect="1"/>
-          </p:cNvSpPr>
-          <p:nvPr>
-            <p:ph type="sldImg" idx="2"/>
-          </p:nvPr>
-        </p:nvSpPr>
-        <p:spPr>
-          <a:xfrm>
-            <a:off x="381000" y="685800"/>
-            <a:ext cx="6096000" cy="3429000"/>
-          </a:xfrm>
-          <a:custGeom>
-            <a:avLst/>
-            <a:gdLst/>
-            <a:ahLst/>
-            <a:cxnLst/>
-            <a:rect l="l" t="t" r="r" b="b"/>
-            <a:pathLst>
-              <a:path w="120000" h="120000" extrusionOk="0">
-                <a:moveTo>
-                  <a:pt x="0" y="0"/>
-                </a:moveTo>
-                <a:lnTo>
-                  <a:pt x="120000" y="0"/>
-                </a:lnTo>
-                <a:lnTo>
-                  <a:pt x="120000" y="120000"/>
-                </a:lnTo>
-                <a:lnTo>
-                  <a:pt x="0" y="120000"/>
-                </a:lnTo>
-                <a:close/>
-              </a:path>
-            </a:pathLst>
-          </a:custGeom>
-        </p:spPr>
-      </p:sp>
-      <p:sp>
-        <p:nvSpPr>
-          <p:cNvPr id="1197" name="Google Shape;1197;g16f207837e6_0_247:notes"/>
           <p:cNvSpPr txBox="1">
             <a:spLocks noGrp="1"/>
           </p:cNvSpPr>
@@ -1998,6 +2000,214 @@
   <p:cSld>
     <p:spTree>
       <p:nvGrpSpPr>
+        <p:cNvPr id="1" name="Shape 1174"/>
+        <p:cNvGrpSpPr/>
+        <p:nvPr/>
+      </p:nvGrpSpPr>
+      <p:grpSpPr>
+        <a:xfrm>
+          <a:off x="0" y="0"/>
+          <a:ext cx="0" cy="0"/>
+          <a:chOff x="0" y="0"/>
+          <a:chExt cx="0" cy="0"/>
+        </a:xfrm>
+      </p:grpSpPr>
+      <p:sp>
+        <p:nvSpPr>
+          <p:cNvPr id="1175" name="Google Shape;1175;g16f207837e6_0_227:notes"/>
+          <p:cNvSpPr>
+            <a:spLocks noGrp="1" noRot="1" noChangeAspect="1"/>
+          </p:cNvSpPr>
+          <p:nvPr>
+            <p:ph type="sldImg" idx="2"/>
+          </p:nvPr>
+        </p:nvSpPr>
+        <p:spPr>
+          <a:xfrm>
+            <a:off x="381000" y="685800"/>
+            <a:ext cx="6096000" cy="3429000"/>
+          </a:xfrm>
+          <a:custGeom>
+            <a:avLst/>
+            <a:gdLst/>
+            <a:ahLst/>
+            <a:cxnLst/>
+            <a:rect l="l" t="t" r="r" b="b"/>
+            <a:pathLst>
+              <a:path w="120000" h="120000" extrusionOk="0">
+                <a:moveTo>
+                  <a:pt x="0" y="0"/>
+                </a:moveTo>
+                <a:lnTo>
+                  <a:pt x="120000" y="0"/>
+                </a:lnTo>
+                <a:lnTo>
+                  <a:pt x="120000" y="120000"/>
+                </a:lnTo>
+                <a:lnTo>
+                  <a:pt x="0" y="120000"/>
+                </a:lnTo>
+                <a:close/>
+              </a:path>
+            </a:pathLst>
+          </a:custGeom>
+        </p:spPr>
+      </p:sp>
+      <p:sp>
+        <p:nvSpPr>
+          <p:cNvPr id="1176" name="Google Shape;1176;g16f207837e6_0_227:notes"/>
+          <p:cNvSpPr txBox="1">
+            <a:spLocks noGrp="1"/>
+          </p:cNvSpPr>
+          <p:nvPr>
+            <p:ph type="body" idx="1"/>
+          </p:nvPr>
+        </p:nvSpPr>
+        <p:spPr>
+          <a:xfrm>
+            <a:off x="685800" y="4343400"/>
+            <a:ext cx="5486400" cy="4114800"/>
+          </a:xfrm>
+          <a:prstGeom prst="rect">
+            <a:avLst/>
+          </a:prstGeom>
+        </p:spPr>
+        <p:txBody>
+          <a:bodyPr spcFirstLastPara="1" wrap="square" lIns="91425" tIns="91425" rIns="91425" bIns="91425" anchor="t" anchorCtr="0">
+            <a:noAutofit/>
+          </a:bodyPr>
+          <a:lstStyle/>
+          <a:p>
+            <a:pPr marL="0" lvl="0" indent="0" algn="l" rtl="0">
+              <a:spcBef>
+                <a:spcPts val="0"/>
+              </a:spcBef>
+              <a:spcAft>
+                <a:spcPts val="0"/>
+              </a:spcAft>
+              <a:buNone/>
+            </a:pPr>
+            <a:endParaRPr/>
+          </a:p>
+        </p:txBody>
+      </p:sp>
+    </p:spTree>
+  </p:cSld>
+  <p:clrMapOvr>
+    <a:masterClrMapping/>
+  </p:clrMapOvr>
+</p:notes>
+</file>
+
+<file path=ppt/notesSlides/notesSlide21.xml><?xml version="1.0" encoding="utf-8"?>
+<p:notes xmlns:a="http://schemas.openxmlformats.org/drawingml/2006/main" xmlns:r="http://schemas.openxmlformats.org/officeDocument/2006/relationships" xmlns:p="http://schemas.openxmlformats.org/presentationml/2006/main" showMasterSp="0" showMasterPhAnim="0">
+  <p:cSld>
+    <p:spTree>
+      <p:nvGrpSpPr>
+        <p:cNvPr id="1" name="Shape 1195"/>
+        <p:cNvGrpSpPr/>
+        <p:nvPr/>
+      </p:nvGrpSpPr>
+      <p:grpSpPr>
+        <a:xfrm>
+          <a:off x="0" y="0"/>
+          <a:ext cx="0" cy="0"/>
+          <a:chOff x="0" y="0"/>
+          <a:chExt cx="0" cy="0"/>
+        </a:xfrm>
+      </p:grpSpPr>
+      <p:sp>
+        <p:nvSpPr>
+          <p:cNvPr id="1196" name="Google Shape;1196;g16f207837e6_0_247:notes"/>
+          <p:cNvSpPr>
+            <a:spLocks noGrp="1" noRot="1" noChangeAspect="1"/>
+          </p:cNvSpPr>
+          <p:nvPr>
+            <p:ph type="sldImg" idx="2"/>
+          </p:nvPr>
+        </p:nvSpPr>
+        <p:spPr>
+          <a:xfrm>
+            <a:off x="381000" y="685800"/>
+            <a:ext cx="6096000" cy="3429000"/>
+          </a:xfrm>
+          <a:custGeom>
+            <a:avLst/>
+            <a:gdLst/>
+            <a:ahLst/>
+            <a:cxnLst/>
+            <a:rect l="l" t="t" r="r" b="b"/>
+            <a:pathLst>
+              <a:path w="120000" h="120000" extrusionOk="0">
+                <a:moveTo>
+                  <a:pt x="0" y="0"/>
+                </a:moveTo>
+                <a:lnTo>
+                  <a:pt x="120000" y="0"/>
+                </a:lnTo>
+                <a:lnTo>
+                  <a:pt x="120000" y="120000"/>
+                </a:lnTo>
+                <a:lnTo>
+                  <a:pt x="0" y="120000"/>
+                </a:lnTo>
+                <a:close/>
+              </a:path>
+            </a:pathLst>
+          </a:custGeom>
+        </p:spPr>
+      </p:sp>
+      <p:sp>
+        <p:nvSpPr>
+          <p:cNvPr id="1197" name="Google Shape;1197;g16f207837e6_0_247:notes"/>
+          <p:cNvSpPr txBox="1">
+            <a:spLocks noGrp="1"/>
+          </p:cNvSpPr>
+          <p:nvPr>
+            <p:ph type="body" idx="1"/>
+          </p:nvPr>
+        </p:nvSpPr>
+        <p:spPr>
+          <a:xfrm>
+            <a:off x="685800" y="4343400"/>
+            <a:ext cx="5486400" cy="4114800"/>
+          </a:xfrm>
+          <a:prstGeom prst="rect">
+            <a:avLst/>
+          </a:prstGeom>
+        </p:spPr>
+        <p:txBody>
+          <a:bodyPr spcFirstLastPara="1" wrap="square" lIns="91425" tIns="91425" rIns="91425" bIns="91425" anchor="t" anchorCtr="0">
+            <a:noAutofit/>
+          </a:bodyPr>
+          <a:lstStyle/>
+          <a:p>
+            <a:pPr marL="0" lvl="0" indent="0" algn="l" rtl="0">
+              <a:spcBef>
+                <a:spcPts val="0"/>
+              </a:spcBef>
+              <a:spcAft>
+                <a:spcPts val="0"/>
+              </a:spcAft>
+              <a:buNone/>
+            </a:pPr>
+            <a:endParaRPr/>
+          </a:p>
+        </p:txBody>
+      </p:sp>
+    </p:spTree>
+  </p:cSld>
+  <p:clrMapOvr>
+    <a:masterClrMapping/>
+  </p:clrMapOvr>
+</p:notes>
+</file>
+
+<file path=ppt/notesSlides/notesSlide22.xml><?xml version="1.0" encoding="utf-8"?>
+<p:notes xmlns:a="http://schemas.openxmlformats.org/drawingml/2006/main" xmlns:r="http://schemas.openxmlformats.org/officeDocument/2006/relationships" xmlns:p="http://schemas.openxmlformats.org/presentationml/2006/main" showMasterSp="0" showMasterPhAnim="0">
+  <p:cSld>
+    <p:spTree>
+      <p:nvGrpSpPr>
         <p:cNvPr id="1" name="Shape 1213"/>
         <p:cNvGrpSpPr/>
         <p:nvPr/>
@@ -2097,7 +2307,7 @@
 </p:notes>
 </file>
 
-<file path=ppt/notesSlides/notesSlide21.xml><?xml version="1.0" encoding="utf-8"?>
+<file path=ppt/notesSlides/notesSlide23.xml><?xml version="1.0" encoding="utf-8"?>
 <p:notes xmlns:a="http://schemas.openxmlformats.org/drawingml/2006/main" xmlns:r="http://schemas.openxmlformats.org/officeDocument/2006/relationships" xmlns:p="http://schemas.openxmlformats.org/presentationml/2006/main" showMasterSp="0" showMasterPhAnim="0">
   <p:cSld>
     <p:spTree>
@@ -2201,7 +2411,7 @@
 </p:notes>
 </file>
 
-<file path=ppt/notesSlides/notesSlide22.xml><?xml version="1.0" encoding="utf-8"?>
+<file path=ppt/notesSlides/notesSlide24.xml><?xml version="1.0" encoding="utf-8"?>
 <p:notes xmlns:a="http://schemas.openxmlformats.org/drawingml/2006/main" xmlns:r="http://schemas.openxmlformats.org/officeDocument/2006/relationships" xmlns:p="http://schemas.openxmlformats.org/presentationml/2006/main" showMasterSp="0" showMasterPhAnim="0">
   <p:cSld>
     <p:spTree>
@@ -2309,7 +2519,7 @@
 </p:notes>
 </file>
 
-<file path=ppt/notesSlides/notesSlide23.xml><?xml version="1.0" encoding="utf-8"?>
+<file path=ppt/notesSlides/notesSlide25.xml><?xml version="1.0" encoding="utf-8"?>
 <p:notes xmlns:a="http://schemas.openxmlformats.org/drawingml/2006/main" xmlns:r="http://schemas.openxmlformats.org/officeDocument/2006/relationships" xmlns:p="http://schemas.openxmlformats.org/presentationml/2006/main" showMasterSp="0" showMasterPhAnim="0">
   <p:cSld>
     <p:spTree>
@@ -2409,219 +2619,6 @@
     <p:extLst>
       <p:ext uri="{BB962C8B-B14F-4D97-AF65-F5344CB8AC3E}">
         <p14:creationId xmlns:p14="http://schemas.microsoft.com/office/powerpoint/2010/main" val="3019230067"/>
-      </p:ext>
-    </p:extLst>
-  </p:cSld>
-  <p:clrMapOvr>
-    <a:masterClrMapping/>
-  </p:clrMapOvr>
-</p:notes>
-</file>
-
-<file path=ppt/notesSlides/notesSlide24.xml><?xml version="1.0" encoding="utf-8"?>
-<p:notes xmlns:a="http://schemas.openxmlformats.org/drawingml/2006/main" xmlns:r="http://schemas.openxmlformats.org/officeDocument/2006/relationships" xmlns:p="http://schemas.openxmlformats.org/presentationml/2006/main" showMasterSp="0" showMasterPhAnim="0">
-  <p:cSld>
-    <p:spTree>
-      <p:nvGrpSpPr>
-        <p:cNvPr id="1" name="Shape 589"/>
-        <p:cNvGrpSpPr/>
-        <p:nvPr/>
-      </p:nvGrpSpPr>
-      <p:grpSpPr>
-        <a:xfrm>
-          <a:off x="0" y="0"/>
-          <a:ext cx="0" cy="0"/>
-          <a:chOff x="0" y="0"/>
-          <a:chExt cx="0" cy="0"/>
-        </a:xfrm>
-      </p:grpSpPr>
-      <p:sp>
-        <p:nvSpPr>
-          <p:cNvPr id="590" name="Google Shape;590;gdd7230b6bd_0_470:notes"/>
-          <p:cNvSpPr>
-            <a:spLocks noGrp="1" noRot="1" noChangeAspect="1"/>
-          </p:cNvSpPr>
-          <p:nvPr>
-            <p:ph type="sldImg" idx="2"/>
-          </p:nvPr>
-        </p:nvSpPr>
-        <p:spPr>
-          <a:xfrm>
-            <a:off x="381000" y="685800"/>
-            <a:ext cx="6096000" cy="3429000"/>
-          </a:xfrm>
-          <a:custGeom>
-            <a:avLst/>
-            <a:gdLst/>
-            <a:ahLst/>
-            <a:cxnLst/>
-            <a:rect l="l" t="t" r="r" b="b"/>
-            <a:pathLst>
-              <a:path w="120000" h="120000" extrusionOk="0">
-                <a:moveTo>
-                  <a:pt x="0" y="0"/>
-                </a:moveTo>
-                <a:lnTo>
-                  <a:pt x="120000" y="0"/>
-                </a:lnTo>
-                <a:lnTo>
-                  <a:pt x="120000" y="120000"/>
-                </a:lnTo>
-                <a:lnTo>
-                  <a:pt x="0" y="120000"/>
-                </a:lnTo>
-                <a:close/>
-              </a:path>
-            </a:pathLst>
-          </a:custGeom>
-        </p:spPr>
-      </p:sp>
-      <p:sp>
-        <p:nvSpPr>
-          <p:cNvPr id="591" name="Google Shape;591;gdd7230b6bd_0_470:notes"/>
-          <p:cNvSpPr txBox="1">
-            <a:spLocks noGrp="1"/>
-          </p:cNvSpPr>
-          <p:nvPr>
-            <p:ph type="body" idx="1"/>
-          </p:nvPr>
-        </p:nvSpPr>
-        <p:spPr>
-          <a:xfrm>
-            <a:off x="685800" y="4343400"/>
-            <a:ext cx="5486400" cy="4114800"/>
-          </a:xfrm>
-          <a:prstGeom prst="rect">
-            <a:avLst/>
-          </a:prstGeom>
-        </p:spPr>
-        <p:txBody>
-          <a:bodyPr spcFirstLastPara="1" wrap="square" lIns="91425" tIns="91425" rIns="91425" bIns="91425" anchor="t" anchorCtr="0">
-            <a:noAutofit/>
-          </a:bodyPr>
-          <a:lstStyle/>
-          <a:p>
-            <a:pPr marL="0" lvl="0" indent="0" algn="l" rtl="0">
-              <a:spcBef>
-                <a:spcPts val="0"/>
-              </a:spcBef>
-              <a:spcAft>
-                <a:spcPts val="0"/>
-              </a:spcAft>
-              <a:buNone/>
-            </a:pPr>
-            <a:endParaRPr/>
-          </a:p>
-        </p:txBody>
-      </p:sp>
-    </p:spTree>
-  </p:cSld>
-  <p:clrMapOvr>
-    <a:masterClrMapping/>
-  </p:clrMapOvr>
-</p:notes>
-</file>
-
-<file path=ppt/notesSlides/notesSlide25.xml><?xml version="1.0" encoding="utf-8"?>
-<p:notes xmlns:a="http://schemas.openxmlformats.org/drawingml/2006/main" xmlns:r="http://schemas.openxmlformats.org/officeDocument/2006/relationships" xmlns:p="http://schemas.openxmlformats.org/presentationml/2006/main" showMasterSp="0" showMasterPhAnim="0">
-  <p:cSld>
-    <p:spTree>
-      <p:nvGrpSpPr>
-        <p:cNvPr id="1" name="Shape 589"/>
-        <p:cNvGrpSpPr/>
-        <p:nvPr/>
-      </p:nvGrpSpPr>
-      <p:grpSpPr>
-        <a:xfrm>
-          <a:off x="0" y="0"/>
-          <a:ext cx="0" cy="0"/>
-          <a:chOff x="0" y="0"/>
-          <a:chExt cx="0" cy="0"/>
-        </a:xfrm>
-      </p:grpSpPr>
-      <p:sp>
-        <p:nvSpPr>
-          <p:cNvPr id="590" name="Google Shape;590;gdd7230b6bd_0_470:notes"/>
-          <p:cNvSpPr>
-            <a:spLocks noGrp="1" noRot="1" noChangeAspect="1"/>
-          </p:cNvSpPr>
-          <p:nvPr>
-            <p:ph type="sldImg" idx="2"/>
-          </p:nvPr>
-        </p:nvSpPr>
-        <p:spPr>
-          <a:xfrm>
-            <a:off x="381000" y="685800"/>
-            <a:ext cx="6096000" cy="3429000"/>
-          </a:xfrm>
-          <a:custGeom>
-            <a:avLst/>
-            <a:gdLst/>
-            <a:ahLst/>
-            <a:cxnLst/>
-            <a:rect l="l" t="t" r="r" b="b"/>
-            <a:pathLst>
-              <a:path w="120000" h="120000" extrusionOk="0">
-                <a:moveTo>
-                  <a:pt x="0" y="0"/>
-                </a:moveTo>
-                <a:lnTo>
-                  <a:pt x="120000" y="0"/>
-                </a:lnTo>
-                <a:lnTo>
-                  <a:pt x="120000" y="120000"/>
-                </a:lnTo>
-                <a:lnTo>
-                  <a:pt x="0" y="120000"/>
-                </a:lnTo>
-                <a:close/>
-              </a:path>
-            </a:pathLst>
-          </a:custGeom>
-        </p:spPr>
-      </p:sp>
-      <p:sp>
-        <p:nvSpPr>
-          <p:cNvPr id="591" name="Google Shape;591;gdd7230b6bd_0_470:notes"/>
-          <p:cNvSpPr txBox="1">
-            <a:spLocks noGrp="1"/>
-          </p:cNvSpPr>
-          <p:nvPr>
-            <p:ph type="body" idx="1"/>
-          </p:nvPr>
-        </p:nvSpPr>
-        <p:spPr>
-          <a:xfrm>
-            <a:off x="685800" y="4343400"/>
-            <a:ext cx="5486400" cy="4114800"/>
-          </a:xfrm>
-          <a:prstGeom prst="rect">
-            <a:avLst/>
-          </a:prstGeom>
-        </p:spPr>
-        <p:txBody>
-          <a:bodyPr spcFirstLastPara="1" wrap="square" lIns="91425" tIns="91425" rIns="91425" bIns="91425" anchor="t" anchorCtr="0">
-            <a:noAutofit/>
-          </a:bodyPr>
-          <a:lstStyle/>
-          <a:p>
-            <a:pPr marL="0" lvl="0" indent="0" algn="l" rtl="0">
-              <a:spcBef>
-                <a:spcPts val="0"/>
-              </a:spcBef>
-              <a:spcAft>
-                <a:spcPts val="0"/>
-              </a:spcAft>
-              <a:buNone/>
-            </a:pPr>
-            <a:endParaRPr/>
-          </a:p>
-        </p:txBody>
-      </p:sp>
-    </p:spTree>
-    <p:extLst>
-      <p:ext uri="{BB962C8B-B14F-4D97-AF65-F5344CB8AC3E}">
-        <p14:creationId xmlns:p14="http://schemas.microsoft.com/office/powerpoint/2010/main" val="3062970159"/>
       </p:ext>
     </p:extLst>
   </p:cSld>
@@ -2728,11 +2725,6 @@
         </p:txBody>
       </p:sp>
     </p:spTree>
-    <p:extLst>
-      <p:ext uri="{BB962C8B-B14F-4D97-AF65-F5344CB8AC3E}">
-        <p14:creationId xmlns:p14="http://schemas.microsoft.com/office/powerpoint/2010/main" val="2725834515"/>
-      </p:ext>
-    </p:extLst>
   </p:cSld>
   <p:clrMapOvr>
     <a:masterClrMapping/>
@@ -2839,7 +2831,7 @@
     </p:spTree>
     <p:extLst>
       <p:ext uri="{BB962C8B-B14F-4D97-AF65-F5344CB8AC3E}">
-        <p14:creationId xmlns:p14="http://schemas.microsoft.com/office/powerpoint/2010/main" val="3393161843"/>
+        <p14:creationId xmlns:p14="http://schemas.microsoft.com/office/powerpoint/2010/main" val="3062970159"/>
       </p:ext>
     </p:extLst>
   </p:cSld>
@@ -2854,7 +2846,7 @@
   <p:cSld>
     <p:spTree>
       <p:nvGrpSpPr>
-        <p:cNvPr id="1" name="Shape 596"/>
+        <p:cNvPr id="1" name="Shape 589"/>
         <p:cNvGrpSpPr/>
         <p:nvPr/>
       </p:nvGrpSpPr>
@@ -2868,7 +2860,7 @@
       </p:grpSpPr>
       <p:sp>
         <p:nvSpPr>
-          <p:cNvPr id="597" name="Google Shape;597;ge60c7b3374_4_296:notes"/>
+          <p:cNvPr id="590" name="Google Shape;590;gdd7230b6bd_0_470:notes"/>
           <p:cNvSpPr>
             <a:spLocks noGrp="1" noRot="1" noChangeAspect="1"/>
           </p:cNvSpPr>
@@ -2909,7 +2901,7 @@
       </p:sp>
       <p:sp>
         <p:nvSpPr>
-          <p:cNvPr id="598" name="Google Shape;598;ge60c7b3374_4_296:notes"/>
+          <p:cNvPr id="591" name="Google Shape;591;gdd7230b6bd_0_470:notes"/>
           <p:cNvSpPr txBox="1">
             <a:spLocks noGrp="1"/>
           </p:cNvSpPr>
@@ -2946,6 +2938,11 @@
         </p:txBody>
       </p:sp>
     </p:spTree>
+    <p:extLst>
+      <p:ext uri="{BB962C8B-B14F-4D97-AF65-F5344CB8AC3E}">
+        <p14:creationId xmlns:p14="http://schemas.microsoft.com/office/powerpoint/2010/main" val="2725834515"/>
+      </p:ext>
+    </p:extLst>
   </p:cSld>
   <p:clrMapOvr>
     <a:masterClrMapping/>
@@ -2958,7 +2955,7 @@
   <p:cSld>
     <p:spTree>
       <p:nvGrpSpPr>
-        <p:cNvPr id="1" name="Shape 339"/>
+        <p:cNvPr id="1" name="Shape 589"/>
         <p:cNvGrpSpPr/>
         <p:nvPr/>
       </p:nvGrpSpPr>
@@ -2972,7 +2969,7 @@
       </p:grpSpPr>
       <p:sp>
         <p:nvSpPr>
-          <p:cNvPr id="340" name="Google Shape;340;gdb0b7df50a_0_424:notes"/>
+          <p:cNvPr id="590" name="Google Shape;590;gdd7230b6bd_0_470:notes"/>
           <p:cNvSpPr>
             <a:spLocks noGrp="1" noRot="1" noChangeAspect="1"/>
           </p:cNvSpPr>
@@ -3013,7 +3010,7 @@
       </p:sp>
       <p:sp>
         <p:nvSpPr>
-          <p:cNvPr id="341" name="Google Shape;341;gdb0b7df50a_0_424:notes"/>
+          <p:cNvPr id="591" name="Google Shape;591;gdd7230b6bd_0_470:notes"/>
           <p:cNvSpPr txBox="1">
             <a:spLocks noGrp="1"/>
           </p:cNvSpPr>
@@ -3050,6 +3047,11 @@
         </p:txBody>
       </p:sp>
     </p:spTree>
+    <p:extLst>
+      <p:ext uri="{BB962C8B-B14F-4D97-AF65-F5344CB8AC3E}">
+        <p14:creationId xmlns:p14="http://schemas.microsoft.com/office/powerpoint/2010/main" val="3393161843"/>
+      </p:ext>
+    </p:extLst>
   </p:cSld>
   <p:clrMapOvr>
     <a:masterClrMapping/>
@@ -3154,6 +3156,11 @@
         </p:txBody>
       </p:sp>
     </p:spTree>
+    <p:extLst>
+      <p:ext uri="{BB962C8B-B14F-4D97-AF65-F5344CB8AC3E}">
+        <p14:creationId xmlns:p14="http://schemas.microsoft.com/office/powerpoint/2010/main" val="1480626507"/>
+      </p:ext>
+    </p:extLst>
   </p:cSld>
   <p:clrMapOvr>
     <a:masterClrMapping/>
@@ -3162,6 +3169,214 @@
 </file>
 
 <file path=ppt/notesSlides/notesSlide30.xml><?xml version="1.0" encoding="utf-8"?>
+<p:notes xmlns:a="http://schemas.openxmlformats.org/drawingml/2006/main" xmlns:r="http://schemas.openxmlformats.org/officeDocument/2006/relationships" xmlns:p="http://schemas.openxmlformats.org/presentationml/2006/main" showMasterSp="0" showMasterPhAnim="0">
+  <p:cSld>
+    <p:spTree>
+      <p:nvGrpSpPr>
+        <p:cNvPr id="1" name="Shape 596"/>
+        <p:cNvGrpSpPr/>
+        <p:nvPr/>
+      </p:nvGrpSpPr>
+      <p:grpSpPr>
+        <a:xfrm>
+          <a:off x="0" y="0"/>
+          <a:ext cx="0" cy="0"/>
+          <a:chOff x="0" y="0"/>
+          <a:chExt cx="0" cy="0"/>
+        </a:xfrm>
+      </p:grpSpPr>
+      <p:sp>
+        <p:nvSpPr>
+          <p:cNvPr id="597" name="Google Shape;597;ge60c7b3374_4_296:notes"/>
+          <p:cNvSpPr>
+            <a:spLocks noGrp="1" noRot="1" noChangeAspect="1"/>
+          </p:cNvSpPr>
+          <p:nvPr>
+            <p:ph type="sldImg" idx="2"/>
+          </p:nvPr>
+        </p:nvSpPr>
+        <p:spPr>
+          <a:xfrm>
+            <a:off x="381000" y="685800"/>
+            <a:ext cx="6096000" cy="3429000"/>
+          </a:xfrm>
+          <a:custGeom>
+            <a:avLst/>
+            <a:gdLst/>
+            <a:ahLst/>
+            <a:cxnLst/>
+            <a:rect l="l" t="t" r="r" b="b"/>
+            <a:pathLst>
+              <a:path w="120000" h="120000" extrusionOk="0">
+                <a:moveTo>
+                  <a:pt x="0" y="0"/>
+                </a:moveTo>
+                <a:lnTo>
+                  <a:pt x="120000" y="0"/>
+                </a:lnTo>
+                <a:lnTo>
+                  <a:pt x="120000" y="120000"/>
+                </a:lnTo>
+                <a:lnTo>
+                  <a:pt x="0" y="120000"/>
+                </a:lnTo>
+                <a:close/>
+              </a:path>
+            </a:pathLst>
+          </a:custGeom>
+        </p:spPr>
+      </p:sp>
+      <p:sp>
+        <p:nvSpPr>
+          <p:cNvPr id="598" name="Google Shape;598;ge60c7b3374_4_296:notes"/>
+          <p:cNvSpPr txBox="1">
+            <a:spLocks noGrp="1"/>
+          </p:cNvSpPr>
+          <p:nvPr>
+            <p:ph type="body" idx="1"/>
+          </p:nvPr>
+        </p:nvSpPr>
+        <p:spPr>
+          <a:xfrm>
+            <a:off x="685800" y="4343400"/>
+            <a:ext cx="5486400" cy="4114800"/>
+          </a:xfrm>
+          <a:prstGeom prst="rect">
+            <a:avLst/>
+          </a:prstGeom>
+        </p:spPr>
+        <p:txBody>
+          <a:bodyPr spcFirstLastPara="1" wrap="square" lIns="91425" tIns="91425" rIns="91425" bIns="91425" anchor="t" anchorCtr="0">
+            <a:noAutofit/>
+          </a:bodyPr>
+          <a:lstStyle/>
+          <a:p>
+            <a:pPr marL="0" lvl="0" indent="0" algn="l" rtl="0">
+              <a:spcBef>
+                <a:spcPts val="0"/>
+              </a:spcBef>
+              <a:spcAft>
+                <a:spcPts val="0"/>
+              </a:spcAft>
+              <a:buNone/>
+            </a:pPr>
+            <a:endParaRPr/>
+          </a:p>
+        </p:txBody>
+      </p:sp>
+    </p:spTree>
+  </p:cSld>
+  <p:clrMapOvr>
+    <a:masterClrMapping/>
+  </p:clrMapOvr>
+</p:notes>
+</file>
+
+<file path=ppt/notesSlides/notesSlide31.xml><?xml version="1.0" encoding="utf-8"?>
+<p:notes xmlns:a="http://schemas.openxmlformats.org/drawingml/2006/main" xmlns:r="http://schemas.openxmlformats.org/officeDocument/2006/relationships" xmlns:p="http://schemas.openxmlformats.org/presentationml/2006/main" showMasterSp="0" showMasterPhAnim="0">
+  <p:cSld>
+    <p:spTree>
+      <p:nvGrpSpPr>
+        <p:cNvPr id="1" name="Shape 339"/>
+        <p:cNvGrpSpPr/>
+        <p:nvPr/>
+      </p:nvGrpSpPr>
+      <p:grpSpPr>
+        <a:xfrm>
+          <a:off x="0" y="0"/>
+          <a:ext cx="0" cy="0"/>
+          <a:chOff x="0" y="0"/>
+          <a:chExt cx="0" cy="0"/>
+        </a:xfrm>
+      </p:grpSpPr>
+      <p:sp>
+        <p:nvSpPr>
+          <p:cNvPr id="340" name="Google Shape;340;gdb0b7df50a_0_424:notes"/>
+          <p:cNvSpPr>
+            <a:spLocks noGrp="1" noRot="1" noChangeAspect="1"/>
+          </p:cNvSpPr>
+          <p:nvPr>
+            <p:ph type="sldImg" idx="2"/>
+          </p:nvPr>
+        </p:nvSpPr>
+        <p:spPr>
+          <a:xfrm>
+            <a:off x="381000" y="685800"/>
+            <a:ext cx="6096000" cy="3429000"/>
+          </a:xfrm>
+          <a:custGeom>
+            <a:avLst/>
+            <a:gdLst/>
+            <a:ahLst/>
+            <a:cxnLst/>
+            <a:rect l="l" t="t" r="r" b="b"/>
+            <a:pathLst>
+              <a:path w="120000" h="120000" extrusionOk="0">
+                <a:moveTo>
+                  <a:pt x="0" y="0"/>
+                </a:moveTo>
+                <a:lnTo>
+                  <a:pt x="120000" y="0"/>
+                </a:lnTo>
+                <a:lnTo>
+                  <a:pt x="120000" y="120000"/>
+                </a:lnTo>
+                <a:lnTo>
+                  <a:pt x="0" y="120000"/>
+                </a:lnTo>
+                <a:close/>
+              </a:path>
+            </a:pathLst>
+          </a:custGeom>
+        </p:spPr>
+      </p:sp>
+      <p:sp>
+        <p:nvSpPr>
+          <p:cNvPr id="341" name="Google Shape;341;gdb0b7df50a_0_424:notes"/>
+          <p:cNvSpPr txBox="1">
+            <a:spLocks noGrp="1"/>
+          </p:cNvSpPr>
+          <p:nvPr>
+            <p:ph type="body" idx="1"/>
+          </p:nvPr>
+        </p:nvSpPr>
+        <p:spPr>
+          <a:xfrm>
+            <a:off x="685800" y="4343400"/>
+            <a:ext cx="5486400" cy="4114800"/>
+          </a:xfrm>
+          <a:prstGeom prst="rect">
+            <a:avLst/>
+          </a:prstGeom>
+        </p:spPr>
+        <p:txBody>
+          <a:bodyPr spcFirstLastPara="1" wrap="square" lIns="91425" tIns="91425" rIns="91425" bIns="91425" anchor="t" anchorCtr="0">
+            <a:noAutofit/>
+          </a:bodyPr>
+          <a:lstStyle/>
+          <a:p>
+            <a:pPr marL="0" lvl="0" indent="0" algn="l" rtl="0">
+              <a:spcBef>
+                <a:spcPts val="0"/>
+              </a:spcBef>
+              <a:spcAft>
+                <a:spcPts val="0"/>
+              </a:spcAft>
+              <a:buNone/>
+            </a:pPr>
+            <a:endParaRPr/>
+          </a:p>
+        </p:txBody>
+      </p:sp>
+    </p:spTree>
+  </p:cSld>
+  <p:clrMapOvr>
+    <a:masterClrMapping/>
+  </p:clrMapOvr>
+</p:notes>
+</file>
+
+<file path=ppt/notesSlides/notesSlide32.xml><?xml version="1.0" encoding="utf-8"?>
 <p:notes xmlns:a="http://schemas.openxmlformats.org/drawingml/2006/main" xmlns:r="http://schemas.openxmlformats.org/officeDocument/2006/relationships" xmlns:p="http://schemas.openxmlformats.org/presentationml/2006/main" showMasterSp="0" showMasterPhAnim="0">
   <p:cSld>
     <p:spTree>
@@ -3265,7 +3480,7 @@
 </p:notes>
 </file>
 
-<file path=ppt/notesSlides/notesSlide31.xml><?xml version="1.0" encoding="utf-8"?>
+<file path=ppt/notesSlides/notesSlide33.xml><?xml version="1.0" encoding="utf-8"?>
 <p:notes xmlns:a="http://schemas.openxmlformats.org/drawingml/2006/main" xmlns:r="http://schemas.openxmlformats.org/officeDocument/2006/relationships" xmlns:p="http://schemas.openxmlformats.org/presentationml/2006/main" showMasterSp="0" showMasterPhAnim="0">
   <p:cSld>
     <p:spTree>
@@ -3369,7 +3584,7 @@
 </p:notes>
 </file>
 
-<file path=ppt/notesSlides/notesSlide32.xml><?xml version="1.0" encoding="utf-8"?>
+<file path=ppt/notesSlides/notesSlide34.xml><?xml version="1.0" encoding="utf-8"?>
 <p:notes xmlns:a="http://schemas.openxmlformats.org/drawingml/2006/main" xmlns:r="http://schemas.openxmlformats.org/officeDocument/2006/relationships" xmlns:p="http://schemas.openxmlformats.org/presentationml/2006/main" showMasterSp="0" showMasterPhAnim="0">
   <p:cSld>
     <p:spTree>
@@ -3473,7 +3688,7 @@
 </p:notes>
 </file>
 
-<file path=ppt/notesSlides/notesSlide33.xml><?xml version="1.0" encoding="utf-8"?>
+<file path=ppt/notesSlides/notesSlide35.xml><?xml version="1.0" encoding="utf-8"?>
 <p:notes xmlns:a="http://schemas.openxmlformats.org/drawingml/2006/main" xmlns:r="http://schemas.openxmlformats.org/officeDocument/2006/relationships" xmlns:p="http://schemas.openxmlformats.org/presentationml/2006/main" showMasterSp="0" showMasterPhAnim="0">
   <p:cSld>
     <p:spTree>
@@ -3577,7 +3792,7 @@
 </p:notes>
 </file>
 
-<file path=ppt/notesSlides/notesSlide34.xml><?xml version="1.0" encoding="utf-8"?>
+<file path=ppt/notesSlides/notesSlide36.xml><?xml version="1.0" encoding="utf-8"?>
 <p:notes xmlns:a="http://schemas.openxmlformats.org/drawingml/2006/main" xmlns:r="http://schemas.openxmlformats.org/officeDocument/2006/relationships" xmlns:p="http://schemas.openxmlformats.org/presentationml/2006/main" showMasterSp="0" showMasterPhAnim="0">
   <p:cSld>
     <p:spTree>
@@ -3681,7 +3896,7 @@
 </p:notes>
 </file>
 
-<file path=ppt/notesSlides/notesSlide35.xml><?xml version="1.0" encoding="utf-8"?>
+<file path=ppt/notesSlides/notesSlide37.xml><?xml version="1.0" encoding="utf-8"?>
 <p:notes xmlns:a="http://schemas.openxmlformats.org/drawingml/2006/main" xmlns:r="http://schemas.openxmlformats.org/officeDocument/2006/relationships" xmlns:p="http://schemas.openxmlformats.org/presentationml/2006/main" showMasterSp="0" showMasterPhAnim="0">
   <p:cSld>
     <p:spTree>
@@ -3790,6 +4005,219 @@
   <p:cSld>
     <p:spTree>
       <p:nvGrpSpPr>
+        <p:cNvPr id="1" name="Shape 589"/>
+        <p:cNvGrpSpPr/>
+        <p:nvPr/>
+      </p:nvGrpSpPr>
+      <p:grpSpPr>
+        <a:xfrm>
+          <a:off x="0" y="0"/>
+          <a:ext cx="0" cy="0"/>
+          <a:chOff x="0" y="0"/>
+          <a:chExt cx="0" cy="0"/>
+        </a:xfrm>
+      </p:grpSpPr>
+      <p:sp>
+        <p:nvSpPr>
+          <p:cNvPr id="590" name="Google Shape;590;gdd7230b6bd_0_470:notes"/>
+          <p:cNvSpPr>
+            <a:spLocks noGrp="1" noRot="1" noChangeAspect="1"/>
+          </p:cNvSpPr>
+          <p:nvPr>
+            <p:ph type="sldImg" idx="2"/>
+          </p:nvPr>
+        </p:nvSpPr>
+        <p:spPr>
+          <a:xfrm>
+            <a:off x="381000" y="685800"/>
+            <a:ext cx="6096000" cy="3429000"/>
+          </a:xfrm>
+          <a:custGeom>
+            <a:avLst/>
+            <a:gdLst/>
+            <a:ahLst/>
+            <a:cxnLst/>
+            <a:rect l="l" t="t" r="r" b="b"/>
+            <a:pathLst>
+              <a:path w="120000" h="120000" extrusionOk="0">
+                <a:moveTo>
+                  <a:pt x="0" y="0"/>
+                </a:moveTo>
+                <a:lnTo>
+                  <a:pt x="120000" y="0"/>
+                </a:lnTo>
+                <a:lnTo>
+                  <a:pt x="120000" y="120000"/>
+                </a:lnTo>
+                <a:lnTo>
+                  <a:pt x="0" y="120000"/>
+                </a:lnTo>
+                <a:close/>
+              </a:path>
+            </a:pathLst>
+          </a:custGeom>
+        </p:spPr>
+      </p:sp>
+      <p:sp>
+        <p:nvSpPr>
+          <p:cNvPr id="591" name="Google Shape;591;gdd7230b6bd_0_470:notes"/>
+          <p:cNvSpPr txBox="1">
+            <a:spLocks noGrp="1"/>
+          </p:cNvSpPr>
+          <p:nvPr>
+            <p:ph type="body" idx="1"/>
+          </p:nvPr>
+        </p:nvSpPr>
+        <p:spPr>
+          <a:xfrm>
+            <a:off x="685800" y="4343400"/>
+            <a:ext cx="5486400" cy="4114800"/>
+          </a:xfrm>
+          <a:prstGeom prst="rect">
+            <a:avLst/>
+          </a:prstGeom>
+        </p:spPr>
+        <p:txBody>
+          <a:bodyPr spcFirstLastPara="1" wrap="square" lIns="91425" tIns="91425" rIns="91425" bIns="91425" anchor="t" anchorCtr="0">
+            <a:noAutofit/>
+          </a:bodyPr>
+          <a:lstStyle/>
+          <a:p>
+            <a:pPr marL="0" lvl="0" indent="0" algn="l" rtl="0">
+              <a:spcBef>
+                <a:spcPts val="0"/>
+              </a:spcBef>
+              <a:spcAft>
+                <a:spcPts val="0"/>
+              </a:spcAft>
+              <a:buNone/>
+            </a:pPr>
+            <a:endParaRPr/>
+          </a:p>
+        </p:txBody>
+      </p:sp>
+    </p:spTree>
+    <p:extLst>
+      <p:ext uri="{BB962C8B-B14F-4D97-AF65-F5344CB8AC3E}">
+        <p14:creationId xmlns:p14="http://schemas.microsoft.com/office/powerpoint/2010/main" val="1569313855"/>
+      </p:ext>
+    </p:extLst>
+  </p:cSld>
+  <p:clrMapOvr>
+    <a:masterClrMapping/>
+  </p:clrMapOvr>
+</p:notes>
+</file>
+
+<file path=ppt/notesSlides/notesSlide5.xml><?xml version="1.0" encoding="utf-8"?>
+<p:notes xmlns:a="http://schemas.openxmlformats.org/drawingml/2006/main" xmlns:r="http://schemas.openxmlformats.org/officeDocument/2006/relationships" xmlns:p="http://schemas.openxmlformats.org/presentationml/2006/main" showMasterSp="0" showMasterPhAnim="0">
+  <p:cSld>
+    <p:spTree>
+      <p:nvGrpSpPr>
+        <p:cNvPr id="1" name="Shape 935"/>
+        <p:cNvGrpSpPr/>
+        <p:nvPr/>
+      </p:nvGrpSpPr>
+      <p:grpSpPr>
+        <a:xfrm>
+          <a:off x="0" y="0"/>
+          <a:ext cx="0" cy="0"/>
+          <a:chOff x="0" y="0"/>
+          <a:chExt cx="0" cy="0"/>
+        </a:xfrm>
+      </p:grpSpPr>
+      <p:sp>
+        <p:nvSpPr>
+          <p:cNvPr id="936" name="Google Shape;936;g16f207837e6_0_6:notes"/>
+          <p:cNvSpPr>
+            <a:spLocks noGrp="1" noRot="1" noChangeAspect="1"/>
+          </p:cNvSpPr>
+          <p:nvPr>
+            <p:ph type="sldImg" idx="2"/>
+          </p:nvPr>
+        </p:nvSpPr>
+        <p:spPr>
+          <a:xfrm>
+            <a:off x="381000" y="685800"/>
+            <a:ext cx="6096000" cy="3429000"/>
+          </a:xfrm>
+          <a:custGeom>
+            <a:avLst/>
+            <a:gdLst/>
+            <a:ahLst/>
+            <a:cxnLst/>
+            <a:rect l="l" t="t" r="r" b="b"/>
+            <a:pathLst>
+              <a:path w="120000" h="120000" extrusionOk="0">
+                <a:moveTo>
+                  <a:pt x="0" y="0"/>
+                </a:moveTo>
+                <a:lnTo>
+                  <a:pt x="120000" y="0"/>
+                </a:lnTo>
+                <a:lnTo>
+                  <a:pt x="120000" y="120000"/>
+                </a:lnTo>
+                <a:lnTo>
+                  <a:pt x="0" y="120000"/>
+                </a:lnTo>
+                <a:close/>
+              </a:path>
+            </a:pathLst>
+          </a:custGeom>
+        </p:spPr>
+      </p:sp>
+      <p:sp>
+        <p:nvSpPr>
+          <p:cNvPr id="937" name="Google Shape;937;g16f207837e6_0_6:notes"/>
+          <p:cNvSpPr txBox="1">
+            <a:spLocks noGrp="1"/>
+          </p:cNvSpPr>
+          <p:nvPr>
+            <p:ph type="body" idx="1"/>
+          </p:nvPr>
+        </p:nvSpPr>
+        <p:spPr>
+          <a:xfrm>
+            <a:off x="685800" y="4343400"/>
+            <a:ext cx="5486400" cy="4114800"/>
+          </a:xfrm>
+          <a:prstGeom prst="rect">
+            <a:avLst/>
+          </a:prstGeom>
+        </p:spPr>
+        <p:txBody>
+          <a:bodyPr spcFirstLastPara="1" wrap="square" lIns="91425" tIns="91425" rIns="91425" bIns="91425" anchor="t" anchorCtr="0">
+            <a:noAutofit/>
+          </a:bodyPr>
+          <a:lstStyle/>
+          <a:p>
+            <a:pPr marL="0" lvl="0" indent="0" algn="l" rtl="0">
+              <a:spcBef>
+                <a:spcPts val="0"/>
+              </a:spcBef>
+              <a:spcAft>
+                <a:spcPts val="0"/>
+              </a:spcAft>
+              <a:buNone/>
+            </a:pPr>
+            <a:endParaRPr/>
+          </a:p>
+        </p:txBody>
+      </p:sp>
+    </p:spTree>
+  </p:cSld>
+  <p:clrMapOvr>
+    <a:masterClrMapping/>
+  </p:clrMapOvr>
+</p:notes>
+</file>
+
+<file path=ppt/notesSlides/notesSlide6.xml><?xml version="1.0" encoding="utf-8"?>
+<p:notes xmlns:a="http://schemas.openxmlformats.org/drawingml/2006/main" xmlns:r="http://schemas.openxmlformats.org/officeDocument/2006/relationships" xmlns:p="http://schemas.openxmlformats.org/presentationml/2006/main" showMasterSp="0" showMasterPhAnim="0">
+  <p:cSld>
+    <p:spTree>
+      <p:nvGrpSpPr>
         <p:cNvPr id="1" name="Shape 942"/>
         <p:cNvGrpSpPr/>
         <p:nvPr/>
@@ -3889,7 +4317,7 @@
 </p:notes>
 </file>
 
-<file path=ppt/notesSlides/notesSlide5.xml><?xml version="1.0" encoding="utf-8"?>
+<file path=ppt/notesSlides/notesSlide7.xml><?xml version="1.0" encoding="utf-8"?>
 <p:notes xmlns:a="http://schemas.openxmlformats.org/drawingml/2006/main" xmlns:r="http://schemas.openxmlformats.org/officeDocument/2006/relationships" xmlns:p="http://schemas.openxmlformats.org/presentationml/2006/main" showMasterSp="0" showMasterPhAnim="0">
   <p:cSld>
     <p:spTree>
@@ -3993,7 +4421,7 @@
 </p:notes>
 </file>
 
-<file path=ppt/notesSlides/notesSlide6.xml><?xml version="1.0" encoding="utf-8"?>
+<file path=ppt/notesSlides/notesSlide8.xml><?xml version="1.0" encoding="utf-8"?>
 <p:notes xmlns:a="http://schemas.openxmlformats.org/drawingml/2006/main" xmlns:r="http://schemas.openxmlformats.org/officeDocument/2006/relationships" xmlns:p="http://schemas.openxmlformats.org/presentationml/2006/main" showMasterSp="0" showMasterPhAnim="0">
   <p:cSld>
     <p:spTree>
@@ -4097,7 +4525,7 @@
 </p:notes>
 </file>
 
-<file path=ppt/notesSlides/notesSlide7.xml><?xml version="1.0" encoding="utf-8"?>
+<file path=ppt/notesSlides/notesSlide9.xml><?xml version="1.0" encoding="utf-8"?>
 <p:notes xmlns:a="http://schemas.openxmlformats.org/drawingml/2006/main" xmlns:r="http://schemas.openxmlformats.org/officeDocument/2006/relationships" xmlns:p="http://schemas.openxmlformats.org/presentationml/2006/main" showMasterSp="0" showMasterPhAnim="0">
   <p:cSld>
     <p:spTree>
@@ -4158,214 +4586,6 @@
       <p:sp>
         <p:nvSpPr>
           <p:cNvPr id="977" name="Google Shape;977;g16f207837e6_0_41:notes"/>
-          <p:cNvSpPr txBox="1">
-            <a:spLocks noGrp="1"/>
-          </p:cNvSpPr>
-          <p:nvPr>
-            <p:ph type="body" idx="1"/>
-          </p:nvPr>
-        </p:nvSpPr>
-        <p:spPr>
-          <a:xfrm>
-            <a:off x="685800" y="4343400"/>
-            <a:ext cx="5486400" cy="4114800"/>
-          </a:xfrm>
-          <a:prstGeom prst="rect">
-            <a:avLst/>
-          </a:prstGeom>
-        </p:spPr>
-        <p:txBody>
-          <a:bodyPr spcFirstLastPara="1" wrap="square" lIns="91425" tIns="91425" rIns="91425" bIns="91425" anchor="t" anchorCtr="0">
-            <a:noAutofit/>
-          </a:bodyPr>
-          <a:lstStyle/>
-          <a:p>
-            <a:pPr marL="0" lvl="0" indent="0" algn="l" rtl="0">
-              <a:spcBef>
-                <a:spcPts val="0"/>
-              </a:spcBef>
-              <a:spcAft>
-                <a:spcPts val="0"/>
-              </a:spcAft>
-              <a:buNone/>
-            </a:pPr>
-            <a:endParaRPr/>
-          </a:p>
-        </p:txBody>
-      </p:sp>
-    </p:spTree>
-  </p:cSld>
-  <p:clrMapOvr>
-    <a:masterClrMapping/>
-  </p:clrMapOvr>
-</p:notes>
-</file>
-
-<file path=ppt/notesSlides/notesSlide8.xml><?xml version="1.0" encoding="utf-8"?>
-<p:notes xmlns:a="http://schemas.openxmlformats.org/drawingml/2006/main" xmlns:r="http://schemas.openxmlformats.org/officeDocument/2006/relationships" xmlns:p="http://schemas.openxmlformats.org/presentationml/2006/main" showMasterSp="0" showMasterPhAnim="0">
-  <p:cSld>
-    <p:spTree>
-      <p:nvGrpSpPr>
-        <p:cNvPr id="1" name="Shape 995"/>
-        <p:cNvGrpSpPr/>
-        <p:nvPr/>
-      </p:nvGrpSpPr>
-      <p:grpSpPr>
-        <a:xfrm>
-          <a:off x="0" y="0"/>
-          <a:ext cx="0" cy="0"/>
-          <a:chOff x="0" y="0"/>
-          <a:chExt cx="0" cy="0"/>
-        </a:xfrm>
-      </p:grpSpPr>
-      <p:sp>
-        <p:nvSpPr>
-          <p:cNvPr id="996" name="Google Shape;996;g16f207837e6_0_60:notes"/>
-          <p:cNvSpPr>
-            <a:spLocks noGrp="1" noRot="1" noChangeAspect="1"/>
-          </p:cNvSpPr>
-          <p:nvPr>
-            <p:ph type="sldImg" idx="2"/>
-          </p:nvPr>
-        </p:nvSpPr>
-        <p:spPr>
-          <a:xfrm>
-            <a:off x="381000" y="685800"/>
-            <a:ext cx="6096000" cy="3429000"/>
-          </a:xfrm>
-          <a:custGeom>
-            <a:avLst/>
-            <a:gdLst/>
-            <a:ahLst/>
-            <a:cxnLst/>
-            <a:rect l="l" t="t" r="r" b="b"/>
-            <a:pathLst>
-              <a:path w="120000" h="120000" extrusionOk="0">
-                <a:moveTo>
-                  <a:pt x="0" y="0"/>
-                </a:moveTo>
-                <a:lnTo>
-                  <a:pt x="120000" y="0"/>
-                </a:lnTo>
-                <a:lnTo>
-                  <a:pt x="120000" y="120000"/>
-                </a:lnTo>
-                <a:lnTo>
-                  <a:pt x="0" y="120000"/>
-                </a:lnTo>
-                <a:close/>
-              </a:path>
-            </a:pathLst>
-          </a:custGeom>
-        </p:spPr>
-      </p:sp>
-      <p:sp>
-        <p:nvSpPr>
-          <p:cNvPr id="997" name="Google Shape;997;g16f207837e6_0_60:notes"/>
-          <p:cNvSpPr txBox="1">
-            <a:spLocks noGrp="1"/>
-          </p:cNvSpPr>
-          <p:nvPr>
-            <p:ph type="body" idx="1"/>
-          </p:nvPr>
-        </p:nvSpPr>
-        <p:spPr>
-          <a:xfrm>
-            <a:off x="685800" y="4343400"/>
-            <a:ext cx="5486400" cy="4114800"/>
-          </a:xfrm>
-          <a:prstGeom prst="rect">
-            <a:avLst/>
-          </a:prstGeom>
-        </p:spPr>
-        <p:txBody>
-          <a:bodyPr spcFirstLastPara="1" wrap="square" lIns="91425" tIns="91425" rIns="91425" bIns="91425" anchor="t" anchorCtr="0">
-            <a:noAutofit/>
-          </a:bodyPr>
-          <a:lstStyle/>
-          <a:p>
-            <a:pPr marL="0" lvl="0" indent="0" algn="l" rtl="0">
-              <a:spcBef>
-                <a:spcPts val="0"/>
-              </a:spcBef>
-              <a:spcAft>
-                <a:spcPts val="0"/>
-              </a:spcAft>
-              <a:buNone/>
-            </a:pPr>
-            <a:endParaRPr/>
-          </a:p>
-        </p:txBody>
-      </p:sp>
-    </p:spTree>
-  </p:cSld>
-  <p:clrMapOvr>
-    <a:masterClrMapping/>
-  </p:clrMapOvr>
-</p:notes>
-</file>
-
-<file path=ppt/notesSlides/notesSlide9.xml><?xml version="1.0" encoding="utf-8"?>
-<p:notes xmlns:a="http://schemas.openxmlformats.org/drawingml/2006/main" xmlns:r="http://schemas.openxmlformats.org/officeDocument/2006/relationships" xmlns:p="http://schemas.openxmlformats.org/presentationml/2006/main" showMasterSp="0" showMasterPhAnim="0">
-  <p:cSld>
-    <p:spTree>
-      <p:nvGrpSpPr>
-        <p:cNvPr id="1" name="Shape 1029"/>
-        <p:cNvGrpSpPr/>
-        <p:nvPr/>
-      </p:nvGrpSpPr>
-      <p:grpSpPr>
-        <a:xfrm>
-          <a:off x="0" y="0"/>
-          <a:ext cx="0" cy="0"/>
-          <a:chOff x="0" y="0"/>
-          <a:chExt cx="0" cy="0"/>
-        </a:xfrm>
-      </p:grpSpPr>
-      <p:sp>
-        <p:nvSpPr>
-          <p:cNvPr id="1030" name="Google Shape;1030;g16f207837e6_0_91:notes"/>
-          <p:cNvSpPr>
-            <a:spLocks noGrp="1" noRot="1" noChangeAspect="1"/>
-          </p:cNvSpPr>
-          <p:nvPr>
-            <p:ph type="sldImg" idx="2"/>
-          </p:nvPr>
-        </p:nvSpPr>
-        <p:spPr>
-          <a:xfrm>
-            <a:off x="381000" y="685800"/>
-            <a:ext cx="6096000" cy="3429000"/>
-          </a:xfrm>
-          <a:custGeom>
-            <a:avLst/>
-            <a:gdLst/>
-            <a:ahLst/>
-            <a:cxnLst/>
-            <a:rect l="l" t="t" r="r" b="b"/>
-            <a:pathLst>
-              <a:path w="120000" h="120000" extrusionOk="0">
-                <a:moveTo>
-                  <a:pt x="0" y="0"/>
-                </a:moveTo>
-                <a:lnTo>
-                  <a:pt x="120000" y="0"/>
-                </a:lnTo>
-                <a:lnTo>
-                  <a:pt x="120000" y="120000"/>
-                </a:lnTo>
-                <a:lnTo>
-                  <a:pt x="0" y="120000"/>
-                </a:lnTo>
-                <a:close/>
-              </a:path>
-            </a:pathLst>
-          </a:custGeom>
-        </p:spPr>
-      </p:sp>
-      <p:sp>
-        <p:nvSpPr>
-          <p:cNvPr id="1031" name="Google Shape;1031;g16f207837e6_0_91:notes"/>
           <p:cNvSpPr txBox="1">
             <a:spLocks noGrp="1"/>
           </p:cNvSpPr>
@@ -9836,7 +10056,7 @@
             </a:pPr>
             <a:r>
               <a:rPr lang="en-US" sz="2400" dirty="0"/>
-              <a:t>Option 3: A combination of both 1 and 2</a:t>
+              <a:t>Option 3: A combination of 1 and 2</a:t>
             </a:r>
           </a:p>
           <a:p>
@@ -9864,7 +10084,7 @@
           <a:p>
             <a:r>
               <a:rPr lang="en-US" sz="2800" dirty="0"/>
-              <a:t>Project #2 to be released Thursday</a:t>
+              <a:t>Project #2</a:t>
             </a:r>
           </a:p>
           <a:p>
@@ -10046,6 +10266,387 @@
 </file>
 
 <file path=ppt/slides/slide10.xml><?xml version="1.0" encoding="utf-8"?>
+<p:sld xmlns:a="http://schemas.openxmlformats.org/drawingml/2006/main" xmlns:r="http://schemas.openxmlformats.org/officeDocument/2006/relationships" xmlns:p="http://schemas.openxmlformats.org/presentationml/2006/main">
+  <p:cSld>
+    <p:spTree>
+      <p:nvGrpSpPr>
+        <p:cNvPr id="1" name="Shape 998"/>
+        <p:cNvGrpSpPr/>
+        <p:nvPr/>
+      </p:nvGrpSpPr>
+      <p:grpSpPr>
+        <a:xfrm>
+          <a:off x="0" y="0"/>
+          <a:ext cx="0" cy="0"/>
+          <a:chOff x="0" y="0"/>
+          <a:chExt cx="0" cy="0"/>
+        </a:xfrm>
+      </p:grpSpPr>
+      <p:sp>
+        <p:nvSpPr>
+          <p:cNvPr id="999" name="Google Shape;999;p74"/>
+          <p:cNvSpPr txBox="1">
+            <a:spLocks noGrp="1"/>
+          </p:cNvSpPr>
+          <p:nvPr>
+            <p:ph type="title"/>
+          </p:nvPr>
+        </p:nvSpPr>
+        <p:spPr>
+          <a:xfrm>
+            <a:off x="102700" y="270875"/>
+            <a:ext cx="8520600" cy="572700"/>
+          </a:xfrm>
+          <a:prstGeom prst="rect">
+            <a:avLst/>
+          </a:prstGeom>
+        </p:spPr>
+        <p:txBody>
+          <a:bodyPr spcFirstLastPara="1" wrap="square" lIns="91425" tIns="91425" rIns="91425" bIns="91425" anchor="t" anchorCtr="0">
+            <a:normAutofit fontScale="90000"/>
+          </a:bodyPr>
+          <a:lstStyle/>
+          <a:p>
+            <a:pPr marL="0" lvl="0" indent="0" algn="l" rtl="0">
+              <a:spcBef>
+                <a:spcPts val="0"/>
+              </a:spcBef>
+              <a:spcAft>
+                <a:spcPts val="0"/>
+              </a:spcAft>
+              <a:buNone/>
+            </a:pPr>
+            <a:r>
+              <a:rPr lang="en"/>
+              <a:t>Real-World On-Path Attackers</a:t>
+            </a:r>
+            <a:endParaRPr/>
+          </a:p>
+        </p:txBody>
+      </p:sp>
+      <p:sp>
+        <p:nvSpPr>
+          <p:cNvPr id="1000" name="Google Shape;1000;p74"/>
+          <p:cNvSpPr txBox="1">
+            <a:spLocks noGrp="1"/>
+          </p:cNvSpPr>
+          <p:nvPr>
+            <p:ph type="sldNum" idx="12"/>
+          </p:nvPr>
+        </p:nvSpPr>
+        <p:spPr>
+          <a:xfrm>
+            <a:off x="8472458" y="4663217"/>
+            <a:ext cx="548700" cy="393600"/>
+          </a:xfrm>
+          <a:prstGeom prst="rect">
+            <a:avLst/>
+          </a:prstGeom>
+        </p:spPr>
+        <p:txBody>
+          <a:bodyPr spcFirstLastPara="1" wrap="square" lIns="91425" tIns="91425" rIns="91425" bIns="91425" anchor="ctr" anchorCtr="0">
+            <a:normAutofit/>
+          </a:bodyPr>
+          <a:lstStyle/>
+          <a:p>
+            <a:pPr marL="0" lvl="0" indent="0" algn="r" rtl="0">
+              <a:spcBef>
+                <a:spcPts val="0"/>
+              </a:spcBef>
+              <a:spcAft>
+                <a:spcPts val="0"/>
+              </a:spcAft>
+              <a:buNone/>
+            </a:pPr>
+            <a:fld id="{00000000-1234-1234-1234-123412341234}" type="slidenum">
+              <a:rPr lang="en" b="0">
+                <a:solidFill>
+                  <a:schemeClr val="dk2"/>
+                </a:solidFill>
+              </a:rPr>
+              <a:t>10</a:t>
+            </a:fld>
+            <a:endParaRPr b="0">
+              <a:solidFill>
+                <a:schemeClr val="dk2"/>
+              </a:solidFill>
+            </a:endParaRPr>
+          </a:p>
+        </p:txBody>
+      </p:sp>
+      <p:sp>
+        <p:nvSpPr>
+          <p:cNvPr id="1001" name="Google Shape;1001;p74"/>
+          <p:cNvSpPr txBox="1">
+            <a:spLocks noGrp="1"/>
+          </p:cNvSpPr>
+          <p:nvPr>
+            <p:ph type="body" idx="1"/>
+          </p:nvPr>
+        </p:nvSpPr>
+        <p:spPr>
+          <a:xfrm>
+            <a:off x="198500" y="1246825"/>
+            <a:ext cx="8520600" cy="1677300"/>
+          </a:xfrm>
+          <a:prstGeom prst="rect">
+            <a:avLst/>
+          </a:prstGeom>
+        </p:spPr>
+        <p:txBody>
+          <a:bodyPr spcFirstLastPara="1" wrap="square" lIns="91425" tIns="91425" rIns="91425" bIns="91425" anchor="t" anchorCtr="0">
+            <a:normAutofit/>
+          </a:bodyPr>
+          <a:lstStyle/>
+          <a:p>
+            <a:pPr marL="457200" lvl="0" indent="-342900" algn="l" rtl="0">
+              <a:spcBef>
+                <a:spcPts val="0"/>
+              </a:spcBef>
+              <a:spcAft>
+                <a:spcPts val="0"/>
+              </a:spcAft>
+              <a:buSzPts val="1800"/>
+              <a:buChar char="●"/>
+            </a:pPr>
+            <a:r>
+              <a:rPr lang="en" b="1" dirty="0" err="1">
+                <a:latin typeface="Courier New"/>
+                <a:ea typeface="Courier New"/>
+                <a:cs typeface="Courier New"/>
+                <a:sym typeface="Courier New"/>
+              </a:rPr>
+              <a:t>tcpdump</a:t>
+            </a:r>
+            <a:r>
+              <a:rPr lang="en" dirty="0"/>
+              <a:t>: A program for reading packets on the local network</a:t>
+            </a:r>
+            <a:endParaRPr dirty="0"/>
+          </a:p>
+          <a:p>
+            <a:pPr marL="914400" lvl="1" indent="-317500" algn="l" rtl="0">
+              <a:spcBef>
+                <a:spcPts val="0"/>
+              </a:spcBef>
+              <a:spcAft>
+                <a:spcPts val="0"/>
+              </a:spcAft>
+              <a:buSzPts val="1400"/>
+              <a:buChar char="○"/>
+            </a:pPr>
+            <a:r>
+              <a:rPr lang="en" dirty="0"/>
+              <a:t>Uses promiscuous mode to read other machines’ packets in broadcast technologies</a:t>
+            </a:r>
+            <a:endParaRPr dirty="0"/>
+          </a:p>
+          <a:p>
+            <a:pPr marL="457200" lvl="0" indent="-342900" algn="l" rtl="0">
+              <a:spcBef>
+                <a:spcPts val="0"/>
+              </a:spcBef>
+              <a:spcAft>
+                <a:spcPts val="0"/>
+              </a:spcAft>
+              <a:buSzPts val="1800"/>
+              <a:buChar char="●"/>
+            </a:pPr>
+            <a:r>
+              <a:rPr lang="en" dirty="0"/>
+              <a:t>Wireshark: A graphical user interface (GUI) for analyzing </a:t>
+            </a:r>
+            <a:r>
+              <a:rPr lang="en" b="1" dirty="0" err="1">
+                <a:latin typeface="Courier New"/>
+                <a:ea typeface="Courier New"/>
+                <a:cs typeface="Courier New"/>
+                <a:sym typeface="Courier New"/>
+              </a:rPr>
+              <a:t>tcpdump</a:t>
+            </a:r>
+            <a:r>
+              <a:rPr lang="en" dirty="0"/>
+              <a:t> packets</a:t>
+            </a:r>
+            <a:endParaRPr dirty="0"/>
+          </a:p>
+        </p:txBody>
+      </p:sp>
+      <p:pic>
+        <p:nvPicPr>
+          <p:cNvPr id="1002" name="Google Shape;1002;p74"/>
+          <p:cNvPicPr preferRelativeResize="0"/>
+          <p:nvPr/>
+        </p:nvPicPr>
+        <p:blipFill>
+          <a:blip r:embed="rId3">
+            <a:alphaModFix/>
+          </a:blip>
+          <a:stretch>
+            <a:fillRect/>
+          </a:stretch>
+        </p:blipFill>
+        <p:spPr>
+          <a:xfrm>
+            <a:off x="925925" y="2752550"/>
+            <a:ext cx="3570724" cy="2351975"/>
+          </a:xfrm>
+          <a:prstGeom prst="rect">
+            <a:avLst/>
+          </a:prstGeom>
+          <a:noFill/>
+          <a:ln>
+            <a:noFill/>
+          </a:ln>
+        </p:spPr>
+      </p:pic>
+      <p:pic>
+        <p:nvPicPr>
+          <p:cNvPr id="1003" name="Google Shape;1003;p74"/>
+          <p:cNvPicPr preferRelativeResize="0"/>
+          <p:nvPr/>
+        </p:nvPicPr>
+        <p:blipFill>
+          <a:blip r:embed="rId4">
+            <a:alphaModFix/>
+          </a:blip>
+          <a:stretch>
+            <a:fillRect/>
+          </a:stretch>
+        </p:blipFill>
+        <p:spPr>
+          <a:xfrm>
+            <a:off x="5029200" y="2752550"/>
+            <a:ext cx="3547008" cy="2351975"/>
+          </a:xfrm>
+          <a:prstGeom prst="rect">
+            <a:avLst/>
+          </a:prstGeom>
+          <a:noFill/>
+          <a:ln>
+            <a:noFill/>
+          </a:ln>
+        </p:spPr>
+      </p:pic>
+    </p:spTree>
+  </p:cSld>
+  <p:clrMapOvr>
+    <a:masterClrMapping/>
+  </p:clrMapOvr>
+</p:sld>
+</file>
+
+<file path=ppt/slides/slide11.xml><?xml version="1.0" encoding="utf-8"?>
+<p:sld xmlns:a="http://schemas.openxmlformats.org/drawingml/2006/main" xmlns:r="http://schemas.openxmlformats.org/officeDocument/2006/relationships" xmlns:p="http://schemas.openxmlformats.org/presentationml/2006/main">
+  <p:cSld>
+    <p:spTree>
+      <p:nvGrpSpPr>
+        <p:cNvPr id="1" name="Shape 1032"/>
+        <p:cNvGrpSpPr/>
+        <p:nvPr/>
+      </p:nvGrpSpPr>
+      <p:grpSpPr>
+        <a:xfrm>
+          <a:off x="0" y="0"/>
+          <a:ext cx="0" cy="0"/>
+          <a:chOff x="0" y="0"/>
+          <a:chExt cx="0" cy="0"/>
+        </a:xfrm>
+      </p:grpSpPr>
+      <p:sp>
+        <p:nvSpPr>
+          <p:cNvPr id="1033" name="Google Shape;1033;p77"/>
+          <p:cNvSpPr txBox="1">
+            <a:spLocks noGrp="1"/>
+          </p:cNvSpPr>
+          <p:nvPr>
+            <p:ph type="title"/>
+          </p:nvPr>
+        </p:nvSpPr>
+        <p:spPr>
+          <a:xfrm>
+            <a:off x="311700" y="2150850"/>
+            <a:ext cx="8520600" cy="841800"/>
+          </a:xfrm>
+          <a:prstGeom prst="rect">
+            <a:avLst/>
+          </a:prstGeom>
+        </p:spPr>
+        <p:txBody>
+          <a:bodyPr spcFirstLastPara="1" wrap="square" lIns="91425" tIns="91425" rIns="91425" bIns="91425" anchor="ctr" anchorCtr="0">
+            <a:normAutofit/>
+          </a:bodyPr>
+          <a:lstStyle/>
+          <a:p>
+            <a:pPr marL="0" lvl="0" indent="0" algn="ctr" rtl="0">
+              <a:spcBef>
+                <a:spcPts val="0"/>
+              </a:spcBef>
+              <a:spcAft>
+                <a:spcPts val="0"/>
+              </a:spcAft>
+              <a:buNone/>
+            </a:pPr>
+            <a:r>
+              <a:rPr lang="en"/>
+              <a:t>Address Resolution Protocol (ARP)</a:t>
+            </a:r>
+            <a:endParaRPr/>
+          </a:p>
+        </p:txBody>
+      </p:sp>
+      <p:sp>
+        <p:nvSpPr>
+          <p:cNvPr id="1034" name="Google Shape;1034;p77"/>
+          <p:cNvSpPr txBox="1">
+            <a:spLocks noGrp="1"/>
+          </p:cNvSpPr>
+          <p:nvPr>
+            <p:ph type="sldNum" idx="12"/>
+          </p:nvPr>
+        </p:nvSpPr>
+        <p:spPr>
+          <a:xfrm>
+            <a:off x="8472458" y="4663217"/>
+            <a:ext cx="548700" cy="393600"/>
+          </a:xfrm>
+          <a:prstGeom prst="rect">
+            <a:avLst/>
+          </a:prstGeom>
+        </p:spPr>
+        <p:txBody>
+          <a:bodyPr spcFirstLastPara="1" wrap="square" lIns="91425" tIns="91425" rIns="91425" bIns="91425" anchor="ctr" anchorCtr="0">
+            <a:normAutofit/>
+          </a:bodyPr>
+          <a:lstStyle/>
+          <a:p>
+            <a:pPr marL="0" lvl="0" indent="0" algn="r" rtl="0">
+              <a:spcBef>
+                <a:spcPts val="0"/>
+              </a:spcBef>
+              <a:spcAft>
+                <a:spcPts val="0"/>
+              </a:spcAft>
+              <a:buNone/>
+            </a:pPr>
+            <a:fld id="{00000000-1234-1234-1234-123412341234}" type="slidenum">
+              <a:rPr lang="en"/>
+              <a:t>11</a:t>
+            </a:fld>
+            <a:endParaRPr/>
+          </a:p>
+        </p:txBody>
+      </p:sp>
+    </p:spTree>
+  </p:cSld>
+  <p:clrMapOvr>
+    <a:masterClrMapping/>
+  </p:clrMapOvr>
+</p:sld>
+</file>
+
+<file path=ppt/slides/slide12.xml><?xml version="1.0" encoding="utf-8"?>
 <p:sld xmlns:a="http://schemas.openxmlformats.org/drawingml/2006/main" xmlns:r="http://schemas.openxmlformats.org/officeDocument/2006/relationships" xmlns:p="http://schemas.openxmlformats.org/presentationml/2006/main">
   <p:cSld>
     <p:spTree>
@@ -10234,7 +10835,7 @@
             </a:pPr>
             <a:fld id="{00000000-1234-1234-1234-123412341234}" type="slidenum">
               <a:rPr lang="en"/>
-              <a:t>10</a:t>
+              <a:t>12</a:t>
             </a:fld>
             <a:endParaRPr/>
           </a:p>
@@ -11182,7 +11783,7 @@
 </p:sld>
 </file>
 
-<file path=ppt/slides/slide11.xml><?xml version="1.0" encoding="utf-8"?>
+<file path=ppt/slides/slide13.xml><?xml version="1.0" encoding="utf-8"?>
 <p:sld xmlns:a="http://schemas.openxmlformats.org/drawingml/2006/main" xmlns:r="http://schemas.openxmlformats.org/officeDocument/2006/relationships" xmlns:p="http://schemas.openxmlformats.org/presentationml/2006/main">
   <p:cSld>
     <p:spTree>
@@ -11277,14 +11878,14 @@
               <a:buChar char="●"/>
             </a:pPr>
             <a:r>
-              <a:rPr lang="en" b="1"/>
+              <a:rPr lang="en" b="1" dirty="0"/>
               <a:t>ARP</a:t>
             </a:r>
             <a:r>
-              <a:rPr lang="en"/>
+              <a:rPr lang="en" dirty="0"/>
               <a:t>: Translates layer 3 IP addresses to layer 2 MAC addresses</a:t>
             </a:r>
-            <a:endParaRPr/>
+            <a:endParaRPr dirty="0"/>
           </a:p>
           <a:p>
             <a:pPr marL="914400" lvl="1" indent="-317500" algn="l" rtl="0">
@@ -11298,18 +11899,18 @@
               <a:buChar char="○"/>
             </a:pPr>
             <a:r>
-              <a:rPr lang="en"/>
+              <a:rPr lang="en" dirty="0"/>
               <a:t>Example: Alice wants to send a message to Bob on the local network, but Alice only knows Bob’s IP address (</a:t>
             </a:r>
             <a:r>
-              <a:rPr lang="en" b="1"/>
+              <a:rPr lang="en" b="1" dirty="0"/>
               <a:t>1.2.3.4</a:t>
             </a:r>
             <a:r>
-              <a:rPr lang="en"/>
+              <a:rPr lang="en" dirty="0"/>
               <a:t>). To use layer 2 protocols, she must learn Bob’s MAC address.</a:t>
             </a:r>
-            <a:endParaRPr/>
+            <a:endParaRPr dirty="0"/>
           </a:p>
           <a:p>
             <a:pPr marL="457200" lvl="0" indent="-342900" algn="l" rtl="0">
@@ -11323,10 +11924,10 @@
               <a:buChar char="●"/>
             </a:pPr>
             <a:r>
-              <a:rPr lang="en"/>
+              <a:rPr lang="en" dirty="0"/>
               <a:t>Steps of the protocol</a:t>
             </a:r>
-            <a:endParaRPr/>
+            <a:endParaRPr dirty="0"/>
           </a:p>
           <a:p>
             <a:pPr marL="914400" lvl="1" indent="-317500" algn="l" rtl="0">
@@ -11340,10 +11941,10 @@
               <a:buAutoNum type="alphaLcPeriod"/>
             </a:pPr>
             <a:r>
-              <a:rPr lang="en"/>
+              <a:rPr lang="en" dirty="0"/>
               <a:t>Alice checks her cache to see if she already knows Bob’s MAC address.</a:t>
             </a:r>
-            <a:endParaRPr/>
+            <a:endParaRPr dirty="0"/>
           </a:p>
           <a:p>
             <a:pPr marL="914400" lvl="1" indent="-317500" algn="l" rtl="0">
@@ -11357,33 +11958,33 @@
               <a:buAutoNum type="alphaLcPeriod"/>
             </a:pPr>
             <a:r>
-              <a:rPr lang="en"/>
+              <a:rPr lang="en" dirty="0"/>
               <a:t>If Bob’s MAC address is not in the cache, Alice </a:t>
             </a:r>
             <a:r>
-              <a:rPr lang="en" b="1"/>
+              <a:rPr lang="en" b="1" dirty="0"/>
               <a:t>broadcasts</a:t>
             </a:r>
             <a:r>
-              <a:rPr lang="en"/>
+              <a:rPr lang="en" dirty="0"/>
               <a:t> to everyone on the LAN:</a:t>
             </a:r>
             <a:br>
-              <a:rPr lang="en"/>
+              <a:rPr lang="en" dirty="0"/>
             </a:br>
             <a:r>
-              <a:rPr lang="en"/>
+              <a:rPr lang="en" dirty="0"/>
               <a:t>“What is the MAC address of </a:t>
             </a:r>
             <a:r>
-              <a:rPr lang="en" b="1"/>
+              <a:rPr lang="en" b="1" dirty="0"/>
               <a:t>1.2.3.4</a:t>
             </a:r>
             <a:r>
-              <a:rPr lang="en"/>
+              <a:rPr lang="en" dirty="0"/>
               <a:t>?”</a:t>
             </a:r>
-            <a:endParaRPr/>
+            <a:endParaRPr dirty="0"/>
           </a:p>
           <a:p>
             <a:pPr marL="914400" lvl="1" indent="-317500" algn="l" rtl="0">
@@ -11397,26 +11998,26 @@
               <a:buAutoNum type="alphaLcPeriod"/>
             </a:pPr>
             <a:r>
-              <a:rPr lang="en"/>
+              <a:rPr lang="en" dirty="0"/>
               <a:t>Bob responds by sending a message only to Alice: “My IP is </a:t>
             </a:r>
             <a:r>
-              <a:rPr lang="en" b="1"/>
+              <a:rPr lang="en" b="1" dirty="0"/>
               <a:t>1.2.3.4</a:t>
             </a:r>
             <a:r>
-              <a:rPr lang="en"/>
+              <a:rPr lang="en" dirty="0"/>
               <a:t> and my MAC address is </a:t>
             </a:r>
             <a:r>
-              <a:rPr lang="en" b="1"/>
+              <a:rPr lang="en" b="1" dirty="0"/>
               <a:t>ca:fe:f0:0d:be:ef</a:t>
             </a:r>
             <a:r>
-              <a:rPr lang="en"/>
+              <a:rPr lang="en" dirty="0"/>
               <a:t>.” Everyone else does nothing.</a:t>
             </a:r>
-            <a:endParaRPr/>
+            <a:endParaRPr dirty="0"/>
           </a:p>
           <a:p>
             <a:pPr marL="914400" lvl="1" indent="-317500" algn="l" rtl="0">
@@ -11430,10 +12031,10 @@
               <a:buAutoNum type="alphaLcPeriod"/>
             </a:pPr>
             <a:r>
-              <a:rPr lang="en"/>
+              <a:rPr lang="en" dirty="0"/>
               <a:t>Alice caches Bob’s MAC address.</a:t>
             </a:r>
-            <a:endParaRPr/>
+            <a:endParaRPr dirty="0"/>
           </a:p>
         </p:txBody>
       </p:sp>
@@ -11473,7 +12074,7 @@
             </a:pPr>
             <a:fld id="{00000000-1234-1234-1234-123412341234}" type="slidenum">
               <a:rPr lang="en"/>
-              <a:t>11</a:t>
+              <a:t>13</a:t>
             </a:fld>
             <a:endParaRPr/>
           </a:p>
@@ -11535,15 +12136,33 @@
                                   </p:childTnLst>
                                 </p:cTn>
                               </p:par>
+                            </p:childTnLst>
+                          </p:cTn>
+                        </p:par>
+                      </p:childTnLst>
+                    </p:cTn>
+                  </p:par>
+                  <p:par>
+                    <p:cTn id="7" fill="hold">
+                      <p:stCondLst>
+                        <p:cond delay="indefinite"/>
+                      </p:stCondLst>
+                      <p:childTnLst>
+                        <p:par>
+                          <p:cTn id="8" fill="hold">
+                            <p:stCondLst>
+                              <p:cond delay="0"/>
+                            </p:stCondLst>
+                            <p:childTnLst>
                               <p:par>
-                                <p:cTn id="7" presetID="1" presetClass="entr" presetSubtype="0" fill="hold" nodeType="withEffect">
+                                <p:cTn id="9" presetID="1" presetClass="entr" presetSubtype="0" fill="hold" nodeType="clickEffect">
                                   <p:stCondLst>
                                     <p:cond delay="0"/>
                                   </p:stCondLst>
                                   <p:childTnLst>
                                     <p:set>
                                       <p:cBhvr>
-                                        <p:cTn id="8" dur="1" fill="hold">
+                                        <p:cTn id="10" dur="1" fill="hold">
                                           <p:stCondLst>
                                             <p:cond delay="0"/>
                                           </p:stCondLst>
@@ -11566,15 +12185,33 @@
                                   </p:childTnLst>
                                 </p:cTn>
                               </p:par>
+                            </p:childTnLst>
+                          </p:cTn>
+                        </p:par>
+                      </p:childTnLst>
+                    </p:cTn>
+                  </p:par>
+                  <p:par>
+                    <p:cTn id="11" fill="hold">
+                      <p:stCondLst>
+                        <p:cond delay="indefinite"/>
+                      </p:stCondLst>
+                      <p:childTnLst>
+                        <p:par>
+                          <p:cTn id="12" fill="hold">
+                            <p:stCondLst>
+                              <p:cond delay="0"/>
+                            </p:stCondLst>
+                            <p:childTnLst>
                               <p:par>
-                                <p:cTn id="9" presetID="1" presetClass="entr" presetSubtype="0" fill="hold" nodeType="withEffect">
+                                <p:cTn id="13" presetID="1" presetClass="entr" presetSubtype="0" fill="hold" nodeType="clickEffect">
                                   <p:stCondLst>
                                     <p:cond delay="0"/>
                                   </p:stCondLst>
                                   <p:childTnLst>
                                     <p:set>
                                       <p:cBhvr>
-                                        <p:cTn id="10" dur="1" fill="hold">
+                                        <p:cTn id="14" dur="1" fill="hold">
                                           <p:stCondLst>
                                             <p:cond delay="0"/>
                                           </p:stCondLst>
@@ -11597,15 +12234,33 @@
                                   </p:childTnLst>
                                 </p:cTn>
                               </p:par>
+                            </p:childTnLst>
+                          </p:cTn>
+                        </p:par>
+                      </p:childTnLst>
+                    </p:cTn>
+                  </p:par>
+                  <p:par>
+                    <p:cTn id="15" fill="hold">
+                      <p:stCondLst>
+                        <p:cond delay="indefinite"/>
+                      </p:stCondLst>
+                      <p:childTnLst>
+                        <p:par>
+                          <p:cTn id="16" fill="hold">
+                            <p:stCondLst>
+                              <p:cond delay="0"/>
+                            </p:stCondLst>
+                            <p:childTnLst>
                               <p:par>
-                                <p:cTn id="11" presetID="1" presetClass="entr" presetSubtype="0" fill="hold" nodeType="withEffect">
+                                <p:cTn id="17" presetID="1" presetClass="entr" presetSubtype="0" fill="hold" nodeType="clickEffect">
                                   <p:stCondLst>
                                     <p:cond delay="0"/>
                                   </p:stCondLst>
                                   <p:childTnLst>
                                     <p:set>
                                       <p:cBhvr>
-                                        <p:cTn id="12" dur="1" fill="hold">
+                                        <p:cTn id="18" dur="1" fill="hold">
                                           <p:stCondLst>
                                             <p:cond delay="0"/>
                                           </p:stCondLst>
@@ -11628,15 +12283,33 @@
                                   </p:childTnLst>
                                 </p:cTn>
                               </p:par>
+                            </p:childTnLst>
+                          </p:cTn>
+                        </p:par>
+                      </p:childTnLst>
+                    </p:cTn>
+                  </p:par>
+                  <p:par>
+                    <p:cTn id="19" fill="hold">
+                      <p:stCondLst>
+                        <p:cond delay="indefinite"/>
+                      </p:stCondLst>
+                      <p:childTnLst>
+                        <p:par>
+                          <p:cTn id="20" fill="hold">
+                            <p:stCondLst>
+                              <p:cond delay="0"/>
+                            </p:stCondLst>
+                            <p:childTnLst>
                               <p:par>
-                                <p:cTn id="13" presetID="1" presetClass="entr" presetSubtype="0" fill="hold" nodeType="withEffect">
+                                <p:cTn id="21" presetID="1" presetClass="entr" presetSubtype="0" fill="hold" nodeType="clickEffect">
                                   <p:stCondLst>
                                     <p:cond delay="0"/>
                                   </p:stCondLst>
                                   <p:childTnLst>
                                     <p:set>
                                       <p:cBhvr>
-                                        <p:cTn id="14" dur="1" fill="hold">
+                                        <p:cTn id="22" dur="1" fill="hold">
                                           <p:stCondLst>
                                             <p:cond delay="0"/>
                                           </p:stCondLst>
@@ -11690,7 +12363,7 @@
 </p:sld>
 </file>
 
-<file path=ppt/slides/slide12.xml><?xml version="1.0" encoding="utf-8"?>
+<file path=ppt/slides/slide14.xml><?xml version="1.0" encoding="utf-8"?>
 <p:sld xmlns:a="http://schemas.openxmlformats.org/drawingml/2006/main" xmlns:r="http://schemas.openxmlformats.org/officeDocument/2006/relationships" xmlns:p="http://schemas.openxmlformats.org/presentationml/2006/main">
   <p:cSld>
     <p:spTree>
@@ -11785,7 +12458,7 @@
             </a:pPr>
             <a:fld id="{00000000-1234-1234-1234-123412341234}" type="slidenum">
               <a:rPr lang="en"/>
-              <a:t>12</a:t>
+              <a:t>14</a:t>
             </a:fld>
             <a:endParaRPr/>
           </a:p>
@@ -12617,7 +13290,7 @@
 </p:sld>
 </file>
 
-<file path=ppt/slides/slide13.xml><?xml version="1.0" encoding="utf-8"?>
+<file path=ppt/slides/slide15.xml><?xml version="1.0" encoding="utf-8"?>
 <p:sld xmlns:a="http://schemas.openxmlformats.org/drawingml/2006/main" xmlns:r="http://schemas.openxmlformats.org/officeDocument/2006/relationships" xmlns:p="http://schemas.openxmlformats.org/presentationml/2006/main">
   <p:cSld>
     <p:spTree>
@@ -12712,7 +13385,7 @@
             </a:pPr>
             <a:fld id="{00000000-1234-1234-1234-123412341234}" type="slidenum">
               <a:rPr lang="en"/>
-              <a:t>13</a:t>
+              <a:t>15</a:t>
             </a:fld>
             <a:endParaRPr/>
           </a:p>
@@ -13584,7 +14257,7 @@
 </p:sld>
 </file>
 
-<file path=ppt/slides/slide14.xml><?xml version="1.0" encoding="utf-8"?>
+<file path=ppt/slides/slide16.xml><?xml version="1.0" encoding="utf-8"?>
 <p:sld xmlns:a="http://schemas.openxmlformats.org/drawingml/2006/main" xmlns:r="http://schemas.openxmlformats.org/officeDocument/2006/relationships" xmlns:p="http://schemas.openxmlformats.org/presentationml/2006/main">
   <p:cSld>
     <p:spTree>
@@ -13679,7 +14352,7 @@
             </a:pPr>
             <a:fld id="{00000000-1234-1234-1234-123412341234}" type="slidenum">
               <a:rPr lang="en"/>
-              <a:t>14</a:t>
+              <a:t>16</a:t>
             </a:fld>
             <a:endParaRPr/>
           </a:p>
@@ -14564,7 +15237,7 @@
 </p:sld>
 </file>
 
-<file path=ppt/slides/slide15.xml><?xml version="1.0" encoding="utf-8"?>
+<file path=ppt/slides/slide17.xml><?xml version="1.0" encoding="utf-8"?>
 <p:sld xmlns:a="http://schemas.openxmlformats.org/drawingml/2006/main" xmlns:r="http://schemas.openxmlformats.org/officeDocument/2006/relationships" xmlns:p="http://schemas.openxmlformats.org/presentationml/2006/main">
   <p:cSld>
     <p:spTree>
@@ -14659,7 +15332,7 @@
             </a:pPr>
             <a:fld id="{00000000-1234-1234-1234-123412341234}" type="slidenum">
               <a:rPr lang="en"/>
-              <a:t>15</a:t>
+              <a:t>17</a:t>
             </a:fld>
             <a:endParaRPr/>
           </a:p>
@@ -15361,7 +16034,7 @@
 </p:sld>
 </file>
 
-<file path=ppt/slides/slide16.xml><?xml version="1.0" encoding="utf-8"?>
+<file path=ppt/slides/slide18.xml><?xml version="1.0" encoding="utf-8"?>
 <p:sld xmlns:a="http://schemas.openxmlformats.org/drawingml/2006/main" xmlns:r="http://schemas.openxmlformats.org/officeDocument/2006/relationships" xmlns:p="http://schemas.openxmlformats.org/presentationml/2006/main">
   <p:cSld>
     <p:spTree>
@@ -15414,7 +16087,7 @@
             </a:pPr>
             <a:fld id="{00000000-1234-1234-1234-123412341234}" type="slidenum">
               <a:rPr lang="en"/>
-              <a:t>16</a:t>
+              <a:t>18</a:t>
             </a:fld>
             <a:endParaRPr/>
           </a:p>
@@ -15760,33 +16433,15 @@
                                   </p:childTnLst>
                                 </p:cTn>
                               </p:par>
-                            </p:childTnLst>
-                          </p:cTn>
-                        </p:par>
-                      </p:childTnLst>
-                    </p:cTn>
-                  </p:par>
-                  <p:par>
-                    <p:cTn id="13" fill="hold">
-                      <p:stCondLst>
-                        <p:cond delay="indefinite"/>
-                      </p:stCondLst>
-                      <p:childTnLst>
-                        <p:par>
-                          <p:cTn id="14" fill="hold">
-                            <p:stCondLst>
-                              <p:cond delay="0"/>
-                            </p:stCondLst>
-                            <p:childTnLst>
                               <p:par>
-                                <p:cTn id="15" presetID="1" presetClass="entr" presetSubtype="0" fill="hold" nodeType="clickEffect">
+                                <p:cTn id="13" presetID="1" presetClass="entr" presetSubtype="0" fill="hold" nodeType="withEffect">
                                   <p:stCondLst>
                                     <p:cond delay="0"/>
                                   </p:stCondLst>
                                   <p:childTnLst>
                                     <p:set>
                                       <p:cBhvr>
-                                        <p:cTn id="16" dur="1" fill="hold">
+                                        <p:cTn id="14" dur="1" fill="hold">
                                           <p:stCondLst>
                                             <p:cond delay="0"/>
                                           </p:stCondLst>
@@ -15809,8 +16464,26 @@
                                   </p:childTnLst>
                                 </p:cTn>
                               </p:par>
+                            </p:childTnLst>
+                          </p:cTn>
+                        </p:par>
+                      </p:childTnLst>
+                    </p:cTn>
+                  </p:par>
+                  <p:par>
+                    <p:cTn id="15" fill="hold">
+                      <p:stCondLst>
+                        <p:cond delay="indefinite"/>
+                      </p:stCondLst>
+                      <p:childTnLst>
+                        <p:par>
+                          <p:cTn id="16" fill="hold">
+                            <p:stCondLst>
+                              <p:cond delay="0"/>
+                            </p:stCondLst>
+                            <p:childTnLst>
                               <p:par>
-                                <p:cTn id="17" presetID="1" presetClass="entr" presetSubtype="0" fill="hold" nodeType="withEffect">
+                                <p:cTn id="17" presetID="1" presetClass="entr" presetSubtype="0" fill="hold" nodeType="clickEffect">
                                   <p:stCondLst>
                                     <p:cond delay="0"/>
                                   </p:stCondLst>
@@ -15964,7 +16637,7 @@
 </p:sld>
 </file>
 
-<file path=ppt/slides/slide17.xml><?xml version="1.0" encoding="utf-8"?>
+<file path=ppt/slides/slide19.xml><?xml version="1.0" encoding="utf-8"?>
 <p:sld xmlns:a="http://schemas.openxmlformats.org/drawingml/2006/main" xmlns:r="http://schemas.openxmlformats.org/officeDocument/2006/relationships" xmlns:p="http://schemas.openxmlformats.org/presentationml/2006/main">
   <p:cSld>
     <p:spTree>
@@ -16059,7 +16732,7 @@
             </a:pPr>
             <a:fld id="{00000000-1234-1234-1234-123412341234}" type="slidenum">
               <a:rPr lang="en"/>
-              <a:t>17</a:t>
+              <a:t>19</a:t>
             </a:fld>
             <a:endParaRPr/>
           </a:p>
@@ -16833,7 +17506,283 @@
 </p:sld>
 </file>
 
-<file path=ppt/slides/slide18.xml><?xml version="1.0" encoding="utf-8"?>
+<file path=ppt/slides/slide2.xml><?xml version="1.0" encoding="utf-8"?>
+<p:sld xmlns:a="http://schemas.openxmlformats.org/drawingml/2006/main" xmlns:r="http://schemas.openxmlformats.org/officeDocument/2006/relationships" xmlns:p="http://schemas.openxmlformats.org/presentationml/2006/main">
+  <p:cSld>
+    <p:spTree>
+      <p:nvGrpSpPr>
+        <p:cNvPr id="1" name="Shape 931"/>
+        <p:cNvGrpSpPr/>
+        <p:nvPr/>
+      </p:nvGrpSpPr>
+      <p:grpSpPr>
+        <a:xfrm>
+          <a:off x="0" y="0"/>
+          <a:ext cx="0" cy="0"/>
+          <a:chOff x="0" y="0"/>
+          <a:chExt cx="0" cy="0"/>
+        </a:xfrm>
+      </p:grpSpPr>
+      <p:sp>
+        <p:nvSpPr>
+          <p:cNvPr id="932" name="Google Shape;932;p67"/>
+          <p:cNvSpPr txBox="1">
+            <a:spLocks noGrp="1"/>
+          </p:cNvSpPr>
+          <p:nvPr>
+            <p:ph type="title"/>
+          </p:nvPr>
+        </p:nvSpPr>
+        <p:spPr>
+          <a:xfrm>
+            <a:off x="102700" y="270875"/>
+            <a:ext cx="8520600" cy="572700"/>
+          </a:xfrm>
+          <a:prstGeom prst="rect">
+            <a:avLst/>
+          </a:prstGeom>
+        </p:spPr>
+        <p:txBody>
+          <a:bodyPr spcFirstLastPara="1" wrap="square" lIns="91425" tIns="91425" rIns="91425" bIns="91425" anchor="t" anchorCtr="0">
+            <a:normAutofit fontScale="90000"/>
+          </a:bodyPr>
+          <a:lstStyle/>
+          <a:p>
+            <a:pPr marL="0" lvl="0" indent="0" algn="l" rtl="0">
+              <a:spcBef>
+                <a:spcPts val="0"/>
+              </a:spcBef>
+              <a:spcAft>
+                <a:spcPts val="0"/>
+              </a:spcAft>
+              <a:buNone/>
+            </a:pPr>
+            <a:r>
+              <a:rPr lang="en" dirty="0"/>
+              <a:t>Today’s Plan</a:t>
+            </a:r>
+            <a:endParaRPr dirty="0"/>
+          </a:p>
+        </p:txBody>
+      </p:sp>
+      <p:sp>
+        <p:nvSpPr>
+          <p:cNvPr id="933" name="Google Shape;933;p67"/>
+          <p:cNvSpPr txBox="1">
+            <a:spLocks noGrp="1"/>
+          </p:cNvSpPr>
+          <p:nvPr>
+            <p:ph type="body" idx="1"/>
+          </p:nvPr>
+        </p:nvSpPr>
+        <p:spPr>
+          <a:xfrm>
+            <a:off x="198500" y="1246825"/>
+            <a:ext cx="8520600" cy="3765600"/>
+          </a:xfrm>
+          <a:prstGeom prst="rect">
+            <a:avLst/>
+          </a:prstGeom>
+        </p:spPr>
+        <p:txBody>
+          <a:bodyPr spcFirstLastPara="1" wrap="square" lIns="91425" tIns="91425" rIns="91425" bIns="91425" anchor="t" anchorCtr="0">
+            <a:normAutofit/>
+          </a:bodyPr>
+          <a:lstStyle/>
+          <a:p>
+            <a:pPr marL="457200" lvl="0" indent="-342900" algn="l" rtl="0">
+              <a:spcBef>
+                <a:spcPts val="0"/>
+              </a:spcBef>
+              <a:spcAft>
+                <a:spcPts val="0"/>
+              </a:spcAft>
+              <a:buSzPts val="1800"/>
+              <a:buChar char="●"/>
+            </a:pPr>
+            <a:r>
+              <a:rPr lang="en" sz="2000" dirty="0"/>
+              <a:t>Network Attackers</a:t>
+            </a:r>
+            <a:endParaRPr sz="2000" dirty="0"/>
+          </a:p>
+          <a:p>
+            <a:pPr marL="914400" lvl="1" indent="-317500" algn="l" rtl="0">
+              <a:spcBef>
+                <a:spcPts val="0"/>
+              </a:spcBef>
+              <a:spcAft>
+                <a:spcPts val="0"/>
+              </a:spcAft>
+              <a:buSzPts val="1400"/>
+              <a:buChar char="○"/>
+            </a:pPr>
+            <a:r>
+              <a:rPr lang="en" sz="1600" dirty="0"/>
+              <a:t>Man-in-the-middle attacker</a:t>
+            </a:r>
+            <a:endParaRPr sz="1600" dirty="0"/>
+          </a:p>
+          <a:p>
+            <a:pPr marL="914400" lvl="1" indent="-317500" algn="l" rtl="0">
+              <a:spcBef>
+                <a:spcPts val="0"/>
+              </a:spcBef>
+              <a:spcAft>
+                <a:spcPts val="0"/>
+              </a:spcAft>
+              <a:buSzPts val="1400"/>
+              <a:buChar char="○"/>
+            </a:pPr>
+            <a:r>
+              <a:rPr lang="en" sz="1600" dirty="0"/>
+              <a:t>On-path attacker</a:t>
+            </a:r>
+            <a:endParaRPr sz="1600" dirty="0"/>
+          </a:p>
+          <a:p>
+            <a:pPr marL="914400" lvl="1" indent="-317500" algn="l" rtl="0">
+              <a:spcBef>
+                <a:spcPts val="0"/>
+              </a:spcBef>
+              <a:spcAft>
+                <a:spcPts val="0"/>
+              </a:spcAft>
+              <a:buSzPts val="1400"/>
+              <a:buChar char="○"/>
+            </a:pPr>
+            <a:r>
+              <a:rPr lang="en" sz="1600" dirty="0"/>
+              <a:t>Off-path attacker</a:t>
+            </a:r>
+            <a:endParaRPr sz="1600" dirty="0"/>
+          </a:p>
+          <a:p>
+            <a:pPr marL="457200" lvl="0" indent="-342900" algn="l" rtl="0">
+              <a:spcBef>
+                <a:spcPts val="0"/>
+              </a:spcBef>
+              <a:spcAft>
+                <a:spcPts val="0"/>
+              </a:spcAft>
+              <a:buSzPts val="1800"/>
+              <a:buChar char="●"/>
+            </a:pPr>
+            <a:r>
+              <a:rPr lang="en" sz="2000" dirty="0"/>
+              <a:t>Important Concepts</a:t>
+            </a:r>
+          </a:p>
+          <a:p>
+            <a:pPr lvl="1"/>
+            <a:r>
+              <a:rPr lang="en-US" sz="1600" b="1" dirty="0"/>
+              <a:t>ARP: Translate IP addresses to MAC addresses</a:t>
+            </a:r>
+          </a:p>
+          <a:p>
+            <a:pPr lvl="1"/>
+            <a:r>
+              <a:rPr lang="en" sz="1600" dirty="0"/>
+              <a:t>DHCP: Get configurations when first connecting to a network</a:t>
+            </a:r>
+            <a:endParaRPr sz="1600" dirty="0"/>
+          </a:p>
+          <a:p>
+            <a:pPr lvl="1"/>
+            <a:r>
+              <a:rPr lang="en" sz="1600" dirty="0"/>
+              <a:t>WPA: Communicate securely in a wireless local network</a:t>
+            </a:r>
+          </a:p>
+          <a:p>
+            <a:pPr lvl="1"/>
+            <a:r>
+              <a:rPr lang="en" sz="1600" dirty="0"/>
+              <a:t>TCP: Reliably send packets </a:t>
+            </a:r>
+          </a:p>
+          <a:p>
+            <a:pPr lvl="1"/>
+            <a:r>
+              <a:rPr lang="en" sz="1600" dirty="0"/>
+              <a:t>UDP: Not-reliably send packets</a:t>
+            </a:r>
+          </a:p>
+          <a:p>
+            <a:pPr lvl="1"/>
+            <a:r>
+              <a:rPr lang="en" sz="1600" dirty="0"/>
+              <a:t>TLS: Secure TCP, securely send packets</a:t>
+            </a:r>
+          </a:p>
+          <a:p>
+            <a:pPr lvl="1"/>
+            <a:r>
+              <a:rPr lang="en" sz="1600" dirty="0"/>
+              <a:t>DNS: Lookup IP address from domain names</a:t>
+            </a:r>
+          </a:p>
+          <a:p>
+            <a:pPr lvl="1" indent="-342900">
+              <a:buSzPts val="1800"/>
+              <a:buChar char="●"/>
+            </a:pPr>
+            <a:endParaRPr sz="1600" dirty="0"/>
+          </a:p>
+        </p:txBody>
+      </p:sp>
+      <p:sp>
+        <p:nvSpPr>
+          <p:cNvPr id="934" name="Google Shape;934;p67"/>
+          <p:cNvSpPr txBox="1">
+            <a:spLocks noGrp="1"/>
+          </p:cNvSpPr>
+          <p:nvPr>
+            <p:ph type="sldNum" idx="12"/>
+          </p:nvPr>
+        </p:nvSpPr>
+        <p:spPr>
+          <a:xfrm>
+            <a:off x="8472458" y="4663217"/>
+            <a:ext cx="548700" cy="393600"/>
+          </a:xfrm>
+          <a:prstGeom prst="rect">
+            <a:avLst/>
+          </a:prstGeom>
+        </p:spPr>
+        <p:txBody>
+          <a:bodyPr spcFirstLastPara="1" wrap="square" lIns="91425" tIns="91425" rIns="91425" bIns="91425" anchor="ctr" anchorCtr="0">
+            <a:normAutofit/>
+          </a:bodyPr>
+          <a:lstStyle/>
+          <a:p>
+            <a:pPr marL="0" lvl="0" indent="0" algn="r" rtl="0">
+              <a:spcBef>
+                <a:spcPts val="0"/>
+              </a:spcBef>
+              <a:spcAft>
+                <a:spcPts val="0"/>
+              </a:spcAft>
+              <a:buNone/>
+            </a:pPr>
+            <a:fld id="{00000000-1234-1234-1234-123412341234}" type="slidenum">
+              <a:rPr lang="en"/>
+              <a:t>2</a:t>
+            </a:fld>
+            <a:endParaRPr/>
+          </a:p>
+        </p:txBody>
+      </p:sp>
+    </p:spTree>
+  </p:cSld>
+  <p:clrMapOvr>
+    <a:masterClrMapping/>
+  </p:clrMapOvr>
+</p:sld>
+</file>
+
+<file path=ppt/slides/slide20.xml><?xml version="1.0" encoding="utf-8"?>
 <p:sld xmlns:a="http://schemas.openxmlformats.org/drawingml/2006/main" xmlns:r="http://schemas.openxmlformats.org/officeDocument/2006/relationships" xmlns:p="http://schemas.openxmlformats.org/presentationml/2006/main">
   <p:cSld>
     <p:spTree>
@@ -16928,7 +17877,7 @@
             </a:pPr>
             <a:fld id="{00000000-1234-1234-1234-123412341234}" type="slidenum">
               <a:rPr lang="en"/>
-              <a:t>18</a:t>
+              <a:t>20</a:t>
             </a:fld>
             <a:endParaRPr/>
           </a:p>
@@ -17787,7 +18736,7 @@
 </p:sld>
 </file>
 
-<file path=ppt/slides/slide19.xml><?xml version="1.0" encoding="utf-8"?>
+<file path=ppt/slides/slide21.xml><?xml version="1.0" encoding="utf-8"?>
 <p:sld xmlns:a="http://schemas.openxmlformats.org/drawingml/2006/main" xmlns:r="http://schemas.openxmlformats.org/officeDocument/2006/relationships" xmlns:p="http://schemas.openxmlformats.org/presentationml/2006/main">
   <p:cSld>
     <p:spTree>
@@ -17882,7 +18831,7 @@
             </a:pPr>
             <a:fld id="{00000000-1234-1234-1234-123412341234}" type="slidenum">
               <a:rPr lang="en"/>
-              <a:t>19</a:t>
+              <a:t>21</a:t>
             </a:fld>
             <a:endParaRPr/>
           </a:p>
@@ -18729,283 +19678,7 @@
 </p:sld>
 </file>
 
-<file path=ppt/slides/slide2.xml><?xml version="1.0" encoding="utf-8"?>
-<p:sld xmlns:a="http://schemas.openxmlformats.org/drawingml/2006/main" xmlns:r="http://schemas.openxmlformats.org/officeDocument/2006/relationships" xmlns:p="http://schemas.openxmlformats.org/presentationml/2006/main">
-  <p:cSld>
-    <p:spTree>
-      <p:nvGrpSpPr>
-        <p:cNvPr id="1" name="Shape 931"/>
-        <p:cNvGrpSpPr/>
-        <p:nvPr/>
-      </p:nvGrpSpPr>
-      <p:grpSpPr>
-        <a:xfrm>
-          <a:off x="0" y="0"/>
-          <a:ext cx="0" cy="0"/>
-          <a:chOff x="0" y="0"/>
-          <a:chExt cx="0" cy="0"/>
-        </a:xfrm>
-      </p:grpSpPr>
-      <p:sp>
-        <p:nvSpPr>
-          <p:cNvPr id="932" name="Google Shape;932;p67"/>
-          <p:cNvSpPr txBox="1">
-            <a:spLocks noGrp="1"/>
-          </p:cNvSpPr>
-          <p:nvPr>
-            <p:ph type="title"/>
-          </p:nvPr>
-        </p:nvSpPr>
-        <p:spPr>
-          <a:xfrm>
-            <a:off x="102700" y="270875"/>
-            <a:ext cx="8520600" cy="572700"/>
-          </a:xfrm>
-          <a:prstGeom prst="rect">
-            <a:avLst/>
-          </a:prstGeom>
-        </p:spPr>
-        <p:txBody>
-          <a:bodyPr spcFirstLastPara="1" wrap="square" lIns="91425" tIns="91425" rIns="91425" bIns="91425" anchor="t" anchorCtr="0">
-            <a:normAutofit fontScale="90000"/>
-          </a:bodyPr>
-          <a:lstStyle/>
-          <a:p>
-            <a:pPr marL="0" lvl="0" indent="0" algn="l" rtl="0">
-              <a:spcBef>
-                <a:spcPts val="0"/>
-              </a:spcBef>
-              <a:spcAft>
-                <a:spcPts val="0"/>
-              </a:spcAft>
-              <a:buNone/>
-            </a:pPr>
-            <a:r>
-              <a:rPr lang="en" dirty="0"/>
-              <a:t>Today’s Plan</a:t>
-            </a:r>
-            <a:endParaRPr dirty="0"/>
-          </a:p>
-        </p:txBody>
-      </p:sp>
-      <p:sp>
-        <p:nvSpPr>
-          <p:cNvPr id="933" name="Google Shape;933;p67"/>
-          <p:cNvSpPr txBox="1">
-            <a:spLocks noGrp="1"/>
-          </p:cNvSpPr>
-          <p:nvPr>
-            <p:ph type="body" idx="1"/>
-          </p:nvPr>
-        </p:nvSpPr>
-        <p:spPr>
-          <a:xfrm>
-            <a:off x="198500" y="1246825"/>
-            <a:ext cx="8520600" cy="3765600"/>
-          </a:xfrm>
-          <a:prstGeom prst="rect">
-            <a:avLst/>
-          </a:prstGeom>
-        </p:spPr>
-        <p:txBody>
-          <a:bodyPr spcFirstLastPara="1" wrap="square" lIns="91425" tIns="91425" rIns="91425" bIns="91425" anchor="t" anchorCtr="0">
-            <a:normAutofit/>
-          </a:bodyPr>
-          <a:lstStyle/>
-          <a:p>
-            <a:pPr marL="457200" lvl="0" indent="-342900" algn="l" rtl="0">
-              <a:spcBef>
-                <a:spcPts val="0"/>
-              </a:spcBef>
-              <a:spcAft>
-                <a:spcPts val="0"/>
-              </a:spcAft>
-              <a:buSzPts val="1800"/>
-              <a:buChar char="●"/>
-            </a:pPr>
-            <a:r>
-              <a:rPr lang="en" sz="2000" dirty="0"/>
-              <a:t>Network Attackers</a:t>
-            </a:r>
-            <a:endParaRPr sz="2000" dirty="0"/>
-          </a:p>
-          <a:p>
-            <a:pPr marL="914400" lvl="1" indent="-317500" algn="l" rtl="0">
-              <a:spcBef>
-                <a:spcPts val="0"/>
-              </a:spcBef>
-              <a:spcAft>
-                <a:spcPts val="0"/>
-              </a:spcAft>
-              <a:buSzPts val="1400"/>
-              <a:buChar char="○"/>
-            </a:pPr>
-            <a:r>
-              <a:rPr lang="en" sz="1600" dirty="0"/>
-              <a:t>Man-in-the-middle attacker</a:t>
-            </a:r>
-            <a:endParaRPr sz="1600" dirty="0"/>
-          </a:p>
-          <a:p>
-            <a:pPr marL="914400" lvl="1" indent="-317500" algn="l" rtl="0">
-              <a:spcBef>
-                <a:spcPts val="0"/>
-              </a:spcBef>
-              <a:spcAft>
-                <a:spcPts val="0"/>
-              </a:spcAft>
-              <a:buSzPts val="1400"/>
-              <a:buChar char="○"/>
-            </a:pPr>
-            <a:r>
-              <a:rPr lang="en" sz="1600" dirty="0"/>
-              <a:t>On-path attacker</a:t>
-            </a:r>
-            <a:endParaRPr sz="1600" dirty="0"/>
-          </a:p>
-          <a:p>
-            <a:pPr marL="914400" lvl="1" indent="-317500" algn="l" rtl="0">
-              <a:spcBef>
-                <a:spcPts val="0"/>
-              </a:spcBef>
-              <a:spcAft>
-                <a:spcPts val="0"/>
-              </a:spcAft>
-              <a:buSzPts val="1400"/>
-              <a:buChar char="○"/>
-            </a:pPr>
-            <a:r>
-              <a:rPr lang="en" sz="1600" dirty="0"/>
-              <a:t>Off-path attacker</a:t>
-            </a:r>
-            <a:endParaRPr sz="1600" dirty="0"/>
-          </a:p>
-          <a:p>
-            <a:pPr marL="457200" lvl="0" indent="-342900" algn="l" rtl="0">
-              <a:spcBef>
-                <a:spcPts val="0"/>
-              </a:spcBef>
-              <a:spcAft>
-                <a:spcPts val="0"/>
-              </a:spcAft>
-              <a:buSzPts val="1800"/>
-              <a:buChar char="●"/>
-            </a:pPr>
-            <a:r>
-              <a:rPr lang="en" sz="2000" dirty="0"/>
-              <a:t>Important Concepts</a:t>
-            </a:r>
-          </a:p>
-          <a:p>
-            <a:pPr lvl="1"/>
-            <a:r>
-              <a:rPr lang="en-US" sz="1600" b="1" dirty="0"/>
-              <a:t>ARP: Translate IP addresses to MAC addresses</a:t>
-            </a:r>
-          </a:p>
-          <a:p>
-            <a:pPr lvl="1"/>
-            <a:r>
-              <a:rPr lang="en" sz="1600" dirty="0"/>
-              <a:t>DHCP: Get configurations when first connecting to a network</a:t>
-            </a:r>
-            <a:endParaRPr sz="1600" dirty="0"/>
-          </a:p>
-          <a:p>
-            <a:pPr lvl="1"/>
-            <a:r>
-              <a:rPr lang="en" sz="1600" dirty="0"/>
-              <a:t>WPA: Communicate securely in a wireless local network</a:t>
-            </a:r>
-          </a:p>
-          <a:p>
-            <a:pPr lvl="1"/>
-            <a:r>
-              <a:rPr lang="en" sz="1600" dirty="0"/>
-              <a:t>TCP: Reliably send packets </a:t>
-            </a:r>
-          </a:p>
-          <a:p>
-            <a:pPr lvl="1"/>
-            <a:r>
-              <a:rPr lang="en" sz="1600" dirty="0"/>
-              <a:t>UDP: Not-reliably send packets</a:t>
-            </a:r>
-          </a:p>
-          <a:p>
-            <a:pPr lvl="1"/>
-            <a:r>
-              <a:rPr lang="en" sz="1600" dirty="0"/>
-              <a:t>TLS: Secure TCP, securely send packets</a:t>
-            </a:r>
-          </a:p>
-          <a:p>
-            <a:pPr lvl="1"/>
-            <a:r>
-              <a:rPr lang="en" sz="1600" dirty="0"/>
-              <a:t>DNS: Lookup IP address from domain names</a:t>
-            </a:r>
-          </a:p>
-          <a:p>
-            <a:pPr lvl="1" indent="-342900">
-              <a:buSzPts val="1800"/>
-              <a:buChar char="●"/>
-            </a:pPr>
-            <a:endParaRPr sz="1600" dirty="0"/>
-          </a:p>
-        </p:txBody>
-      </p:sp>
-      <p:sp>
-        <p:nvSpPr>
-          <p:cNvPr id="934" name="Google Shape;934;p67"/>
-          <p:cNvSpPr txBox="1">
-            <a:spLocks noGrp="1"/>
-          </p:cNvSpPr>
-          <p:nvPr>
-            <p:ph type="sldNum" idx="12"/>
-          </p:nvPr>
-        </p:nvSpPr>
-        <p:spPr>
-          <a:xfrm>
-            <a:off x="8472458" y="4663217"/>
-            <a:ext cx="548700" cy="393600"/>
-          </a:xfrm>
-          <a:prstGeom prst="rect">
-            <a:avLst/>
-          </a:prstGeom>
-        </p:spPr>
-        <p:txBody>
-          <a:bodyPr spcFirstLastPara="1" wrap="square" lIns="91425" tIns="91425" rIns="91425" bIns="91425" anchor="ctr" anchorCtr="0">
-            <a:normAutofit/>
-          </a:bodyPr>
-          <a:lstStyle/>
-          <a:p>
-            <a:pPr marL="0" lvl="0" indent="0" algn="r" rtl="0">
-              <a:spcBef>
-                <a:spcPts val="0"/>
-              </a:spcBef>
-              <a:spcAft>
-                <a:spcPts val="0"/>
-              </a:spcAft>
-              <a:buNone/>
-            </a:pPr>
-            <a:fld id="{00000000-1234-1234-1234-123412341234}" type="slidenum">
-              <a:rPr lang="en"/>
-              <a:t>2</a:t>
-            </a:fld>
-            <a:endParaRPr/>
-          </a:p>
-        </p:txBody>
-      </p:sp>
-    </p:spTree>
-  </p:cSld>
-  <p:clrMapOvr>
-    <a:masterClrMapping/>
-  </p:clrMapOvr>
-</p:sld>
-</file>
-
-<file path=ppt/slides/slide20.xml><?xml version="1.0" encoding="utf-8"?>
+<file path=ppt/slides/slide22.xml><?xml version="1.0" encoding="utf-8"?>
 <p:sld xmlns:a="http://schemas.openxmlformats.org/drawingml/2006/main" xmlns:r="http://schemas.openxmlformats.org/officeDocument/2006/relationships" xmlns:p="http://schemas.openxmlformats.org/presentationml/2006/main">
   <p:cSld>
     <p:spTree>
@@ -19100,7 +19773,7 @@
             </a:pPr>
             <a:fld id="{00000000-1234-1234-1234-123412341234}" type="slidenum">
               <a:rPr lang="en"/>
-              <a:t>20</a:t>
+              <a:t>22</a:t>
             </a:fld>
             <a:endParaRPr/>
           </a:p>
@@ -19794,7 +20467,7 @@
 </p:sld>
 </file>
 
-<file path=ppt/slides/slide21.xml><?xml version="1.0" encoding="utf-8"?>
+<file path=ppt/slides/slide23.xml><?xml version="1.0" encoding="utf-8"?>
 <p:sld xmlns:a="http://schemas.openxmlformats.org/drawingml/2006/main" xmlns:r="http://schemas.openxmlformats.org/officeDocument/2006/relationships" xmlns:p="http://schemas.openxmlformats.org/presentationml/2006/main">
   <p:cSld>
     <p:spTree>
@@ -20080,7 +20753,7 @@
             </a:pPr>
             <a:fld id="{00000000-1234-1234-1234-123412341234}" type="slidenum">
               <a:rPr lang="en"/>
-              <a:t>21</a:t>
+              <a:t>23</a:t>
             </a:fld>
             <a:endParaRPr/>
           </a:p>
@@ -20395,7 +21068,7 @@
 </p:sld>
 </file>
 
-<file path=ppt/slides/slide22.xml><?xml version="1.0" encoding="utf-8"?>
+<file path=ppt/slides/slide24.xml><?xml version="1.0" encoding="utf-8"?>
 <p:sld xmlns:a="http://schemas.openxmlformats.org/drawingml/2006/main" xmlns:r="http://schemas.openxmlformats.org/officeDocument/2006/relationships" xmlns:p="http://schemas.openxmlformats.org/presentationml/2006/main">
   <p:cSld>
     <p:spTree>
@@ -20699,7 +21372,7 @@
             </a:pPr>
             <a:fld id="{00000000-1234-1234-1234-123412341234}" type="slidenum">
               <a:rPr lang="en"/>
-              <a:t>22</a:t>
+              <a:t>24</a:t>
             </a:fld>
             <a:endParaRPr/>
           </a:p>
@@ -21107,8 +21780,8 @@
 </p:sld>
 </file>
 
-<file path=ppt/slides/slide23.xml><?xml version="1.0" encoding="utf-8"?>
-<p:sld xmlns:a="http://schemas.openxmlformats.org/drawingml/2006/main" xmlns:r="http://schemas.openxmlformats.org/officeDocument/2006/relationships" xmlns:p="http://schemas.openxmlformats.org/presentationml/2006/main">
+<file path=ppt/slides/slide25.xml><?xml version="1.0" encoding="utf-8"?>
+<p:sld xmlns:a="http://schemas.openxmlformats.org/drawingml/2006/main" xmlns:r="http://schemas.openxmlformats.org/officeDocument/2006/relationships" xmlns:p="http://schemas.openxmlformats.org/presentationml/2006/main" show="0">
   <p:cSld>
     <p:spTree>
       <p:nvGrpSpPr>
@@ -21160,7 +21833,7 @@
             </a:pPr>
             <a:r>
               <a:rPr lang="en" dirty="0"/>
-              <a:t>Important Concepts</a:t>
+              <a:t>Important Concepts (Quick Review)</a:t>
             </a:r>
             <a:endParaRPr dirty="0"/>
           </a:p>
@@ -21202,7 +21875,7 @@
             </a:pPr>
             <a:fld id="{00000000-1234-1234-1234-123412341234}" type="slidenum">
               <a:rPr lang="en"/>
-              <a:t>23</a:t>
+              <a:t>25</a:t>
             </a:fld>
             <a:endParaRPr/>
           </a:p>
@@ -21221,8 +21894,8 @@
 </p:sld>
 </file>
 
-<file path=ppt/slides/slide24.xml><?xml version="1.0" encoding="utf-8"?>
-<p:sld xmlns:a="http://schemas.openxmlformats.org/drawingml/2006/main" xmlns:r="http://schemas.openxmlformats.org/officeDocument/2006/relationships" xmlns:p="http://schemas.openxmlformats.org/presentationml/2006/main">
+<file path=ppt/slides/slide26.xml><?xml version="1.0" encoding="utf-8"?>
+<p:sld xmlns:a="http://schemas.openxmlformats.org/drawingml/2006/main" xmlns:r="http://schemas.openxmlformats.org/officeDocument/2006/relationships" xmlns:p="http://schemas.openxmlformats.org/presentationml/2006/main" show="0">
   <p:cSld>
     <p:spTree>
       <p:nvGrpSpPr>
@@ -21316,7 +21989,7 @@
             </a:pPr>
             <a:fld id="{00000000-1234-1234-1234-123412341234}" type="slidenum">
               <a:rPr lang="en"/>
-              <a:t>24</a:t>
+              <a:t>26</a:t>
             </a:fld>
             <a:endParaRPr/>
           </a:p>
@@ -21757,508 +22430,6 @@
 </p:sld>
 </file>
 
-<file path=ppt/slides/slide25.xml><?xml version="1.0" encoding="utf-8"?>
-<p:sld xmlns:a="http://schemas.openxmlformats.org/drawingml/2006/main" xmlns:r="http://schemas.openxmlformats.org/officeDocument/2006/relationships" xmlns:p="http://schemas.openxmlformats.org/presentationml/2006/main">
-  <p:cSld>
-    <p:spTree>
-      <p:nvGrpSpPr>
-        <p:cNvPr id="1" name="Shape 592"/>
-        <p:cNvGrpSpPr/>
-        <p:nvPr/>
-      </p:nvGrpSpPr>
-      <p:grpSpPr>
-        <a:xfrm>
-          <a:off x="0" y="0"/>
-          <a:ext cx="0" cy="0"/>
-          <a:chOff x="0" y="0"/>
-          <a:chExt cx="0" cy="0"/>
-        </a:xfrm>
-      </p:grpSpPr>
-      <p:sp>
-        <p:nvSpPr>
-          <p:cNvPr id="593" name="Google Shape;593;p48"/>
-          <p:cNvSpPr txBox="1">
-            <a:spLocks noGrp="1"/>
-          </p:cNvSpPr>
-          <p:nvPr>
-            <p:ph type="title"/>
-          </p:nvPr>
-        </p:nvSpPr>
-        <p:spPr>
-          <a:xfrm>
-            <a:off x="102700" y="270875"/>
-            <a:ext cx="8520600" cy="572700"/>
-          </a:xfrm>
-          <a:prstGeom prst="rect">
-            <a:avLst/>
-          </a:prstGeom>
-        </p:spPr>
-        <p:txBody>
-          <a:bodyPr spcFirstLastPara="1" wrap="square" lIns="91425" tIns="91425" rIns="91425" bIns="91425" anchor="t" anchorCtr="0">
-            <a:normAutofit fontScale="90000"/>
-          </a:bodyPr>
-          <a:lstStyle/>
-          <a:p>
-            <a:pPr marL="0" lvl="0" indent="0" algn="l" rtl="0">
-              <a:spcBef>
-                <a:spcPts val="0"/>
-              </a:spcBef>
-              <a:spcAft>
-                <a:spcPts val="0"/>
-              </a:spcAft>
-              <a:buNone/>
-            </a:pPr>
-            <a:r>
-              <a:rPr lang="en" dirty="0"/>
-              <a:t>Important Protocols</a:t>
-            </a:r>
-            <a:endParaRPr dirty="0"/>
-          </a:p>
-        </p:txBody>
-      </p:sp>
-      <p:sp>
-        <p:nvSpPr>
-          <p:cNvPr id="594" name="Google Shape;594;p48"/>
-          <p:cNvSpPr txBox="1">
-            <a:spLocks noGrp="1"/>
-          </p:cNvSpPr>
-          <p:nvPr>
-            <p:ph type="body" idx="1"/>
-          </p:nvPr>
-        </p:nvSpPr>
-        <p:spPr>
-          <a:xfrm>
-            <a:off x="198500" y="1246825"/>
-            <a:ext cx="8520600" cy="3765600"/>
-          </a:xfrm>
-          <a:prstGeom prst="rect">
-            <a:avLst/>
-          </a:prstGeom>
-        </p:spPr>
-        <p:txBody>
-          <a:bodyPr spcFirstLastPara="1" wrap="square" lIns="91425" tIns="91425" rIns="91425" bIns="91425" anchor="t" anchorCtr="0">
-            <a:normAutofit/>
-          </a:bodyPr>
-          <a:lstStyle/>
-          <a:p>
-            <a:pPr marL="457200" lvl="0" indent="-342900" algn="l" rtl="0">
-              <a:spcBef>
-                <a:spcPts val="0"/>
-              </a:spcBef>
-              <a:spcAft>
-                <a:spcPts val="0"/>
-              </a:spcAft>
-              <a:buSzPts val="1800"/>
-              <a:buChar char="●"/>
-            </a:pPr>
-            <a:r>
-              <a:rPr lang="en" dirty="0"/>
-              <a:t>ARP: A protocol to translate local IP addresses to MAC addresses</a:t>
-            </a:r>
-            <a:endParaRPr dirty="0"/>
-          </a:p>
-          <a:p>
-            <a:pPr marL="914400" lvl="1" indent="-317500" algn="l" rtl="0">
-              <a:spcBef>
-                <a:spcPts val="0"/>
-              </a:spcBef>
-              <a:spcAft>
-                <a:spcPts val="0"/>
-              </a:spcAft>
-              <a:buSzPts val="1400"/>
-              <a:buChar char="○"/>
-            </a:pPr>
-            <a:r>
-              <a:rPr lang="en" dirty="0"/>
-              <a:t>Ask everyone on the network, “Who has the IP 1.2.3.4?”</a:t>
-            </a:r>
-          </a:p>
-          <a:p>
-            <a:pPr marL="457200" lvl="0" indent="-342900" algn="l" rtl="0">
-              <a:spcBef>
-                <a:spcPts val="0"/>
-              </a:spcBef>
-              <a:spcAft>
-                <a:spcPts val="0"/>
-              </a:spcAft>
-              <a:buSzPts val="1800"/>
-              <a:buChar char="●"/>
-            </a:pPr>
-            <a:r>
-              <a:rPr lang="en-US" dirty="0"/>
-              <a:t>DHCP: A protocol for a new client to receive a network configuration</a:t>
-            </a:r>
-          </a:p>
-          <a:p>
-            <a:pPr marL="914400" lvl="1" indent="-317500" algn="l" rtl="0">
-              <a:spcBef>
-                <a:spcPts val="0"/>
-              </a:spcBef>
-              <a:spcAft>
-                <a:spcPts val="0"/>
-              </a:spcAft>
-              <a:buSzPts val="1400"/>
-              <a:buChar char="○"/>
-            </a:pPr>
-            <a:r>
-              <a:rPr lang="en-US" dirty="0"/>
-              <a:t>Ask everyone on the network, “What is the network configuration to use?”</a:t>
-            </a:r>
-          </a:p>
-          <a:p>
-            <a:pPr marL="457200" lvl="0" indent="-342900" algn="l" rtl="0">
-              <a:spcBef>
-                <a:spcPts val="0"/>
-              </a:spcBef>
-              <a:spcAft>
-                <a:spcPts val="0"/>
-              </a:spcAft>
-              <a:buSzPts val="1800"/>
-              <a:buChar char="●"/>
-            </a:pPr>
-            <a:r>
-              <a:rPr lang="en-US" dirty="0"/>
-              <a:t>WPA: A protocol to encrypt Wi-Fi connections at layer 1</a:t>
-            </a:r>
-          </a:p>
-          <a:p>
-            <a:pPr marL="914400" lvl="1" indent="-317500" algn="l" rtl="0">
-              <a:spcBef>
-                <a:spcPts val="0"/>
-              </a:spcBef>
-              <a:spcAft>
-                <a:spcPts val="0"/>
-              </a:spcAft>
-              <a:buSzPts val="1400"/>
-              <a:buChar char="○"/>
-            </a:pPr>
-            <a:r>
-              <a:rPr lang="en-US" dirty="0"/>
-              <a:t>A protocol for securing Wi-Fi network communications with cryptography </a:t>
-            </a:r>
-          </a:p>
-          <a:p>
-            <a:r>
-              <a:rPr lang="en-US" dirty="0"/>
-              <a:t>Transmission Control Protocol (TCP)</a:t>
-            </a:r>
-          </a:p>
-          <a:p>
-            <a:pPr lvl="1"/>
-            <a:r>
-              <a:rPr lang="en-US" dirty="0"/>
-              <a:t>Reliably sending packets</a:t>
-            </a:r>
-          </a:p>
-          <a:p>
-            <a:r>
-              <a:rPr lang="en-US" dirty="0"/>
-              <a:t>User Datagram Protocol (UDP)</a:t>
-            </a:r>
-          </a:p>
-          <a:p>
-            <a:pPr lvl="1"/>
-            <a:r>
-              <a:rPr lang="en-US" dirty="0"/>
-              <a:t>Non-reliably sending packets</a:t>
-            </a:r>
-          </a:p>
-          <a:p>
-            <a:endParaRPr lang="en-US" dirty="0"/>
-          </a:p>
-          <a:p>
-            <a:pPr indent="-317500">
-              <a:buSzPts val="1400"/>
-              <a:buChar char="○"/>
-            </a:pPr>
-            <a:endParaRPr lang="en-US" dirty="0"/>
-          </a:p>
-          <a:p>
-            <a:pPr indent="-317500">
-              <a:buSzPts val="1400"/>
-              <a:buChar char="○"/>
-            </a:pPr>
-            <a:endParaRPr dirty="0"/>
-          </a:p>
-        </p:txBody>
-      </p:sp>
-      <p:sp>
-        <p:nvSpPr>
-          <p:cNvPr id="595" name="Google Shape;595;p48"/>
-          <p:cNvSpPr txBox="1">
-            <a:spLocks noGrp="1"/>
-          </p:cNvSpPr>
-          <p:nvPr>
-            <p:ph type="sldNum" idx="12"/>
-          </p:nvPr>
-        </p:nvSpPr>
-        <p:spPr>
-          <a:xfrm>
-            <a:off x="8472458" y="4663217"/>
-            <a:ext cx="548700" cy="393600"/>
-          </a:xfrm>
-          <a:prstGeom prst="rect">
-            <a:avLst/>
-          </a:prstGeom>
-        </p:spPr>
-        <p:txBody>
-          <a:bodyPr spcFirstLastPara="1" wrap="square" lIns="91425" tIns="91425" rIns="91425" bIns="91425" anchor="ctr" anchorCtr="0">
-            <a:normAutofit/>
-          </a:bodyPr>
-          <a:lstStyle/>
-          <a:p>
-            <a:pPr marL="0" lvl="0" indent="0" algn="r" rtl="0">
-              <a:spcBef>
-                <a:spcPts val="0"/>
-              </a:spcBef>
-              <a:spcAft>
-                <a:spcPts val="0"/>
-              </a:spcAft>
-              <a:buNone/>
-            </a:pPr>
-            <a:fld id="{00000000-1234-1234-1234-123412341234}" type="slidenum">
-              <a:rPr lang="en"/>
-              <a:t>25</a:t>
-            </a:fld>
-            <a:endParaRPr/>
-          </a:p>
-        </p:txBody>
-      </p:sp>
-    </p:spTree>
-    <p:extLst>
-      <p:ext uri="{BB962C8B-B14F-4D97-AF65-F5344CB8AC3E}">
-        <p14:creationId xmlns:p14="http://schemas.microsoft.com/office/powerpoint/2010/main" val="3264208671"/>
-      </p:ext>
-    </p:extLst>
-  </p:cSld>
-  <p:clrMapOvr>
-    <a:masterClrMapping/>
-  </p:clrMapOvr>
-</p:sld>
-</file>
-
-<file path=ppt/slides/slide26.xml><?xml version="1.0" encoding="utf-8"?>
-<p:sld xmlns:a="http://schemas.openxmlformats.org/drawingml/2006/main" xmlns:r="http://schemas.openxmlformats.org/officeDocument/2006/relationships" xmlns:p="http://schemas.openxmlformats.org/presentationml/2006/main" show="0">
-  <p:cSld>
-    <p:spTree>
-      <p:nvGrpSpPr>
-        <p:cNvPr id="1" name="Shape 592"/>
-        <p:cNvGrpSpPr/>
-        <p:nvPr/>
-      </p:nvGrpSpPr>
-      <p:grpSpPr>
-        <a:xfrm>
-          <a:off x="0" y="0"/>
-          <a:ext cx="0" cy="0"/>
-          <a:chOff x="0" y="0"/>
-          <a:chExt cx="0" cy="0"/>
-        </a:xfrm>
-      </p:grpSpPr>
-      <p:sp>
-        <p:nvSpPr>
-          <p:cNvPr id="593" name="Google Shape;593;p48"/>
-          <p:cNvSpPr txBox="1">
-            <a:spLocks noGrp="1"/>
-          </p:cNvSpPr>
-          <p:nvPr>
-            <p:ph type="title"/>
-          </p:nvPr>
-        </p:nvSpPr>
-        <p:spPr>
-          <a:xfrm>
-            <a:off x="102700" y="270875"/>
-            <a:ext cx="8520600" cy="572700"/>
-          </a:xfrm>
-          <a:prstGeom prst="rect">
-            <a:avLst/>
-          </a:prstGeom>
-        </p:spPr>
-        <p:txBody>
-          <a:bodyPr spcFirstLastPara="1" wrap="square" lIns="91425" tIns="91425" rIns="91425" bIns="91425" anchor="t" anchorCtr="0">
-            <a:normAutofit fontScale="90000"/>
-          </a:bodyPr>
-          <a:lstStyle/>
-          <a:p>
-            <a:pPr marL="0" lvl="0" indent="0" algn="l" rtl="0">
-              <a:spcBef>
-                <a:spcPts val="0"/>
-              </a:spcBef>
-              <a:spcAft>
-                <a:spcPts val="0"/>
-              </a:spcAft>
-              <a:buNone/>
-            </a:pPr>
-            <a:r>
-              <a:rPr lang="en" dirty="0"/>
-              <a:t>ARP (Address Resolution Protocol)</a:t>
-            </a:r>
-            <a:endParaRPr dirty="0"/>
-          </a:p>
-        </p:txBody>
-      </p:sp>
-      <p:sp>
-        <p:nvSpPr>
-          <p:cNvPr id="594" name="Google Shape;594;p48"/>
-          <p:cNvSpPr txBox="1">
-            <a:spLocks noGrp="1"/>
-          </p:cNvSpPr>
-          <p:nvPr>
-            <p:ph type="body" idx="1"/>
-          </p:nvPr>
-        </p:nvSpPr>
-        <p:spPr>
-          <a:xfrm>
-            <a:off x="198500" y="1246825"/>
-            <a:ext cx="8520600" cy="3765600"/>
-          </a:xfrm>
-          <a:prstGeom prst="rect">
-            <a:avLst/>
-          </a:prstGeom>
-        </p:spPr>
-        <p:txBody>
-          <a:bodyPr spcFirstLastPara="1" wrap="square" lIns="91425" tIns="91425" rIns="91425" bIns="91425" anchor="t" anchorCtr="0">
-            <a:normAutofit/>
-          </a:bodyPr>
-          <a:lstStyle/>
-          <a:p>
-            <a:pPr marL="457200" lvl="0" indent="-342900" algn="l" rtl="0">
-              <a:spcBef>
-                <a:spcPts val="0"/>
-              </a:spcBef>
-              <a:spcAft>
-                <a:spcPts val="0"/>
-              </a:spcAft>
-              <a:buSzPts val="1800"/>
-              <a:buChar char="●"/>
-            </a:pPr>
-            <a:r>
-              <a:rPr lang="en" dirty="0"/>
-              <a:t>ARP: A protocol to translate local IP addresses to MAC addresses</a:t>
-            </a:r>
-            <a:endParaRPr dirty="0"/>
-          </a:p>
-          <a:p>
-            <a:pPr marL="914400" lvl="1" indent="-317500" algn="l" rtl="0">
-              <a:spcBef>
-                <a:spcPts val="0"/>
-              </a:spcBef>
-              <a:spcAft>
-                <a:spcPts val="0"/>
-              </a:spcAft>
-              <a:buSzPts val="1400"/>
-              <a:buChar char="○"/>
-            </a:pPr>
-            <a:r>
-              <a:rPr lang="en" dirty="0"/>
-              <a:t>Ask everyone on the network, “Who has the IP 1.2.3.4?”</a:t>
-            </a:r>
-            <a:endParaRPr dirty="0"/>
-          </a:p>
-          <a:p>
-            <a:pPr marL="914400" lvl="1" indent="-317500" algn="l" rtl="0">
-              <a:spcBef>
-                <a:spcPts val="0"/>
-              </a:spcBef>
-              <a:spcAft>
-                <a:spcPts val="0"/>
-              </a:spcAft>
-              <a:buSzPts val="1400"/>
-              <a:buChar char="○"/>
-            </a:pPr>
-            <a:r>
-              <a:rPr lang="en-US" dirty="0"/>
-              <a:t>Attack: The attacker can respond instead of the true device with 1.2.3.4, and packets will get routed to the attacker!</a:t>
-            </a:r>
-          </a:p>
-          <a:p>
-            <a:pPr marL="914400" lvl="1" indent="-317500" algn="l" rtl="0">
-              <a:spcBef>
-                <a:spcPts val="0"/>
-              </a:spcBef>
-              <a:spcAft>
-                <a:spcPts val="0"/>
-              </a:spcAft>
-              <a:buSzPts val="1400"/>
-              <a:buChar char="○"/>
-            </a:pPr>
-            <a:r>
-              <a:rPr lang="en-US" dirty="0"/>
-              <a:t>Defense: Switches</a:t>
-            </a:r>
-          </a:p>
-          <a:p>
-            <a:pPr marL="914400" lvl="1" indent="-317500" algn="l" rtl="0">
-              <a:spcBef>
-                <a:spcPts val="0"/>
-              </a:spcBef>
-              <a:spcAft>
-                <a:spcPts val="0"/>
-              </a:spcAft>
-              <a:buSzPts val="1400"/>
-              <a:buChar char="○"/>
-            </a:pPr>
-            <a:r>
-              <a:rPr lang="en-US" dirty="0"/>
-              <a:t>Defense: Rely on higher layers</a:t>
-            </a:r>
-          </a:p>
-        </p:txBody>
-      </p:sp>
-      <p:sp>
-        <p:nvSpPr>
-          <p:cNvPr id="595" name="Google Shape;595;p48"/>
-          <p:cNvSpPr txBox="1">
-            <a:spLocks noGrp="1"/>
-          </p:cNvSpPr>
-          <p:nvPr>
-            <p:ph type="sldNum" idx="12"/>
-          </p:nvPr>
-        </p:nvSpPr>
-        <p:spPr>
-          <a:xfrm>
-            <a:off x="8472458" y="4663217"/>
-            <a:ext cx="548700" cy="393600"/>
-          </a:xfrm>
-          <a:prstGeom prst="rect">
-            <a:avLst/>
-          </a:prstGeom>
-        </p:spPr>
-        <p:txBody>
-          <a:bodyPr spcFirstLastPara="1" wrap="square" lIns="91425" tIns="91425" rIns="91425" bIns="91425" anchor="ctr" anchorCtr="0">
-            <a:normAutofit/>
-          </a:bodyPr>
-          <a:lstStyle/>
-          <a:p>
-            <a:pPr marL="0" lvl="0" indent="0" algn="r" rtl="0">
-              <a:spcBef>
-                <a:spcPts val="0"/>
-              </a:spcBef>
-              <a:spcAft>
-                <a:spcPts val="0"/>
-              </a:spcAft>
-              <a:buNone/>
-            </a:pPr>
-            <a:fld id="{00000000-1234-1234-1234-123412341234}" type="slidenum">
-              <a:rPr lang="en"/>
-              <a:t>26</a:t>
-            </a:fld>
-            <a:endParaRPr/>
-          </a:p>
-        </p:txBody>
-      </p:sp>
-    </p:spTree>
-    <p:extLst>
-      <p:ext uri="{BB962C8B-B14F-4D97-AF65-F5344CB8AC3E}">
-        <p14:creationId xmlns:p14="http://schemas.microsoft.com/office/powerpoint/2010/main" val="3436343395"/>
-      </p:ext>
-    </p:extLst>
-  </p:cSld>
-  <p:clrMapOvr>
-    <a:masterClrMapping/>
-  </p:clrMapOvr>
-</p:sld>
-</file>
-
 <file path=ppt/slides/slide27.xml><?xml version="1.0" encoding="utf-8"?>
 <p:sld xmlns:a="http://schemas.openxmlformats.org/drawingml/2006/main" xmlns:r="http://schemas.openxmlformats.org/officeDocument/2006/relationships" xmlns:p="http://schemas.openxmlformats.org/presentationml/2006/main" show="0">
   <p:cSld>
@@ -22312,7 +22483,7 @@
             </a:pPr>
             <a:r>
               <a:rPr lang="en" dirty="0"/>
-              <a:t>DHCP (Dynamic Host Configuration Protocol)</a:t>
+              <a:t>Important Protocols</a:t>
             </a:r>
             <a:endParaRPr dirty="0"/>
           </a:p>
@@ -22355,7 +22526,7 @@
             </a:pPr>
             <a:r>
               <a:rPr lang="en" dirty="0"/>
-              <a:t>DHCP: A protocol for a new client to receive a network configuration</a:t>
+              <a:t>ARP: A protocol to translate local IP addresses to MAC addresses</a:t>
             </a:r>
             <a:endParaRPr dirty="0"/>
           </a:p>
@@ -22372,7 +22543,23 @@
             </a:pPr>
             <a:r>
               <a:rPr lang="en" dirty="0"/>
-              <a:t>Ask everyone on the network, “What is the network configuration to use?”</a:t>
+              <a:t>Ask everyone on the network, “Who has the IP 1.2.3.4?”</a:t>
+            </a:r>
+          </a:p>
+          <a:p>
+            <a:pPr marL="457200" lvl="0" indent="-342900" algn="l" rtl="0">
+              <a:spcBef>
+                <a:spcPts val="0"/>
+              </a:spcBef>
+              <a:spcAft>
+                <a:spcPts val="0"/>
+              </a:spcAft>
+              <a:buSzPts val="1800"/>
+              <a:buChar char="●"/>
+            </a:pPr>
+            <a:r>
+              <a:rPr lang="en-US" dirty="0"/>
+              <a:t>DHCP: A protocol for a new client to receive a network configuration</a:t>
             </a:r>
           </a:p>
           <a:p>
@@ -22388,48 +22575,23 @@
             </a:pPr>
             <a:r>
               <a:rPr lang="en-US" dirty="0"/>
-              <a:t>To connect to a network, a user needs:</a:t>
-            </a:r>
-          </a:p>
-          <a:p>
-            <a:pPr lvl="2">
-              <a:buFont typeface="Wingdings" pitchFamily="2" charset="2"/>
-              <a:buChar char="§"/>
+              <a:t>Ask everyone on the network, “What is the network configuration to use?”</a:t>
+            </a:r>
+          </a:p>
+          <a:p>
+            <a:pPr marL="457200" lvl="0" indent="-342900" algn="l" rtl="0">
+              <a:spcBef>
+                <a:spcPts val="0"/>
+              </a:spcBef>
+              <a:spcAft>
+                <a:spcPts val="0"/>
+              </a:spcAft>
+              <a:buSzPts val="1800"/>
+              <a:buChar char="●"/>
             </a:pPr>
             <a:r>
               <a:rPr lang="en-US" dirty="0"/>
-              <a:t>An IP address so that other people can contact the user</a:t>
-            </a:r>
-          </a:p>
-          <a:p>
-            <a:pPr lvl="2">
-              <a:buFont typeface="Wingdings" pitchFamily="2" charset="2"/>
-              <a:buChar char="§"/>
-            </a:pPr>
-            <a:r>
-              <a:rPr lang="en-US" dirty="0"/>
-              <a:t>The IP address of the DNS server </a:t>
-            </a:r>
-          </a:p>
-          <a:p>
-            <a:pPr lvl="2">
-              <a:buFont typeface="Wingdings" pitchFamily="2" charset="2"/>
-              <a:buChar char="§"/>
-            </a:pPr>
-            <a:r>
-              <a:rPr lang="en-US" dirty="0"/>
-              <a:t>The IP address of the router (gateway) so that the user can contact machines outside of the LAN</a:t>
-            </a:r>
-          </a:p>
-          <a:p>
-            <a:pPr lvl="1"/>
-            <a:r>
-              <a:rPr lang="en-US" b="1" dirty="0"/>
-              <a:t>DHCP</a:t>
-            </a:r>
-            <a:r>
-              <a:rPr lang="en-US" dirty="0"/>
-              <a:t> gives the user a configuration when they first join the network</a:t>
+              <a:t>WPA: A protocol to encrypt Wi-Fi connections at layer 1</a:t>
             </a:r>
           </a:p>
           <a:p>
@@ -22445,32 +22607,51 @@
             </a:pPr>
             <a:r>
               <a:rPr lang="en-US" dirty="0"/>
-              <a:t>Attack: The attacker can respond with a malicious configuration</a:t>
-            </a:r>
-          </a:p>
-          <a:p>
-            <a:pPr marL="914400" lvl="1" indent="-317500" algn="l" rtl="0">
-              <a:spcBef>
-                <a:spcPts val="0"/>
-              </a:spcBef>
-              <a:spcAft>
-                <a:spcPts val="0"/>
-              </a:spcAft>
+              <a:t>A protocol for securing Wi-Fi network communications with cryptography </a:t>
+            </a:r>
+          </a:p>
+          <a:p>
+            <a:r>
+              <a:rPr lang="en-US" dirty="0"/>
+              <a:t>Transmission Control Protocol (TCP)</a:t>
+            </a:r>
+          </a:p>
+          <a:p>
+            <a:pPr lvl="1"/>
+            <a:r>
+              <a:rPr lang="en-US" dirty="0"/>
+              <a:t>Reliably sending packets</a:t>
+            </a:r>
+          </a:p>
+          <a:p>
+            <a:r>
+              <a:rPr lang="en-US" dirty="0"/>
+              <a:t>User Datagram Protocol (UDP)</a:t>
+            </a:r>
+          </a:p>
+          <a:p>
+            <a:pPr lvl="1"/>
+            <a:r>
+              <a:rPr lang="en-US" dirty="0"/>
+              <a:t>Non-reliably sending packets</a:t>
+            </a:r>
+          </a:p>
+          <a:p>
+            <a:endParaRPr lang="en-US" dirty="0"/>
+          </a:p>
+          <a:p>
+            <a:pPr indent="-317500">
               <a:buSzPts val="1400"/>
               <a:buChar char="○"/>
             </a:pPr>
-            <a:r>
-              <a:rPr lang="en-US" dirty="0"/>
-              <a:t>Defense: Rely on higher layers</a:t>
-            </a:r>
-          </a:p>
-          <a:p>
-            <a:pPr lvl="1"/>
             <a:endParaRPr lang="en-US" dirty="0"/>
           </a:p>
           <a:p>
-            <a:pPr lvl="1"/>
-            <a:endParaRPr lang="en-US" dirty="0"/>
+            <a:pPr indent="-317500">
+              <a:buSzPts val="1400"/>
+              <a:buChar char="○"/>
+            </a:pPr>
+            <a:endParaRPr dirty="0"/>
           </a:p>
         </p:txBody>
       </p:sp>
@@ -22519,7 +22700,7 @@
     </p:spTree>
     <p:extLst>
       <p:ext uri="{BB962C8B-B14F-4D97-AF65-F5344CB8AC3E}">
-        <p14:creationId xmlns:p14="http://schemas.microsoft.com/office/powerpoint/2010/main" val="3051025241"/>
+        <p14:creationId xmlns:p14="http://schemas.microsoft.com/office/powerpoint/2010/main" val="3264208671"/>
       </p:ext>
     </p:extLst>
   </p:cSld>
@@ -22534,7 +22715,7 @@
   <p:cSld>
     <p:spTree>
       <p:nvGrpSpPr>
-        <p:cNvPr id="1" name="Shape 599"/>
+        <p:cNvPr id="1" name="Shape 592"/>
         <p:cNvGrpSpPr/>
         <p:nvPr/>
       </p:nvGrpSpPr>
@@ -22548,7 +22729,7 @@
       </p:grpSpPr>
       <p:sp>
         <p:nvSpPr>
-          <p:cNvPr id="600" name="Google Shape;600;p49"/>
+          <p:cNvPr id="593" name="Google Shape;593;p48"/>
           <p:cNvSpPr txBox="1">
             <a:spLocks noGrp="1"/>
           </p:cNvSpPr>
@@ -22582,7 +22763,7 @@
             </a:pPr>
             <a:r>
               <a:rPr lang="en" dirty="0"/>
-              <a:t>WPA (Wi-Fi Protected Access)</a:t>
+              <a:t>ARP (Address Resolution Protocol)</a:t>
             </a:r>
             <a:endParaRPr dirty="0"/>
           </a:p>
@@ -22590,7 +22771,7 @@
       </p:sp>
       <p:sp>
         <p:nvSpPr>
-          <p:cNvPr id="601" name="Google Shape;601;p49"/>
+          <p:cNvPr id="594" name="Google Shape;594;p48"/>
           <p:cNvSpPr txBox="1">
             <a:spLocks noGrp="1"/>
           </p:cNvSpPr>
@@ -22625,7 +22806,7 @@
             </a:pPr>
             <a:r>
               <a:rPr lang="en" dirty="0"/>
-              <a:t>WPA: A protocol to encrypt Wi-Fi connections at layer 1</a:t>
+              <a:t>ARP: A protocol to translate local IP addresses to MAC addresses</a:t>
             </a:r>
             <a:endParaRPr dirty="0"/>
           </a:p>
@@ -22642,8 +22823,9 @@
             </a:pPr>
             <a:r>
               <a:rPr lang="en" dirty="0"/>
-              <a:t>A protocol for securing Wi-Fi network communications with cryptography </a:t>
-            </a:r>
+              <a:t>Ask everyone on the network, “Who has the IP 1.2.3.4?”</a:t>
+            </a:r>
+            <a:endParaRPr dirty="0"/>
           </a:p>
           <a:p>
             <a:pPr marL="914400" lvl="1" indent="-317500" algn="l" rtl="0">
@@ -22657,10 +22839,9 @@
               <a:buChar char="○"/>
             </a:pPr>
             <a:r>
-              <a:rPr lang="en" dirty="0"/>
-              <a:t>Messages between the client and the AP are encrypted with keys</a:t>
-            </a:r>
-            <a:endParaRPr dirty="0"/>
+              <a:rPr lang="en-US" dirty="0"/>
+              <a:t>Attack: The attacker can respond instead of the true device with 1.2.3.4, and packets will get routed to the attacker!</a:t>
+            </a:r>
           </a:p>
           <a:p>
             <a:pPr marL="914400" lvl="1" indent="-317500" algn="l" rtl="0">
@@ -22674,10 +22855,9 @@
               <a:buChar char="○"/>
             </a:pPr>
             <a:r>
-              <a:rPr lang="en" dirty="0"/>
-              <a:t>Handshake uses MICs (cryptographic MACs) to verify that both parties have the same PSK and nonces</a:t>
-            </a:r>
-            <a:endParaRPr dirty="0"/>
+              <a:rPr lang="en-US" dirty="0"/>
+              <a:t>Defense: Switches</a:t>
+            </a:r>
           </a:p>
           <a:p>
             <a:pPr marL="914400" lvl="1" indent="-317500" algn="l" rtl="0">
@@ -22691,101 +22871,15 @@
               <a:buChar char="○"/>
             </a:pPr>
             <a:r>
-              <a:rPr lang="en" dirty="0"/>
-              <a:t>WPA-PSK: Use a password to derive a PSK, which is used in a handshake to arrive at a key</a:t>
-            </a:r>
-            <a:endParaRPr dirty="0"/>
-          </a:p>
-          <a:p>
-            <a:pPr marL="1371600" lvl="2" indent="-317500" algn="l" rtl="0">
-              <a:spcBef>
-                <a:spcPts val="0"/>
-              </a:spcBef>
-              <a:spcAft>
-                <a:spcPts val="0"/>
-              </a:spcAft>
-              <a:buSzPts val="1400"/>
-              <a:buChar char="■"/>
-            </a:pPr>
-            <a:r>
-              <a:rPr lang="en" dirty="0"/>
-              <a:t>Attack: Attacker can pretend to be an AP</a:t>
-            </a:r>
-            <a:endParaRPr dirty="0"/>
-          </a:p>
-          <a:p>
-            <a:pPr marL="1371600" lvl="2" indent="-317500" algn="l" rtl="0">
-              <a:spcBef>
-                <a:spcPts val="0"/>
-              </a:spcBef>
-              <a:spcAft>
-                <a:spcPts val="0"/>
-              </a:spcAft>
-              <a:buSzPts val="1400"/>
-              <a:buChar char="■"/>
-            </a:pPr>
-            <a:r>
-              <a:rPr lang="en" dirty="0"/>
-              <a:t>Attack: Brute-force the password after recording a handshake</a:t>
-            </a:r>
-            <a:endParaRPr dirty="0"/>
-          </a:p>
-          <a:p>
-            <a:pPr marL="1371600" lvl="2" indent="-317500" algn="l" rtl="0">
-              <a:spcBef>
-                <a:spcPts val="0"/>
-              </a:spcBef>
-              <a:spcAft>
-                <a:spcPts val="0"/>
-              </a:spcAft>
-              <a:buSzPts val="1400"/>
-              <a:buChar char="■"/>
-            </a:pPr>
-            <a:r>
-              <a:rPr lang="en" dirty="0"/>
-              <a:t>Vulnerability: No forward secrecy</a:t>
-            </a:r>
-            <a:endParaRPr dirty="0"/>
-          </a:p>
-          <a:p>
-            <a:pPr marL="914400" lvl="1" indent="-317500" algn="l" rtl="0">
-              <a:spcBef>
-                <a:spcPts val="0"/>
-              </a:spcBef>
-              <a:spcAft>
-                <a:spcPts val="0"/>
-              </a:spcAft>
-              <a:buSzPts val="1400"/>
-              <a:buChar char="○"/>
-            </a:pPr>
-            <a:r>
-              <a:rPr lang="en" dirty="0"/>
-              <a:t>WPA-Enterprise: Use a third party to provide a one-time “replacement PSK,” used in the same handshake</a:t>
-            </a:r>
-            <a:endParaRPr dirty="0"/>
-          </a:p>
-          <a:p>
-            <a:pPr marL="1371600" lvl="2" indent="-317500" algn="l" rtl="0">
-              <a:spcBef>
-                <a:spcPts val="0"/>
-              </a:spcBef>
-              <a:spcAft>
-                <a:spcPts val="0"/>
-              </a:spcAft>
-              <a:buSzPts val="1400"/>
-              <a:buChar char="■"/>
-            </a:pPr>
-            <a:r>
-              <a:rPr lang="en" dirty="0"/>
-              <a:t>Solves the attacks on WPA-PSK</a:t>
-            </a:r>
-            <a:endParaRPr dirty="0"/>
+              <a:rPr lang="en-US" dirty="0"/>
+              <a:t>Defense: Rely on higher layers</a:t>
+            </a:r>
           </a:p>
         </p:txBody>
       </p:sp>
       <p:sp>
         <p:nvSpPr>
-          <p:cNvPr id="602" name="Google Shape;602;p49"/>
+          <p:cNvPr id="595" name="Google Shape;595;p48"/>
           <p:cNvSpPr txBox="1">
             <a:spLocks noGrp="1"/>
           </p:cNvSpPr>
@@ -22826,6 +22920,11 @@
         </p:txBody>
       </p:sp>
     </p:spTree>
+    <p:extLst>
+      <p:ext uri="{BB962C8B-B14F-4D97-AF65-F5344CB8AC3E}">
+        <p14:creationId xmlns:p14="http://schemas.microsoft.com/office/powerpoint/2010/main" val="3436343395"/>
+      </p:ext>
+    </p:extLst>
   </p:cSld>
   <p:clrMapOvr>
     <a:masterClrMapping/>
@@ -22838,7 +22937,7 @@
   <p:cSld>
     <p:spTree>
       <p:nvGrpSpPr>
-        <p:cNvPr id="1" name="Shape 342"/>
+        <p:cNvPr id="1" name="Shape 592"/>
         <p:cNvGrpSpPr/>
         <p:nvPr/>
       </p:nvGrpSpPr>
@@ -22852,7 +22951,7 @@
       </p:grpSpPr>
       <p:sp>
         <p:nvSpPr>
-          <p:cNvPr id="343" name="Google Shape;343;p44"/>
+          <p:cNvPr id="593" name="Google Shape;593;p48"/>
           <p:cNvSpPr txBox="1">
             <a:spLocks noGrp="1"/>
           </p:cNvSpPr>
@@ -22886,7 +22985,7 @@
             </a:pPr>
             <a:r>
               <a:rPr lang="en" dirty="0"/>
-              <a:t>TCP (Transmission Control Protocol )</a:t>
+              <a:t>DHCP (Dynamic Host Configuration Protocol)</a:t>
             </a:r>
             <a:endParaRPr dirty="0"/>
           </a:p>
@@ -22894,7 +22993,7 @@
       </p:sp>
       <p:sp>
         <p:nvSpPr>
-          <p:cNvPr id="344" name="Google Shape;344;p44"/>
+          <p:cNvPr id="594" name="Google Shape;594;p48"/>
           <p:cNvSpPr txBox="1">
             <a:spLocks noGrp="1"/>
           </p:cNvSpPr>
@@ -22929,7 +23028,7 @@
             </a:pPr>
             <a:r>
               <a:rPr lang="en" dirty="0"/>
-              <a:t>Transmission Control Protocol (TCP): Reliably sending packets</a:t>
+              <a:t>DHCP: A protocol for a new client to receive a network configuration</a:t>
             </a:r>
             <a:endParaRPr dirty="0"/>
           </a:p>
@@ -22946,9 +23045,8 @@
             </a:pPr>
             <a:r>
               <a:rPr lang="en" dirty="0"/>
-              <a:t>3-way handshake: Client sends SYN, server sends SYN-ACK, client sends ACK</a:t>
-            </a:r>
-            <a:endParaRPr dirty="0"/>
+              <a:t>Ask everyone on the network, “What is the network configuration to use?”</a:t>
+            </a:r>
           </a:p>
           <a:p>
             <a:pPr marL="914400" lvl="1" indent="-317500" algn="l" rtl="0">
@@ -22962,10 +23060,50 @@
               <a:buChar char="○"/>
             </a:pPr>
             <a:r>
-              <a:rPr lang="en" dirty="0"/>
-              <a:t>Provides reliability, ordering, and ports</a:t>
-            </a:r>
-            <a:endParaRPr dirty="0"/>
+              <a:rPr lang="en-US" dirty="0"/>
+              <a:t>To connect to a network, a user needs:</a:t>
+            </a:r>
+          </a:p>
+          <a:p>
+            <a:pPr lvl="2">
+              <a:buFont typeface="Wingdings" pitchFamily="2" charset="2"/>
+              <a:buChar char="§"/>
+            </a:pPr>
+            <a:r>
+              <a:rPr lang="en-US" dirty="0"/>
+              <a:t>An IP address so that other people can contact the user</a:t>
+            </a:r>
+          </a:p>
+          <a:p>
+            <a:pPr lvl="2">
+              <a:buFont typeface="Wingdings" pitchFamily="2" charset="2"/>
+              <a:buChar char="§"/>
+            </a:pPr>
+            <a:r>
+              <a:rPr lang="en-US" dirty="0"/>
+              <a:t>The IP address of the DNS server </a:t>
+            </a:r>
+          </a:p>
+          <a:p>
+            <a:pPr lvl="2">
+              <a:buFont typeface="Wingdings" pitchFamily="2" charset="2"/>
+              <a:buChar char="§"/>
+            </a:pPr>
+            <a:r>
+              <a:rPr lang="en-US" dirty="0"/>
+              <a:t>The IP address of the router (gateway) so that the user can contact machines outside of the LAN</a:t>
+            </a:r>
+          </a:p>
+          <a:p>
+            <a:pPr lvl="1"/>
+            <a:r>
+              <a:rPr lang="en-US" b="1" dirty="0"/>
+              <a:t>DHCP</a:t>
+            </a:r>
+            <a:r>
+              <a:rPr lang="en-US" dirty="0"/>
+              <a:t> gives the user a configuration when they first join the network</a:t>
+            </a:r>
           </a:p>
           <a:p>
             <a:pPr marL="914400" lvl="1" indent="-317500" algn="l" rtl="0">
@@ -22979,27 +23117,9 @@
               <a:buChar char="○"/>
             </a:pPr>
             <a:r>
-              <a:rPr lang="en" dirty="0"/>
-              <a:t>Attack: TCP hijacking through data injection or RST injection</a:t>
-            </a:r>
-            <a:endParaRPr dirty="0"/>
-          </a:p>
-          <a:p>
-            <a:pPr marL="1371600" lvl="2" indent="-317500" algn="l" rtl="0">
-              <a:spcBef>
-                <a:spcPts val="0"/>
-              </a:spcBef>
-              <a:spcAft>
-                <a:spcPts val="0"/>
-              </a:spcAft>
-              <a:buSzPts val="1400"/>
-              <a:buChar char="■"/>
-            </a:pPr>
-            <a:r>
-              <a:rPr lang="en" dirty="0"/>
-              <a:t>Blind attacks must guess the client’s or server’s sequence numbers</a:t>
-            </a:r>
-            <a:endParaRPr dirty="0"/>
+              <a:rPr lang="en-US" dirty="0"/>
+              <a:t>Attack: The attacker can respond with a malicious configuration</a:t>
+            </a:r>
           </a:p>
           <a:p>
             <a:pPr marL="914400" lvl="1" indent="-317500" algn="l" rtl="0">
@@ -23013,84 +23133,23 @@
               <a:buChar char="○"/>
             </a:pPr>
             <a:r>
-              <a:rPr lang="en" dirty="0"/>
-              <a:t>Attack: TCP spoofing by sending a spoofed SYN packet</a:t>
-            </a:r>
-            <a:endParaRPr dirty="0"/>
-          </a:p>
-          <a:p>
-            <a:pPr marL="1371600" lvl="2" indent="-317500" algn="l" rtl="0">
-              <a:spcBef>
-                <a:spcPts val="0"/>
-              </a:spcBef>
-              <a:spcAft>
-                <a:spcPts val="0"/>
-              </a:spcAft>
-              <a:buSzPts val="1400"/>
-              <a:buChar char="■"/>
-            </a:pPr>
-            <a:r>
-              <a:rPr lang="en" dirty="0"/>
-              <a:t>Blind attacks must guess the server’s sequence number</a:t>
-            </a:r>
-            <a:endParaRPr dirty="0"/>
-          </a:p>
-          <a:p>
-            <a:pPr marL="457200" lvl="0" indent="-342900" algn="l" rtl="0">
-              <a:spcBef>
-                <a:spcPts val="0"/>
-              </a:spcBef>
-              <a:spcAft>
-                <a:spcPts val="0"/>
-              </a:spcAft>
-              <a:buSzPts val="1800"/>
-              <a:buChar char="●"/>
-            </a:pPr>
-            <a:r>
-              <a:rPr lang="en" dirty="0"/>
-              <a:t>User Datagram Protocol (UDP): Non-reliably sending packets</a:t>
-            </a:r>
-            <a:endParaRPr dirty="0"/>
-          </a:p>
-          <a:p>
-            <a:pPr marL="914400" lvl="1" indent="-317500" algn="l" rtl="0">
-              <a:spcBef>
-                <a:spcPts val="0"/>
-              </a:spcBef>
-              <a:spcAft>
-                <a:spcPts val="0"/>
-              </a:spcAft>
-              <a:buSzPts val="1400"/>
-              <a:buChar char="○"/>
-            </a:pPr>
-            <a:r>
-              <a:rPr lang="en" dirty="0"/>
-              <a:t>No reliability or ordering, only ports</a:t>
-            </a:r>
-            <a:endParaRPr dirty="0"/>
-          </a:p>
-          <a:p>
-            <a:pPr marL="914400" lvl="1" indent="-317500" algn="l" rtl="0">
-              <a:spcBef>
-                <a:spcPts val="0"/>
-              </a:spcBef>
-              <a:spcAft>
-                <a:spcPts val="0"/>
-              </a:spcAft>
-              <a:buSzPts val="1400"/>
-              <a:buChar char="○"/>
-            </a:pPr>
-            <a:r>
-              <a:rPr lang="en" dirty="0"/>
-              <a:t>Same injection and spoofing attacks as TCP, but easier</a:t>
-            </a:r>
-            <a:endParaRPr dirty="0"/>
+              <a:rPr lang="en-US" dirty="0"/>
+              <a:t>Defense: Rely on higher layers</a:t>
+            </a:r>
+          </a:p>
+          <a:p>
+            <a:pPr lvl="1"/>
+            <a:endParaRPr lang="en-US" dirty="0"/>
+          </a:p>
+          <a:p>
+            <a:pPr lvl="1"/>
+            <a:endParaRPr lang="en-US" dirty="0"/>
           </a:p>
         </p:txBody>
       </p:sp>
       <p:sp>
         <p:nvSpPr>
-          <p:cNvPr id="345" name="Google Shape;345;p44"/>
+          <p:cNvPr id="595" name="Google Shape;595;p48"/>
           <p:cNvSpPr txBox="1">
             <a:spLocks noGrp="1"/>
           </p:cNvSpPr>
@@ -23131,6 +23190,11 @@
         </p:txBody>
       </p:sp>
     </p:spTree>
+    <p:extLst>
+      <p:ext uri="{BB962C8B-B14F-4D97-AF65-F5344CB8AC3E}">
+        <p14:creationId xmlns:p14="http://schemas.microsoft.com/office/powerpoint/2010/main" val="3051025241"/>
+      </p:ext>
+    </p:extLst>
   </p:cSld>
   <p:clrMapOvr>
     <a:masterClrMapping/>
@@ -23190,10 +23254,10 @@
               <a:buNone/>
             </a:pPr>
             <a:r>
-              <a:rPr lang="en"/>
-              <a:t>Network Attackers</a:t>
-            </a:r>
-            <a:endParaRPr/>
+              <a:rPr lang="en" dirty="0"/>
+              <a:t>Important Concepts</a:t>
+            </a:r>
+            <a:endParaRPr dirty="0"/>
           </a:p>
         </p:txBody>
       </p:sp>
@@ -23240,6 +23304,11 @@
         </p:txBody>
       </p:sp>
     </p:spTree>
+    <p:extLst>
+      <p:ext uri="{BB962C8B-B14F-4D97-AF65-F5344CB8AC3E}">
+        <p14:creationId xmlns:p14="http://schemas.microsoft.com/office/powerpoint/2010/main" val="628989751"/>
+      </p:ext>
+    </p:extLst>
   </p:cSld>
   <p:clrMapOvr>
     <a:masterClrMapping/>
@@ -23248,7 +23317,616 @@
 </file>
 
 <file path=ppt/slides/slide30.xml><?xml version="1.0" encoding="utf-8"?>
-<p:sld xmlns:a="http://schemas.openxmlformats.org/drawingml/2006/main" xmlns:r="http://schemas.openxmlformats.org/officeDocument/2006/relationships" xmlns:p="http://schemas.openxmlformats.org/presentationml/2006/main">
+<p:sld xmlns:a="http://schemas.openxmlformats.org/drawingml/2006/main" xmlns:r="http://schemas.openxmlformats.org/officeDocument/2006/relationships" xmlns:p="http://schemas.openxmlformats.org/presentationml/2006/main" show="0">
+  <p:cSld>
+    <p:spTree>
+      <p:nvGrpSpPr>
+        <p:cNvPr id="1" name="Shape 599"/>
+        <p:cNvGrpSpPr/>
+        <p:nvPr/>
+      </p:nvGrpSpPr>
+      <p:grpSpPr>
+        <a:xfrm>
+          <a:off x="0" y="0"/>
+          <a:ext cx="0" cy="0"/>
+          <a:chOff x="0" y="0"/>
+          <a:chExt cx="0" cy="0"/>
+        </a:xfrm>
+      </p:grpSpPr>
+      <p:sp>
+        <p:nvSpPr>
+          <p:cNvPr id="600" name="Google Shape;600;p49"/>
+          <p:cNvSpPr txBox="1">
+            <a:spLocks noGrp="1"/>
+          </p:cNvSpPr>
+          <p:nvPr>
+            <p:ph type="title"/>
+          </p:nvPr>
+        </p:nvSpPr>
+        <p:spPr>
+          <a:xfrm>
+            <a:off x="102700" y="270875"/>
+            <a:ext cx="8520600" cy="572700"/>
+          </a:xfrm>
+          <a:prstGeom prst="rect">
+            <a:avLst/>
+          </a:prstGeom>
+        </p:spPr>
+        <p:txBody>
+          <a:bodyPr spcFirstLastPara="1" wrap="square" lIns="91425" tIns="91425" rIns="91425" bIns="91425" anchor="t" anchorCtr="0">
+            <a:normAutofit fontScale="90000"/>
+          </a:bodyPr>
+          <a:lstStyle/>
+          <a:p>
+            <a:pPr marL="0" lvl="0" indent="0" algn="l" rtl="0">
+              <a:spcBef>
+                <a:spcPts val="0"/>
+              </a:spcBef>
+              <a:spcAft>
+                <a:spcPts val="0"/>
+              </a:spcAft>
+              <a:buNone/>
+            </a:pPr>
+            <a:r>
+              <a:rPr lang="en" dirty="0"/>
+              <a:t>WPA (Wi-Fi Protected Access)</a:t>
+            </a:r>
+            <a:endParaRPr dirty="0"/>
+          </a:p>
+        </p:txBody>
+      </p:sp>
+      <p:sp>
+        <p:nvSpPr>
+          <p:cNvPr id="601" name="Google Shape;601;p49"/>
+          <p:cNvSpPr txBox="1">
+            <a:spLocks noGrp="1"/>
+          </p:cNvSpPr>
+          <p:nvPr>
+            <p:ph type="body" idx="1"/>
+          </p:nvPr>
+        </p:nvSpPr>
+        <p:spPr>
+          <a:xfrm>
+            <a:off x="198500" y="1246825"/>
+            <a:ext cx="8520600" cy="3765600"/>
+          </a:xfrm>
+          <a:prstGeom prst="rect">
+            <a:avLst/>
+          </a:prstGeom>
+        </p:spPr>
+        <p:txBody>
+          <a:bodyPr spcFirstLastPara="1" wrap="square" lIns="91425" tIns="91425" rIns="91425" bIns="91425" anchor="t" anchorCtr="0">
+            <a:normAutofit/>
+          </a:bodyPr>
+          <a:lstStyle/>
+          <a:p>
+            <a:pPr marL="457200" lvl="0" indent="-342900" algn="l" rtl="0">
+              <a:spcBef>
+                <a:spcPts val="0"/>
+              </a:spcBef>
+              <a:spcAft>
+                <a:spcPts val="0"/>
+              </a:spcAft>
+              <a:buSzPts val="1800"/>
+              <a:buChar char="●"/>
+            </a:pPr>
+            <a:r>
+              <a:rPr lang="en" dirty="0"/>
+              <a:t>WPA: A protocol to encrypt Wi-Fi connections at layer 1</a:t>
+            </a:r>
+            <a:endParaRPr dirty="0"/>
+          </a:p>
+          <a:p>
+            <a:pPr marL="914400" lvl="1" indent="-317500" algn="l" rtl="0">
+              <a:spcBef>
+                <a:spcPts val="0"/>
+              </a:spcBef>
+              <a:spcAft>
+                <a:spcPts val="0"/>
+              </a:spcAft>
+              <a:buSzPts val="1400"/>
+              <a:buChar char="○"/>
+            </a:pPr>
+            <a:r>
+              <a:rPr lang="en" dirty="0"/>
+              <a:t>A protocol for securing Wi-Fi network communications with cryptography </a:t>
+            </a:r>
+          </a:p>
+          <a:p>
+            <a:pPr marL="914400" lvl="1" indent="-317500" algn="l" rtl="0">
+              <a:spcBef>
+                <a:spcPts val="0"/>
+              </a:spcBef>
+              <a:spcAft>
+                <a:spcPts val="0"/>
+              </a:spcAft>
+              <a:buSzPts val="1400"/>
+              <a:buChar char="○"/>
+            </a:pPr>
+            <a:r>
+              <a:rPr lang="en" dirty="0"/>
+              <a:t>Messages between the client and the AP are encrypted with keys</a:t>
+            </a:r>
+            <a:endParaRPr dirty="0"/>
+          </a:p>
+          <a:p>
+            <a:pPr marL="914400" lvl="1" indent="-317500" algn="l" rtl="0">
+              <a:spcBef>
+                <a:spcPts val="0"/>
+              </a:spcBef>
+              <a:spcAft>
+                <a:spcPts val="0"/>
+              </a:spcAft>
+              <a:buSzPts val="1400"/>
+              <a:buChar char="○"/>
+            </a:pPr>
+            <a:r>
+              <a:rPr lang="en" dirty="0"/>
+              <a:t>Handshake uses MICs (cryptographic MACs) to verify that both parties have the same PSK and nonces</a:t>
+            </a:r>
+            <a:endParaRPr dirty="0"/>
+          </a:p>
+          <a:p>
+            <a:pPr marL="914400" lvl="1" indent="-317500" algn="l" rtl="0">
+              <a:spcBef>
+                <a:spcPts val="0"/>
+              </a:spcBef>
+              <a:spcAft>
+                <a:spcPts val="0"/>
+              </a:spcAft>
+              <a:buSzPts val="1400"/>
+              <a:buChar char="○"/>
+            </a:pPr>
+            <a:r>
+              <a:rPr lang="en" dirty="0"/>
+              <a:t>WPA-PSK: Use a password to derive a PSK, which is used in a handshake to arrive at a key</a:t>
+            </a:r>
+            <a:endParaRPr dirty="0"/>
+          </a:p>
+          <a:p>
+            <a:pPr marL="1371600" lvl="2" indent="-317500" algn="l" rtl="0">
+              <a:spcBef>
+                <a:spcPts val="0"/>
+              </a:spcBef>
+              <a:spcAft>
+                <a:spcPts val="0"/>
+              </a:spcAft>
+              <a:buSzPts val="1400"/>
+              <a:buChar char="■"/>
+            </a:pPr>
+            <a:r>
+              <a:rPr lang="en" dirty="0"/>
+              <a:t>Attack: Attacker can pretend to be an AP</a:t>
+            </a:r>
+            <a:endParaRPr dirty="0"/>
+          </a:p>
+          <a:p>
+            <a:pPr marL="1371600" lvl="2" indent="-317500" algn="l" rtl="0">
+              <a:spcBef>
+                <a:spcPts val="0"/>
+              </a:spcBef>
+              <a:spcAft>
+                <a:spcPts val="0"/>
+              </a:spcAft>
+              <a:buSzPts val="1400"/>
+              <a:buChar char="■"/>
+            </a:pPr>
+            <a:r>
+              <a:rPr lang="en" dirty="0"/>
+              <a:t>Attack: Brute-force the password after recording a handshake</a:t>
+            </a:r>
+            <a:endParaRPr dirty="0"/>
+          </a:p>
+          <a:p>
+            <a:pPr marL="1371600" lvl="2" indent="-317500" algn="l" rtl="0">
+              <a:spcBef>
+                <a:spcPts val="0"/>
+              </a:spcBef>
+              <a:spcAft>
+                <a:spcPts val="0"/>
+              </a:spcAft>
+              <a:buSzPts val="1400"/>
+              <a:buChar char="■"/>
+            </a:pPr>
+            <a:r>
+              <a:rPr lang="en" dirty="0"/>
+              <a:t>Vulnerability: No forward secrecy</a:t>
+            </a:r>
+            <a:endParaRPr dirty="0"/>
+          </a:p>
+          <a:p>
+            <a:pPr marL="914400" lvl="1" indent="-317500" algn="l" rtl="0">
+              <a:spcBef>
+                <a:spcPts val="0"/>
+              </a:spcBef>
+              <a:spcAft>
+                <a:spcPts val="0"/>
+              </a:spcAft>
+              <a:buSzPts val="1400"/>
+              <a:buChar char="○"/>
+            </a:pPr>
+            <a:r>
+              <a:rPr lang="en" dirty="0"/>
+              <a:t>WPA-Enterprise: Use a third party to provide a one-time “replacement PSK,” used in the same handshake</a:t>
+            </a:r>
+            <a:endParaRPr dirty="0"/>
+          </a:p>
+          <a:p>
+            <a:pPr marL="1371600" lvl="2" indent="-317500" algn="l" rtl="0">
+              <a:spcBef>
+                <a:spcPts val="0"/>
+              </a:spcBef>
+              <a:spcAft>
+                <a:spcPts val="0"/>
+              </a:spcAft>
+              <a:buSzPts val="1400"/>
+              <a:buChar char="■"/>
+            </a:pPr>
+            <a:r>
+              <a:rPr lang="en" dirty="0"/>
+              <a:t>Solves the attacks on WPA-PSK</a:t>
+            </a:r>
+            <a:endParaRPr dirty="0"/>
+          </a:p>
+        </p:txBody>
+      </p:sp>
+      <p:sp>
+        <p:nvSpPr>
+          <p:cNvPr id="602" name="Google Shape;602;p49"/>
+          <p:cNvSpPr txBox="1">
+            <a:spLocks noGrp="1"/>
+          </p:cNvSpPr>
+          <p:nvPr>
+            <p:ph type="sldNum" idx="12"/>
+          </p:nvPr>
+        </p:nvSpPr>
+        <p:spPr>
+          <a:xfrm>
+            <a:off x="8472458" y="4663217"/>
+            <a:ext cx="548700" cy="393600"/>
+          </a:xfrm>
+          <a:prstGeom prst="rect">
+            <a:avLst/>
+          </a:prstGeom>
+        </p:spPr>
+        <p:txBody>
+          <a:bodyPr spcFirstLastPara="1" wrap="square" lIns="91425" tIns="91425" rIns="91425" bIns="91425" anchor="ctr" anchorCtr="0">
+            <a:normAutofit/>
+          </a:bodyPr>
+          <a:lstStyle/>
+          <a:p>
+            <a:pPr marL="0" lvl="0" indent="0" algn="r" rtl="0">
+              <a:spcBef>
+                <a:spcPts val="0"/>
+              </a:spcBef>
+              <a:spcAft>
+                <a:spcPts val="0"/>
+              </a:spcAft>
+              <a:buNone/>
+            </a:pPr>
+            <a:fld id="{00000000-1234-1234-1234-123412341234}" type="slidenum">
+              <a:rPr lang="en"/>
+              <a:t>30</a:t>
+            </a:fld>
+            <a:endParaRPr/>
+          </a:p>
+        </p:txBody>
+      </p:sp>
+    </p:spTree>
+  </p:cSld>
+  <p:clrMapOvr>
+    <a:masterClrMapping/>
+  </p:clrMapOvr>
+</p:sld>
+</file>
+
+<file path=ppt/slides/slide31.xml><?xml version="1.0" encoding="utf-8"?>
+<p:sld xmlns:a="http://schemas.openxmlformats.org/drawingml/2006/main" xmlns:r="http://schemas.openxmlformats.org/officeDocument/2006/relationships" xmlns:p="http://schemas.openxmlformats.org/presentationml/2006/main" show="0">
+  <p:cSld>
+    <p:spTree>
+      <p:nvGrpSpPr>
+        <p:cNvPr id="1" name="Shape 342"/>
+        <p:cNvGrpSpPr/>
+        <p:nvPr/>
+      </p:nvGrpSpPr>
+      <p:grpSpPr>
+        <a:xfrm>
+          <a:off x="0" y="0"/>
+          <a:ext cx="0" cy="0"/>
+          <a:chOff x="0" y="0"/>
+          <a:chExt cx="0" cy="0"/>
+        </a:xfrm>
+      </p:grpSpPr>
+      <p:sp>
+        <p:nvSpPr>
+          <p:cNvPr id="343" name="Google Shape;343;p44"/>
+          <p:cNvSpPr txBox="1">
+            <a:spLocks noGrp="1"/>
+          </p:cNvSpPr>
+          <p:nvPr>
+            <p:ph type="title"/>
+          </p:nvPr>
+        </p:nvSpPr>
+        <p:spPr>
+          <a:xfrm>
+            <a:off x="102700" y="270875"/>
+            <a:ext cx="8520600" cy="572700"/>
+          </a:xfrm>
+          <a:prstGeom prst="rect">
+            <a:avLst/>
+          </a:prstGeom>
+        </p:spPr>
+        <p:txBody>
+          <a:bodyPr spcFirstLastPara="1" wrap="square" lIns="91425" tIns="91425" rIns="91425" bIns="91425" anchor="t" anchorCtr="0">
+            <a:normAutofit fontScale="90000"/>
+          </a:bodyPr>
+          <a:lstStyle/>
+          <a:p>
+            <a:pPr marL="0" lvl="0" indent="0" algn="l" rtl="0">
+              <a:spcBef>
+                <a:spcPts val="0"/>
+              </a:spcBef>
+              <a:spcAft>
+                <a:spcPts val="0"/>
+              </a:spcAft>
+              <a:buNone/>
+            </a:pPr>
+            <a:r>
+              <a:rPr lang="en" dirty="0"/>
+              <a:t>TCP (Transmission Control Protocol )</a:t>
+            </a:r>
+            <a:endParaRPr dirty="0"/>
+          </a:p>
+        </p:txBody>
+      </p:sp>
+      <p:sp>
+        <p:nvSpPr>
+          <p:cNvPr id="344" name="Google Shape;344;p44"/>
+          <p:cNvSpPr txBox="1">
+            <a:spLocks noGrp="1"/>
+          </p:cNvSpPr>
+          <p:nvPr>
+            <p:ph type="body" idx="1"/>
+          </p:nvPr>
+        </p:nvSpPr>
+        <p:spPr>
+          <a:xfrm>
+            <a:off x="198500" y="1246825"/>
+            <a:ext cx="8520600" cy="3765600"/>
+          </a:xfrm>
+          <a:prstGeom prst="rect">
+            <a:avLst/>
+          </a:prstGeom>
+        </p:spPr>
+        <p:txBody>
+          <a:bodyPr spcFirstLastPara="1" wrap="square" lIns="91425" tIns="91425" rIns="91425" bIns="91425" anchor="t" anchorCtr="0">
+            <a:normAutofit/>
+          </a:bodyPr>
+          <a:lstStyle/>
+          <a:p>
+            <a:pPr marL="457200" lvl="0" indent="-342900" algn="l" rtl="0">
+              <a:spcBef>
+                <a:spcPts val="0"/>
+              </a:spcBef>
+              <a:spcAft>
+                <a:spcPts val="0"/>
+              </a:spcAft>
+              <a:buSzPts val="1800"/>
+              <a:buChar char="●"/>
+            </a:pPr>
+            <a:r>
+              <a:rPr lang="en" dirty="0"/>
+              <a:t>Transmission Control Protocol (TCP): Reliably sending packets</a:t>
+            </a:r>
+            <a:endParaRPr dirty="0"/>
+          </a:p>
+          <a:p>
+            <a:pPr marL="914400" lvl="1" indent="-317500" algn="l" rtl="0">
+              <a:spcBef>
+                <a:spcPts val="0"/>
+              </a:spcBef>
+              <a:spcAft>
+                <a:spcPts val="0"/>
+              </a:spcAft>
+              <a:buSzPts val="1400"/>
+              <a:buChar char="○"/>
+            </a:pPr>
+            <a:r>
+              <a:rPr lang="en" dirty="0"/>
+              <a:t>3-way handshake: Client sends SYN, server sends SYN-ACK, client sends ACK</a:t>
+            </a:r>
+            <a:endParaRPr dirty="0"/>
+          </a:p>
+          <a:p>
+            <a:pPr marL="914400" lvl="1" indent="-317500" algn="l" rtl="0">
+              <a:spcBef>
+                <a:spcPts val="0"/>
+              </a:spcBef>
+              <a:spcAft>
+                <a:spcPts val="0"/>
+              </a:spcAft>
+              <a:buSzPts val="1400"/>
+              <a:buChar char="○"/>
+            </a:pPr>
+            <a:r>
+              <a:rPr lang="en" dirty="0"/>
+              <a:t>Provides reliability, ordering, and ports</a:t>
+            </a:r>
+            <a:endParaRPr dirty="0"/>
+          </a:p>
+          <a:p>
+            <a:pPr marL="914400" lvl="1" indent="-317500" algn="l" rtl="0">
+              <a:spcBef>
+                <a:spcPts val="0"/>
+              </a:spcBef>
+              <a:spcAft>
+                <a:spcPts val="0"/>
+              </a:spcAft>
+              <a:buSzPts val="1400"/>
+              <a:buChar char="○"/>
+            </a:pPr>
+            <a:r>
+              <a:rPr lang="en" dirty="0"/>
+              <a:t>Attack: TCP hijacking through data injection or RST injection</a:t>
+            </a:r>
+            <a:endParaRPr dirty="0"/>
+          </a:p>
+          <a:p>
+            <a:pPr marL="1371600" lvl="2" indent="-317500" algn="l" rtl="0">
+              <a:spcBef>
+                <a:spcPts val="0"/>
+              </a:spcBef>
+              <a:spcAft>
+                <a:spcPts val="0"/>
+              </a:spcAft>
+              <a:buSzPts val="1400"/>
+              <a:buChar char="■"/>
+            </a:pPr>
+            <a:r>
+              <a:rPr lang="en" dirty="0"/>
+              <a:t>Blind attacks must guess the client’s or server’s sequence numbers</a:t>
+            </a:r>
+            <a:endParaRPr dirty="0"/>
+          </a:p>
+          <a:p>
+            <a:pPr marL="914400" lvl="1" indent="-317500" algn="l" rtl="0">
+              <a:spcBef>
+                <a:spcPts val="0"/>
+              </a:spcBef>
+              <a:spcAft>
+                <a:spcPts val="0"/>
+              </a:spcAft>
+              <a:buSzPts val="1400"/>
+              <a:buChar char="○"/>
+            </a:pPr>
+            <a:r>
+              <a:rPr lang="en" dirty="0"/>
+              <a:t>Attack: TCP spoofing by sending a spoofed SYN packet</a:t>
+            </a:r>
+            <a:endParaRPr dirty="0"/>
+          </a:p>
+          <a:p>
+            <a:pPr marL="1371600" lvl="2" indent="-317500" algn="l" rtl="0">
+              <a:spcBef>
+                <a:spcPts val="0"/>
+              </a:spcBef>
+              <a:spcAft>
+                <a:spcPts val="0"/>
+              </a:spcAft>
+              <a:buSzPts val="1400"/>
+              <a:buChar char="■"/>
+            </a:pPr>
+            <a:r>
+              <a:rPr lang="en" dirty="0"/>
+              <a:t>Blind attacks must guess the server’s sequence number</a:t>
+            </a:r>
+            <a:endParaRPr dirty="0"/>
+          </a:p>
+          <a:p>
+            <a:pPr marL="457200" lvl="0" indent="-342900" algn="l" rtl="0">
+              <a:spcBef>
+                <a:spcPts val="0"/>
+              </a:spcBef>
+              <a:spcAft>
+                <a:spcPts val="0"/>
+              </a:spcAft>
+              <a:buSzPts val="1800"/>
+              <a:buChar char="●"/>
+            </a:pPr>
+            <a:r>
+              <a:rPr lang="en" dirty="0"/>
+              <a:t>User Datagram Protocol (UDP): Non-reliably sending packets</a:t>
+            </a:r>
+            <a:endParaRPr dirty="0"/>
+          </a:p>
+          <a:p>
+            <a:pPr marL="914400" lvl="1" indent="-317500" algn="l" rtl="0">
+              <a:spcBef>
+                <a:spcPts val="0"/>
+              </a:spcBef>
+              <a:spcAft>
+                <a:spcPts val="0"/>
+              </a:spcAft>
+              <a:buSzPts val="1400"/>
+              <a:buChar char="○"/>
+            </a:pPr>
+            <a:r>
+              <a:rPr lang="en" dirty="0"/>
+              <a:t>No reliability or ordering, only ports</a:t>
+            </a:r>
+            <a:endParaRPr dirty="0"/>
+          </a:p>
+          <a:p>
+            <a:pPr marL="914400" lvl="1" indent="-317500" algn="l" rtl="0">
+              <a:spcBef>
+                <a:spcPts val="0"/>
+              </a:spcBef>
+              <a:spcAft>
+                <a:spcPts val="0"/>
+              </a:spcAft>
+              <a:buSzPts val="1400"/>
+              <a:buChar char="○"/>
+            </a:pPr>
+            <a:r>
+              <a:rPr lang="en" dirty="0"/>
+              <a:t>Same injection and spoofing attacks as TCP, but easier</a:t>
+            </a:r>
+            <a:endParaRPr dirty="0"/>
+          </a:p>
+        </p:txBody>
+      </p:sp>
+      <p:sp>
+        <p:nvSpPr>
+          <p:cNvPr id="345" name="Google Shape;345;p44"/>
+          <p:cNvSpPr txBox="1">
+            <a:spLocks noGrp="1"/>
+          </p:cNvSpPr>
+          <p:nvPr>
+            <p:ph type="sldNum" idx="12"/>
+          </p:nvPr>
+        </p:nvSpPr>
+        <p:spPr>
+          <a:xfrm>
+            <a:off x="8472458" y="4663217"/>
+            <a:ext cx="548700" cy="393600"/>
+          </a:xfrm>
+          <a:prstGeom prst="rect">
+            <a:avLst/>
+          </a:prstGeom>
+        </p:spPr>
+        <p:txBody>
+          <a:bodyPr spcFirstLastPara="1" wrap="square" lIns="91425" tIns="91425" rIns="91425" bIns="91425" anchor="ctr" anchorCtr="0">
+            <a:normAutofit/>
+          </a:bodyPr>
+          <a:lstStyle/>
+          <a:p>
+            <a:pPr marL="0" lvl="0" indent="0" algn="r" rtl="0">
+              <a:spcBef>
+                <a:spcPts val="0"/>
+              </a:spcBef>
+              <a:spcAft>
+                <a:spcPts val="0"/>
+              </a:spcAft>
+              <a:buNone/>
+            </a:pPr>
+            <a:fld id="{00000000-1234-1234-1234-123412341234}" type="slidenum">
+              <a:rPr lang="en"/>
+              <a:t>31</a:t>
+            </a:fld>
+            <a:endParaRPr/>
+          </a:p>
+        </p:txBody>
+      </p:sp>
+    </p:spTree>
+  </p:cSld>
+  <p:clrMapOvr>
+    <a:masterClrMapping/>
+  </p:clrMapOvr>
+</p:sld>
+</file>
+
+<file path=ppt/slides/slide32.xml><?xml version="1.0" encoding="utf-8"?>
+<p:sld xmlns:a="http://schemas.openxmlformats.org/drawingml/2006/main" xmlns:r="http://schemas.openxmlformats.org/officeDocument/2006/relationships" xmlns:p="http://schemas.openxmlformats.org/presentationml/2006/main" show="0">
   <p:cSld>
     <p:spTree>
       <p:nvGrpSpPr>
@@ -23554,7 +24232,7 @@
             </a:pPr>
             <a:fld id="{00000000-1234-1234-1234-123412341234}" type="slidenum">
               <a:rPr lang="en"/>
-              <a:t>30</a:t>
+              <a:t>32</a:t>
             </a:fld>
             <a:endParaRPr/>
           </a:p>
@@ -23980,8 +24658,8 @@
 </p:sld>
 </file>
 
-<file path=ppt/slides/slide31.xml><?xml version="1.0" encoding="utf-8"?>
-<p:sld xmlns:a="http://schemas.openxmlformats.org/drawingml/2006/main" xmlns:r="http://schemas.openxmlformats.org/officeDocument/2006/relationships" xmlns:p="http://schemas.openxmlformats.org/presentationml/2006/main">
+<file path=ppt/slides/slide33.xml><?xml version="1.0" encoding="utf-8"?>
+<p:sld xmlns:a="http://schemas.openxmlformats.org/drawingml/2006/main" xmlns:r="http://schemas.openxmlformats.org/officeDocument/2006/relationships" xmlns:p="http://schemas.openxmlformats.org/presentationml/2006/main" show="0">
   <p:cSld>
     <p:spTree>
       <p:nvGrpSpPr>
@@ -24270,7 +24948,7 @@
             </a:pPr>
             <a:fld id="{00000000-1234-1234-1234-123412341234}" type="slidenum">
               <a:rPr lang="en"/>
-              <a:t>31</a:t>
+              <a:t>33</a:t>
             </a:fld>
             <a:endParaRPr/>
           </a:p>
@@ -24647,8 +25325,8 @@
 </p:sld>
 </file>
 
-<file path=ppt/slides/slide32.xml><?xml version="1.0" encoding="utf-8"?>
-<p:sld xmlns:a="http://schemas.openxmlformats.org/drawingml/2006/main" xmlns:r="http://schemas.openxmlformats.org/officeDocument/2006/relationships" xmlns:p="http://schemas.openxmlformats.org/presentationml/2006/main">
+<file path=ppt/slides/slide34.xml><?xml version="1.0" encoding="utf-8"?>
+<p:sld xmlns:a="http://schemas.openxmlformats.org/drawingml/2006/main" xmlns:r="http://schemas.openxmlformats.org/officeDocument/2006/relationships" xmlns:p="http://schemas.openxmlformats.org/presentationml/2006/main" show="0">
   <p:cSld>
     <p:spTree>
       <p:nvGrpSpPr>
@@ -24917,7 +25595,7 @@
             </a:pPr>
             <a:fld id="{00000000-1234-1234-1234-123412341234}" type="slidenum">
               <a:rPr lang="en"/>
-              <a:t>32</a:t>
+              <a:t>34</a:t>
             </a:fld>
             <a:endParaRPr/>
           </a:p>
@@ -25832,8 +26510,8 @@
 </p:sld>
 </file>
 
-<file path=ppt/slides/slide33.xml><?xml version="1.0" encoding="utf-8"?>
-<p:sld xmlns:a="http://schemas.openxmlformats.org/drawingml/2006/main" xmlns:r="http://schemas.openxmlformats.org/officeDocument/2006/relationships" xmlns:p="http://schemas.openxmlformats.org/presentationml/2006/main">
+<file path=ppt/slides/slide35.xml><?xml version="1.0" encoding="utf-8"?>
+<p:sld xmlns:a="http://schemas.openxmlformats.org/drawingml/2006/main" xmlns:r="http://schemas.openxmlformats.org/officeDocument/2006/relationships" xmlns:p="http://schemas.openxmlformats.org/presentationml/2006/main" show="0">
   <p:cSld>
     <p:spTree>
       <p:nvGrpSpPr>
@@ -26110,7 +26788,7 @@
             </a:pPr>
             <a:fld id="{00000000-1234-1234-1234-123412341234}" type="slidenum">
               <a:rPr lang="en"/>
-              <a:t>33</a:t>
+              <a:t>35</a:t>
             </a:fld>
             <a:endParaRPr/>
           </a:p>
@@ -26474,8 +27152,8 @@
 </p:sld>
 </file>
 
-<file path=ppt/slides/slide34.xml><?xml version="1.0" encoding="utf-8"?>
-<p:sld xmlns:a="http://schemas.openxmlformats.org/drawingml/2006/main" xmlns:r="http://schemas.openxmlformats.org/officeDocument/2006/relationships" xmlns:p="http://schemas.openxmlformats.org/presentationml/2006/main">
+<file path=ppt/slides/slide36.xml><?xml version="1.0" encoding="utf-8"?>
+<p:sld xmlns:a="http://schemas.openxmlformats.org/drawingml/2006/main" xmlns:r="http://schemas.openxmlformats.org/officeDocument/2006/relationships" xmlns:p="http://schemas.openxmlformats.org/presentationml/2006/main" show="0">
   <p:cSld>
     <p:spTree>
       <p:nvGrpSpPr>
@@ -26663,7 +27341,7 @@
             </a:pPr>
             <a:fld id="{00000000-1234-1234-1234-123412341234}" type="slidenum">
               <a:rPr lang="en"/>
-              <a:t>34</a:t>
+              <a:t>36</a:t>
             </a:fld>
             <a:endParaRPr/>
           </a:p>
@@ -27431,8 +28109,8 @@
 </p:sld>
 </file>
 
-<file path=ppt/slides/slide35.xml><?xml version="1.0" encoding="utf-8"?>
-<p:sld xmlns:a="http://schemas.openxmlformats.org/drawingml/2006/main" xmlns:r="http://schemas.openxmlformats.org/officeDocument/2006/relationships" xmlns:p="http://schemas.openxmlformats.org/presentationml/2006/main">
+<file path=ppt/slides/slide37.xml><?xml version="1.0" encoding="utf-8"?>
+<p:sld xmlns:a="http://schemas.openxmlformats.org/drawingml/2006/main" xmlns:r="http://schemas.openxmlformats.org/officeDocument/2006/relationships" xmlns:p="http://schemas.openxmlformats.org/presentationml/2006/main" show="0">
   <p:cSld>
     <p:spTree>
       <p:nvGrpSpPr>
@@ -27672,7 +28350,7 @@
             </a:pPr>
             <a:fld id="{00000000-1234-1234-1234-123412341234}" type="slidenum">
               <a:rPr lang="en"/>
-              <a:t>35</a:t>
+              <a:t>37</a:t>
             </a:fld>
             <a:endParaRPr/>
           </a:p>
@@ -27687,6 +28365,644 @@
 </file>
 
 <file path=ppt/slides/slide4.xml><?xml version="1.0" encoding="utf-8"?>
+<p:sld xmlns:a="http://schemas.openxmlformats.org/drawingml/2006/main" xmlns:r="http://schemas.openxmlformats.org/officeDocument/2006/relationships" xmlns:p="http://schemas.openxmlformats.org/presentationml/2006/main">
+  <p:cSld>
+    <p:spTree>
+      <p:nvGrpSpPr>
+        <p:cNvPr id="1" name="Shape 592"/>
+        <p:cNvGrpSpPr/>
+        <p:nvPr/>
+      </p:nvGrpSpPr>
+      <p:grpSpPr>
+        <a:xfrm>
+          <a:off x="0" y="0"/>
+          <a:ext cx="0" cy="0"/>
+          <a:chOff x="0" y="0"/>
+          <a:chExt cx="0" cy="0"/>
+        </a:xfrm>
+      </p:grpSpPr>
+      <p:sp>
+        <p:nvSpPr>
+          <p:cNvPr id="593" name="Google Shape;593;p48"/>
+          <p:cNvSpPr txBox="1">
+            <a:spLocks noGrp="1"/>
+          </p:cNvSpPr>
+          <p:nvPr>
+            <p:ph type="title"/>
+          </p:nvPr>
+        </p:nvSpPr>
+        <p:spPr>
+          <a:xfrm>
+            <a:off x="102700" y="270875"/>
+            <a:ext cx="8520600" cy="572700"/>
+          </a:xfrm>
+          <a:prstGeom prst="rect">
+            <a:avLst/>
+          </a:prstGeom>
+        </p:spPr>
+        <p:txBody>
+          <a:bodyPr spcFirstLastPara="1" wrap="square" lIns="91425" tIns="91425" rIns="91425" bIns="91425" anchor="t" anchorCtr="0">
+            <a:normAutofit fontScale="90000"/>
+          </a:bodyPr>
+          <a:lstStyle/>
+          <a:p>
+            <a:pPr marL="0" lvl="0" indent="0" algn="l" rtl="0">
+              <a:spcBef>
+                <a:spcPts val="0"/>
+              </a:spcBef>
+              <a:spcAft>
+                <a:spcPts val="0"/>
+              </a:spcAft>
+              <a:buNone/>
+            </a:pPr>
+            <a:r>
+              <a:rPr lang="en" dirty="0"/>
+              <a:t>Network Protocols</a:t>
+            </a:r>
+            <a:endParaRPr dirty="0"/>
+          </a:p>
+        </p:txBody>
+      </p:sp>
+      <p:sp>
+        <p:nvSpPr>
+          <p:cNvPr id="595" name="Google Shape;595;p48"/>
+          <p:cNvSpPr txBox="1">
+            <a:spLocks noGrp="1"/>
+          </p:cNvSpPr>
+          <p:nvPr>
+            <p:ph type="sldNum" idx="12"/>
+          </p:nvPr>
+        </p:nvSpPr>
+        <p:spPr>
+          <a:xfrm>
+            <a:off x="8472458" y="4663217"/>
+            <a:ext cx="548700" cy="393600"/>
+          </a:xfrm>
+          <a:prstGeom prst="rect">
+            <a:avLst/>
+          </a:prstGeom>
+        </p:spPr>
+        <p:txBody>
+          <a:bodyPr spcFirstLastPara="1" wrap="square" lIns="91425" tIns="91425" rIns="91425" bIns="91425" anchor="ctr" anchorCtr="0">
+            <a:normAutofit/>
+          </a:bodyPr>
+          <a:lstStyle/>
+          <a:p>
+            <a:pPr marL="0" lvl="0" indent="0" algn="r" rtl="0">
+              <a:spcBef>
+                <a:spcPts val="0"/>
+              </a:spcBef>
+              <a:spcAft>
+                <a:spcPts val="0"/>
+              </a:spcAft>
+              <a:buNone/>
+            </a:pPr>
+            <a:fld id="{00000000-1234-1234-1234-123412341234}" type="slidenum">
+              <a:rPr lang="en"/>
+              <a:t>4</a:t>
+            </a:fld>
+            <a:endParaRPr/>
+          </a:p>
+        </p:txBody>
+      </p:sp>
+      <p:graphicFrame>
+        <p:nvGraphicFramePr>
+          <p:cNvPr id="2" name="Table 1">
+            <a:extLst>
+              <a:ext uri="{FF2B5EF4-FFF2-40B4-BE49-F238E27FC236}">
+                <a16:creationId xmlns:a16="http://schemas.microsoft.com/office/drawing/2014/main" id="{4DB44289-9304-40DC-5E4E-9EB80BA2C5D0}"/>
+              </a:ext>
+            </a:extLst>
+          </p:cNvPr>
+          <p:cNvGraphicFramePr>
+            <a:graphicFrameLocks noGrp="1"/>
+          </p:cNvGraphicFramePr>
+          <p:nvPr/>
+        </p:nvGraphicFramePr>
+        <p:xfrm>
+          <a:off x="468407" y="1346573"/>
+          <a:ext cx="3222811" cy="3634092"/>
+        </p:xfrm>
+        <a:graphic>
+          <a:graphicData uri="http://schemas.openxmlformats.org/drawingml/2006/table">
+            <a:tbl>
+              <a:tblPr firstRow="1" bandRow="1">
+                <a:tableStyleId>{BFE604CA-AD57-4AB2-B3D3-69E05442DE48}</a:tableStyleId>
+              </a:tblPr>
+              <a:tblGrid>
+                <a:gridCol w="1945340">
+                  <a:extLst>
+                    <a:ext uri="{9D8B030D-6E8A-4147-A177-3AD203B41FA5}">
+                      <a16:colId xmlns:a16="http://schemas.microsoft.com/office/drawing/2014/main" val="1704008497"/>
+                    </a:ext>
+                  </a:extLst>
+                </a:gridCol>
+                <a:gridCol w="1277471">
+                  <a:extLst>
+                    <a:ext uri="{9D8B030D-6E8A-4147-A177-3AD203B41FA5}">
+                      <a16:colId xmlns:a16="http://schemas.microsoft.com/office/drawing/2014/main" val="2217282367"/>
+                    </a:ext>
+                  </a:extLst>
+                </a:gridCol>
+              </a:tblGrid>
+              <a:tr h="519156">
+                <a:tc>
+                  <a:txBody>
+                    <a:bodyPr/>
+                    <a:lstStyle/>
+                    <a:p>
+                      <a:r>
+                        <a:rPr lang="en-US" b="1" dirty="0"/>
+                        <a:t>Layer</a:t>
+                      </a:r>
+                    </a:p>
+                  </a:txBody>
+                  <a:tcPr/>
+                </a:tc>
+                <a:tc>
+                  <a:txBody>
+                    <a:bodyPr/>
+                    <a:lstStyle/>
+                    <a:p>
+                      <a:r>
+                        <a:rPr lang="en-US" b="1" dirty="0"/>
+                        <a:t>Protocols</a:t>
+                      </a:r>
+                    </a:p>
+                  </a:txBody>
+                  <a:tcPr/>
+                </a:tc>
+                <a:extLst>
+                  <a:ext uri="{0D108BD9-81ED-4DB2-BD59-A6C34878D82A}">
+                    <a16:rowId xmlns:a16="http://schemas.microsoft.com/office/drawing/2014/main" val="3121196909"/>
+                  </a:ext>
+                </a:extLst>
+              </a:tr>
+              <a:tr h="519156">
+                <a:tc>
+                  <a:txBody>
+                    <a:bodyPr/>
+                    <a:lstStyle/>
+                    <a:p>
+                      <a:r>
+                        <a:rPr lang="en-US" dirty="0"/>
+                        <a:t>7. Application</a:t>
+                      </a:r>
+                    </a:p>
+                  </a:txBody>
+                  <a:tcPr/>
+                </a:tc>
+                <a:tc>
+                  <a:txBody>
+                    <a:bodyPr/>
+                    <a:lstStyle/>
+                    <a:p>
+                      <a:r>
+                        <a:rPr lang="en-US" dirty="0"/>
+                        <a:t>Web Security</a:t>
+                      </a:r>
+                    </a:p>
+                  </a:txBody>
+                  <a:tcPr/>
+                </a:tc>
+                <a:extLst>
+                  <a:ext uri="{0D108BD9-81ED-4DB2-BD59-A6C34878D82A}">
+                    <a16:rowId xmlns:a16="http://schemas.microsoft.com/office/drawing/2014/main" val="4118588081"/>
+                  </a:ext>
+                </a:extLst>
+              </a:tr>
+              <a:tr h="519156">
+                <a:tc>
+                  <a:txBody>
+                    <a:bodyPr/>
+                    <a:lstStyle/>
+                    <a:p>
+                      <a:r>
+                        <a:rPr lang="en-US" dirty="0"/>
+                        <a:t>4.5. Secure transport</a:t>
+                      </a:r>
+                    </a:p>
+                  </a:txBody>
+                  <a:tcPr/>
+                </a:tc>
+                <a:tc>
+                  <a:txBody>
+                    <a:bodyPr/>
+                    <a:lstStyle/>
+                    <a:p>
+                      <a:r>
+                        <a:rPr lang="en-US" dirty="0"/>
+                        <a:t>TLS</a:t>
+                      </a:r>
+                    </a:p>
+                  </a:txBody>
+                  <a:tcPr/>
+                </a:tc>
+                <a:extLst>
+                  <a:ext uri="{0D108BD9-81ED-4DB2-BD59-A6C34878D82A}">
+                    <a16:rowId xmlns:a16="http://schemas.microsoft.com/office/drawing/2014/main" val="4022215200"/>
+                  </a:ext>
+                </a:extLst>
+              </a:tr>
+              <a:tr h="519156">
+                <a:tc>
+                  <a:txBody>
+                    <a:bodyPr/>
+                    <a:lstStyle/>
+                    <a:p>
+                      <a:r>
+                        <a:rPr lang="en-US" dirty="0"/>
+                        <a:t>4. Transport</a:t>
+                      </a:r>
+                    </a:p>
+                  </a:txBody>
+                  <a:tcPr/>
+                </a:tc>
+                <a:tc>
+                  <a:txBody>
+                    <a:bodyPr/>
+                    <a:lstStyle/>
+                    <a:p>
+                      <a:r>
+                        <a:rPr lang="en-US" dirty="0"/>
+                        <a:t>TCP, UDP</a:t>
+                      </a:r>
+                    </a:p>
+                  </a:txBody>
+                  <a:tcPr/>
+                </a:tc>
+                <a:extLst>
+                  <a:ext uri="{0D108BD9-81ED-4DB2-BD59-A6C34878D82A}">
+                    <a16:rowId xmlns:a16="http://schemas.microsoft.com/office/drawing/2014/main" val="251318584"/>
+                  </a:ext>
+                </a:extLst>
+              </a:tr>
+              <a:tr h="519156">
+                <a:tc>
+                  <a:txBody>
+                    <a:bodyPr/>
+                    <a:lstStyle/>
+                    <a:p>
+                      <a:r>
+                        <a:rPr lang="en-US" dirty="0"/>
+                        <a:t>3. Internet</a:t>
+                      </a:r>
+                    </a:p>
+                  </a:txBody>
+                  <a:tcPr/>
+                </a:tc>
+                <a:tc>
+                  <a:txBody>
+                    <a:bodyPr/>
+                    <a:lstStyle/>
+                    <a:p>
+                      <a:r>
+                        <a:rPr lang="en-US" dirty="0"/>
+                        <a:t>IP</a:t>
+                      </a:r>
+                    </a:p>
+                  </a:txBody>
+                  <a:tcPr/>
+                </a:tc>
+                <a:extLst>
+                  <a:ext uri="{0D108BD9-81ED-4DB2-BD59-A6C34878D82A}">
+                    <a16:rowId xmlns:a16="http://schemas.microsoft.com/office/drawing/2014/main" val="283668573"/>
+                  </a:ext>
+                </a:extLst>
+              </a:tr>
+              <a:tr h="519156">
+                <a:tc>
+                  <a:txBody>
+                    <a:bodyPr/>
+                    <a:lstStyle/>
+                    <a:p>
+                      <a:r>
+                        <a:rPr lang="en-US" dirty="0"/>
+                        <a:t>2. Link</a:t>
+                      </a:r>
+                    </a:p>
+                  </a:txBody>
+                  <a:tcPr/>
+                </a:tc>
+                <a:tc>
+                  <a:txBody>
+                    <a:bodyPr/>
+                    <a:lstStyle/>
+                    <a:p>
+                      <a:r>
+                        <a:rPr lang="en-US" dirty="0"/>
+                        <a:t>ARP</a:t>
+                      </a:r>
+                    </a:p>
+                  </a:txBody>
+                  <a:tcPr/>
+                </a:tc>
+                <a:extLst>
+                  <a:ext uri="{0D108BD9-81ED-4DB2-BD59-A6C34878D82A}">
+                    <a16:rowId xmlns:a16="http://schemas.microsoft.com/office/drawing/2014/main" val="1642367206"/>
+                  </a:ext>
+                </a:extLst>
+              </a:tr>
+              <a:tr h="519156">
+                <a:tc>
+                  <a:txBody>
+                    <a:bodyPr/>
+                    <a:lstStyle/>
+                    <a:p>
+                      <a:r>
+                        <a:rPr lang="en-US" dirty="0"/>
+                        <a:t>1. Physical</a:t>
+                      </a:r>
+                    </a:p>
+                  </a:txBody>
+                  <a:tcPr/>
+                </a:tc>
+                <a:tc>
+                  <a:txBody>
+                    <a:bodyPr/>
+                    <a:lstStyle/>
+                    <a:p>
+                      <a:r>
+                        <a:rPr lang="en-US" dirty="0"/>
+                        <a:t>WPA</a:t>
+                      </a:r>
+                    </a:p>
+                  </a:txBody>
+                  <a:tcPr/>
+                </a:tc>
+                <a:extLst>
+                  <a:ext uri="{0D108BD9-81ED-4DB2-BD59-A6C34878D82A}">
+                    <a16:rowId xmlns:a16="http://schemas.microsoft.com/office/drawing/2014/main" val="481039944"/>
+                  </a:ext>
+                </a:extLst>
+              </a:tr>
+            </a:tbl>
+          </a:graphicData>
+        </a:graphic>
+      </p:graphicFrame>
+      <p:graphicFrame>
+        <p:nvGraphicFramePr>
+          <p:cNvPr id="3" name="Table 2">
+            <a:extLst>
+              <a:ext uri="{FF2B5EF4-FFF2-40B4-BE49-F238E27FC236}">
+                <a16:creationId xmlns:a16="http://schemas.microsoft.com/office/drawing/2014/main" id="{596DD28A-BC6A-77FD-4616-43347A987C29}"/>
+              </a:ext>
+            </a:extLst>
+          </p:cNvPr>
+          <p:cNvGraphicFramePr>
+            <a:graphicFrameLocks noGrp="1"/>
+          </p:cNvGraphicFramePr>
+          <p:nvPr/>
+        </p:nvGraphicFramePr>
+        <p:xfrm>
+          <a:off x="5148970" y="2082724"/>
+          <a:ext cx="3474330" cy="1463407"/>
+        </p:xfrm>
+        <a:graphic>
+          <a:graphicData uri="http://schemas.openxmlformats.org/drawingml/2006/table">
+            <a:tbl>
+              <a:tblPr firstRow="1" bandRow="1">
+                <a:tableStyleId>{BFE604CA-AD57-4AB2-B3D3-69E05442DE48}</a:tableStyleId>
+              </a:tblPr>
+              <a:tblGrid>
+                <a:gridCol w="2022047">
+                  <a:extLst>
+                    <a:ext uri="{9D8B030D-6E8A-4147-A177-3AD203B41FA5}">
+                      <a16:colId xmlns:a16="http://schemas.microsoft.com/office/drawing/2014/main" val="965927944"/>
+                    </a:ext>
+                  </a:extLst>
+                </a:gridCol>
+                <a:gridCol w="1452283">
+                  <a:extLst>
+                    <a:ext uri="{9D8B030D-6E8A-4147-A177-3AD203B41FA5}">
+                      <a16:colId xmlns:a16="http://schemas.microsoft.com/office/drawing/2014/main" val="1858491372"/>
+                    </a:ext>
+                  </a:extLst>
+                </a:gridCol>
+              </a:tblGrid>
+              <a:tr h="394303">
+                <a:tc>
+                  <a:txBody>
+                    <a:bodyPr/>
+                    <a:lstStyle/>
+                    <a:p>
+                      <a:r>
+                        <a:rPr lang="en-US" b="1" dirty="0"/>
+                        <a:t>Extra Protocols</a:t>
+                      </a:r>
+                    </a:p>
+                  </a:txBody>
+                  <a:tcPr/>
+                </a:tc>
+                <a:tc>
+                  <a:txBody>
+                    <a:bodyPr/>
+                    <a:lstStyle/>
+                    <a:p>
+                      <a:endParaRPr lang="en-US" dirty="0"/>
+                    </a:p>
+                  </a:txBody>
+                  <a:tcPr/>
+                </a:tc>
+                <a:extLst>
+                  <a:ext uri="{0D108BD9-81ED-4DB2-BD59-A6C34878D82A}">
+                    <a16:rowId xmlns:a16="http://schemas.microsoft.com/office/drawing/2014/main" val="186111488"/>
+                  </a:ext>
+                </a:extLst>
+              </a:tr>
+              <a:tr h="394303">
+                <a:tc>
+                  <a:txBody>
+                    <a:bodyPr/>
+                    <a:lstStyle/>
+                    <a:p>
+                      <a:r>
+                        <a:rPr lang="en-US" dirty="0"/>
+                        <a:t>Connect for the first time</a:t>
+                      </a:r>
+                    </a:p>
+                  </a:txBody>
+                  <a:tcPr/>
+                </a:tc>
+                <a:tc>
+                  <a:txBody>
+                    <a:bodyPr/>
+                    <a:lstStyle/>
+                    <a:p>
+                      <a:r>
+                        <a:rPr lang="en-US" dirty="0"/>
+                        <a:t>DHCP</a:t>
+                      </a:r>
+                    </a:p>
+                  </a:txBody>
+                  <a:tcPr/>
+                </a:tc>
+                <a:extLst>
+                  <a:ext uri="{0D108BD9-81ED-4DB2-BD59-A6C34878D82A}">
+                    <a16:rowId xmlns:a16="http://schemas.microsoft.com/office/drawing/2014/main" val="2294998440"/>
+                  </a:ext>
+                </a:extLst>
+              </a:tr>
+              <a:tr h="550944">
+                <a:tc>
+                  <a:txBody>
+                    <a:bodyPr/>
+                    <a:lstStyle/>
+                    <a:p>
+                      <a:r>
+                        <a:rPr lang="en-US" dirty="0"/>
+                        <a:t>Convert hostname to IP address</a:t>
+                      </a:r>
+                    </a:p>
+                  </a:txBody>
+                  <a:tcPr/>
+                </a:tc>
+                <a:tc>
+                  <a:txBody>
+                    <a:bodyPr/>
+                    <a:lstStyle/>
+                    <a:p>
+                      <a:r>
+                        <a:rPr lang="en-US" dirty="0"/>
+                        <a:t>DNS, DNSSEC</a:t>
+                      </a:r>
+                    </a:p>
+                  </a:txBody>
+                  <a:tcPr/>
+                </a:tc>
+                <a:extLst>
+                  <a:ext uri="{0D108BD9-81ED-4DB2-BD59-A6C34878D82A}">
+                    <a16:rowId xmlns:a16="http://schemas.microsoft.com/office/drawing/2014/main" val="336910319"/>
+                  </a:ext>
+                </a:extLst>
+              </a:tr>
+            </a:tbl>
+          </a:graphicData>
+        </a:graphic>
+      </p:graphicFrame>
+    </p:spTree>
+    <p:extLst>
+      <p:ext uri="{BB962C8B-B14F-4D97-AF65-F5344CB8AC3E}">
+        <p14:creationId xmlns:p14="http://schemas.microsoft.com/office/powerpoint/2010/main" val="3331534466"/>
+      </p:ext>
+    </p:extLst>
+  </p:cSld>
+  <p:clrMapOvr>
+    <a:masterClrMapping/>
+  </p:clrMapOvr>
+</p:sld>
+</file>
+
+<file path=ppt/slides/slide5.xml><?xml version="1.0" encoding="utf-8"?>
+<p:sld xmlns:a="http://schemas.openxmlformats.org/drawingml/2006/main" xmlns:r="http://schemas.openxmlformats.org/officeDocument/2006/relationships" xmlns:p="http://schemas.openxmlformats.org/presentationml/2006/main">
+  <p:cSld>
+    <p:spTree>
+      <p:nvGrpSpPr>
+        <p:cNvPr id="1" name="Shape 938"/>
+        <p:cNvGrpSpPr/>
+        <p:nvPr/>
+      </p:nvGrpSpPr>
+      <p:grpSpPr>
+        <a:xfrm>
+          <a:off x="0" y="0"/>
+          <a:ext cx="0" cy="0"/>
+          <a:chOff x="0" y="0"/>
+          <a:chExt cx="0" cy="0"/>
+        </a:xfrm>
+      </p:grpSpPr>
+      <p:sp>
+        <p:nvSpPr>
+          <p:cNvPr id="940" name="Google Shape;940;p68"/>
+          <p:cNvSpPr txBox="1">
+            <a:spLocks noGrp="1"/>
+          </p:cNvSpPr>
+          <p:nvPr>
+            <p:ph type="title"/>
+          </p:nvPr>
+        </p:nvSpPr>
+        <p:spPr>
+          <a:xfrm>
+            <a:off x="311700" y="2150850"/>
+            <a:ext cx="8520600" cy="841800"/>
+          </a:xfrm>
+          <a:prstGeom prst="rect">
+            <a:avLst/>
+          </a:prstGeom>
+        </p:spPr>
+        <p:txBody>
+          <a:bodyPr spcFirstLastPara="1" wrap="square" lIns="91425" tIns="91425" rIns="91425" bIns="91425" anchor="ctr" anchorCtr="0">
+            <a:normAutofit/>
+          </a:bodyPr>
+          <a:lstStyle/>
+          <a:p>
+            <a:pPr marL="0" lvl="0" indent="0" algn="ctr" rtl="0">
+              <a:spcBef>
+                <a:spcPts val="0"/>
+              </a:spcBef>
+              <a:spcAft>
+                <a:spcPts val="0"/>
+              </a:spcAft>
+              <a:buNone/>
+            </a:pPr>
+            <a:r>
+              <a:rPr lang="en"/>
+              <a:t>Network Attackers</a:t>
+            </a:r>
+            <a:endParaRPr/>
+          </a:p>
+        </p:txBody>
+      </p:sp>
+      <p:sp>
+        <p:nvSpPr>
+          <p:cNvPr id="941" name="Google Shape;941;p68"/>
+          <p:cNvSpPr txBox="1">
+            <a:spLocks noGrp="1"/>
+          </p:cNvSpPr>
+          <p:nvPr>
+            <p:ph type="sldNum" idx="12"/>
+          </p:nvPr>
+        </p:nvSpPr>
+        <p:spPr>
+          <a:xfrm>
+            <a:off x="8472458" y="4663217"/>
+            <a:ext cx="548700" cy="393600"/>
+          </a:xfrm>
+          <a:prstGeom prst="rect">
+            <a:avLst/>
+          </a:prstGeom>
+        </p:spPr>
+        <p:txBody>
+          <a:bodyPr spcFirstLastPara="1" wrap="square" lIns="91425" tIns="91425" rIns="91425" bIns="91425" anchor="ctr" anchorCtr="0">
+            <a:normAutofit/>
+          </a:bodyPr>
+          <a:lstStyle/>
+          <a:p>
+            <a:pPr marL="0" lvl="0" indent="0" algn="r" rtl="0">
+              <a:spcBef>
+                <a:spcPts val="0"/>
+              </a:spcBef>
+              <a:spcAft>
+                <a:spcPts val="0"/>
+              </a:spcAft>
+              <a:buNone/>
+            </a:pPr>
+            <a:fld id="{00000000-1234-1234-1234-123412341234}" type="slidenum">
+              <a:rPr lang="en"/>
+              <a:t>5</a:t>
+            </a:fld>
+            <a:endParaRPr/>
+          </a:p>
+        </p:txBody>
+      </p:sp>
+    </p:spTree>
+  </p:cSld>
+  <p:clrMapOvr>
+    <a:masterClrMapping/>
+  </p:clrMapOvr>
+</p:sld>
+</file>
+
+<file path=ppt/slides/slide6.xml><?xml version="1.0" encoding="utf-8"?>
 <p:sld xmlns:a="http://schemas.openxmlformats.org/drawingml/2006/main" xmlns:r="http://schemas.openxmlformats.org/officeDocument/2006/relationships" xmlns:p="http://schemas.openxmlformats.org/presentationml/2006/main">
   <p:cSld>
     <p:spTree>
@@ -27781,7 +29097,7 @@
             </a:pPr>
             <a:fld id="{00000000-1234-1234-1234-123412341234}" type="slidenum">
               <a:rPr lang="en"/>
-              <a:t>4</a:t>
+              <a:t>6</a:t>
             </a:fld>
             <a:endParaRPr/>
           </a:p>
@@ -28550,7 +29866,7 @@
 </p:sld>
 </file>
 
-<file path=ppt/slides/slide5.xml><?xml version="1.0" encoding="utf-8"?>
+<file path=ppt/slides/slide7.xml><?xml version="1.0" encoding="utf-8"?>
 <p:sld xmlns:a="http://schemas.openxmlformats.org/drawingml/2006/main" xmlns:r="http://schemas.openxmlformats.org/officeDocument/2006/relationships" xmlns:p="http://schemas.openxmlformats.org/presentationml/2006/main">
   <p:cSld>
     <p:spTree>
@@ -28781,7 +30097,7 @@
             </a:pPr>
             <a:fld id="{00000000-1234-1234-1234-123412341234}" type="slidenum">
               <a:rPr lang="en"/>
-              <a:t>5</a:t>
+              <a:t>7</a:t>
             </a:fld>
             <a:endParaRPr/>
           </a:p>
@@ -28795,7 +30111,7 @@
 </p:sld>
 </file>
 
-<file path=ppt/slides/slide6.xml><?xml version="1.0" encoding="utf-8"?>
+<file path=ppt/slides/slide8.xml><?xml version="1.0" encoding="utf-8"?>
 <p:sld xmlns:a="http://schemas.openxmlformats.org/drawingml/2006/main" xmlns:r="http://schemas.openxmlformats.org/officeDocument/2006/relationships" xmlns:p="http://schemas.openxmlformats.org/presentationml/2006/main">
   <p:cSld>
     <p:spTree>
@@ -28894,7 +30210,7 @@
                   <a:schemeClr val="dk2"/>
                 </a:solidFill>
               </a:rPr>
-              <a:t>6</a:t>
+              <a:t>8</a:t>
             </a:fld>
             <a:endParaRPr b="0">
               <a:solidFill>
@@ -29028,7 +30344,7 @@
 </p:sld>
 </file>
 
-<file path=ppt/slides/slide7.xml><?xml version="1.0" encoding="utf-8"?>
+<file path=ppt/slides/slide9.xml><?xml version="1.0" encoding="utf-8"?>
 <p:sld xmlns:a="http://schemas.openxmlformats.org/drawingml/2006/main" xmlns:r="http://schemas.openxmlformats.org/officeDocument/2006/relationships" xmlns:p="http://schemas.openxmlformats.org/presentationml/2006/main">
   <p:cSld>
     <p:spTree>
@@ -29123,7 +30439,7 @@
             </a:pPr>
             <a:fld id="{00000000-1234-1234-1234-123412341234}" type="slidenum">
               <a:rPr lang="en"/>
-              <a:t>7</a:t>
+              <a:t>9</a:t>
             </a:fld>
             <a:endParaRPr/>
           </a:p>
@@ -29771,7 +31087,7 @@
                                         <p:tgtEl>
                                           <p:spTgt spid="981">
                                             <p:txEl>
-                                              <p:pRg st="1" end="1"/>
+                                              <p:pRg st="3" end="3"/>
                                             </p:txEl>
                                           </p:spTgt>
                                         </p:tgtEl>
@@ -29802,7 +31118,38 @@
                                         <p:tgtEl>
                                           <p:spTgt spid="981">
                                             <p:txEl>
-                                              <p:pRg st="2" end="2"/>
+                                              <p:pRg st="4" end="4"/>
+                                            </p:txEl>
+                                          </p:spTgt>
+                                        </p:tgtEl>
+                                        <p:attrNameLst>
+                                          <p:attrName>style.visibility</p:attrName>
+                                        </p:attrNameLst>
+                                      </p:cBhvr>
+                                      <p:to>
+                                        <p:strVal val="visible"/>
+                                      </p:to>
+                                    </p:set>
+                                  </p:childTnLst>
+                                </p:cTn>
+                              </p:par>
+                              <p:par>
+                                <p:cTn id="9" presetID="1" presetClass="entr" presetSubtype="0" fill="hold" nodeType="withEffect">
+                                  <p:stCondLst>
+                                    <p:cond delay="0"/>
+                                  </p:stCondLst>
+                                  <p:childTnLst>
+                                    <p:set>
+                                      <p:cBhvr>
+                                        <p:cTn id="10" dur="1" fill="hold">
+                                          <p:stCondLst>
+                                            <p:cond delay="0"/>
+                                          </p:stCondLst>
+                                        </p:cTn>
+                                        <p:tgtEl>
+                                          <p:spTgt spid="981">
+                                            <p:txEl>
+                                              <p:pRg st="5" end="5"/>
                                             </p:txEl>
                                           </p:spTgt>
                                         </p:tgtEl>
@@ -29824,50 +31171,19 @@
                     </p:cTn>
                   </p:par>
                   <p:par>
-                    <p:cTn id="9" fill="hold">
+                    <p:cTn id="11" fill="hold">
                       <p:stCondLst>
                         <p:cond delay="indefinite"/>
                       </p:stCondLst>
                       <p:childTnLst>
                         <p:par>
-                          <p:cTn id="10" fill="hold">
+                          <p:cTn id="12" fill="hold">
                             <p:stCondLst>
                               <p:cond delay="0"/>
                             </p:stCondLst>
                             <p:childTnLst>
                               <p:par>
-                                <p:cTn id="11" presetID="1" presetClass="entr" presetSubtype="0" fill="hold" nodeType="clickEffect">
-                                  <p:stCondLst>
-                                    <p:cond delay="0"/>
-                                  </p:stCondLst>
-                                  <p:childTnLst>
-                                    <p:set>
-                                      <p:cBhvr>
-                                        <p:cTn id="12" dur="1" fill="hold">
-                                          <p:stCondLst>
-                                            <p:cond delay="0"/>
-                                          </p:stCondLst>
-                                        </p:cTn>
-                                        <p:tgtEl>
-                                          <p:spTgt spid="981">
-                                            <p:txEl>
-                                              <p:pRg st="3" end="3"/>
-                                            </p:txEl>
-                                          </p:spTgt>
-                                        </p:tgtEl>
-                                        <p:attrNameLst>
-                                          <p:attrName>style.visibility</p:attrName>
-                                        </p:attrNameLst>
-                                      </p:cBhvr>
-                                      <p:to>
-                                        <p:strVal val="visible"/>
-                                      </p:to>
-                                    </p:set>
-                                  </p:childTnLst>
-                                </p:cTn>
-                              </p:par>
-                              <p:par>
-                                <p:cTn id="13" presetID="1" presetClass="entr" presetSubtype="0" fill="hold" nodeType="withEffect">
+                                <p:cTn id="13" presetID="1" presetClass="entr" presetSubtype="0" fill="hold" nodeType="clickEffect">
                                   <p:stCondLst>
                                     <p:cond delay="0"/>
                                   </p:stCondLst>
@@ -29882,7 +31198,7 @@
                                         <p:tgtEl>
                                           <p:spTgt spid="981">
                                             <p:txEl>
-                                              <p:pRg st="4" end="4"/>
+                                              <p:pRg st="6" end="6"/>
                                             </p:txEl>
                                           </p:spTgt>
                                         </p:tgtEl>
@@ -29913,86 +31229,6 @@
                                         <p:tgtEl>
                                           <p:spTgt spid="981">
                                             <p:txEl>
-                                              <p:pRg st="5" end="5"/>
-                                            </p:txEl>
-                                          </p:spTgt>
-                                        </p:tgtEl>
-                                        <p:attrNameLst>
-                                          <p:attrName>style.visibility</p:attrName>
-                                        </p:attrNameLst>
-                                      </p:cBhvr>
-                                      <p:to>
-                                        <p:strVal val="visible"/>
-                                      </p:to>
-                                    </p:set>
-                                  </p:childTnLst>
-                                </p:cTn>
-                              </p:par>
-                            </p:childTnLst>
-                          </p:cTn>
-                        </p:par>
-                      </p:childTnLst>
-                    </p:cTn>
-                  </p:par>
-                  <p:par>
-                    <p:cTn id="17" fill="hold">
-                      <p:stCondLst>
-                        <p:cond delay="indefinite"/>
-                      </p:stCondLst>
-                      <p:childTnLst>
-                        <p:par>
-                          <p:cTn id="18" fill="hold">
-                            <p:stCondLst>
-                              <p:cond delay="0"/>
-                            </p:stCondLst>
-                            <p:childTnLst>
-                              <p:par>
-                                <p:cTn id="19" presetID="1" presetClass="entr" presetSubtype="0" fill="hold" nodeType="clickEffect">
-                                  <p:stCondLst>
-                                    <p:cond delay="0"/>
-                                  </p:stCondLst>
-                                  <p:childTnLst>
-                                    <p:set>
-                                      <p:cBhvr>
-                                        <p:cTn id="20" dur="1" fill="hold">
-                                          <p:stCondLst>
-                                            <p:cond delay="0"/>
-                                          </p:stCondLst>
-                                        </p:cTn>
-                                        <p:tgtEl>
-                                          <p:spTgt spid="981">
-                                            <p:txEl>
-                                              <p:pRg st="6" end="6"/>
-                                            </p:txEl>
-                                          </p:spTgt>
-                                        </p:tgtEl>
-                                        <p:attrNameLst>
-                                          <p:attrName>style.visibility</p:attrName>
-                                        </p:attrNameLst>
-                                      </p:cBhvr>
-                                      <p:to>
-                                        <p:strVal val="visible"/>
-                                      </p:to>
-                                    </p:set>
-                                  </p:childTnLst>
-                                </p:cTn>
-                              </p:par>
-                              <p:par>
-                                <p:cTn id="21" presetID="1" presetClass="entr" presetSubtype="0" fill="hold" nodeType="withEffect">
-                                  <p:stCondLst>
-                                    <p:cond delay="0"/>
-                                  </p:stCondLst>
-                                  <p:childTnLst>
-                                    <p:set>
-                                      <p:cBhvr>
-                                        <p:cTn id="22" dur="1" fill="hold">
-                                          <p:stCondLst>
-                                            <p:cond delay="0"/>
-                                          </p:stCondLst>
-                                        </p:cTn>
-                                        <p:tgtEl>
-                                          <p:spTgt spid="981">
-                                            <p:txEl>
                                               <p:pRg st="7" end="7"/>
                                             </p:txEl>
                                           </p:spTgt>
@@ -30009,14 +31245,14 @@
                                 </p:cTn>
                               </p:par>
                               <p:par>
-                                <p:cTn id="23" presetID="1" presetClass="entr" presetSubtype="0" fill="hold" nodeType="withEffect">
+                                <p:cTn id="17" presetID="1" presetClass="entr" presetSubtype="0" fill="hold" nodeType="withEffect">
                                   <p:stCondLst>
                                     <p:cond delay="0"/>
                                   </p:stCondLst>
                                   <p:childTnLst>
                                     <p:set>
                                       <p:cBhvr>
-                                        <p:cTn id="24" dur="1" fill="hold">
+                                        <p:cTn id="18" dur="1" fill="hold">
                                           <p:stCondLst>
                                             <p:cond delay="0"/>
                                           </p:stCondLst>
@@ -30067,387 +31303,6 @@
       </p:par>
     </p:tnLst>
   </p:timing>
-</p:sld>
-</file>
-
-<file path=ppt/slides/slide8.xml><?xml version="1.0" encoding="utf-8"?>
-<p:sld xmlns:a="http://schemas.openxmlformats.org/drawingml/2006/main" xmlns:r="http://schemas.openxmlformats.org/officeDocument/2006/relationships" xmlns:p="http://schemas.openxmlformats.org/presentationml/2006/main">
-  <p:cSld>
-    <p:spTree>
-      <p:nvGrpSpPr>
-        <p:cNvPr id="1" name="Shape 998"/>
-        <p:cNvGrpSpPr/>
-        <p:nvPr/>
-      </p:nvGrpSpPr>
-      <p:grpSpPr>
-        <a:xfrm>
-          <a:off x="0" y="0"/>
-          <a:ext cx="0" cy="0"/>
-          <a:chOff x="0" y="0"/>
-          <a:chExt cx="0" cy="0"/>
-        </a:xfrm>
-      </p:grpSpPr>
-      <p:sp>
-        <p:nvSpPr>
-          <p:cNvPr id="999" name="Google Shape;999;p74"/>
-          <p:cNvSpPr txBox="1">
-            <a:spLocks noGrp="1"/>
-          </p:cNvSpPr>
-          <p:nvPr>
-            <p:ph type="title"/>
-          </p:nvPr>
-        </p:nvSpPr>
-        <p:spPr>
-          <a:xfrm>
-            <a:off x="102700" y="270875"/>
-            <a:ext cx="8520600" cy="572700"/>
-          </a:xfrm>
-          <a:prstGeom prst="rect">
-            <a:avLst/>
-          </a:prstGeom>
-        </p:spPr>
-        <p:txBody>
-          <a:bodyPr spcFirstLastPara="1" wrap="square" lIns="91425" tIns="91425" rIns="91425" bIns="91425" anchor="t" anchorCtr="0">
-            <a:normAutofit fontScale="90000"/>
-          </a:bodyPr>
-          <a:lstStyle/>
-          <a:p>
-            <a:pPr marL="0" lvl="0" indent="0" algn="l" rtl="0">
-              <a:spcBef>
-                <a:spcPts val="0"/>
-              </a:spcBef>
-              <a:spcAft>
-                <a:spcPts val="0"/>
-              </a:spcAft>
-              <a:buNone/>
-            </a:pPr>
-            <a:r>
-              <a:rPr lang="en"/>
-              <a:t>Real-World On-Path Attackers</a:t>
-            </a:r>
-            <a:endParaRPr/>
-          </a:p>
-        </p:txBody>
-      </p:sp>
-      <p:sp>
-        <p:nvSpPr>
-          <p:cNvPr id="1000" name="Google Shape;1000;p74"/>
-          <p:cNvSpPr txBox="1">
-            <a:spLocks noGrp="1"/>
-          </p:cNvSpPr>
-          <p:nvPr>
-            <p:ph type="sldNum" idx="12"/>
-          </p:nvPr>
-        </p:nvSpPr>
-        <p:spPr>
-          <a:xfrm>
-            <a:off x="8472458" y="4663217"/>
-            <a:ext cx="548700" cy="393600"/>
-          </a:xfrm>
-          <a:prstGeom prst="rect">
-            <a:avLst/>
-          </a:prstGeom>
-        </p:spPr>
-        <p:txBody>
-          <a:bodyPr spcFirstLastPara="1" wrap="square" lIns="91425" tIns="91425" rIns="91425" bIns="91425" anchor="ctr" anchorCtr="0">
-            <a:normAutofit/>
-          </a:bodyPr>
-          <a:lstStyle/>
-          <a:p>
-            <a:pPr marL="0" lvl="0" indent="0" algn="r" rtl="0">
-              <a:spcBef>
-                <a:spcPts val="0"/>
-              </a:spcBef>
-              <a:spcAft>
-                <a:spcPts val="0"/>
-              </a:spcAft>
-              <a:buNone/>
-            </a:pPr>
-            <a:fld id="{00000000-1234-1234-1234-123412341234}" type="slidenum">
-              <a:rPr lang="en" b="0">
-                <a:solidFill>
-                  <a:schemeClr val="dk2"/>
-                </a:solidFill>
-              </a:rPr>
-              <a:t>8</a:t>
-            </a:fld>
-            <a:endParaRPr b="0">
-              <a:solidFill>
-                <a:schemeClr val="dk2"/>
-              </a:solidFill>
-            </a:endParaRPr>
-          </a:p>
-        </p:txBody>
-      </p:sp>
-      <p:sp>
-        <p:nvSpPr>
-          <p:cNvPr id="1001" name="Google Shape;1001;p74"/>
-          <p:cNvSpPr txBox="1">
-            <a:spLocks noGrp="1"/>
-          </p:cNvSpPr>
-          <p:nvPr>
-            <p:ph type="body" idx="1"/>
-          </p:nvPr>
-        </p:nvSpPr>
-        <p:spPr>
-          <a:xfrm>
-            <a:off x="198500" y="1246825"/>
-            <a:ext cx="8520600" cy="1677300"/>
-          </a:xfrm>
-          <a:prstGeom prst="rect">
-            <a:avLst/>
-          </a:prstGeom>
-        </p:spPr>
-        <p:txBody>
-          <a:bodyPr spcFirstLastPara="1" wrap="square" lIns="91425" tIns="91425" rIns="91425" bIns="91425" anchor="t" anchorCtr="0">
-            <a:normAutofit/>
-          </a:bodyPr>
-          <a:lstStyle/>
-          <a:p>
-            <a:pPr marL="457200" lvl="0" indent="-342900" algn="l" rtl="0">
-              <a:spcBef>
-                <a:spcPts val="0"/>
-              </a:spcBef>
-              <a:spcAft>
-                <a:spcPts val="0"/>
-              </a:spcAft>
-              <a:buSzPts val="1800"/>
-              <a:buChar char="●"/>
-            </a:pPr>
-            <a:r>
-              <a:rPr lang="en" b="1" dirty="0" err="1">
-                <a:latin typeface="Courier New"/>
-                <a:ea typeface="Courier New"/>
-                <a:cs typeface="Courier New"/>
-                <a:sym typeface="Courier New"/>
-              </a:rPr>
-              <a:t>tcpdump</a:t>
-            </a:r>
-            <a:r>
-              <a:rPr lang="en" dirty="0"/>
-              <a:t>: A program for reading packets on the local network</a:t>
-            </a:r>
-            <a:endParaRPr dirty="0"/>
-          </a:p>
-          <a:p>
-            <a:pPr marL="914400" lvl="1" indent="-317500" algn="l" rtl="0">
-              <a:spcBef>
-                <a:spcPts val="0"/>
-              </a:spcBef>
-              <a:spcAft>
-                <a:spcPts val="0"/>
-              </a:spcAft>
-              <a:buSzPts val="1400"/>
-              <a:buChar char="○"/>
-            </a:pPr>
-            <a:r>
-              <a:rPr lang="en" dirty="0"/>
-              <a:t>Uses promiscuous mode to read other machines’ packets in broadcast technologies</a:t>
-            </a:r>
-            <a:endParaRPr dirty="0"/>
-          </a:p>
-          <a:p>
-            <a:pPr marL="457200" lvl="0" indent="-342900" algn="l" rtl="0">
-              <a:spcBef>
-                <a:spcPts val="0"/>
-              </a:spcBef>
-              <a:spcAft>
-                <a:spcPts val="0"/>
-              </a:spcAft>
-              <a:buSzPts val="1800"/>
-              <a:buChar char="●"/>
-            </a:pPr>
-            <a:r>
-              <a:rPr lang="en" dirty="0"/>
-              <a:t>Wireshark: A graphical user interface (GUI) for analyzing </a:t>
-            </a:r>
-            <a:r>
-              <a:rPr lang="en" b="1" dirty="0" err="1">
-                <a:latin typeface="Courier New"/>
-                <a:ea typeface="Courier New"/>
-                <a:cs typeface="Courier New"/>
-                <a:sym typeface="Courier New"/>
-              </a:rPr>
-              <a:t>tcpdump</a:t>
-            </a:r>
-            <a:r>
-              <a:rPr lang="en" dirty="0"/>
-              <a:t> packets</a:t>
-            </a:r>
-            <a:endParaRPr dirty="0"/>
-          </a:p>
-        </p:txBody>
-      </p:sp>
-      <p:pic>
-        <p:nvPicPr>
-          <p:cNvPr id="1002" name="Google Shape;1002;p74"/>
-          <p:cNvPicPr preferRelativeResize="0"/>
-          <p:nvPr/>
-        </p:nvPicPr>
-        <p:blipFill>
-          <a:blip r:embed="rId3">
-            <a:alphaModFix/>
-          </a:blip>
-          <a:stretch>
-            <a:fillRect/>
-          </a:stretch>
-        </p:blipFill>
-        <p:spPr>
-          <a:xfrm>
-            <a:off x="925925" y="2752550"/>
-            <a:ext cx="3570724" cy="2351975"/>
-          </a:xfrm>
-          <a:prstGeom prst="rect">
-            <a:avLst/>
-          </a:prstGeom>
-          <a:noFill/>
-          <a:ln>
-            <a:noFill/>
-          </a:ln>
-        </p:spPr>
-      </p:pic>
-      <p:pic>
-        <p:nvPicPr>
-          <p:cNvPr id="1003" name="Google Shape;1003;p74"/>
-          <p:cNvPicPr preferRelativeResize="0"/>
-          <p:nvPr/>
-        </p:nvPicPr>
-        <p:blipFill>
-          <a:blip r:embed="rId4">
-            <a:alphaModFix/>
-          </a:blip>
-          <a:stretch>
-            <a:fillRect/>
-          </a:stretch>
-        </p:blipFill>
-        <p:spPr>
-          <a:xfrm>
-            <a:off x="5029200" y="2752550"/>
-            <a:ext cx="3547008" cy="2351975"/>
-          </a:xfrm>
-          <a:prstGeom prst="rect">
-            <a:avLst/>
-          </a:prstGeom>
-          <a:noFill/>
-          <a:ln>
-            <a:noFill/>
-          </a:ln>
-        </p:spPr>
-      </p:pic>
-    </p:spTree>
-  </p:cSld>
-  <p:clrMapOvr>
-    <a:masterClrMapping/>
-  </p:clrMapOvr>
-</p:sld>
-</file>
-
-<file path=ppt/slides/slide9.xml><?xml version="1.0" encoding="utf-8"?>
-<p:sld xmlns:a="http://schemas.openxmlformats.org/drawingml/2006/main" xmlns:r="http://schemas.openxmlformats.org/officeDocument/2006/relationships" xmlns:p="http://schemas.openxmlformats.org/presentationml/2006/main">
-  <p:cSld>
-    <p:spTree>
-      <p:nvGrpSpPr>
-        <p:cNvPr id="1" name="Shape 1032"/>
-        <p:cNvGrpSpPr/>
-        <p:nvPr/>
-      </p:nvGrpSpPr>
-      <p:grpSpPr>
-        <a:xfrm>
-          <a:off x="0" y="0"/>
-          <a:ext cx="0" cy="0"/>
-          <a:chOff x="0" y="0"/>
-          <a:chExt cx="0" cy="0"/>
-        </a:xfrm>
-      </p:grpSpPr>
-      <p:sp>
-        <p:nvSpPr>
-          <p:cNvPr id="1033" name="Google Shape;1033;p77"/>
-          <p:cNvSpPr txBox="1">
-            <a:spLocks noGrp="1"/>
-          </p:cNvSpPr>
-          <p:nvPr>
-            <p:ph type="title"/>
-          </p:nvPr>
-        </p:nvSpPr>
-        <p:spPr>
-          <a:xfrm>
-            <a:off x="311700" y="2150850"/>
-            <a:ext cx="8520600" cy="841800"/>
-          </a:xfrm>
-          <a:prstGeom prst="rect">
-            <a:avLst/>
-          </a:prstGeom>
-        </p:spPr>
-        <p:txBody>
-          <a:bodyPr spcFirstLastPara="1" wrap="square" lIns="91425" tIns="91425" rIns="91425" bIns="91425" anchor="ctr" anchorCtr="0">
-            <a:normAutofit/>
-          </a:bodyPr>
-          <a:lstStyle/>
-          <a:p>
-            <a:pPr marL="0" lvl="0" indent="0" algn="ctr" rtl="0">
-              <a:spcBef>
-                <a:spcPts val="0"/>
-              </a:spcBef>
-              <a:spcAft>
-                <a:spcPts val="0"/>
-              </a:spcAft>
-              <a:buNone/>
-            </a:pPr>
-            <a:r>
-              <a:rPr lang="en"/>
-              <a:t>Address Resolution Protocol (ARP)</a:t>
-            </a:r>
-            <a:endParaRPr/>
-          </a:p>
-        </p:txBody>
-      </p:sp>
-      <p:sp>
-        <p:nvSpPr>
-          <p:cNvPr id="1034" name="Google Shape;1034;p77"/>
-          <p:cNvSpPr txBox="1">
-            <a:spLocks noGrp="1"/>
-          </p:cNvSpPr>
-          <p:nvPr>
-            <p:ph type="sldNum" idx="12"/>
-          </p:nvPr>
-        </p:nvSpPr>
-        <p:spPr>
-          <a:xfrm>
-            <a:off x="8472458" y="4663217"/>
-            <a:ext cx="548700" cy="393600"/>
-          </a:xfrm>
-          <a:prstGeom prst="rect">
-            <a:avLst/>
-          </a:prstGeom>
-        </p:spPr>
-        <p:txBody>
-          <a:bodyPr spcFirstLastPara="1" wrap="square" lIns="91425" tIns="91425" rIns="91425" bIns="91425" anchor="ctr" anchorCtr="0">
-            <a:normAutofit/>
-          </a:bodyPr>
-          <a:lstStyle/>
-          <a:p>
-            <a:pPr marL="0" lvl="0" indent="0" algn="r" rtl="0">
-              <a:spcBef>
-                <a:spcPts val="0"/>
-              </a:spcBef>
-              <a:spcAft>
-                <a:spcPts val="0"/>
-              </a:spcAft>
-              <a:buNone/>
-            </a:pPr>
-            <a:fld id="{00000000-1234-1234-1234-123412341234}" type="slidenum">
-              <a:rPr lang="en"/>
-              <a:t>9</a:t>
-            </a:fld>
-            <a:endParaRPr/>
-          </a:p>
-        </p:txBody>
-      </p:sp>
-    </p:spTree>
-  </p:cSld>
-  <p:clrMapOvr>
-    <a:masterClrMapping/>
-  </p:clrMapOvr>
 </p:sld>
 </file>
 
